--- a/slides/T319_Regressão_Linear (Escalonamento de Atributos).pptx
+++ b/slides/T319_Regressão_Linear (Escalonamento de Atributos).pptx
@@ -5,7 +5,7 @@
     <p:sldMasterId id="2147483648" r:id="rId1"/>
   </p:sldMasterIdLst>
   <p:notesMasterIdLst>
-    <p:notesMasterId r:id="rId21"/>
+    <p:notesMasterId r:id="rId20"/>
   </p:notesMasterIdLst>
   <p:sldIdLst>
     <p:sldId id="259" r:id="rId2"/>
@@ -20,13 +20,12 @@
     <p:sldId id="336" r:id="rId11"/>
     <p:sldId id="467" r:id="rId12"/>
     <p:sldId id="335" r:id="rId13"/>
-    <p:sldId id="441" r:id="rId14"/>
-    <p:sldId id="317" r:id="rId15"/>
-    <p:sldId id="332" r:id="rId16"/>
-    <p:sldId id="299" r:id="rId17"/>
-    <p:sldId id="295" r:id="rId18"/>
-    <p:sldId id="396" r:id="rId19"/>
-    <p:sldId id="421" r:id="rId20"/>
+    <p:sldId id="317" r:id="rId14"/>
+    <p:sldId id="332" r:id="rId15"/>
+    <p:sldId id="299" r:id="rId16"/>
+    <p:sldId id="295" r:id="rId17"/>
+    <p:sldId id="396" r:id="rId18"/>
+    <p:sldId id="421" r:id="rId19"/>
   </p:sldIdLst>
   <p:sldSz cx="12192000" cy="6858000"/>
   <p:notesSz cx="6858000" cy="9144000"/>
@@ -542,7 +541,7 @@
           <a:p>
             <a:fld id="{DAF0AF11-6A8A-4E64-94F5-26D4FBA2A01D}" type="datetimeFigureOut">
               <a:rPr lang="nl-BE" smtClean="0"/>
-              <a:t>26/05/2021</a:t>
+              <a:t>27/05/2021</a:t>
             </a:fld>
             <a:endParaRPr lang="nl-BE"/>
           </a:p>
@@ -972,139 +971,6 @@
     <p:extLst>
       <p:ext uri="{BB962C8B-B14F-4D97-AF65-F5344CB8AC3E}">
         <p14:creationId xmlns:p14="http://schemas.microsoft.com/office/powerpoint/2010/main" val="793348695"/>
-      </p:ext>
-    </p:extLst>
-  </p:cSld>
-  <p:clrMapOvr>
-    <a:masterClrMapping/>
-  </p:clrMapOvr>
-</p:notes>
-</file>
-
-<file path=ppt/notesSlides/notesSlide11.xml><?xml version="1.0" encoding="utf-8"?>
-<p:notes xmlns:a="http://schemas.openxmlformats.org/drawingml/2006/main" xmlns:r="http://schemas.openxmlformats.org/officeDocument/2006/relationships" xmlns:p="http://schemas.openxmlformats.org/presentationml/2006/main">
-  <p:cSld>
-    <p:spTree>
-      <p:nvGrpSpPr>
-        <p:cNvPr id="1" name=""/>
-        <p:cNvGrpSpPr/>
-        <p:nvPr/>
-      </p:nvGrpSpPr>
-      <p:grpSpPr>
-        <a:xfrm>
-          <a:off x="0" y="0"/>
-          <a:ext cx="0" cy="0"/>
-          <a:chOff x="0" y="0"/>
-          <a:chExt cx="0" cy="0"/>
-        </a:xfrm>
-      </p:grpSpPr>
-      <p:sp>
-        <p:nvSpPr>
-          <p:cNvPr id="2" name="Slide Image Placeholder 1"/>
-          <p:cNvSpPr>
-            <a:spLocks noGrp="1" noRot="1" noChangeAspect="1"/>
-          </p:cNvSpPr>
-          <p:nvPr>
-            <p:ph type="sldImg"/>
-          </p:nvPr>
-        </p:nvSpPr>
-        <p:spPr/>
-      </p:sp>
-      <p:sp>
-        <p:nvSpPr>
-          <p:cNvPr id="3" name="Notes Placeholder 2"/>
-          <p:cNvSpPr>
-            <a:spLocks noGrp="1"/>
-          </p:cNvSpPr>
-          <p:nvPr>
-            <p:ph type="body" idx="1"/>
-          </p:nvPr>
-        </p:nvSpPr>
-        <p:spPr/>
-        <p:txBody>
-          <a:bodyPr/>
-          <a:lstStyle/>
-          <a:p>
-            <a:pPr marL="0" marR="0" lvl="0" indent="0" algn="l" defTabSz="914400" rtl="0" eaLnBrk="1" fontAlgn="auto" latinLnBrk="0" hangingPunct="1">
-              <a:lnSpc>
-                <a:spcPct val="100000"/>
-              </a:lnSpc>
-              <a:spcBef>
-                <a:spcPts val="0"/>
-              </a:spcBef>
-              <a:spcAft>
-                <a:spcPts val="0"/>
-              </a:spcAft>
-              <a:buClrTx/>
-              <a:buSzTx/>
-              <a:buFontTx/>
-              <a:buNone/>
-              <a:tabLst/>
-              <a:defRPr/>
-            </a:pPr>
-            <a:r>
-              <a:rPr lang="pt-BR" dirty="0" smtClean="0"/>
-              <a:t>COLAB: https://colab.research.google.com/github/zz4fap/t319_aprendizado_de_maquina/blob/main/labs/Laboratorio5.ipynb</a:t>
-            </a:r>
-          </a:p>
-          <a:p>
-            <a:endParaRPr lang="pt-BR" dirty="0" smtClean="0"/>
-          </a:p>
-          <a:p>
-            <a:pPr marL="0" marR="0" lvl="0" indent="0" algn="l" defTabSz="914400" rtl="0" eaLnBrk="1" fontAlgn="auto" latinLnBrk="0" hangingPunct="1">
-              <a:lnSpc>
-                <a:spcPct val="100000"/>
-              </a:lnSpc>
-              <a:spcBef>
-                <a:spcPts val="0"/>
-              </a:spcBef>
-              <a:spcAft>
-                <a:spcPts val="0"/>
-              </a:spcAft>
-              <a:buClrTx/>
-              <a:buSzTx/>
-              <a:buFontTx/>
-              <a:buNone/>
-              <a:tabLst/>
-              <a:defRPr/>
-            </a:pPr>
-            <a:r>
-              <a:rPr lang="pt-BR" dirty="0" smtClean="0"/>
-              <a:t>BINDER: https://mybinder.org/v2/gh/zz4fap/t319_aprendizado_de_maquina/main?filepath=labs%2FLaboratorio5.ipynb</a:t>
-            </a:r>
-          </a:p>
-          <a:p>
-            <a:endParaRPr lang="pt-BR" dirty="0"/>
-          </a:p>
-        </p:txBody>
-      </p:sp>
-      <p:sp>
-        <p:nvSpPr>
-          <p:cNvPr id="4" name="Slide Number Placeholder 3"/>
-          <p:cNvSpPr>
-            <a:spLocks noGrp="1"/>
-          </p:cNvSpPr>
-          <p:nvPr>
-            <p:ph type="sldNum" sz="quarter" idx="10"/>
-          </p:nvPr>
-        </p:nvSpPr>
-        <p:spPr/>
-        <p:txBody>
-          <a:bodyPr/>
-          <a:lstStyle/>
-          <a:p>
-            <a:fld id="{DA8B99DF-01BC-492A-8CEF-4FD88D18DD9D}" type="slidenum">
-              <a:rPr lang="nl-BE" smtClean="0"/>
-              <a:t>13</a:t>
-            </a:fld>
-            <a:endParaRPr lang="nl-BE"/>
-          </a:p>
-        </p:txBody>
-      </p:sp>
-    </p:spTree>
-    <p:extLst>
-      <p:ext uri="{BB962C8B-B14F-4D97-AF65-F5344CB8AC3E}">
-        <p14:creationId xmlns:p14="http://schemas.microsoft.com/office/powerpoint/2010/main" val="2855171266"/>
       </p:ext>
     </p:extLst>
   </p:cSld>
@@ -3432,7 +3298,7 @@
           <a:p>
             <a:fld id="{C80E15A5-E95B-43EB-9AC7-9A96397448C0}" type="datetimeFigureOut">
               <a:rPr lang="nl-BE" smtClean="0"/>
-              <a:t>26/05/2021</a:t>
+              <a:t>27/05/2021</a:t>
             </a:fld>
             <a:endParaRPr lang="nl-BE"/>
           </a:p>
@@ -3602,7 +3468,7 @@
           <a:p>
             <a:fld id="{C80E15A5-E95B-43EB-9AC7-9A96397448C0}" type="datetimeFigureOut">
               <a:rPr lang="nl-BE" smtClean="0"/>
-              <a:t>26/05/2021</a:t>
+              <a:t>27/05/2021</a:t>
             </a:fld>
             <a:endParaRPr lang="nl-BE"/>
           </a:p>
@@ -3782,7 +3648,7 @@
           <a:p>
             <a:fld id="{C80E15A5-E95B-43EB-9AC7-9A96397448C0}" type="datetimeFigureOut">
               <a:rPr lang="nl-BE" smtClean="0"/>
-              <a:t>26/05/2021</a:t>
+              <a:t>27/05/2021</a:t>
             </a:fld>
             <a:endParaRPr lang="nl-BE"/>
           </a:p>
@@ -3952,7 +3818,7 @@
           <a:p>
             <a:fld id="{C80E15A5-E95B-43EB-9AC7-9A96397448C0}" type="datetimeFigureOut">
               <a:rPr lang="nl-BE" smtClean="0"/>
-              <a:t>26/05/2021</a:t>
+              <a:t>27/05/2021</a:t>
             </a:fld>
             <a:endParaRPr lang="nl-BE"/>
           </a:p>
@@ -4198,7 +4064,7 @@
           <a:p>
             <a:fld id="{C80E15A5-E95B-43EB-9AC7-9A96397448C0}" type="datetimeFigureOut">
               <a:rPr lang="nl-BE" smtClean="0"/>
-              <a:t>26/05/2021</a:t>
+              <a:t>27/05/2021</a:t>
             </a:fld>
             <a:endParaRPr lang="nl-BE"/>
           </a:p>
@@ -4430,7 +4296,7 @@
           <a:p>
             <a:fld id="{C80E15A5-E95B-43EB-9AC7-9A96397448C0}" type="datetimeFigureOut">
               <a:rPr lang="nl-BE" smtClean="0"/>
-              <a:t>26/05/2021</a:t>
+              <a:t>27/05/2021</a:t>
             </a:fld>
             <a:endParaRPr lang="nl-BE"/>
           </a:p>
@@ -4797,7 +4663,7 @@
           <a:p>
             <a:fld id="{C80E15A5-E95B-43EB-9AC7-9A96397448C0}" type="datetimeFigureOut">
               <a:rPr lang="nl-BE" smtClean="0"/>
-              <a:t>26/05/2021</a:t>
+              <a:t>27/05/2021</a:t>
             </a:fld>
             <a:endParaRPr lang="nl-BE"/>
           </a:p>
@@ -4915,7 +4781,7 @@
           <a:p>
             <a:fld id="{C80E15A5-E95B-43EB-9AC7-9A96397448C0}" type="datetimeFigureOut">
               <a:rPr lang="nl-BE" smtClean="0"/>
-              <a:t>26/05/2021</a:t>
+              <a:t>27/05/2021</a:t>
             </a:fld>
             <a:endParaRPr lang="nl-BE"/>
           </a:p>
@@ -5010,7 +4876,7 @@
           <a:p>
             <a:fld id="{C80E15A5-E95B-43EB-9AC7-9A96397448C0}" type="datetimeFigureOut">
               <a:rPr lang="nl-BE" smtClean="0"/>
-              <a:t>26/05/2021</a:t>
+              <a:t>27/05/2021</a:t>
             </a:fld>
             <a:endParaRPr lang="nl-BE"/>
           </a:p>
@@ -5287,7 +5153,7 @@
           <a:p>
             <a:fld id="{C80E15A5-E95B-43EB-9AC7-9A96397448C0}" type="datetimeFigureOut">
               <a:rPr lang="nl-BE" smtClean="0"/>
-              <a:t>26/05/2021</a:t>
+              <a:t>27/05/2021</a:t>
             </a:fld>
             <a:endParaRPr lang="nl-BE"/>
           </a:p>
@@ -5540,7 +5406,7 @@
           <a:p>
             <a:fld id="{C80E15A5-E95B-43EB-9AC7-9A96397448C0}" type="datetimeFigureOut">
               <a:rPr lang="nl-BE" smtClean="0"/>
-              <a:t>26/05/2021</a:t>
+              <a:t>27/05/2021</a:t>
             </a:fld>
             <a:endParaRPr lang="nl-BE"/>
           </a:p>
@@ -5753,7 +5619,7 @@
           <a:p>
             <a:fld id="{C80E15A5-E95B-43EB-9AC7-9A96397448C0}" type="datetimeFigureOut">
               <a:rPr lang="nl-BE" smtClean="0"/>
-              <a:t>26/05/2021</a:t>
+              <a:t>27/05/2021</a:t>
             </a:fld>
             <a:endParaRPr lang="nl-BE"/>
           </a:p>
@@ -6163,7 +6029,7 @@
           <p:cNvPr id="2" name="Título 1">
             <a:extLst>
               <a:ext uri="{FF2B5EF4-FFF2-40B4-BE49-F238E27FC236}">
-                <a16:creationId xmlns:a16="http://schemas.microsoft.com/office/drawing/2014/main" xmlns="" id="{32666AC8-2E17-4DB4-B0F5-60C640CCFD2E}"/>
+                <a16:creationId xmlns="" xmlns:a16="http://schemas.microsoft.com/office/drawing/2014/main" id="{32666AC8-2E17-4DB4-B0F5-60C640CCFD2E}"/>
               </a:ext>
             </a:extLst>
           </p:cNvPr>
@@ -6222,7 +6088,7 @@
           <p:cNvPr id="4" name="CaixaDeTexto 3">
             <a:extLst>
               <a:ext uri="{FF2B5EF4-FFF2-40B4-BE49-F238E27FC236}">
-                <a16:creationId xmlns:a16="http://schemas.microsoft.com/office/drawing/2014/main" xmlns="" id="{430EB894-B7D4-434C-9D1A-A14094D9BEEC}"/>
+                <a16:creationId xmlns="" xmlns:a16="http://schemas.microsoft.com/office/drawing/2014/main" id="{430EB894-B7D4-434C-9D1A-A14094D9BEEC}"/>
               </a:ext>
             </a:extLst>
           </p:cNvPr>
@@ -6263,7 +6129,7 @@
           <p:cNvPr id="1026" name="Picture 2" descr="Logo">
             <a:extLst>
               <a:ext uri="{FF2B5EF4-FFF2-40B4-BE49-F238E27FC236}">
-                <a16:creationId xmlns:a16="http://schemas.microsoft.com/office/drawing/2014/main" xmlns="" id="{3F2642E0-4F6A-4196-8F58-E77D36E9A33F}"/>
+                <a16:creationId xmlns="" xmlns:a16="http://schemas.microsoft.com/office/drawing/2014/main" id="{3F2642E0-4F6A-4196-8F58-E77D36E9A33F}"/>
               </a:ext>
             </a:extLst>
           </p:cNvPr>
@@ -6308,7 +6174,7 @@
           <p:cNvPr id="5122" name="Picture 2" descr="Image result for machine learning">
             <a:extLst>
               <a:ext uri="{FF2B5EF4-FFF2-40B4-BE49-F238E27FC236}">
-                <a16:creationId xmlns:a16="http://schemas.microsoft.com/office/drawing/2014/main" xmlns="" id="{810CE0A2-4102-44A6-A370-175E7896CDCB}"/>
+                <a16:creationId xmlns="" xmlns:a16="http://schemas.microsoft.com/office/drawing/2014/main" id="{810CE0A2-4102-44A6-A370-175E7896CDCB}"/>
               </a:ext>
             </a:extLst>
           </p:cNvPr>
@@ -8555,7 +8421,7 @@
           <p:cNvPr id="9" name="Picture 6" descr="Image result for scikit learn logo">
             <a:extLst>
               <a:ext uri="{FF2B5EF4-FFF2-40B4-BE49-F238E27FC236}">
-                <a16:creationId xmlns:a16="http://schemas.microsoft.com/office/drawing/2014/main" xmlns="" id="{87129D40-D136-4716-8871-12CAEC603994}"/>
+                <a16:creationId xmlns="" xmlns:a16="http://schemas.microsoft.com/office/drawing/2014/main" id="{87129D40-D136-4716-8871-12CAEC603994}"/>
               </a:ext>
             </a:extLst>
           </p:cNvPr>
@@ -8636,190 +8502,10 @@
       </p:grpSpPr>
       <p:sp>
         <p:nvSpPr>
-          <p:cNvPr id="2" name="Title 1"/>
-          <p:cNvSpPr>
-            <a:spLocks noGrp="1"/>
-          </p:cNvSpPr>
-          <p:nvPr>
-            <p:ph type="title"/>
-          </p:nvPr>
-        </p:nvSpPr>
-        <p:spPr/>
-        <p:txBody>
-          <a:bodyPr/>
-          <a:lstStyle/>
-          <a:p>
-            <a:r>
-              <a:rPr lang="pt-BR" dirty="0" smtClean="0"/>
-              <a:t>Tarefas</a:t>
-            </a:r>
-            <a:endParaRPr lang="pt-BR" dirty="0"/>
-          </a:p>
-        </p:txBody>
-      </p:sp>
-      <p:sp>
-        <p:nvSpPr>
-          <p:cNvPr id="3" name="Content Placeholder 2"/>
-          <p:cNvSpPr>
-            <a:spLocks noGrp="1"/>
-          </p:cNvSpPr>
-          <p:nvPr>
-            <p:ph idx="1"/>
-          </p:nvPr>
-        </p:nvSpPr>
-        <p:spPr/>
-        <p:txBody>
-          <a:bodyPr/>
-          <a:lstStyle/>
-          <a:p>
-            <a:r>
-              <a:rPr lang="pt-BR" b="1" dirty="0"/>
-              <a:t>Quiz</a:t>
-            </a:r>
-            <a:r>
-              <a:rPr lang="pt-BR" dirty="0"/>
-              <a:t>: “</a:t>
-            </a:r>
-            <a:r>
-              <a:rPr lang="pt-BR" i="1" dirty="0"/>
-              <a:t>T319 - Quiz - Regressão: Parte </a:t>
-            </a:r>
-            <a:r>
-              <a:rPr lang="pt-BR" i="1" dirty="0" smtClean="0"/>
-              <a:t>IV </a:t>
-            </a:r>
-            <a:r>
-              <a:rPr lang="pt-BR" i="1" dirty="0"/>
-              <a:t>(1S2021)</a:t>
-            </a:r>
-            <a:r>
-              <a:rPr lang="pt-BR" dirty="0"/>
-              <a:t>” que se encontra no MS Teams.</a:t>
-            </a:r>
-          </a:p>
-          <a:p>
-            <a:r>
-              <a:rPr lang="pt-BR" b="1" dirty="0"/>
-              <a:t>Exercício Prático</a:t>
-            </a:r>
-            <a:r>
-              <a:rPr lang="pt-BR" dirty="0"/>
-              <a:t>: </a:t>
-            </a:r>
-            <a:r>
-              <a:rPr lang="pt-BR" b="1" dirty="0">
-                <a:hlinkClick r:id="rId3"/>
-              </a:rPr>
-              <a:t>Laboratório </a:t>
-            </a:r>
-            <a:r>
-              <a:rPr lang="pt-BR" b="1" dirty="0" smtClean="0">
-                <a:hlinkClick r:id="rId3"/>
-              </a:rPr>
-              <a:t>#5</a:t>
-            </a:r>
-            <a:r>
-              <a:rPr lang="pt-BR" dirty="0" smtClean="0"/>
-              <a:t>.</a:t>
-            </a:r>
-            <a:endParaRPr lang="pt-BR" dirty="0"/>
-          </a:p>
-          <a:p>
-            <a:pPr lvl="1"/>
-            <a:r>
-              <a:rPr lang="pt-BR" dirty="0"/>
-              <a:t>Pode ser baixado do MS Teams ou do GitHub.</a:t>
-            </a:r>
-          </a:p>
-          <a:p>
-            <a:pPr lvl="1"/>
-            <a:r>
-              <a:rPr lang="pt-BR" dirty="0"/>
-              <a:t>Pode ser respondido através do link acima (na nuvem) ou localmente.</a:t>
-            </a:r>
-          </a:p>
-          <a:p>
-            <a:pPr lvl="1"/>
-            <a:r>
-              <a:rPr lang="pt-BR" dirty="0">
-                <a:hlinkClick r:id="rId4"/>
-              </a:rPr>
-              <a:t>Instruções para resolução e entrega dos laboratórios</a:t>
-            </a:r>
-            <a:r>
-              <a:rPr lang="pt-BR" dirty="0" smtClean="0"/>
-              <a:t>.</a:t>
-            </a:r>
-          </a:p>
-          <a:p>
-            <a:pPr lvl="1"/>
-            <a:r>
-              <a:rPr lang="pt-BR" b="1" dirty="0">
-                <a:solidFill>
-                  <a:srgbClr val="FF0000"/>
-                </a:solidFill>
-              </a:rPr>
-              <a:t>Laboratórios podem ser feitos em grupo</a:t>
-            </a:r>
-            <a:r>
-              <a:rPr lang="pt-BR" b="1" dirty="0" smtClean="0">
-                <a:solidFill>
-                  <a:srgbClr val="FF0000"/>
-                </a:solidFill>
-              </a:rPr>
-              <a:t>.</a:t>
-            </a:r>
-            <a:endParaRPr lang="pt-BR" b="1" dirty="0">
-              <a:solidFill>
-                <a:srgbClr val="FF0000"/>
-              </a:solidFill>
-            </a:endParaRPr>
-          </a:p>
-        </p:txBody>
-      </p:sp>
-    </p:spTree>
-    <p:extLst>
-      <p:ext uri="{BB962C8B-B14F-4D97-AF65-F5344CB8AC3E}">
-        <p14:creationId xmlns:p14="http://schemas.microsoft.com/office/powerpoint/2010/main" val="250701716"/>
-      </p:ext>
-    </p:extLst>
-  </p:cSld>
-  <p:clrMapOvr>
-    <a:masterClrMapping/>
-  </p:clrMapOvr>
-  <p:timing>
-    <p:tnLst>
-      <p:par>
-        <p:cTn id="1" dur="indefinite" restart="never" nodeType="tmRoot"/>
-      </p:par>
-    </p:tnLst>
-  </p:timing>
-</p:sld>
-</file>
-
-<file path=ppt/slides/slide14.xml><?xml version="1.0" encoding="utf-8"?>
-<p:sld xmlns:a="http://schemas.openxmlformats.org/drawingml/2006/main" xmlns:r="http://schemas.openxmlformats.org/officeDocument/2006/relationships" xmlns:p="http://schemas.openxmlformats.org/presentationml/2006/main">
-  <p:cSld>
-    <p:spTree>
-      <p:nvGrpSpPr>
-        <p:cNvPr id="1" name=""/>
-        <p:cNvGrpSpPr/>
-        <p:nvPr/>
-      </p:nvGrpSpPr>
-      <p:grpSpPr>
-        <a:xfrm>
-          <a:off x="0" y="0"/>
-          <a:ext cx="0" cy="0"/>
-          <a:chOff x="0" y="0"/>
-          <a:chExt cx="0" cy="0"/>
-        </a:xfrm>
-      </p:grpSpPr>
-      <p:sp>
-        <p:nvSpPr>
           <p:cNvPr id="4" name="Título 1">
             <a:extLst>
               <a:ext uri="{FF2B5EF4-FFF2-40B4-BE49-F238E27FC236}">
-                <a16:creationId xmlns:a16="http://schemas.microsoft.com/office/drawing/2014/main" xmlns="" id="{32666AC8-2E17-4DB4-B0F5-60C640CCFD2E}"/>
+                <a16:creationId xmlns="" xmlns:a16="http://schemas.microsoft.com/office/drawing/2014/main" id="{32666AC8-2E17-4DB4-B0F5-60C640CCFD2E}"/>
               </a:ext>
             </a:extLst>
           </p:cNvPr>
@@ -8882,7 +8568,7 @@
 </p:sld>
 </file>
 
-<file path=ppt/slides/slide15.xml><?xml version="1.0" encoding="utf-8"?>
+<file path=ppt/slides/slide14.xml><?xml version="1.0" encoding="utf-8"?>
 <p:sld xmlns:a="http://schemas.openxmlformats.org/drawingml/2006/main" xmlns:r="http://schemas.openxmlformats.org/officeDocument/2006/relationships" xmlns:p="http://schemas.openxmlformats.org/presentationml/2006/main">
   <p:cSld>
     <p:spTree>
@@ -8904,7 +8590,7 @@
           <p:cNvPr id="2050" name="Picture 2" descr="https://miro.medium.com/max/302/1*MpLkcugbeMrJvFlz69LTNQ.jpeg">
             <a:extLst>
               <a:ext uri="{FF2B5EF4-FFF2-40B4-BE49-F238E27FC236}">
-                <a16:creationId xmlns:a16="http://schemas.microsoft.com/office/drawing/2014/main" xmlns="" id="{DE195D4C-7D53-46C2-BDD9-033809B4E028}"/>
+                <a16:creationId xmlns="" xmlns:a16="http://schemas.microsoft.com/office/drawing/2014/main" id="{DE195D4C-7D53-46C2-BDD9-033809B4E028}"/>
               </a:ext>
             </a:extLst>
           </p:cNvPr>
@@ -8951,7 +8637,7 @@
           <p:cNvPr id="2052" name="Picture 4" descr="https://miro.medium.com/max/426/1*iRv8pCP7v8FzVJNe2vAjdw.png">
             <a:extLst>
               <a:ext uri="{FF2B5EF4-FFF2-40B4-BE49-F238E27FC236}">
-                <a16:creationId xmlns:a16="http://schemas.microsoft.com/office/drawing/2014/main" xmlns="" id="{76F9F526-3C2B-485C-9E25-3D10B3E3B0C3}"/>
+                <a16:creationId xmlns="" xmlns:a16="http://schemas.microsoft.com/office/drawing/2014/main" id="{76F9F526-3C2B-485C-9E25-3D10B3E3B0C3}"/>
               </a:ext>
             </a:extLst>
           </p:cNvPr>
@@ -8998,7 +8684,7 @@
           <p:cNvPr id="2054" name="Picture 6" descr="https://miro.medium.com/max/194/1*JugKARhlrp9HLTF5_lN7EQ.jpeg">
             <a:extLst>
               <a:ext uri="{FF2B5EF4-FFF2-40B4-BE49-F238E27FC236}">
-                <a16:creationId xmlns:a16="http://schemas.microsoft.com/office/drawing/2014/main" xmlns="" id="{50D99301-1821-4F05-A553-E371FA6728F0}"/>
+                <a16:creationId xmlns="" xmlns:a16="http://schemas.microsoft.com/office/drawing/2014/main" id="{50D99301-1821-4F05-A553-E371FA6728F0}"/>
               </a:ext>
             </a:extLst>
           </p:cNvPr>
@@ -9069,7 +8755,7 @@
           <p:cNvPr id="3" name="Picture 3" descr="A close up of text on a black background&#10;&#10;Description generated with very high confidence">
             <a:extLst>
               <a:ext uri="{FF2B5EF4-FFF2-40B4-BE49-F238E27FC236}">
-                <a16:creationId xmlns:a16="http://schemas.microsoft.com/office/drawing/2014/main" xmlns="" id="{2A0DF154-7178-4F01-A59C-CD7D1EB3AD92}"/>
+                <a16:creationId xmlns="" xmlns:a16="http://schemas.microsoft.com/office/drawing/2014/main" id="{2A0DF154-7178-4F01-A59C-CD7D1EB3AD92}"/>
               </a:ext>
             </a:extLst>
           </p:cNvPr>
@@ -9148,7 +8834,7 @@
 </p:sld>
 </file>
 
-<file path=ppt/slides/slide16.xml><?xml version="1.0" encoding="utf-8"?>
+<file path=ppt/slides/slide15.xml><?xml version="1.0" encoding="utf-8"?>
 <p:sld xmlns:a="http://schemas.openxmlformats.org/drawingml/2006/main" xmlns:r="http://schemas.openxmlformats.org/officeDocument/2006/relationships" xmlns:p="http://schemas.openxmlformats.org/presentationml/2006/main">
   <p:cSld>
     <p:spTree>
@@ -9206,7 +8892,7 @@
 </p:sld>
 </file>
 
-<file path=ppt/slides/slide17.xml><?xml version="1.0" encoding="utf-8"?>
+<file path=ppt/slides/slide16.xml><?xml version="1.0" encoding="utf-8"?>
 <p:sld xmlns:a="http://schemas.openxmlformats.org/drawingml/2006/main" xmlns:r="http://schemas.openxmlformats.org/officeDocument/2006/relationships" xmlns:p="http://schemas.openxmlformats.org/presentationml/2006/main">
   <p:cSld>
     <p:spTree>
@@ -12632,7 +12318,7 @@
 </p:sld>
 </file>
 
-<file path=ppt/slides/slide18.xml><?xml version="1.0" encoding="utf-8"?>
+<file path=ppt/slides/slide17.xml><?xml version="1.0" encoding="utf-8"?>
 <p:sld xmlns:a="http://schemas.openxmlformats.org/drawingml/2006/main" xmlns:r="http://schemas.openxmlformats.org/officeDocument/2006/relationships" xmlns:p="http://schemas.openxmlformats.org/presentationml/2006/main">
   <p:cSld>
     <p:spTree>
@@ -14707,7 +14393,7 @@
 </p:sld>
 </file>
 
-<file path=ppt/slides/slide19.xml><?xml version="1.0" encoding="utf-8"?>
+<file path=ppt/slides/slide18.xml><?xml version="1.0" encoding="utf-8"?>
 <p:sld xmlns:a="http://schemas.openxmlformats.org/drawingml/2006/main" xmlns:r="http://schemas.openxmlformats.org/officeDocument/2006/relationships" xmlns:p="http://schemas.openxmlformats.org/presentationml/2006/main">
   <p:cSld>
     <p:spTree>
@@ -16968,7 +16654,11 @@
           <a:p>
             <a:r>
               <a:rPr lang="pt-BR" dirty="0" smtClean="0"/>
-              <a:t>Hoje, veremos um tipo de </a:t>
+              <a:t>Neste documento, </a:t>
+            </a:r>
+            <a:r>
+              <a:rPr lang="pt-BR" dirty="0" smtClean="0"/>
+              <a:t>veremos um tipo de </a:t>
             </a:r>
             <a:r>
               <a:rPr lang="pt-BR" b="1" i="1" dirty="0" smtClean="0"/>
@@ -17395,7 +17085,7 @@
           <p:cNvPr id="2" name="Título 1">
             <a:extLst>
               <a:ext uri="{FF2B5EF4-FFF2-40B4-BE49-F238E27FC236}">
-                <a16:creationId xmlns:a16="http://schemas.microsoft.com/office/drawing/2014/main" xmlns="" id="{793142C1-FD08-4328-BCCB-5521CEABA2E7}"/>
+                <a16:creationId xmlns="" xmlns:a16="http://schemas.microsoft.com/office/drawing/2014/main" id="{793142C1-FD08-4328-BCCB-5521CEABA2E7}"/>
               </a:ext>
             </a:extLst>
           </p:cNvPr>
@@ -17425,7 +17115,7 @@
               <p:cNvPr id="4" name="Content Placeholder 2">
                 <a:extLst>
                   <a:ext uri="{FF2B5EF4-FFF2-40B4-BE49-F238E27FC236}">
-                    <a16:creationId xmlns:a16="http://schemas.microsoft.com/office/drawing/2014/main" xmlns="" id="{C1642F2F-7A09-459E-9D90-1D9D3103E685}"/>
+                    <a16:creationId xmlns="" xmlns:a16="http://schemas.microsoft.com/office/drawing/2014/main" id="{C1642F2F-7A09-459E-9D90-1D9D3103E685}"/>
                   </a:ext>
                 </a:extLst>
               </p:cNvPr>
@@ -18699,7 +18389,7 @@
           <p:cNvPr id="5" name="Picture 2" descr="https://miro.medium.com/max/395/1*EyPd0sQxEXtTDSJgu72JNQ.jpeg">
             <a:extLst>
               <a:ext uri="{FF2B5EF4-FFF2-40B4-BE49-F238E27FC236}">
-                <a16:creationId xmlns:a16="http://schemas.microsoft.com/office/drawing/2014/main" xmlns="" id="{0D8EEA24-1121-4936-A240-08F46CEAC385}"/>
+                <a16:creationId xmlns="" xmlns:a16="http://schemas.microsoft.com/office/drawing/2014/main" id="{0D8EEA24-1121-4936-A240-08F46CEAC385}"/>
               </a:ext>
             </a:extLst>
           </p:cNvPr>

--- a/slides/T319_Regressão_Linear (Escalonamento de Atributos).pptx
+++ b/slides/T319_Regressão_Linear (Escalonamento de Atributos).pptx
@@ -541,7 +541,7 @@
           <a:p>
             <a:fld id="{DAF0AF11-6A8A-4E64-94F5-26D4FBA2A01D}" type="datetimeFigureOut">
               <a:rPr lang="nl-BE" smtClean="0"/>
-              <a:t>27/05/2021</a:t>
+              <a:t>5/11/2021</a:t>
             </a:fld>
             <a:endParaRPr lang="nl-BE"/>
           </a:p>
@@ -3298,7 +3298,7 @@
           <a:p>
             <a:fld id="{C80E15A5-E95B-43EB-9AC7-9A96397448C0}" type="datetimeFigureOut">
               <a:rPr lang="nl-BE" smtClean="0"/>
-              <a:t>27/05/2021</a:t>
+              <a:t>5/11/2021</a:t>
             </a:fld>
             <a:endParaRPr lang="nl-BE"/>
           </a:p>
@@ -3468,7 +3468,7 @@
           <a:p>
             <a:fld id="{C80E15A5-E95B-43EB-9AC7-9A96397448C0}" type="datetimeFigureOut">
               <a:rPr lang="nl-BE" smtClean="0"/>
-              <a:t>27/05/2021</a:t>
+              <a:t>5/11/2021</a:t>
             </a:fld>
             <a:endParaRPr lang="nl-BE"/>
           </a:p>
@@ -3648,7 +3648,7 @@
           <a:p>
             <a:fld id="{C80E15A5-E95B-43EB-9AC7-9A96397448C0}" type="datetimeFigureOut">
               <a:rPr lang="nl-BE" smtClean="0"/>
-              <a:t>27/05/2021</a:t>
+              <a:t>5/11/2021</a:t>
             </a:fld>
             <a:endParaRPr lang="nl-BE"/>
           </a:p>
@@ -3818,7 +3818,7 @@
           <a:p>
             <a:fld id="{C80E15A5-E95B-43EB-9AC7-9A96397448C0}" type="datetimeFigureOut">
               <a:rPr lang="nl-BE" smtClean="0"/>
-              <a:t>27/05/2021</a:t>
+              <a:t>5/11/2021</a:t>
             </a:fld>
             <a:endParaRPr lang="nl-BE"/>
           </a:p>
@@ -4064,7 +4064,7 @@
           <a:p>
             <a:fld id="{C80E15A5-E95B-43EB-9AC7-9A96397448C0}" type="datetimeFigureOut">
               <a:rPr lang="nl-BE" smtClean="0"/>
-              <a:t>27/05/2021</a:t>
+              <a:t>5/11/2021</a:t>
             </a:fld>
             <a:endParaRPr lang="nl-BE"/>
           </a:p>
@@ -4296,7 +4296,7 @@
           <a:p>
             <a:fld id="{C80E15A5-E95B-43EB-9AC7-9A96397448C0}" type="datetimeFigureOut">
               <a:rPr lang="nl-BE" smtClean="0"/>
-              <a:t>27/05/2021</a:t>
+              <a:t>5/11/2021</a:t>
             </a:fld>
             <a:endParaRPr lang="nl-BE"/>
           </a:p>
@@ -4663,7 +4663,7 @@
           <a:p>
             <a:fld id="{C80E15A5-E95B-43EB-9AC7-9A96397448C0}" type="datetimeFigureOut">
               <a:rPr lang="nl-BE" smtClean="0"/>
-              <a:t>27/05/2021</a:t>
+              <a:t>5/11/2021</a:t>
             </a:fld>
             <a:endParaRPr lang="nl-BE"/>
           </a:p>
@@ -4781,7 +4781,7 @@
           <a:p>
             <a:fld id="{C80E15A5-E95B-43EB-9AC7-9A96397448C0}" type="datetimeFigureOut">
               <a:rPr lang="nl-BE" smtClean="0"/>
-              <a:t>27/05/2021</a:t>
+              <a:t>5/11/2021</a:t>
             </a:fld>
             <a:endParaRPr lang="nl-BE"/>
           </a:p>
@@ -4876,7 +4876,7 @@
           <a:p>
             <a:fld id="{C80E15A5-E95B-43EB-9AC7-9A96397448C0}" type="datetimeFigureOut">
               <a:rPr lang="nl-BE" smtClean="0"/>
-              <a:t>27/05/2021</a:t>
+              <a:t>5/11/2021</a:t>
             </a:fld>
             <a:endParaRPr lang="nl-BE"/>
           </a:p>
@@ -5153,7 +5153,7 @@
           <a:p>
             <a:fld id="{C80E15A5-E95B-43EB-9AC7-9A96397448C0}" type="datetimeFigureOut">
               <a:rPr lang="nl-BE" smtClean="0"/>
-              <a:t>27/05/2021</a:t>
+              <a:t>5/11/2021</a:t>
             </a:fld>
             <a:endParaRPr lang="nl-BE"/>
           </a:p>
@@ -5406,7 +5406,7 @@
           <a:p>
             <a:fld id="{C80E15A5-E95B-43EB-9AC7-9A96397448C0}" type="datetimeFigureOut">
               <a:rPr lang="nl-BE" smtClean="0"/>
-              <a:t>27/05/2021</a:t>
+              <a:t>5/11/2021</a:t>
             </a:fld>
             <a:endParaRPr lang="nl-BE"/>
           </a:p>
@@ -5619,7 +5619,7 @@
           <a:p>
             <a:fld id="{C80E15A5-E95B-43EB-9AC7-9A96397448C0}" type="datetimeFigureOut">
               <a:rPr lang="nl-BE" smtClean="0"/>
-              <a:t>27/05/2021</a:t>
+              <a:t>5/11/2021</a:t>
             </a:fld>
             <a:endParaRPr lang="nl-BE"/>
           </a:p>
@@ -6029,7 +6029,7 @@
           <p:cNvPr id="2" name="Título 1">
             <a:extLst>
               <a:ext uri="{FF2B5EF4-FFF2-40B4-BE49-F238E27FC236}">
-                <a16:creationId xmlns="" xmlns:a16="http://schemas.microsoft.com/office/drawing/2014/main" id="{32666AC8-2E17-4DB4-B0F5-60C640CCFD2E}"/>
+                <a16:creationId xmlns:a16="http://schemas.microsoft.com/office/drawing/2014/main" xmlns="" id="{32666AC8-2E17-4DB4-B0F5-60C640CCFD2E}"/>
               </a:ext>
             </a:extLst>
           </p:cNvPr>
@@ -6088,7 +6088,7 @@
           <p:cNvPr id="4" name="CaixaDeTexto 3">
             <a:extLst>
               <a:ext uri="{FF2B5EF4-FFF2-40B4-BE49-F238E27FC236}">
-                <a16:creationId xmlns="" xmlns:a16="http://schemas.microsoft.com/office/drawing/2014/main" id="{430EB894-B7D4-434C-9D1A-A14094D9BEEC}"/>
+                <a16:creationId xmlns:a16="http://schemas.microsoft.com/office/drawing/2014/main" xmlns="" id="{430EB894-B7D4-434C-9D1A-A14094D9BEEC}"/>
               </a:ext>
             </a:extLst>
           </p:cNvPr>
@@ -6129,7 +6129,7 @@
           <p:cNvPr id="1026" name="Picture 2" descr="Logo">
             <a:extLst>
               <a:ext uri="{FF2B5EF4-FFF2-40B4-BE49-F238E27FC236}">
-                <a16:creationId xmlns="" xmlns:a16="http://schemas.microsoft.com/office/drawing/2014/main" id="{3F2642E0-4F6A-4196-8F58-E77D36E9A33F}"/>
+                <a16:creationId xmlns:a16="http://schemas.microsoft.com/office/drawing/2014/main" xmlns="" id="{3F2642E0-4F6A-4196-8F58-E77D36E9A33F}"/>
               </a:ext>
             </a:extLst>
           </p:cNvPr>
@@ -6174,7 +6174,7 @@
           <p:cNvPr id="5122" name="Picture 2" descr="Image result for machine learning">
             <a:extLst>
               <a:ext uri="{FF2B5EF4-FFF2-40B4-BE49-F238E27FC236}">
-                <a16:creationId xmlns="" xmlns:a16="http://schemas.microsoft.com/office/drawing/2014/main" id="{810CE0A2-4102-44A6-A370-175E7896CDCB}"/>
+                <a16:creationId xmlns:a16="http://schemas.microsoft.com/office/drawing/2014/main" xmlns="" id="{810CE0A2-4102-44A6-A370-175E7896CDCB}"/>
               </a:ext>
             </a:extLst>
           </p:cNvPr>
@@ -8421,7 +8421,7 @@
           <p:cNvPr id="9" name="Picture 6" descr="Image result for scikit learn logo">
             <a:extLst>
               <a:ext uri="{FF2B5EF4-FFF2-40B4-BE49-F238E27FC236}">
-                <a16:creationId xmlns="" xmlns:a16="http://schemas.microsoft.com/office/drawing/2014/main" id="{87129D40-D136-4716-8871-12CAEC603994}"/>
+                <a16:creationId xmlns:a16="http://schemas.microsoft.com/office/drawing/2014/main" xmlns="" id="{87129D40-D136-4716-8871-12CAEC603994}"/>
               </a:ext>
             </a:extLst>
           </p:cNvPr>
@@ -8505,7 +8505,7 @@
           <p:cNvPr id="4" name="Título 1">
             <a:extLst>
               <a:ext uri="{FF2B5EF4-FFF2-40B4-BE49-F238E27FC236}">
-                <a16:creationId xmlns="" xmlns:a16="http://schemas.microsoft.com/office/drawing/2014/main" id="{32666AC8-2E17-4DB4-B0F5-60C640CCFD2E}"/>
+                <a16:creationId xmlns:a16="http://schemas.microsoft.com/office/drawing/2014/main" xmlns="" id="{32666AC8-2E17-4DB4-B0F5-60C640CCFD2E}"/>
               </a:ext>
             </a:extLst>
           </p:cNvPr>
@@ -8590,7 +8590,7 @@
           <p:cNvPr id="2050" name="Picture 2" descr="https://miro.medium.com/max/302/1*MpLkcugbeMrJvFlz69LTNQ.jpeg">
             <a:extLst>
               <a:ext uri="{FF2B5EF4-FFF2-40B4-BE49-F238E27FC236}">
-                <a16:creationId xmlns="" xmlns:a16="http://schemas.microsoft.com/office/drawing/2014/main" id="{DE195D4C-7D53-46C2-BDD9-033809B4E028}"/>
+                <a16:creationId xmlns:a16="http://schemas.microsoft.com/office/drawing/2014/main" xmlns="" id="{DE195D4C-7D53-46C2-BDD9-033809B4E028}"/>
               </a:ext>
             </a:extLst>
           </p:cNvPr>
@@ -8637,7 +8637,7 @@
           <p:cNvPr id="2052" name="Picture 4" descr="https://miro.medium.com/max/426/1*iRv8pCP7v8FzVJNe2vAjdw.png">
             <a:extLst>
               <a:ext uri="{FF2B5EF4-FFF2-40B4-BE49-F238E27FC236}">
-                <a16:creationId xmlns="" xmlns:a16="http://schemas.microsoft.com/office/drawing/2014/main" id="{76F9F526-3C2B-485C-9E25-3D10B3E3B0C3}"/>
+                <a16:creationId xmlns:a16="http://schemas.microsoft.com/office/drawing/2014/main" xmlns="" id="{76F9F526-3C2B-485C-9E25-3D10B3E3B0C3}"/>
               </a:ext>
             </a:extLst>
           </p:cNvPr>
@@ -8684,7 +8684,7 @@
           <p:cNvPr id="2054" name="Picture 6" descr="https://miro.medium.com/max/194/1*JugKARhlrp9HLTF5_lN7EQ.jpeg">
             <a:extLst>
               <a:ext uri="{FF2B5EF4-FFF2-40B4-BE49-F238E27FC236}">
-                <a16:creationId xmlns="" xmlns:a16="http://schemas.microsoft.com/office/drawing/2014/main" id="{50D99301-1821-4F05-A553-E371FA6728F0}"/>
+                <a16:creationId xmlns:a16="http://schemas.microsoft.com/office/drawing/2014/main" xmlns="" id="{50D99301-1821-4F05-A553-E371FA6728F0}"/>
               </a:ext>
             </a:extLst>
           </p:cNvPr>
@@ -8755,7 +8755,7 @@
           <p:cNvPr id="3" name="Picture 3" descr="A close up of text on a black background&#10;&#10;Description generated with very high confidence">
             <a:extLst>
               <a:ext uri="{FF2B5EF4-FFF2-40B4-BE49-F238E27FC236}">
-                <a16:creationId xmlns="" xmlns:a16="http://schemas.microsoft.com/office/drawing/2014/main" id="{2A0DF154-7178-4F01-A59C-CD7D1EB3AD92}"/>
+                <a16:creationId xmlns:a16="http://schemas.microsoft.com/office/drawing/2014/main" xmlns="" id="{2A0DF154-7178-4F01-A59C-CD7D1EB3AD92}"/>
               </a:ext>
             </a:extLst>
           </p:cNvPr>
@@ -16654,11 +16654,7 @@
           <a:p>
             <a:r>
               <a:rPr lang="pt-BR" dirty="0" smtClean="0"/>
-              <a:t>Neste documento, </a:t>
-            </a:r>
-            <a:r>
-              <a:rPr lang="pt-BR" dirty="0" smtClean="0"/>
-              <a:t>veremos um tipo de </a:t>
+              <a:t>Neste documento, veremos um tipo de </a:t>
             </a:r>
             <a:r>
               <a:rPr lang="pt-BR" b="1" i="1" dirty="0" smtClean="0"/>
@@ -17085,7 +17081,7 @@
           <p:cNvPr id="2" name="Título 1">
             <a:extLst>
               <a:ext uri="{FF2B5EF4-FFF2-40B4-BE49-F238E27FC236}">
-                <a16:creationId xmlns="" xmlns:a16="http://schemas.microsoft.com/office/drawing/2014/main" id="{793142C1-FD08-4328-BCCB-5521CEABA2E7}"/>
+                <a16:creationId xmlns:a16="http://schemas.microsoft.com/office/drawing/2014/main" xmlns="" id="{793142C1-FD08-4328-BCCB-5521CEABA2E7}"/>
               </a:ext>
             </a:extLst>
           </p:cNvPr>
@@ -17115,7 +17111,7 @@
               <p:cNvPr id="4" name="Content Placeholder 2">
                 <a:extLst>
                   <a:ext uri="{FF2B5EF4-FFF2-40B4-BE49-F238E27FC236}">
-                    <a16:creationId xmlns="" xmlns:a16="http://schemas.microsoft.com/office/drawing/2014/main" id="{C1642F2F-7A09-459E-9D90-1D9D3103E685}"/>
+                    <a16:creationId xmlns:a16="http://schemas.microsoft.com/office/drawing/2014/main" xmlns="" id="{C1642F2F-7A09-459E-9D90-1D9D3103E685}"/>
                   </a:ext>
                 </a:extLst>
               </p:cNvPr>
@@ -18389,7 +18385,7 @@
           <p:cNvPr id="5" name="Picture 2" descr="https://miro.medium.com/max/395/1*EyPd0sQxEXtTDSJgu72JNQ.jpeg">
             <a:extLst>
               <a:ext uri="{FF2B5EF4-FFF2-40B4-BE49-F238E27FC236}">
-                <a16:creationId xmlns="" xmlns:a16="http://schemas.microsoft.com/office/drawing/2014/main" id="{0D8EEA24-1121-4936-A240-08F46CEAC385}"/>
+                <a16:creationId xmlns:a16="http://schemas.microsoft.com/office/drawing/2014/main" xmlns="" id="{0D8EEA24-1121-4936-A240-08F46CEAC385}"/>
               </a:ext>
             </a:extLst>
           </p:cNvPr>
@@ -20812,8 +20808,8 @@
           </a:p>
         </p:txBody>
       </p:sp>
-      <mc:AlternateContent xmlns:mc="http://schemas.openxmlformats.org/markup-compatibility/2006" xmlns:a14="http://schemas.microsoft.com/office/drawing/2010/main">
-        <mc:Choice Requires="a14">
+      <mc:AlternateContent xmlns:mc="http://schemas.openxmlformats.org/markup-compatibility/2006">
+        <mc:Choice xmlns:a14="http://schemas.microsoft.com/office/drawing/2010/main" Requires="a14">
           <p:sp>
             <p:nvSpPr>
               <p:cNvPr id="3" name="Content Placeholder 2"/>
@@ -21085,12 +21081,31 @@
                               </m:ctrlPr>
                             </m:dPr>
                             <m:e>
-                              <m:r>
-                                <a:rPr lang="en-US" sz="2600" b="1" i="1">
-                                  <a:latin typeface="Cambria Math" panose="02040503050406030204" pitchFamily="18" charset="0"/>
-                                </a:rPr>
-                                <m:t>𝒙</m:t>
-                              </m:r>
+                              <m:sSub>
+                                <m:sSubPr>
+                                  <m:ctrlPr>
+                                    <a:rPr lang="en-US" sz="2600" i="1">
+                                      <a:latin typeface="Cambria Math" panose="02040503050406030204" pitchFamily="18" charset="0"/>
+                                    </a:rPr>
+                                  </m:ctrlPr>
+                                </m:sSubPr>
+                                <m:e>
+                                  <m:r>
+                                    <a:rPr lang="en-US" sz="2600" b="1" i="1">
+                                      <a:latin typeface="Cambria Math" panose="02040503050406030204" pitchFamily="18" charset="0"/>
+                                    </a:rPr>
+                                    <m:t>𝒙</m:t>
+                                  </m:r>
+                                </m:e>
+                                <m:sub>
+                                  <m:r>
+                                    <a:rPr lang="en-US" sz="2600" i="1">
+                                      <a:latin typeface="Cambria Math" panose="02040503050406030204" pitchFamily="18" charset="0"/>
+                                    </a:rPr>
+                                    <m:t>𝑘</m:t>
+                                  </m:r>
+                                </m:sub>
+                              </m:sSub>
                             </m:e>
                           </m:d>
                         </m:num>
@@ -21113,12 +21128,31 @@
                               </m:ctrlPr>
                             </m:dPr>
                             <m:e>
-                              <m:r>
-                                <a:rPr lang="en-US" sz="2600" b="1" i="1">
-                                  <a:latin typeface="Cambria Math" panose="02040503050406030204" pitchFamily="18" charset="0"/>
-                                </a:rPr>
-                                <m:t>𝒙</m:t>
-                              </m:r>
+                              <m:sSub>
+                                <m:sSubPr>
+                                  <m:ctrlPr>
+                                    <a:rPr lang="en-US" sz="2600" i="1">
+                                      <a:latin typeface="Cambria Math" panose="02040503050406030204" pitchFamily="18" charset="0"/>
+                                    </a:rPr>
+                                  </m:ctrlPr>
+                                </m:sSubPr>
+                                <m:e>
+                                  <m:r>
+                                    <a:rPr lang="en-US" sz="2600" b="1" i="1">
+                                      <a:latin typeface="Cambria Math" panose="02040503050406030204" pitchFamily="18" charset="0"/>
+                                    </a:rPr>
+                                    <m:t>𝒙</m:t>
+                                  </m:r>
+                                </m:e>
+                                <m:sub>
+                                  <m:r>
+                                    <a:rPr lang="en-US" sz="2600" i="1">
+                                      <a:latin typeface="Cambria Math" panose="02040503050406030204" pitchFamily="18" charset="0"/>
+                                    </a:rPr>
+                                    <m:t>𝑘</m:t>
+                                  </m:r>
+                                </m:sub>
+                              </m:sSub>
                             </m:e>
                           </m:d>
                           <m:r>
@@ -21145,12 +21179,31 @@
                               </m:ctrlPr>
                             </m:dPr>
                             <m:e>
-                              <m:r>
-                                <a:rPr lang="en-US" sz="2600" b="1" i="1">
-                                  <a:latin typeface="Cambria Math" panose="02040503050406030204" pitchFamily="18" charset="0"/>
-                                </a:rPr>
-                                <m:t>𝒙</m:t>
-                              </m:r>
+                              <m:sSub>
+                                <m:sSubPr>
+                                  <m:ctrlPr>
+                                    <a:rPr lang="en-US" sz="2600" i="1">
+                                      <a:latin typeface="Cambria Math" panose="02040503050406030204" pitchFamily="18" charset="0"/>
+                                    </a:rPr>
+                                  </m:ctrlPr>
+                                </m:sSubPr>
+                                <m:e>
+                                  <m:r>
+                                    <a:rPr lang="en-US" sz="2600" b="1" i="1">
+                                      <a:latin typeface="Cambria Math" panose="02040503050406030204" pitchFamily="18" charset="0"/>
+                                    </a:rPr>
+                                    <m:t>𝒙</m:t>
+                                  </m:r>
+                                </m:e>
+                                <m:sub>
+                                  <m:r>
+                                    <a:rPr lang="en-US" sz="2600" i="1">
+                                      <a:latin typeface="Cambria Math" panose="02040503050406030204" pitchFamily="18" charset="0"/>
+                                    </a:rPr>
+                                    <m:t>𝑘</m:t>
+                                  </m:r>
+                                </m:sub>
+                              </m:sSub>
                             </m:e>
                           </m:d>
                         </m:den>
@@ -21387,12 +21440,31 @@
                               </m:r>
                             </m:e>
                             <m:sub>
-                              <m:r>
-                                <a:rPr lang="en-US" sz="2600" b="1" i="1">
-                                  <a:latin typeface="Cambria Math" panose="02040503050406030204" pitchFamily="18" charset="0"/>
-                                </a:rPr>
-                                <m:t>𝒙</m:t>
-                              </m:r>
+                              <m:sSub>
+                                <m:sSubPr>
+                                  <m:ctrlPr>
+                                    <a:rPr lang="en-US" sz="2600" i="1">
+                                      <a:latin typeface="Cambria Math" panose="02040503050406030204" pitchFamily="18" charset="0"/>
+                                    </a:rPr>
+                                  </m:ctrlPr>
+                                </m:sSubPr>
+                                <m:e>
+                                  <m:r>
+                                    <a:rPr lang="en-US" sz="2600" b="1" i="1">
+                                      <a:latin typeface="Cambria Math" panose="02040503050406030204" pitchFamily="18" charset="0"/>
+                                    </a:rPr>
+                                    <m:t>𝒙</m:t>
+                                  </m:r>
+                                </m:e>
+                                <m:sub>
+                                  <m:r>
+                                    <a:rPr lang="en-US" sz="2600" i="1">
+                                      <a:latin typeface="Cambria Math" panose="02040503050406030204" pitchFamily="18" charset="0"/>
+                                    </a:rPr>
+                                    <m:t>𝑘</m:t>
+                                  </m:r>
+                                </m:sub>
+                              </m:sSub>
                             </m:sub>
                           </m:sSub>
                         </m:num>
@@ -21415,12 +21487,31 @@
                               </m:r>
                             </m:e>
                             <m:sub>
-                              <m:r>
-                                <a:rPr lang="en-US" sz="2600" b="1" i="1">
-                                  <a:latin typeface="Cambria Math" panose="02040503050406030204" pitchFamily="18" charset="0"/>
-                                </a:rPr>
-                                <m:t>𝒙</m:t>
-                              </m:r>
+                              <m:sSub>
+                                <m:sSubPr>
+                                  <m:ctrlPr>
+                                    <a:rPr lang="en-US" sz="2600" i="1">
+                                      <a:latin typeface="Cambria Math" panose="02040503050406030204" pitchFamily="18" charset="0"/>
+                                    </a:rPr>
+                                  </m:ctrlPr>
+                                </m:sSubPr>
+                                <m:e>
+                                  <m:r>
+                                    <a:rPr lang="en-US" sz="2600" b="1" i="1">
+                                      <a:latin typeface="Cambria Math" panose="02040503050406030204" pitchFamily="18" charset="0"/>
+                                    </a:rPr>
+                                    <m:t>𝒙</m:t>
+                                  </m:r>
+                                </m:e>
+                                <m:sub>
+                                  <m:r>
+                                    <a:rPr lang="en-US" sz="2600" i="1">
+                                      <a:latin typeface="Cambria Math" panose="02040503050406030204" pitchFamily="18" charset="0"/>
+                                    </a:rPr>
+                                    <m:t>𝑘</m:t>
+                                  </m:r>
+                                </m:sub>
+                              </m:sSub>
                             </m:sub>
                           </m:sSub>
                         </m:den>
@@ -21458,7 +21549,7 @@
             </p:txBody>
           </p:sp>
         </mc:Choice>
-        <mc:Fallback xmlns="">
+        <mc:Fallback>
           <p:sp>
             <p:nvSpPr>
               <p:cNvPr id="3" name="Content Placeholder 2"/>

--- a/slides/T319_Regressão_Linear (Escalonamento de Atributos).pptx
+++ b/slides/T319_Regressão_Linear (Escalonamento de Atributos).pptx
@@ -541,7 +541,7 @@
           <a:p>
             <a:fld id="{DAF0AF11-6A8A-4E64-94F5-26D4FBA2A01D}" type="datetimeFigureOut">
               <a:rPr lang="nl-BE" smtClean="0"/>
-              <a:t>5/11/2021</a:t>
+              <a:t>22/10/2023</a:t>
             </a:fld>
             <a:endParaRPr lang="nl-BE"/>
           </a:p>
@@ -700,7 +700,7 @@
           <a:p>
             <a:fld id="{DA8B99DF-01BC-492A-8CEF-4FD88D18DD9D}" type="slidenum">
               <a:rPr lang="nl-BE" smtClean="0"/>
-              <a:t>‹#›</a:t>
+              <a:t>‹nº›</a:t>
             </a:fld>
             <a:endParaRPr lang="nl-BE"/>
           </a:p>
@@ -1109,325 +1109,325 @@
           <a:lstStyle/>
           <a:p>
             <a:r>
-              <a:rPr lang="pt-BR" sz="1200" noProof="0" dirty="0" smtClean="0"/>
+              <a:rPr lang="pt-BR" sz="1200" noProof="0" dirty="0"/>
               <a:t>Em geral, os algoritmos de aprendizado de máquina não apresentam bom desempenho quando as</a:t>
             </a:r>
             <a:r>
-              <a:rPr lang="pt-BR" sz="1200" baseline="0" noProof="0" dirty="0" smtClean="0"/>
+              <a:rPr lang="pt-BR" sz="1200" baseline="0" noProof="0" dirty="0"/>
               <a:t> features </a:t>
             </a:r>
             <a:r>
-              <a:rPr lang="pt-BR" sz="1200" noProof="0" dirty="0" smtClean="0"/>
+              <a:rPr lang="pt-BR" sz="1200" noProof="0" dirty="0"/>
               <a:t>têm escalas muito diferentes.</a:t>
             </a:r>
           </a:p>
           <a:p>
-            <a:endParaRPr lang="pt-BR" sz="1200" noProof="0" dirty="0" smtClean="0"/>
+            <a:endParaRPr lang="pt-BR" sz="1200" noProof="0" dirty="0"/>
           </a:p>
           <a:p>
             <a:r>
-              <a:rPr lang="pt-BR" sz="1200" noProof="0" dirty="0" smtClean="0"/>
+              <a:rPr lang="pt-BR" sz="1200" noProof="0" dirty="0"/>
               <a:t>Algoritmos que</a:t>
             </a:r>
             <a:r>
-              <a:rPr lang="pt-BR" sz="1200" baseline="0" noProof="0" dirty="0" smtClean="0"/>
+              <a:rPr lang="pt-BR" sz="1200" baseline="0" noProof="0" dirty="0"/>
               <a:t> utilizam</a:t>
             </a:r>
             <a:r>
-              <a:rPr lang="pt-BR" sz="1200" noProof="0" dirty="0" smtClean="0"/>
+              <a:rPr lang="pt-BR" sz="1200" noProof="0" dirty="0"/>
               <a:t> distância como métrica de erro, como por exemplo Gradiente Descendente, RNA, KNN, K-means e SVM, são os mais afetados por</a:t>
             </a:r>
             <a:r>
-              <a:rPr lang="pt-BR" sz="1200" baseline="0" noProof="0" dirty="0" smtClean="0"/>
+              <a:rPr lang="pt-BR" sz="1200" baseline="0" noProof="0" dirty="0"/>
               <a:t> atributos com diferentes intervalos de variação</a:t>
             </a:r>
             <a:r>
-              <a:rPr lang="pt-BR" sz="1200" noProof="0" dirty="0" smtClean="0"/>
+              <a:rPr lang="pt-BR" sz="1200" noProof="0" dirty="0"/>
               <a:t>. Isso ocorre porque</a:t>
             </a:r>
             <a:r>
-              <a:rPr lang="pt-BR" sz="1200" baseline="0" noProof="0" dirty="0" smtClean="0"/>
+              <a:rPr lang="pt-BR" sz="1200" baseline="0" noProof="0" dirty="0"/>
               <a:t> esses algoritmos</a:t>
             </a:r>
             <a:r>
-              <a:rPr lang="pt-BR" sz="1200" noProof="0" dirty="0" smtClean="0"/>
+              <a:rPr lang="pt-BR" sz="1200" noProof="0" dirty="0"/>
               <a:t> usam distâncias entre pontos de dados para determinar sua similaridade.</a:t>
             </a:r>
           </a:p>
           <a:p>
-            <a:endParaRPr lang="pt-BR" sz="1200" noProof="0" dirty="0" smtClean="0"/>
+            <a:endParaRPr lang="pt-BR" sz="1200" noProof="0" dirty="0"/>
           </a:p>
           <a:p>
             <a:r>
-              <a:rPr lang="pt-BR" sz="1200" noProof="0" dirty="0" smtClean="0"/>
+              <a:rPr lang="pt-BR" sz="1200" noProof="0" dirty="0"/>
               <a:t>Por exemplo, muitos algoritmos de ML calculam a distância entre dois pontos pela distância euclidiana. Se um das</a:t>
             </a:r>
             <a:r>
-              <a:rPr lang="pt-BR" sz="1200" baseline="0" noProof="0" dirty="0" smtClean="0"/>
+              <a:rPr lang="pt-BR" sz="1200" baseline="0" noProof="0" dirty="0"/>
               <a:t> features </a:t>
             </a:r>
             <a:r>
-              <a:rPr lang="pt-BR" sz="1200" noProof="0" dirty="0" smtClean="0"/>
+              <a:rPr lang="pt-BR" sz="1200" noProof="0" dirty="0"/>
               <a:t>tiver uma faixa de valores muito maior do que o</a:t>
             </a:r>
             <a:r>
-              <a:rPr lang="pt-BR" sz="1200" baseline="0" noProof="0" dirty="0" smtClean="0"/>
+              <a:rPr lang="pt-BR" sz="1200" baseline="0" noProof="0" dirty="0"/>
               <a:t> de outra feature</a:t>
             </a:r>
             <a:r>
-              <a:rPr lang="pt-BR" sz="1200" noProof="0" dirty="0" smtClean="0"/>
+              <a:rPr lang="pt-BR" sz="1200" noProof="0" dirty="0"/>
               <a:t>, o</a:t>
             </a:r>
             <a:r>
-              <a:rPr lang="pt-BR" sz="1200" baseline="0" noProof="0" dirty="0" smtClean="0"/>
+              <a:rPr lang="pt-BR" sz="1200" baseline="0" noProof="0" dirty="0"/>
               <a:t> cálculo da </a:t>
             </a:r>
             <a:r>
-              <a:rPr lang="pt-BR" sz="1200" noProof="0" dirty="0" smtClean="0"/>
+              <a:rPr lang="pt-BR" sz="1200" noProof="0" dirty="0"/>
               <a:t>distância será regido por essa</a:t>
             </a:r>
             <a:r>
-              <a:rPr lang="pt-BR" sz="1200" baseline="0" noProof="0" dirty="0" smtClean="0"/>
+              <a:rPr lang="pt-BR" sz="1200" baseline="0" noProof="0" dirty="0"/>
               <a:t> feature </a:t>
             </a:r>
             <a:r>
-              <a:rPr lang="pt-BR" sz="1200" noProof="0" dirty="0" smtClean="0"/>
+              <a:rPr lang="pt-BR" sz="1200" noProof="0" dirty="0"/>
               <a:t>em particular. Portanto, a</a:t>
             </a:r>
             <a:r>
-              <a:rPr lang="pt-BR" sz="1200" baseline="0" noProof="0" dirty="0" smtClean="0"/>
+              <a:rPr lang="pt-BR" sz="1200" baseline="0" noProof="0" dirty="0"/>
               <a:t> variação </a:t>
             </a:r>
             <a:r>
-              <a:rPr lang="pt-BR" sz="1200" noProof="0" dirty="0" smtClean="0"/>
+              <a:rPr lang="pt-BR" sz="1200" noProof="0" dirty="0"/>
               <a:t>de todos os recursos deve ser escalonada para que cada feature contribua com mesma importância na distância final.</a:t>
             </a:r>
-            <a:endParaRPr lang="pt-BR" sz="1200" baseline="0" noProof="0" dirty="0" smtClean="0"/>
+            <a:endParaRPr lang="pt-BR" sz="1200" baseline="0" noProof="0" dirty="0"/>
           </a:p>
           <a:p>
-            <a:endParaRPr lang="pt-BR" sz="1200" noProof="0" dirty="0" smtClean="0"/>
+            <a:endParaRPr lang="pt-BR" sz="1200" noProof="0" dirty="0"/>
           </a:p>
           <a:p>
             <a:r>
-              <a:rPr lang="pt-BR" sz="1200" noProof="0" dirty="0" smtClean="0"/>
+              <a:rPr lang="pt-BR" sz="1200" noProof="0" dirty="0"/>
               <a:t>O escalonamento de features é uma técnica para padronizar/normalizar as</a:t>
             </a:r>
             <a:r>
-              <a:rPr lang="pt-BR" sz="1200" baseline="0" noProof="0" dirty="0" smtClean="0"/>
+              <a:rPr lang="pt-BR" sz="1200" baseline="0" noProof="0" dirty="0"/>
               <a:t> features</a:t>
             </a:r>
             <a:r>
-              <a:rPr lang="pt-BR" sz="1200" noProof="0" dirty="0" smtClean="0"/>
+              <a:rPr lang="pt-BR" sz="1200" noProof="0" dirty="0"/>
               <a:t> em um intervalo fixo. É realizada durante o pré-processamento de dados para lidar com magnitudes, valores ou unidades</a:t>
             </a:r>
             <a:r>
-              <a:rPr lang="pt-BR" sz="1200" baseline="0" noProof="0" dirty="0" smtClean="0"/>
+              <a:rPr lang="pt-BR" sz="1200" baseline="0" noProof="0" dirty="0"/>
               <a:t> que tenham grandes variações de valores</a:t>
             </a:r>
             <a:r>
-              <a:rPr lang="pt-BR" sz="1200" noProof="0" dirty="0" smtClean="0"/>
+              <a:rPr lang="pt-BR" sz="1200" noProof="0" dirty="0"/>
               <a:t>. Se o escalonamento</a:t>
             </a:r>
             <a:r>
-              <a:rPr lang="pt-BR" sz="1200" baseline="0" noProof="0" dirty="0" smtClean="0"/>
+              <a:rPr lang="pt-BR" sz="1200" baseline="0" noProof="0" dirty="0"/>
               <a:t> </a:t>
             </a:r>
             <a:r>
-              <a:rPr lang="pt-BR" sz="1200" noProof="0" dirty="0" smtClean="0"/>
+              <a:rPr lang="pt-BR" sz="1200" noProof="0" dirty="0"/>
               <a:t>não for feito, um algoritmo de aprendizado de máquina tende a</a:t>
             </a:r>
             <a:r>
-              <a:rPr lang="pt-BR" sz="1200" baseline="0" noProof="0" dirty="0" smtClean="0"/>
+              <a:rPr lang="pt-BR" sz="1200" baseline="0" noProof="0" dirty="0"/>
               <a:t> dar mais importância a valores maiores </a:t>
             </a:r>
             <a:r>
-              <a:rPr lang="pt-BR" sz="1200" noProof="0" dirty="0" smtClean="0"/>
+              <a:rPr lang="pt-BR" sz="1200" noProof="0" dirty="0"/>
               <a:t>e</a:t>
             </a:r>
             <a:r>
-              <a:rPr lang="pt-BR" sz="1200" baseline="0" noProof="0" dirty="0" smtClean="0"/>
+              <a:rPr lang="pt-BR" sz="1200" baseline="0" noProof="0" dirty="0"/>
               <a:t> dar menos importância a valores menores</a:t>
             </a:r>
             <a:r>
-              <a:rPr lang="pt-BR" sz="1200" noProof="0" dirty="0" smtClean="0"/>
+              <a:rPr lang="pt-BR" sz="1200" noProof="0" dirty="0"/>
               <a:t>, independentemente da unidade dos valores. </a:t>
             </a:r>
           </a:p>
           <a:p>
-            <a:endParaRPr lang="pt-BR" sz="1200" noProof="0" dirty="0" smtClean="0"/>
+            <a:endParaRPr lang="pt-BR" sz="1200" noProof="0" dirty="0"/>
           </a:p>
           <a:p>
             <a:r>
-              <a:rPr lang="pt-BR" sz="1200" noProof="0" dirty="0" smtClean="0"/>
+              <a:rPr lang="pt-BR" sz="1200" noProof="0" dirty="0"/>
               <a:t>Por exemplo, se um algoritmo não estiver usando um método de</a:t>
             </a:r>
             <a:r>
-              <a:rPr lang="pt-BR" sz="1200" baseline="0" noProof="0" dirty="0" smtClean="0"/>
+              <a:rPr lang="pt-BR" sz="1200" baseline="0" noProof="0" dirty="0"/>
               <a:t> escalonamento</a:t>
             </a:r>
             <a:r>
-              <a:rPr lang="pt-BR" sz="1200" noProof="0" dirty="0" smtClean="0"/>
+              <a:rPr lang="pt-BR" sz="1200" noProof="0" dirty="0"/>
               <a:t>, ele poderá considerar o valor de 3000 metros maior que 5 km, mas isso não é verdade e, nesse caso, o algoritmo fornecerá previsões incorretas. Portanto, usamos o escalonamento</a:t>
             </a:r>
             <a:r>
-              <a:rPr lang="pt-BR" sz="1200" baseline="0" noProof="0" dirty="0" smtClean="0"/>
+              <a:rPr lang="pt-BR" sz="1200" baseline="0" noProof="0" dirty="0"/>
               <a:t> de features </a:t>
             </a:r>
             <a:r>
-              <a:rPr lang="pt-BR" sz="1200" noProof="0" dirty="0" smtClean="0"/>
+              <a:rPr lang="pt-BR" sz="1200" noProof="0" dirty="0"/>
               <a:t>para trazer todos os valores para as mesmas magnitudes e, assim, resolver esse problema.</a:t>
             </a:r>
           </a:p>
           <a:p>
-            <a:endParaRPr lang="pt-BR" sz="1200" noProof="0" dirty="0" smtClean="0"/>
+            <a:endParaRPr lang="pt-BR" sz="1200" noProof="0" dirty="0"/>
           </a:p>
           <a:p>
             <a:r>
-              <a:rPr lang="pt-BR" sz="1200" noProof="0" dirty="0" smtClean="0"/>
+              <a:rPr lang="pt-BR" sz="1200" noProof="0" dirty="0"/>
               <a:t>Os atributos com grandes magnitudes pesam muito mais nos cálculos de distância do que os atributos com pequenas magnitudes.</a:t>
             </a:r>
           </a:p>
           <a:p>
-            <a:endParaRPr lang="pt-BR" sz="1200" noProof="0" dirty="0" smtClean="0"/>
+            <a:endParaRPr lang="pt-BR" sz="1200" noProof="0" dirty="0"/>
           </a:p>
           <a:p>
             <a:r>
-              <a:rPr lang="pt-BR" sz="1200" b="1" noProof="0" dirty="0" smtClean="0"/>
+              <a:rPr lang="pt-BR" sz="1200" b="1" noProof="0" dirty="0"/>
               <a:t>Intuição</a:t>
             </a:r>
             <a:r>
-              <a:rPr lang="pt-BR" sz="1200" noProof="0" dirty="0" smtClean="0"/>
+              <a:rPr lang="pt-BR" sz="1200" noProof="0" dirty="0"/>
               <a:t>:</a:t>
             </a:r>
           </a:p>
           <a:p>
-            <a:endParaRPr lang="pt-BR" sz="1200" noProof="0" dirty="0" smtClean="0"/>
+            <a:endParaRPr lang="pt-BR" sz="1200" noProof="0" dirty="0"/>
           </a:p>
           <a:p>
             <a:r>
-              <a:rPr lang="pt-BR" sz="1200" noProof="0" dirty="0" smtClean="0"/>
+              <a:rPr lang="pt-BR" sz="1200" noProof="0" dirty="0"/>
               <a:t>Algoritmos de aprendizado de máquina funcionam com números e não tem conhecimento do que esses números representam. Um peso de 75 kg e uma distância de 75 quilômetros representam duas coisas completamente diferentes - isso nós, humanos, podemos entender facilmente. Mas para uma máquina, ambos valores 75 são a mesma coisa, independentemente do fato de as unidades de ambos serem diferentes. </a:t>
             </a:r>
           </a:p>
           <a:p>
-            <a:endParaRPr lang="pt-BR" sz="1200" noProof="0" dirty="0" smtClean="0"/>
+            <a:endParaRPr lang="pt-BR" sz="1200" noProof="0" dirty="0"/>
           </a:p>
           <a:p>
             <a:r>
-              <a:rPr lang="pt-BR" sz="1200" noProof="0" dirty="0" smtClean="0"/>
+              <a:rPr lang="pt-BR" sz="1200" noProof="0" dirty="0"/>
               <a:t>Outro exemplo, uma idade média de 30 anos e uma população de 40000 habitantes, são unidades diferentes e portanto 40000 habitantes não pode ser dito ser maior do que 30 anos.</a:t>
             </a:r>
           </a:p>
           <a:p>
-            <a:endParaRPr lang="pt-BR" sz="1200" noProof="0" dirty="0" smtClean="0"/>
+            <a:endParaRPr lang="pt-BR" sz="1200" noProof="0" dirty="0"/>
           </a:p>
           <a:p>
             <a:r>
-              <a:rPr lang="pt-BR" sz="1200" noProof="0" dirty="0" smtClean="0"/>
+              <a:rPr lang="pt-BR" sz="1200" noProof="0" dirty="0"/>
               <a:t>O algoritmo de ML vê apenas números - alguns variando em milhares e outros em torno de dezenas e assume</a:t>
             </a:r>
             <a:r>
-              <a:rPr lang="pt-BR" sz="1200" baseline="0" noProof="0" dirty="0" smtClean="0"/>
+              <a:rPr lang="pt-BR" sz="1200" baseline="0" noProof="0" dirty="0"/>
               <a:t> </a:t>
             </a:r>
             <a:r>
-              <a:rPr lang="pt-BR" sz="1200" noProof="0" dirty="0" smtClean="0"/>
+              <a:rPr lang="pt-BR" sz="1200" noProof="0" dirty="0"/>
               <a:t>que números maiores</a:t>
             </a:r>
             <a:r>
-              <a:rPr lang="pt-BR" sz="1200" baseline="0" noProof="0" dirty="0" smtClean="0"/>
+              <a:rPr lang="pt-BR" sz="1200" baseline="0" noProof="0" dirty="0"/>
               <a:t> tem maior importância</a:t>
             </a:r>
             <a:r>
-              <a:rPr lang="pt-BR" sz="1200" noProof="0" dirty="0" smtClean="0"/>
+              <a:rPr lang="pt-BR" sz="1200" noProof="0" dirty="0"/>
               <a:t>. Portanto, valores</a:t>
             </a:r>
             <a:r>
-              <a:rPr lang="pt-BR" sz="1200" baseline="0" noProof="0" dirty="0" smtClean="0"/>
+              <a:rPr lang="pt-BR" sz="1200" baseline="0" noProof="0" dirty="0"/>
               <a:t> </a:t>
             </a:r>
             <a:r>
-              <a:rPr lang="pt-BR" sz="1200" noProof="0" dirty="0" smtClean="0"/>
+              <a:rPr lang="pt-BR" sz="1200" noProof="0" dirty="0"/>
               <a:t>maiores</a:t>
             </a:r>
             <a:r>
-              <a:rPr lang="pt-BR" sz="1200" baseline="0" noProof="0" dirty="0" smtClean="0"/>
+              <a:rPr lang="pt-BR" sz="1200" baseline="0" noProof="0" dirty="0"/>
               <a:t> </a:t>
             </a:r>
             <a:r>
-              <a:rPr lang="pt-BR" sz="1200" noProof="0" dirty="0" smtClean="0"/>
+              <a:rPr lang="pt-BR" sz="1200" noProof="0" dirty="0"/>
               <a:t>começam a desempenhar um papel mais decisivo no treinamento do modelo.</a:t>
             </a:r>
           </a:p>
           <a:p>
-            <a:endParaRPr lang="pt-BR" sz="1200" noProof="0" dirty="0" smtClean="0"/>
+            <a:endParaRPr lang="pt-BR" sz="1200" noProof="0" dirty="0"/>
           </a:p>
           <a:p>
             <a:r>
-              <a:rPr lang="pt-BR" sz="1200" noProof="0" dirty="0" smtClean="0"/>
+              <a:rPr lang="pt-BR" sz="1200" noProof="0" dirty="0"/>
               <a:t>É aí que está o problema. A importância da população não é</a:t>
             </a:r>
             <a:r>
-              <a:rPr lang="pt-BR" sz="1200" baseline="0" noProof="0" dirty="0" smtClean="0"/>
+              <a:rPr lang="pt-BR" sz="1200" baseline="0" noProof="0" dirty="0"/>
               <a:t> maior do que a importância da idade média, os dois valores não podem ser comparados</a:t>
             </a:r>
             <a:r>
-              <a:rPr lang="pt-BR" sz="1200" noProof="0" dirty="0" smtClean="0"/>
+              <a:rPr lang="pt-BR" sz="1200" noProof="0" dirty="0"/>
               <a:t>. Porém, o algoritmo supõe que, desde 54000&gt; 51,7 e 130000&gt; 45,9, e</a:t>
             </a:r>
             <a:r>
-              <a:rPr lang="pt-BR" sz="1200" baseline="0" noProof="0" dirty="0" smtClean="0"/>
+              <a:rPr lang="pt-BR" sz="1200" baseline="0" noProof="0" dirty="0"/>
               <a:t> </a:t>
             </a:r>
             <a:r>
-              <a:rPr lang="pt-BR" sz="1200" noProof="0" dirty="0" smtClean="0"/>
+              <a:rPr lang="pt-BR" sz="1200" noProof="0" dirty="0"/>
               <a:t>portanto, a população é uma feature mais importante, o que é incorreto.</a:t>
             </a:r>
           </a:p>
           <a:p>
-            <a:endParaRPr lang="pt-BR" sz="1200" noProof="0" dirty="0" smtClean="0"/>
+            <a:endParaRPr lang="pt-BR" sz="1200" noProof="0" dirty="0"/>
           </a:p>
           <a:p>
             <a:r>
-              <a:rPr lang="pt-BR" sz="1200" noProof="0" dirty="0" smtClean="0"/>
+              <a:rPr lang="pt-BR" sz="1200" noProof="0" dirty="0"/>
               <a:t>Esse problema ocorre com todo algoritmo que se baseia no cálculo da distância durante a fase de treinamento.</a:t>
             </a:r>
           </a:p>
           <a:p>
-            <a:endParaRPr lang="pt-BR" sz="1200" noProof="0" dirty="0" smtClean="0"/>
+            <a:endParaRPr lang="pt-BR" sz="1200" noProof="0" dirty="0"/>
           </a:p>
           <a:p>
             <a:r>
-              <a:rPr lang="pt-BR" sz="1200" b="1" noProof="0" dirty="0" smtClean="0"/>
+              <a:rPr lang="pt-BR" sz="1200" b="1" noProof="0" dirty="0"/>
               <a:t>Escalonamento de </a:t>
             </a:r>
             <a:r>
-              <a:rPr lang="pt-BR" sz="1200" b="1" u="sng" noProof="0" dirty="0" smtClean="0"/>
+              <a:rPr lang="pt-BR" sz="1200" b="1" u="sng" noProof="0" dirty="0"/>
               <a:t>atributos</a:t>
             </a:r>
             <a:r>
-              <a:rPr lang="pt-BR" sz="1200" b="1" noProof="0" dirty="0" smtClean="0"/>
+              <a:rPr lang="pt-BR" sz="1200" b="1" noProof="0" dirty="0"/>
               <a:t>/features</a:t>
             </a:r>
             <a:r>
-              <a:rPr lang="pt-BR" sz="1200" noProof="0" dirty="0" smtClean="0"/>
+              <a:rPr lang="pt-BR" sz="1200" noProof="0" dirty="0"/>
               <a:t>:</a:t>
             </a:r>
           </a:p>
           <a:p>
-            <a:endParaRPr lang="pt-BR" sz="1200" noProof="0" dirty="0" smtClean="0"/>
+            <a:endParaRPr lang="pt-BR" sz="1200" noProof="0" dirty="0"/>
           </a:p>
           <a:p>
             <a:r>
-              <a:rPr lang="pt-BR" sz="1200" dirty="0" smtClean="0"/>
+              <a:rPr lang="pt-BR" sz="1200" dirty="0"/>
               <a:t>Existem duas maneiras comuns de fazer com que todos os atributos tenham a mesma escala: escalonamento</a:t>
             </a:r>
             <a:r>
-              <a:rPr lang="pt-BR" sz="1200" baseline="0" dirty="0" smtClean="0"/>
+              <a:rPr lang="pt-BR" sz="1200" baseline="0" dirty="0"/>
               <a:t> min-max (também conhecido como normalização)</a:t>
             </a:r>
             <a:r>
-              <a:rPr lang="pt-BR" sz="1200" dirty="0" smtClean="0"/>
+              <a:rPr lang="pt-BR" sz="1200" dirty="0"/>
               <a:t> e a padronização.</a:t>
             </a:r>
           </a:p>
@@ -1437,27 +1437,27 @@
               <a:buNone/>
             </a:pPr>
             <a:r>
-              <a:rPr lang="pt-BR" sz="1200" dirty="0" smtClean="0"/>
+              <a:rPr lang="pt-BR" sz="1200" dirty="0"/>
               <a:t>Em</a:t>
             </a:r>
             <a:r>
-              <a:rPr lang="pt-BR" sz="1200" baseline="0" dirty="0" smtClean="0"/>
+              <a:rPr lang="pt-BR" sz="1200" baseline="0" dirty="0"/>
               <a:t> alguns casos</a:t>
             </a:r>
             <a:r>
-              <a:rPr lang="pt-BR" sz="1200" dirty="0" smtClean="0"/>
+              <a:rPr lang="pt-BR" sz="1200" dirty="0"/>
               <a:t>, ajuda a acelerar a</a:t>
             </a:r>
             <a:r>
-              <a:rPr lang="pt-BR" sz="1200" baseline="0" dirty="0" smtClean="0"/>
+              <a:rPr lang="pt-BR" sz="1200" baseline="0" dirty="0"/>
               <a:t> convergência de </a:t>
             </a:r>
             <a:r>
-              <a:rPr lang="pt-BR" sz="1200" dirty="0" smtClean="0"/>
+              <a:rPr lang="pt-BR" sz="1200" dirty="0"/>
               <a:t>um algoritmo,</a:t>
             </a:r>
             <a:r>
-              <a:rPr lang="pt-BR" sz="1200" baseline="0" dirty="0" smtClean="0"/>
+              <a:rPr lang="pt-BR" sz="1200" baseline="0" dirty="0"/>
               <a:t> como por exemplo, o gradiente descendente.</a:t>
             </a:r>
           </a:p>
@@ -1467,26 +1467,26 @@
               <a:buNone/>
             </a:pPr>
             <a:r>
-              <a:rPr lang="pt-BR" sz="1200" baseline="0" dirty="0" smtClean="0"/>
+              <a:rPr lang="pt-BR" sz="1200" baseline="0" dirty="0"/>
               <a:t>É aplicado durante pré-processamento dos exemplos de treinamento (i.e., features).</a:t>
             </a:r>
-            <a:endParaRPr lang="nl-BE" sz="1200" dirty="0" smtClean="0"/>
+            <a:endParaRPr lang="nl-BE" sz="1200" dirty="0"/>
           </a:p>
           <a:p>
-            <a:endParaRPr lang="pt-BR" sz="1200" noProof="0" dirty="0" smtClean="0"/>
+            <a:endParaRPr lang="pt-BR" sz="1200" noProof="0" dirty="0"/>
           </a:p>
           <a:p>
             <a:r>
-              <a:rPr lang="pt-BR" sz="1200" b="1" noProof="0" dirty="0" smtClean="0"/>
+              <a:rPr lang="pt-BR" sz="1200" b="1" noProof="0" dirty="0"/>
               <a:t>Vantagens</a:t>
             </a:r>
             <a:r>
-              <a:rPr lang="pt-BR" sz="1200" noProof="0" dirty="0" smtClean="0"/>
+              <a:rPr lang="pt-BR" sz="1200" noProof="0" dirty="0"/>
               <a:t>:</a:t>
             </a:r>
           </a:p>
           <a:p>
-            <a:endParaRPr lang="pt-BR" sz="1200" noProof="0" dirty="0" smtClean="0"/>
+            <a:endParaRPr lang="pt-BR" sz="1200" noProof="0" dirty="0"/>
           </a:p>
           <a:p>
             <a:pPr marL="171450" indent="-171450">
@@ -1494,7 +1494,7 @@
               <a:buChar char="•"/>
             </a:pPr>
             <a:r>
-              <a:rPr lang="pt-BR" sz="1200" noProof="0" dirty="0" smtClean="0"/>
+              <a:rPr lang="pt-BR" sz="1200" noProof="0" dirty="0"/>
               <a:t>Possibilita comparar o peso/influência de cada feature no modelo.</a:t>
             </a:r>
           </a:p>
@@ -1504,12 +1504,12 @@
               <a:buChar char="•"/>
             </a:pPr>
             <a:r>
-              <a:rPr lang="pt-BR" sz="1200" noProof="0" dirty="0" smtClean="0"/>
+              <a:rPr lang="pt-BR" sz="1200" noProof="0" dirty="0"/>
               <a:t>Melhora o desempenho e a estabilidade do treinamento do modelo.</a:t>
             </a:r>
           </a:p>
           <a:p>
-            <a:endParaRPr lang="pt-BR" sz="1200" noProof="0" dirty="0" smtClean="0"/>
+            <a:endParaRPr lang="pt-BR" sz="1200" noProof="0" dirty="0"/>
           </a:p>
           <a:p>
             <a:endParaRPr lang="pt-BR" dirty="0"/>
@@ -1614,30 +1614,24 @@
               <a:defRPr/>
             </a:pPr>
             <a:r>
-              <a:rPr lang="pt-BR" b="1" noProof="0" dirty="0" smtClean="0"/>
+              <a:rPr lang="pt-BR" b="1" noProof="0" dirty="0"/>
               <a:t>Exemplo</a:t>
             </a:r>
             <a:r>
-              <a:rPr lang="pt-BR" noProof="0" dirty="0" smtClean="0"/>
+              <a:rPr lang="pt-BR" noProof="0" dirty="0"/>
               <a:t>: </a:t>
             </a:r>
             <a:r>
-              <a:rPr lang="pt-BR" dirty="0" smtClean="0"/>
-              <a:t>https://mybinder.org/v2/gh/zz4fap/t319_aprendizado_de_maquina/main?filepath=notebooks%2Fregression%2Fformatos_diferentes_da_</a:t>
-            </a:r>
-            <a:r>
-              <a:rPr lang="pt-BR" u="none" dirty="0" smtClean="0"/>
-              <a:t>superficie_de_erro</a:t>
-            </a:r>
-            <a:r>
-              <a:rPr lang="pt-BR" u="none" dirty="0" smtClean="0">
-                <a:solidFill>
-                  <a:srgbClr val="00B0F0"/>
-                </a:solidFill>
-              </a:rPr>
-              <a:t>.ipynb</a:t>
-            </a:r>
-            <a:endParaRPr lang="pt-BR" u="none" dirty="0" smtClean="0"/>
+              <a:rPr lang="pt-BR" dirty="0"/>
+              <a:t>https://colab.research.google.com/github/zz4fap/t319_aprendizado_de_maquina/blob/main/notebooks/regression/formatos_diferentes_da_superficie_de_erro.ipynb</a:t>
+            </a:r>
+            <a:endParaRPr lang="pt-BR" u="none" dirty="0"/>
+          </a:p>
+          <a:p>
+            <a:endParaRPr lang="pt-BR" dirty="0"/>
+          </a:p>
+          <a:p>
+            <a:endParaRPr lang="pt-BR" dirty="0"/>
           </a:p>
           <a:p>
             <a:endParaRPr lang="pt-BR" dirty="0"/>
@@ -1725,10 +1719,9 @@
           <a:lstStyle/>
           <a:p>
             <a:r>
-              <a:rPr lang="pt-BR" dirty="0" smtClean="0"/>
+              <a:rPr lang="pt-BR" dirty="0"/>
               <a:t>Com cada atributo tendo uma escala diferente, o espaço de pesos no qual os modelos estão tentando treinar pode ser altamente distorcido e complexo. Quanto mais complexo for esse espaço, mais difícil será treinar um modelo dentro dele.</a:t>
             </a:r>
-            <a:endParaRPr lang="pt-BR" dirty="0"/>
           </a:p>
         </p:txBody>
       </p:sp>
@@ -1817,7 +1810,7 @@
               <a:buNone/>
             </a:pPr>
             <a:r>
-              <a:rPr lang="nl-BE" b="1" dirty="0" smtClean="0"/>
+              <a:rPr lang="nl-BE" b="1" dirty="0"/>
               <a:t>Escalonamento dos objetivos ou rótulos</a:t>
             </a:r>
           </a:p>
@@ -1827,7 +1820,7 @@
               <a:buChar char="•"/>
             </a:pPr>
             <a:r>
-              <a:rPr lang="nl-BE" dirty="0" smtClean="0"/>
+              <a:rPr lang="nl-BE" dirty="0"/>
               <a:t>https://machinelearningmastery.com/how-to-transform-target-variables-for-regression-with-scikit-learn/</a:t>
             </a:r>
           </a:p>
@@ -1837,7 +1830,7 @@
               <a:buChar char="•"/>
             </a:pPr>
             <a:r>
-              <a:rPr lang="nl-BE" dirty="0" smtClean="0"/>
+              <a:rPr lang="nl-BE" dirty="0"/>
               <a:t>https://machinelearningmastery.com/how-to-improve-neural-network-stability-and-modeling-performance-with-data-scaling/</a:t>
             </a:r>
           </a:p>
@@ -1946,18 +1939,18 @@
                   <a:defRPr/>
                 </a:pPr>
                 <a:r>
-                  <a:rPr lang="pt-BR" b="1" dirty="0" smtClean="0"/>
+                  <a:rPr lang="pt-BR" b="1" dirty="0"/>
                   <a:t>Exemplo</a:t>
                 </a:r>
                 <a:r>
-                  <a:rPr lang="pt-BR" dirty="0" smtClean="0"/>
+                  <a:rPr lang="pt-BR" dirty="0"/>
                   <a:t>: https://mybinder.org/v2/gh/zz4fap/t319_aprendizado_de_maquina/main?filepath=notebooks%2Fregression%2F</a:t>
                 </a:r>
                 <a:r>
-                  <a:rPr lang="pt-BR" sz="1200" baseline="0" dirty="0" smtClean="0"/>
+                  <a:rPr lang="pt-BR" sz="1200" baseline="0" dirty="0"/>
                   <a:t>escalonamento_de_atributos_com_scikit_learn.ipynb</a:t>
                 </a:r>
-                <a:endParaRPr lang="pt-BR" dirty="0" smtClean="0"/>
+                <a:endParaRPr lang="pt-BR" dirty="0"/>
               </a:p>
               <a:p>
                 <a:pPr marL="0" marR="0" lvl="0" indent="0" algn="l" defTabSz="914400" rtl="0" eaLnBrk="1" fontAlgn="auto" latinLnBrk="0" hangingPunct="1">
@@ -1977,7 +1970,7 @@
                   <a:tabLst/>
                   <a:defRPr/>
                 </a:pPr>
-                <a:endParaRPr lang="pt-BR" sz="1200" baseline="0" dirty="0" smtClean="0"/>
+                <a:endParaRPr lang="pt-BR" sz="1200" baseline="0" dirty="0"/>
               </a:p>
               <a:p>
                 <a:pPr marL="0" marR="0" lvl="0" indent="0" algn="l" defTabSz="914400" rtl="0" eaLnBrk="1" fontAlgn="auto" latinLnBrk="0" hangingPunct="1">
@@ -1997,7 +1990,7 @@
                   <a:tabLst/>
                   <a:defRPr/>
                 </a:pPr>
-                <a:endParaRPr lang="pt-BR" sz="1200" baseline="0" dirty="0" smtClean="0"/>
+                <a:endParaRPr lang="pt-BR" sz="1200" baseline="0" dirty="0"/>
               </a:p>
               <a:p>
                 <a:pPr marL="0" marR="0" lvl="0" indent="0" algn="l" defTabSz="914400" rtl="0" eaLnBrk="1" fontAlgn="auto" latinLnBrk="0" hangingPunct="1">
@@ -2018,28 +2011,8 @@
                   <a:defRPr/>
                 </a:pPr>
                 <a:r>
-                  <a:rPr lang="pt-BR" sz="1200" baseline="0" dirty="0" smtClean="0"/>
-                  <a:t>Por </a:t>
-                </a:r>
-                <a:r>
                   <a:rPr lang="pt-BR" sz="1200" baseline="0" dirty="0"/>
-                  <a:t>exemplo, se no caso do gradiente descendente as features tiverem escalas muito diferentes, os </a:t>
-                </a:r>
-                <a:r>
-                  <a:rPr lang="pt-BR" sz="1200" baseline="0" dirty="0" smtClean="0"/>
-                  <a:t>pesos de atributos com </a:t>
-                </a:r>
-                <a:r>
-                  <a:rPr lang="pt-BR" sz="1200" baseline="0" dirty="0"/>
-                  <a:t>escala muito grande vão ser atualizados mais rapidamente do que </a:t>
-                </a:r>
-                <a:r>
-                  <a:rPr lang="pt-BR" sz="1200" baseline="0" dirty="0" smtClean="0"/>
-                  <a:t>pesos de atributos com </a:t>
-                </a:r>
-                <a:r>
-                  <a:rPr lang="pt-BR" sz="1200" baseline="0" dirty="0"/>
-                  <a:t>escala pequena.</a:t>
+                  <a:t>Por exemplo, se no caso do gradiente descendente as features tiverem escalas muito diferentes, os pesos de atributos com escala muito grande vão ser atualizados mais rapidamente do que pesos de atributos com escala pequena.</a:t>
                 </a:r>
               </a:p>
               <a:p>
@@ -2148,23 +2121,7 @@
                 </a:r>
                 <a:r>
                   <a:rPr lang="pt-BR" sz="1200" baseline="0" noProof="0" dirty="0"/>
-                  <a:t>épocas. Nesse caso, a2 é atualizado muito mais rapidamente do que a1, dado que </a:t>
-                </a:r>
-                <a:r>
-                  <a:rPr lang="pt-BR" sz="1200" baseline="0" noProof="0" dirty="0" smtClean="0"/>
-                  <a:t>o atributo x2 </a:t>
-                </a:r>
-                <a:r>
-                  <a:rPr lang="pt-BR" sz="1200" baseline="0" noProof="0" dirty="0"/>
-                  <a:t>tem variação maior. A variação do gradiente na direção x2 é maior do que na direção x1, ou seja, a descida na direção de x2 é íngreme enquanto na direção de x1 é praticamente uma reta (inclinação igual a 0), fazendo com que a atualização </a:t>
-                </a:r>
-                <a:r>
-                  <a:rPr lang="pt-BR" sz="1200" baseline="0" noProof="0" dirty="0" smtClean="0"/>
-                  <a:t>do peso </a:t>
-                </a:r>
-                <a:r>
-                  <a:rPr lang="pt-BR" sz="1200" baseline="0" noProof="0" dirty="0"/>
-                  <a:t>a1 seja muito pequena.</a:t>
+                  <a:t>épocas. Nesse caso, a2 é atualizado muito mais rapidamente do que a1, dado que o atributo x2 tem variação maior. A variação do gradiente na direção x2 é maior do que na direção x1, ou seja, a descida na direção de x2 é íngreme enquanto na direção de x1 é praticamente uma reta (inclinação igual a 0), fazendo com que a atualização do peso a1 seja muito pequena.</a:t>
                 </a:r>
               </a:p>
               <a:p>
@@ -2207,39 +2164,7 @@
                 </a:pPr>
                 <a:r>
                   <a:rPr lang="pt-BR" sz="1200" baseline="0" noProof="0" dirty="0"/>
-                  <a:t>O aumento da variação de </a:t>
-                </a:r>
-                <a:r>
-                  <a:rPr lang="pt-BR" sz="1200" baseline="0" noProof="0" dirty="0" smtClean="0"/>
-                  <a:t>um dos atributos faz </a:t>
-                </a:r>
-                <a:r>
-                  <a:rPr lang="pt-BR" sz="1200" baseline="0" noProof="0" dirty="0"/>
-                  <a:t>com que o círculos de contorno se tornem elipses que tendem a linhas paralelas quando essa variação é muito grande em relação </a:t>
-                </a:r>
-                <a:r>
-                  <a:rPr lang="pt-BR" sz="1200" baseline="0" noProof="0" dirty="0" smtClean="0"/>
-                  <a:t>ao outro atributo. </a:t>
-                </a:r>
-                <a:r>
-                  <a:rPr lang="pt-BR" sz="1200" baseline="0" noProof="0" dirty="0"/>
-                  <a:t>Denotando que </a:t>
-                </a:r>
-                <a:r>
-                  <a:rPr lang="pt-BR" sz="1200" baseline="0" noProof="0" dirty="0" smtClean="0"/>
-                  <a:t>um dos atributos tem </a:t>
-                </a:r>
-                <a:r>
-                  <a:rPr lang="pt-BR" sz="1200" baseline="0" noProof="0" dirty="0"/>
-                  <a:t>variação muito maior do que </a:t>
-                </a:r>
-                <a:r>
-                  <a:rPr lang="pt-BR" sz="1200" baseline="0" noProof="0" dirty="0" smtClean="0"/>
-                  <a:t>o do outro. </a:t>
-                </a:r>
-                <a:r>
-                  <a:rPr lang="pt-BR" sz="1200" baseline="0" noProof="0" dirty="0"/>
-                  <a:t>Outra forma de ver isso, é notar que como x2 tem variação maior do que x1, o erro ao longo de a2 varia muito mais rapidamente do que ao longo de a1, mostrando que x2 contribui muito mais no valor final do erro e que x1 tem pouca contribuição no valor do erro.</a:t>
+                  <a:t>O aumento da variação de um dos atributos faz com que o círculos de contorno se tornem elipses que tendem a linhas paralelas quando essa variação é muito grande em relação ao outro atributo. Denotando que um dos atributos tem variação muito maior do que o do outro. Outra forma de ver isso, é notar que como x2 tem variação maior do que x1, o erro ao longo de a2 varia muito mais rapidamente do que ao longo de a1, mostrando que x2 contribui muito mais no valor final do erro e que x1 tem pouca contribuição no valor do erro.</a:t>
                 </a:r>
               </a:p>
               <a:p>
@@ -2555,15 +2480,7 @@
                 </a:pPr>
                 <a:r>
                   <a:rPr lang="pt-BR" sz="1200" baseline="0" noProof="0" dirty="0"/>
-                  <a:t>Nota-se também que algoritmo converge </a:t>
-                </a:r>
-                <a:r>
-                  <a:rPr lang="pt-BR" sz="1200" baseline="0" noProof="0" dirty="0" smtClean="0"/>
-                  <a:t>após 4 </a:t>
-                </a:r>
-                <a:r>
-                  <a:rPr lang="pt-BR" sz="1200" baseline="0" noProof="0" dirty="0"/>
-                  <a:t>épocas.</a:t>
+                  <a:t>Nota-se também que algoritmo converge após 4 épocas.</a:t>
                 </a:r>
               </a:p>
             </p:txBody>
@@ -2795,61 +2712,61 @@
               <a:lstStyle/>
               <a:p>
                 <a:r>
-                  <a:rPr lang="pt-BR" b="1" dirty="0" smtClean="0"/>
+                  <a:rPr lang="pt-BR" b="1" dirty="0"/>
                   <a:t>Exemplo</a:t>
                 </a:r>
                 <a:r>
-                  <a:rPr lang="pt-BR" dirty="0" smtClean="0"/>
+                  <a:rPr lang="pt-BR" dirty="0"/>
                   <a:t>:</a:t>
                 </a:r>
                 <a:r>
-                  <a:rPr lang="pt-BR" baseline="0" dirty="0" smtClean="0"/>
+                  <a:rPr lang="pt-BR" baseline="0" dirty="0"/>
                   <a:t> feature_scaling_gradient_variation.ipynb</a:t>
                 </a:r>
               </a:p>
               <a:p>
-                <a:endParaRPr lang="pt-BR" baseline="0" dirty="0" smtClean="0"/>
+                <a:endParaRPr lang="pt-BR" baseline="0" dirty="0"/>
               </a:p>
               <a:p>
                 <a:r>
-                  <a:rPr lang="pt-BR" baseline="0" dirty="0" smtClean="0"/>
+                  <a:rPr lang="pt-BR" baseline="0" dirty="0"/>
                   <a:t>Critério de parada: atingir número máximo de iterações ou que o erro entre iterações subsequentes seja maior ou igual a 0.0001, indicando que o erro vs. Iterações se tornou constante.</a:t>
                 </a:r>
               </a:p>
               <a:p>
-                <a:endParaRPr lang="pt-BR" baseline="0" dirty="0" smtClean="0"/>
+                <a:endParaRPr lang="pt-BR" baseline="0" dirty="0"/>
               </a:p>
               <a:p>
                 <a:r>
-                  <a:rPr lang="pt-BR" baseline="0" dirty="0" smtClean="0"/>
+                  <a:rPr lang="pt-BR" baseline="0" dirty="0"/>
                   <a:t>Padronização diminui o número de iterações necessárias para que o erro entre iterações subsequentes seja maior do que 0.0001, ou seja, que ele se torne praticamente constante. Portanto, a padronização diminuiu o tempo de convergência.</a:t>
                 </a:r>
               </a:p>
               <a:p>
-                <a:endParaRPr lang="pt-BR" baseline="0" dirty="0" smtClean="0"/>
+                <a:endParaRPr lang="pt-BR" baseline="0" dirty="0"/>
               </a:p>
               <a:p>
                 <a:r>
-                  <a:rPr lang="pt-BR" baseline="0" dirty="0" smtClean="0"/>
+                  <a:rPr lang="pt-BR" baseline="0" dirty="0"/>
                   <a:t>Sem a padronização, o algoritmo do GD precisa das 2000 iterações configuradas como sendo o número máxímo, porém, nós apenas apresentados até a 10 iteração por motivos de comparação dos resultados.</a:t>
                 </a:r>
               </a:p>
               <a:p>
-                <a:endParaRPr lang="pt-BR" baseline="0" dirty="0" smtClean="0"/>
+                <a:endParaRPr lang="pt-BR" baseline="0" dirty="0"/>
               </a:p>
               <a:p>
                 <a:r>
-                  <a:rPr lang="pt-BR" baseline="0" dirty="0" smtClean="0"/>
+                  <a:rPr lang="pt-BR" baseline="0" dirty="0"/>
                   <a:t>Já com a padronização, o algoritmo precisa de apenas 8 iterações para que o critério de parada do erro entre interações subjequentes se torne verdadeiro.</a:t>
                 </a:r>
               </a:p>
               <a:p>
-                <a:endParaRPr lang="pt-BR" baseline="0" dirty="0" smtClean="0"/>
+                <a:endParaRPr lang="pt-BR" baseline="0" dirty="0"/>
               </a:p>
               <a:p>
                 <a:pPr algn="just"/>
                 <a:r>
-                  <a:rPr lang="pt-BR" dirty="0" smtClean="0"/>
+                  <a:rPr lang="pt-BR" dirty="0"/>
                   <a:t>Sem a padronização, pesos de atributos com variação muito grande são atualizados mais rapidamente do que pesos de atributos com variação pequena.</a:t>
                 </a:r>
               </a:p>
@@ -2889,15 +2806,7 @@
                 </a14:m>
                 <a:r>
                   <a:rPr lang="pt-BR" dirty="0"/>
-                  <a:t> </a:t>
-                </a:r>
-                <a:r>
-                  <a:rPr lang="pt-BR" dirty="0" smtClean="0"/>
-                  <a:t>contribui </a:t>
-                </a:r>
-                <a:r>
-                  <a:rPr lang="pt-BR" dirty="0"/>
-                  <a:t>muito mais no valor final do erro, fazendo com que </a:t>
+                  <a:t> contribui muito mais no valor final do erro, fazendo com que </a:t>
                 </a:r>
                 <a14:m>
                   <m:oMath xmlns:m="http://schemas.openxmlformats.org/officeDocument/2006/math">
@@ -2930,11 +2839,7 @@
                 </a14:m>
                 <a:r>
                   <a:rPr lang="pt-BR" dirty="0"/>
-                  <a:t> seja rapidamente atualizado</a:t>
-                </a:r>
-                <a:r>
-                  <a:rPr lang="pt-BR" dirty="0" smtClean="0"/>
-                  <a:t>.</a:t>
+                  <a:t> seja rapidamente atualizado.</a:t>
                 </a:r>
               </a:p>
               <a:p>
@@ -2942,7 +2847,7 @@
                   <a:buFont typeface="Arial" panose="020B0604020202020204" pitchFamily="34" charset="0"/>
                   <a:buNone/>
                 </a:pPr>
-                <a:endParaRPr lang="pt-BR" dirty="0" smtClean="0"/>
+                <a:endParaRPr lang="pt-BR" dirty="0"/>
               </a:p>
               <a:p>
                 <a:pPr marL="0" lvl="0" indent="0" algn="just">
@@ -2950,11 +2855,11 @@
                   <a:buNone/>
                 </a:pPr>
                 <a:r>
-                  <a:rPr lang="pt-BR" dirty="0" smtClean="0"/>
+                  <a:rPr lang="pt-BR" dirty="0"/>
                   <a:t>Com</a:t>
                 </a:r>
                 <a:r>
-                  <a:rPr lang="pt-BR" baseline="0" dirty="0" smtClean="0"/>
+                  <a:rPr lang="pt-BR" baseline="0" dirty="0"/>
                   <a:t> a padronização, devido ao fato dos atributos seguirem a distribuição Gaussiana, a superfície de contorno se torna circular, com varições de erro idênticas em amabas as ditreções, i.e., de a1 e a2, fazendo com que o algoritmo siga um caminha reto até o mínimo global, pois a varição do erro é idêntica em ambos os sentidos. Isso também é mostrado pelos gráficos de histórico de variação dos gradientes de a1 e a2. Estes gráficos mostram que a varição é idêntica em ambas direções e que o algoritmo rapidamente atinge o mínimo global, fazendo com que os gradientes se tornem iguais a zero, i.e., o gradiente no ponto de mínimo é igual a zero pois a inclinação da tangente neste ponto é igual a 0.</a:t>
                 </a:r>
                 <a:endParaRPr lang="pt-BR" dirty="0"/>
@@ -3298,7 +3203,7 @@
           <a:p>
             <a:fld id="{C80E15A5-E95B-43EB-9AC7-9A96397448C0}" type="datetimeFigureOut">
               <a:rPr lang="nl-BE" smtClean="0"/>
-              <a:t>5/11/2021</a:t>
+              <a:t>22/10/2023</a:t>
             </a:fld>
             <a:endParaRPr lang="nl-BE"/>
           </a:p>
@@ -3340,7 +3245,7 @@
           <a:p>
             <a:fld id="{67C3C120-4544-49C4-A71C-C78FE5187513}" type="slidenum">
               <a:rPr lang="nl-BE" smtClean="0"/>
-              <a:t>‹#›</a:t>
+              <a:t>‹nº›</a:t>
             </a:fld>
             <a:endParaRPr lang="nl-BE"/>
           </a:p>
@@ -3468,7 +3373,7 @@
           <a:p>
             <a:fld id="{C80E15A5-E95B-43EB-9AC7-9A96397448C0}" type="datetimeFigureOut">
               <a:rPr lang="nl-BE" smtClean="0"/>
-              <a:t>5/11/2021</a:t>
+              <a:t>22/10/2023</a:t>
             </a:fld>
             <a:endParaRPr lang="nl-BE"/>
           </a:p>
@@ -3510,7 +3415,7 @@
           <a:p>
             <a:fld id="{67C3C120-4544-49C4-A71C-C78FE5187513}" type="slidenum">
               <a:rPr lang="nl-BE" smtClean="0"/>
-              <a:t>‹#›</a:t>
+              <a:t>‹nº›</a:t>
             </a:fld>
             <a:endParaRPr lang="nl-BE"/>
           </a:p>
@@ -3648,7 +3553,7 @@
           <a:p>
             <a:fld id="{C80E15A5-E95B-43EB-9AC7-9A96397448C0}" type="datetimeFigureOut">
               <a:rPr lang="nl-BE" smtClean="0"/>
-              <a:t>5/11/2021</a:t>
+              <a:t>22/10/2023</a:t>
             </a:fld>
             <a:endParaRPr lang="nl-BE"/>
           </a:p>
@@ -3690,7 +3595,7 @@
           <a:p>
             <a:fld id="{67C3C120-4544-49C4-A71C-C78FE5187513}" type="slidenum">
               <a:rPr lang="nl-BE" smtClean="0"/>
-              <a:t>‹#›</a:t>
+              <a:t>‹nº›</a:t>
             </a:fld>
             <a:endParaRPr lang="nl-BE"/>
           </a:p>
@@ -3818,7 +3723,7 @@
           <a:p>
             <a:fld id="{C80E15A5-E95B-43EB-9AC7-9A96397448C0}" type="datetimeFigureOut">
               <a:rPr lang="nl-BE" smtClean="0"/>
-              <a:t>5/11/2021</a:t>
+              <a:t>22/10/2023</a:t>
             </a:fld>
             <a:endParaRPr lang="nl-BE"/>
           </a:p>
@@ -3860,7 +3765,7 @@
           <a:p>
             <a:fld id="{67C3C120-4544-49C4-A71C-C78FE5187513}" type="slidenum">
               <a:rPr lang="nl-BE" smtClean="0"/>
-              <a:t>‹#›</a:t>
+              <a:t>‹nº›</a:t>
             </a:fld>
             <a:endParaRPr lang="nl-BE"/>
           </a:p>
@@ -4064,7 +3969,7 @@
           <a:p>
             <a:fld id="{C80E15A5-E95B-43EB-9AC7-9A96397448C0}" type="datetimeFigureOut">
               <a:rPr lang="nl-BE" smtClean="0"/>
-              <a:t>5/11/2021</a:t>
+              <a:t>22/10/2023</a:t>
             </a:fld>
             <a:endParaRPr lang="nl-BE"/>
           </a:p>
@@ -4106,7 +4011,7 @@
           <a:p>
             <a:fld id="{67C3C120-4544-49C4-A71C-C78FE5187513}" type="slidenum">
               <a:rPr lang="nl-BE" smtClean="0"/>
-              <a:t>‹#›</a:t>
+              <a:t>‹nº›</a:t>
             </a:fld>
             <a:endParaRPr lang="nl-BE"/>
           </a:p>
@@ -4296,7 +4201,7 @@
           <a:p>
             <a:fld id="{C80E15A5-E95B-43EB-9AC7-9A96397448C0}" type="datetimeFigureOut">
               <a:rPr lang="nl-BE" smtClean="0"/>
-              <a:t>5/11/2021</a:t>
+              <a:t>22/10/2023</a:t>
             </a:fld>
             <a:endParaRPr lang="nl-BE"/>
           </a:p>
@@ -4338,7 +4243,7 @@
           <a:p>
             <a:fld id="{67C3C120-4544-49C4-A71C-C78FE5187513}" type="slidenum">
               <a:rPr lang="nl-BE" smtClean="0"/>
-              <a:t>‹#›</a:t>
+              <a:t>‹nº›</a:t>
             </a:fld>
             <a:endParaRPr lang="nl-BE"/>
           </a:p>
@@ -4663,7 +4568,7 @@
           <a:p>
             <a:fld id="{C80E15A5-E95B-43EB-9AC7-9A96397448C0}" type="datetimeFigureOut">
               <a:rPr lang="nl-BE" smtClean="0"/>
-              <a:t>5/11/2021</a:t>
+              <a:t>22/10/2023</a:t>
             </a:fld>
             <a:endParaRPr lang="nl-BE"/>
           </a:p>
@@ -4705,7 +4610,7 @@
           <a:p>
             <a:fld id="{67C3C120-4544-49C4-A71C-C78FE5187513}" type="slidenum">
               <a:rPr lang="nl-BE" smtClean="0"/>
-              <a:t>‹#›</a:t>
+              <a:t>‹nº›</a:t>
             </a:fld>
             <a:endParaRPr lang="nl-BE"/>
           </a:p>
@@ -4781,7 +4686,7 @@
           <a:p>
             <a:fld id="{C80E15A5-E95B-43EB-9AC7-9A96397448C0}" type="datetimeFigureOut">
               <a:rPr lang="nl-BE" smtClean="0"/>
-              <a:t>5/11/2021</a:t>
+              <a:t>22/10/2023</a:t>
             </a:fld>
             <a:endParaRPr lang="nl-BE"/>
           </a:p>
@@ -4823,7 +4728,7 @@
           <a:p>
             <a:fld id="{67C3C120-4544-49C4-A71C-C78FE5187513}" type="slidenum">
               <a:rPr lang="nl-BE" smtClean="0"/>
-              <a:t>‹#›</a:t>
+              <a:t>‹nº›</a:t>
             </a:fld>
             <a:endParaRPr lang="nl-BE"/>
           </a:p>
@@ -4876,7 +4781,7 @@
           <a:p>
             <a:fld id="{C80E15A5-E95B-43EB-9AC7-9A96397448C0}" type="datetimeFigureOut">
               <a:rPr lang="nl-BE" smtClean="0"/>
-              <a:t>5/11/2021</a:t>
+              <a:t>22/10/2023</a:t>
             </a:fld>
             <a:endParaRPr lang="nl-BE"/>
           </a:p>
@@ -4918,7 +4823,7 @@
           <a:p>
             <a:fld id="{67C3C120-4544-49C4-A71C-C78FE5187513}" type="slidenum">
               <a:rPr lang="nl-BE" smtClean="0"/>
-              <a:t>‹#›</a:t>
+              <a:t>‹nº›</a:t>
             </a:fld>
             <a:endParaRPr lang="nl-BE"/>
           </a:p>
@@ -5153,7 +5058,7 @@
           <a:p>
             <a:fld id="{C80E15A5-E95B-43EB-9AC7-9A96397448C0}" type="datetimeFigureOut">
               <a:rPr lang="nl-BE" smtClean="0"/>
-              <a:t>5/11/2021</a:t>
+              <a:t>22/10/2023</a:t>
             </a:fld>
             <a:endParaRPr lang="nl-BE"/>
           </a:p>
@@ -5195,7 +5100,7 @@
           <a:p>
             <a:fld id="{67C3C120-4544-49C4-A71C-C78FE5187513}" type="slidenum">
               <a:rPr lang="nl-BE" smtClean="0"/>
-              <a:t>‹#›</a:t>
+              <a:t>‹nº›</a:t>
             </a:fld>
             <a:endParaRPr lang="nl-BE"/>
           </a:p>
@@ -5406,7 +5311,7 @@
           <a:p>
             <a:fld id="{C80E15A5-E95B-43EB-9AC7-9A96397448C0}" type="datetimeFigureOut">
               <a:rPr lang="nl-BE" smtClean="0"/>
-              <a:t>5/11/2021</a:t>
+              <a:t>22/10/2023</a:t>
             </a:fld>
             <a:endParaRPr lang="nl-BE"/>
           </a:p>
@@ -5448,7 +5353,7 @@
           <a:p>
             <a:fld id="{67C3C120-4544-49C4-A71C-C78FE5187513}" type="slidenum">
               <a:rPr lang="nl-BE" smtClean="0"/>
-              <a:t>‹#›</a:t>
+              <a:t>‹nº›</a:t>
             </a:fld>
             <a:endParaRPr lang="nl-BE"/>
           </a:p>
@@ -5619,7 +5524,7 @@
           <a:p>
             <a:fld id="{C80E15A5-E95B-43EB-9AC7-9A96397448C0}" type="datetimeFigureOut">
               <a:rPr lang="nl-BE" smtClean="0"/>
-              <a:t>5/11/2021</a:t>
+              <a:t>22/10/2023</a:t>
             </a:fld>
             <a:endParaRPr lang="nl-BE"/>
           </a:p>
@@ -5697,7 +5602,7 @@
           <a:p>
             <a:fld id="{67C3C120-4544-49C4-A71C-C78FE5187513}" type="slidenum">
               <a:rPr lang="nl-BE" smtClean="0"/>
-              <a:t>‹#›</a:t>
+              <a:t>‹nº›</a:t>
             </a:fld>
             <a:endParaRPr lang="nl-BE"/>
           </a:p>
@@ -6029,7 +5934,7 @@
           <p:cNvPr id="2" name="Título 1">
             <a:extLst>
               <a:ext uri="{FF2B5EF4-FFF2-40B4-BE49-F238E27FC236}">
-                <a16:creationId xmlns:a16="http://schemas.microsoft.com/office/drawing/2014/main" xmlns="" id="{32666AC8-2E17-4DB4-B0F5-60C640CCFD2E}"/>
+                <a16:creationId xmlns:a16="http://schemas.microsoft.com/office/drawing/2014/main" id="{32666AC8-2E17-4DB4-B0F5-60C640CCFD2E}"/>
               </a:ext>
             </a:extLst>
           </p:cNvPr>
@@ -6053,33 +5958,16 @@
           <a:lstStyle/>
           <a:p>
             <a:r>
-              <a:rPr lang="pt-BR" sz="5400" dirty="0" smtClean="0"/>
-              <a:t>T319 - Introdução </a:t>
-            </a:r>
-            <a:r>
               <a:rPr lang="pt-BR" sz="5400" dirty="0"/>
-              <a:t>ao Aprendizado de </a:t>
-            </a:r>
-            <a:r>
-              <a:rPr lang="pt-BR" sz="5400" dirty="0" smtClean="0"/>
-              <a:t>Máquina:</a:t>
-            </a:r>
-            <a:r>
-              <a:rPr lang="pt-BR" dirty="0"/>
-              <a:t/>
+              <a:t>T319 - Introdução ao Aprendizado de Máquina:</a:t>
             </a:r>
             <a:br>
               <a:rPr lang="pt-BR" dirty="0"/>
             </a:br>
             <a:r>
               <a:rPr lang="pt-BR" b="1" i="1" dirty="0"/>
-              <a:t>Regressão </a:t>
-            </a:r>
-            <a:r>
-              <a:rPr lang="pt-BR" b="1" i="1" dirty="0" smtClean="0"/>
-              <a:t>Linear: Escalonamento de Atributos</a:t>
-            </a:r>
-            <a:endParaRPr lang="pt-BR" b="1" i="1" dirty="0"/>
+              <a:t>Regressão Linear: Escalonamento de Atributos</a:t>
+            </a:r>
           </a:p>
         </p:txBody>
       </p:sp>
@@ -6088,7 +5976,7 @@
           <p:cNvPr id="4" name="CaixaDeTexto 3">
             <a:extLst>
               <a:ext uri="{FF2B5EF4-FFF2-40B4-BE49-F238E27FC236}">
-                <a16:creationId xmlns:a16="http://schemas.microsoft.com/office/drawing/2014/main" xmlns="" id="{430EB894-B7D4-434C-9D1A-A14094D9BEEC}"/>
+                <a16:creationId xmlns:a16="http://schemas.microsoft.com/office/drawing/2014/main" id="{430EB894-B7D4-434C-9D1A-A14094D9BEEC}"/>
               </a:ext>
             </a:extLst>
           </p:cNvPr>
@@ -6129,7 +6017,7 @@
           <p:cNvPr id="1026" name="Picture 2" descr="Logo">
             <a:extLst>
               <a:ext uri="{FF2B5EF4-FFF2-40B4-BE49-F238E27FC236}">
-                <a16:creationId xmlns:a16="http://schemas.microsoft.com/office/drawing/2014/main" xmlns="" id="{3F2642E0-4F6A-4196-8F58-E77D36E9A33F}"/>
+                <a16:creationId xmlns:a16="http://schemas.microsoft.com/office/drawing/2014/main" id="{3F2642E0-4F6A-4196-8F58-E77D36E9A33F}"/>
               </a:ext>
             </a:extLst>
           </p:cNvPr>
@@ -6174,7 +6062,7 @@
           <p:cNvPr id="5122" name="Picture 2" descr="Image result for machine learning">
             <a:extLst>
               <a:ext uri="{FF2B5EF4-FFF2-40B4-BE49-F238E27FC236}">
-                <a16:creationId xmlns:a16="http://schemas.microsoft.com/office/drawing/2014/main" xmlns="" id="{810CE0A2-4102-44A6-A370-175E7896CDCB}"/>
+                <a16:creationId xmlns:a16="http://schemas.microsoft.com/office/drawing/2014/main" id="{810CE0A2-4102-44A6-A370-175E7896CDCB}"/>
               </a:ext>
             </a:extLst>
           </p:cNvPr>
@@ -6224,13 +6112,6 @@
   <p:clrMapOvr>
     <a:masterClrMapping/>
   </p:clrMapOvr>
-  <p:timing>
-    <p:tnLst>
-      <p:par>
-        <p:cTn id="1" dur="indefinite" restart="never" nodeType="tmRoot"/>
-      </p:par>
-    </p:tnLst>
-  </p:timing>
 </p:sld>
 </file>
 
@@ -6486,12 +6367,8 @@
           <a:p>
             <a:pPr algn="just"/>
             <a:r>
-              <a:rPr lang="pt-BR" dirty="0" smtClean="0"/>
-              <a:t>A superfície tem formato de </a:t>
-            </a:r>
-            <a:r>
               <a:rPr lang="pt-BR" dirty="0"/>
-              <a:t>uma “</a:t>
+              <a:t>A superfície tem formato de uma “</a:t>
             </a:r>
             <a:r>
               <a:rPr lang="pt-BR" i="1" dirty="0"/>
@@ -6505,61 +6382,23 @@
           <a:p>
             <a:pPr algn="just"/>
             <a:r>
-              <a:rPr lang="pt-BR" dirty="0" smtClean="0"/>
-              <a:t>As linhas de contorno se tornam </a:t>
-            </a:r>
-            <a:r>
               <a:rPr lang="pt-BR" dirty="0"/>
-              <a:t>mais “circulares”, denotando que a superfície tem inclinação similar em todas as </a:t>
-            </a:r>
-            <a:r>
-              <a:rPr lang="pt-BR" dirty="0" smtClean="0"/>
-              <a:t>direções.</a:t>
-            </a:r>
-            <a:endParaRPr lang="pt-BR" dirty="0"/>
+              <a:t>As linhas de contorno se tornam mais “circulares”, denotando que a superfície tem inclinação similar em todas as direções.</a:t>
+            </a:r>
           </a:p>
           <a:p>
             <a:pPr algn="just"/>
             <a:r>
-              <a:rPr lang="pt-BR" dirty="0" smtClean="0"/>
-              <a:t>Nesse exemplo, o algoritmo </a:t>
-            </a:r>
-            <a:r>
               <a:rPr lang="pt-BR" dirty="0"/>
-              <a:t>converge </a:t>
-            </a:r>
-            <a:r>
-              <a:rPr lang="pt-BR" dirty="0" smtClean="0"/>
-              <a:t>após 4 </a:t>
-            </a:r>
-            <a:r>
-              <a:rPr lang="pt-BR" dirty="0"/>
-              <a:t>épocas.</a:t>
+              <a:t>Nesse exemplo, o algoritmo converge após 4 épocas.</a:t>
             </a:r>
           </a:p>
           <a:p>
             <a:pPr algn="just"/>
             <a:r>
-              <a:rPr lang="pt-BR" dirty="0" smtClean="0"/>
-              <a:t>O treinamento se torna mais </a:t>
-            </a:r>
-            <a:r>
               <a:rPr lang="pt-BR" dirty="0"/>
-              <a:t>rápido pois a </a:t>
-            </a:r>
-            <a:r>
-              <a:rPr lang="pt-BR" dirty="0" smtClean="0"/>
-              <a:t>inclinação da superfície se torna mais íngreme </a:t>
-            </a:r>
-            <a:r>
-              <a:rPr lang="pt-BR" dirty="0"/>
-              <a:t>em todas as direções</a:t>
-            </a:r>
-            <a:r>
-              <a:rPr lang="pt-BR" dirty="0" smtClean="0"/>
-              <a:t>.</a:t>
-            </a:r>
-            <a:endParaRPr lang="pt-BR" dirty="0"/>
+              <a:t>O treinamento se torna mais rápido pois a inclinação da superfície se torna mais íngreme em todas as direções.</a:t>
+            </a:r>
           </a:p>
         </p:txBody>
       </p:sp>
@@ -6729,13 +6568,6 @@
   <p:clrMapOvr>
     <a:masterClrMapping/>
   </p:clrMapOvr>
-  <p:timing>
-    <p:tnLst>
-      <p:par>
-        <p:cTn id="1" dur="indefinite" restart="never" nodeType="tmRoot"/>
-      </p:par>
-    </p:tnLst>
-  </p:timing>
 </p:sld>
 </file>
 
@@ -6899,10 +6731,9 @@
           <a:p>
             <a:pPr algn="ctr"/>
             <a:r>
-              <a:rPr lang="pt-BR" b="1" dirty="0" smtClean="0"/>
+              <a:rPr lang="pt-BR" b="1" dirty="0"/>
               <a:t>Padronização</a:t>
             </a:r>
-            <a:endParaRPr lang="pt-BR" b="1" dirty="0"/>
           </a:p>
         </p:txBody>
       </p:sp>
@@ -6930,10 +6761,9 @@
           <a:p>
             <a:pPr algn="ctr"/>
             <a:r>
-              <a:rPr lang="pt-BR" b="1" dirty="0" smtClean="0"/>
+              <a:rPr lang="pt-BR" b="1" dirty="0"/>
               <a:t>Sem escalonamento</a:t>
             </a:r>
-            <a:endParaRPr lang="pt-BR" b="1" dirty="0"/>
           </a:p>
         </p:txBody>
       </p:sp>
@@ -7242,13 +7072,6 @@
   <p:clrMapOvr>
     <a:masterClrMapping/>
   </p:clrMapOvr>
-  <p:timing>
-    <p:tnLst>
-      <p:par>
-        <p:cTn id="1" dur="indefinite" restart="never" nodeType="tmRoot"/>
-      </p:par>
-    </p:tnLst>
-  </p:timing>
 </p:sld>
 </file>
 
@@ -7291,15 +7114,7 @@
           <a:p>
             <a:r>
               <a:rPr lang="pt-BR" dirty="0"/>
-              <a:t>Escalonamento de F</a:t>
-            </a:r>
-            <a:r>
-              <a:rPr lang="pt-BR" dirty="0" smtClean="0"/>
-              <a:t>eatures </a:t>
-            </a:r>
-            <a:r>
-              <a:rPr lang="pt-BR" dirty="0"/>
-              <a:t>com SciKit-Learn</a:t>
+              <a:t>Escalonamento de Features com SciKit-Learn</a:t>
             </a:r>
           </a:p>
         </p:txBody>
@@ -8421,7 +8236,7 @@
           <p:cNvPr id="9" name="Picture 6" descr="Image result for scikit learn logo">
             <a:extLst>
               <a:ext uri="{FF2B5EF4-FFF2-40B4-BE49-F238E27FC236}">
-                <a16:creationId xmlns:a16="http://schemas.microsoft.com/office/drawing/2014/main" xmlns="" id="{87129D40-D136-4716-8871-12CAEC603994}"/>
+                <a16:creationId xmlns:a16="http://schemas.microsoft.com/office/drawing/2014/main" id="{87129D40-D136-4716-8871-12CAEC603994}"/>
               </a:ext>
             </a:extLst>
           </p:cNvPr>
@@ -8473,13 +8288,6 @@
   <p:clrMapOvr>
     <a:masterClrMapping/>
   </p:clrMapOvr>
-  <p:timing>
-    <p:tnLst>
-      <p:par>
-        <p:cTn id="1" dur="indefinite" restart="never" nodeType="tmRoot"/>
-      </p:par>
-    </p:tnLst>
-  </p:timing>
 </p:sld>
 </file>
 
@@ -8505,7 +8313,7 @@
           <p:cNvPr id="4" name="Título 1">
             <a:extLst>
               <a:ext uri="{FF2B5EF4-FFF2-40B4-BE49-F238E27FC236}">
-                <a16:creationId xmlns:a16="http://schemas.microsoft.com/office/drawing/2014/main" xmlns="" id="{32666AC8-2E17-4DB4-B0F5-60C640CCFD2E}"/>
+                <a16:creationId xmlns:a16="http://schemas.microsoft.com/office/drawing/2014/main" id="{32666AC8-2E17-4DB4-B0F5-60C640CCFD2E}"/>
               </a:ext>
             </a:extLst>
           </p:cNvPr>
@@ -8590,7 +8398,7 @@
           <p:cNvPr id="2050" name="Picture 2" descr="https://miro.medium.com/max/302/1*MpLkcugbeMrJvFlz69LTNQ.jpeg">
             <a:extLst>
               <a:ext uri="{FF2B5EF4-FFF2-40B4-BE49-F238E27FC236}">
-                <a16:creationId xmlns:a16="http://schemas.microsoft.com/office/drawing/2014/main" xmlns="" id="{DE195D4C-7D53-46C2-BDD9-033809B4E028}"/>
+                <a16:creationId xmlns:a16="http://schemas.microsoft.com/office/drawing/2014/main" id="{DE195D4C-7D53-46C2-BDD9-033809B4E028}"/>
               </a:ext>
             </a:extLst>
           </p:cNvPr>
@@ -8637,7 +8445,7 @@
           <p:cNvPr id="2052" name="Picture 4" descr="https://miro.medium.com/max/426/1*iRv8pCP7v8FzVJNe2vAjdw.png">
             <a:extLst>
               <a:ext uri="{FF2B5EF4-FFF2-40B4-BE49-F238E27FC236}">
-                <a16:creationId xmlns:a16="http://schemas.microsoft.com/office/drawing/2014/main" xmlns="" id="{76F9F526-3C2B-485C-9E25-3D10B3E3B0C3}"/>
+                <a16:creationId xmlns:a16="http://schemas.microsoft.com/office/drawing/2014/main" id="{76F9F526-3C2B-485C-9E25-3D10B3E3B0C3}"/>
               </a:ext>
             </a:extLst>
           </p:cNvPr>
@@ -8684,7 +8492,7 @@
           <p:cNvPr id="2054" name="Picture 6" descr="https://miro.medium.com/max/194/1*JugKARhlrp9HLTF5_lN7EQ.jpeg">
             <a:extLst>
               <a:ext uri="{FF2B5EF4-FFF2-40B4-BE49-F238E27FC236}">
-                <a16:creationId xmlns:a16="http://schemas.microsoft.com/office/drawing/2014/main" xmlns="" id="{50D99301-1821-4F05-A553-E371FA6728F0}"/>
+                <a16:creationId xmlns:a16="http://schemas.microsoft.com/office/drawing/2014/main" id="{50D99301-1821-4F05-A553-E371FA6728F0}"/>
               </a:ext>
             </a:extLst>
           </p:cNvPr>
@@ -8755,7 +8563,7 @@
           <p:cNvPr id="3" name="Picture 3" descr="A close up of text on a black background&#10;&#10;Description generated with very high confidence">
             <a:extLst>
               <a:ext uri="{FF2B5EF4-FFF2-40B4-BE49-F238E27FC236}">
-                <a16:creationId xmlns:a16="http://schemas.microsoft.com/office/drawing/2014/main" xmlns="" id="{2A0DF154-7178-4F01-A59C-CD7D1EB3AD92}"/>
+                <a16:creationId xmlns:a16="http://schemas.microsoft.com/office/drawing/2014/main" id="{2A0DF154-7178-4F01-A59C-CD7D1EB3AD92}"/>
               </a:ext>
             </a:extLst>
           </p:cNvPr>
@@ -16534,13 +16342,6 @@
   <p:clrMapOvr>
     <a:masterClrMapping/>
   </p:clrMapOvr>
-  <p:timing>
-    <p:tnLst>
-      <p:par>
-        <p:cTn id="1" dur="indefinite" restart="never" nodeType="tmRoot"/>
-      </p:par>
-    </p:tnLst>
-  </p:timing>
 </p:sld>
 </file>
 
@@ -16577,7 +16378,7 @@
           <a:lstStyle/>
           <a:p>
             <a:r>
-              <a:rPr lang="pt-BR" smtClean="0"/>
+              <a:rPr lang="pt-BR"/>
               <a:t>Recapitulando</a:t>
             </a:r>
             <a:endParaRPr lang="pt-BR" dirty="0"/>
@@ -16607,16 +16408,8 @@
           <a:lstStyle/>
           <a:p>
             <a:r>
-              <a:rPr lang="pt-BR" dirty="0" smtClean="0"/>
-              <a:t>Vimos que a escolha </a:t>
-            </a:r>
-            <a:r>
               <a:rPr lang="pt-BR" dirty="0"/>
-              <a:t>do passo de </a:t>
-            </a:r>
-            <a:r>
-              <a:rPr lang="pt-BR" dirty="0" smtClean="0"/>
-              <a:t>aprendizagem influencia muito no processo aprendizagem do gradiente descendente.</a:t>
+              <a:t>Vimos que a escolha do passo de aprendizagem influencia muito no processo aprendizagem do gradiente descendente.</a:t>
             </a:r>
           </a:p>
           <a:p>
@@ -16625,7 +16418,7 @@
               <a:buChar char="§"/>
             </a:pPr>
             <a:r>
-              <a:rPr lang="pt-BR" dirty="0" smtClean="0"/>
+              <a:rPr lang="pt-BR" dirty="0"/>
               <a:t>Valores pequenos fazem com que o algoritmo tenha convergência muito lenta.</a:t>
             </a:r>
           </a:p>
@@ -16635,33 +16428,33 @@
               <a:buChar char="§"/>
             </a:pPr>
             <a:r>
-              <a:rPr lang="pt-BR" dirty="0" smtClean="0"/>
+              <a:rPr lang="pt-BR" dirty="0"/>
               <a:t>Valores grandes fazem com que o algoritmo divirja.</a:t>
             </a:r>
           </a:p>
           <a:p>
             <a:r>
-              <a:rPr lang="pt-BR" dirty="0" smtClean="0"/>
+              <a:rPr lang="pt-BR" dirty="0"/>
               <a:t>Gráfico do erro em função das iterações nos ajuda a depurar o algoritmo.</a:t>
             </a:r>
           </a:p>
           <a:p>
             <a:r>
-              <a:rPr lang="pt-BR" dirty="0" smtClean="0"/>
+              <a:rPr lang="pt-BR" dirty="0"/>
               <a:t>Além do ajuste manual, quando usamos GDE ou GD em mini-batches, precisamos reduzir o valor do passo de aprendizagem ao longo das iterações para garantir a convergência e estabilizaçãod do GD.</a:t>
             </a:r>
           </a:p>
           <a:p>
             <a:r>
-              <a:rPr lang="pt-BR" dirty="0" smtClean="0"/>
+              <a:rPr lang="pt-BR" dirty="0"/>
               <a:t>Neste documento, veremos um tipo de </a:t>
             </a:r>
             <a:r>
-              <a:rPr lang="pt-BR" b="1" i="1" dirty="0" smtClean="0"/>
+              <a:rPr lang="pt-BR" b="1" i="1" dirty="0"/>
               <a:t>pré-processamento</a:t>
             </a:r>
             <a:r>
-              <a:rPr lang="pt-BR" dirty="0" smtClean="0"/>
+              <a:rPr lang="pt-BR" dirty="0"/>
               <a:t> bastante importante para algoritmos de ML que usem métricas de distância como função de erro.</a:t>
             </a:r>
           </a:p>
@@ -16671,22 +16464,21 @@
               <a:buChar char="§"/>
             </a:pPr>
             <a:r>
-              <a:rPr lang="pt-BR" b="1" dirty="0" smtClean="0"/>
+              <a:rPr lang="pt-BR" b="1" dirty="0"/>
               <a:t>Pré-processamento</a:t>
             </a:r>
             <a:r>
-              <a:rPr lang="pt-BR" dirty="0" smtClean="0"/>
+              <a:rPr lang="pt-BR" dirty="0"/>
               <a:t>:</a:t>
             </a:r>
             <a:r>
-              <a:rPr lang="pt-BR" b="1" i="1" dirty="0" smtClean="0"/>
+              <a:rPr lang="pt-BR" b="1" i="1" dirty="0"/>
               <a:t> </a:t>
             </a:r>
             <a:r>
-              <a:rPr lang="pt-BR" dirty="0" smtClean="0"/>
+              <a:rPr lang="pt-BR" dirty="0"/>
               <a:t>Técnicas aplicadas aos dados de treinamento antes do treinamento.</a:t>
             </a:r>
-            <a:endParaRPr lang="pt-BR" dirty="0"/>
           </a:p>
         </p:txBody>
       </p:sp>
@@ -16700,13 +16492,6 @@
   <p:clrMapOvr>
     <a:masterClrMapping/>
   </p:clrMapOvr>
-  <p:timing>
-    <p:tnLst>
-      <p:par>
-        <p:cTn id="1" dur="indefinite" restart="never" nodeType="tmRoot"/>
-      </p:par>
-    </p:tnLst>
-  </p:timing>
 </p:sld>
 </file>
 
@@ -16744,11 +16529,7 @@
           <a:p>
             <a:r>
               <a:rPr lang="pt-BR" dirty="0"/>
-              <a:t>Escalonamento de </a:t>
-            </a:r>
-            <a:r>
-              <a:rPr lang="pt-BR" dirty="0" smtClean="0"/>
-              <a:t>Atributos</a:t>
+              <a:t>Escalonamento de Atributos</a:t>
             </a:r>
             <a:endParaRPr lang="nl-BE" dirty="0"/>
           </a:p>
@@ -16765,7 +16546,7 @@
         <p:spPr>
           <a:xfrm>
             <a:off x="838199" y="1971674"/>
-            <a:ext cx="11034713" cy="4591963"/>
+            <a:ext cx="11175125" cy="4886326"/>
           </a:xfrm>
           <a:prstGeom prst="rect">
             <a:avLst/>
@@ -16943,15 +16724,7 @@
             <a:pPr algn="just"/>
             <a:r>
               <a:rPr lang="pt-BR" dirty="0"/>
-              <a:t>Em algumas situações, alguns </a:t>
-            </a:r>
-            <a:r>
-              <a:rPr lang="pt-BR" b="1" dirty="0"/>
-              <a:t>atributos</a:t>
-            </a:r>
-            <a:r>
-              <a:rPr lang="pt-BR" dirty="0"/>
-              <a:t> acabam sendo dominantes sobre os demais no sentido de que exercerem grande influência sobre o </a:t>
+              <a:t>Em algumas situações, alguns atributos acabam sendo dominantes sobre os demais no sentido de que exercerem grande influência sobre o </a:t>
             </a:r>
             <a:r>
               <a:rPr lang="pt-BR" b="1" i="1" dirty="0"/>
@@ -16959,7 +16732,7 @@
             </a:r>
             <a:r>
               <a:rPr lang="pt-BR" dirty="0"/>
-              <a:t> cometido pelo modelo. </a:t>
+              <a:t> cometido pelo modelo.</a:t>
             </a:r>
           </a:p>
           <a:p>
@@ -16973,29 +16746,8 @@
             <a:pPr algn="just"/>
             <a:r>
               <a:rPr lang="pt-BR" dirty="0"/>
-              <a:t>Essa diferença </a:t>
-            </a:r>
-            <a:r>
-              <a:rPr lang="pt-BR" dirty="0" smtClean="0"/>
-              <a:t>entre as </a:t>
-            </a:r>
-            <a:r>
-              <a:rPr lang="pt-BR" dirty="0"/>
-              <a:t>magnitudes afeta o desempenho </a:t>
-            </a:r>
-            <a:r>
-              <a:rPr lang="pt-BR" dirty="0" smtClean="0"/>
-              <a:t>de </a:t>
-            </a:r>
-            <a:r>
-              <a:rPr lang="pt-BR" dirty="0"/>
-              <a:t>algoritmos de </a:t>
-            </a:r>
-            <a:r>
-              <a:rPr lang="pt-BR" dirty="0" smtClean="0"/>
-              <a:t>ML que utilizam métricas de distância como função de erro.</a:t>
-            </a:r>
-            <a:endParaRPr lang="pt-BR" dirty="0"/>
+              <a:t>Essa diferença entre as magnitudes afeta o desempenho de algoritmos de ML que utilizam métricas de distância como função de erro.</a:t>
+            </a:r>
           </a:p>
           <a:p>
             <a:pPr lvl="1" algn="just">
@@ -17004,45 +16756,8 @@
             </a:pPr>
             <a:r>
               <a:rPr lang="pt-BR" dirty="0"/>
-              <a:t>As diferenças entre </a:t>
-            </a:r>
-            <a:r>
-              <a:rPr lang="pt-BR" dirty="0" smtClean="0"/>
-              <a:t>as magnitudes </a:t>
-            </a:r>
-            <a:r>
-              <a:rPr lang="pt-BR" dirty="0"/>
-              <a:t>dos atributos faz com que </a:t>
-            </a:r>
-            <a:r>
-              <a:rPr lang="pt-BR" dirty="0" smtClean="0"/>
-              <a:t>as superfícies </a:t>
-            </a:r>
-            <a:r>
-              <a:rPr lang="pt-BR" dirty="0"/>
-              <a:t>de erro </a:t>
-            </a:r>
-            <a:r>
-              <a:rPr lang="pt-BR" dirty="0" smtClean="0"/>
-              <a:t>tenham </a:t>
-            </a:r>
-            <a:r>
-              <a:rPr lang="pt-BR" dirty="0"/>
-              <a:t>formato </a:t>
-            </a:r>
-            <a:r>
-              <a:rPr lang="pt-BR" dirty="0" smtClean="0"/>
-              <a:t>de vale, </a:t>
-            </a:r>
-            <a:r>
-              <a:rPr lang="pt-BR" dirty="0"/>
-              <a:t>dificultando a convergência dos algoritmos</a:t>
-            </a:r>
-            <a:r>
-              <a:rPr lang="pt-BR" dirty="0" smtClean="0"/>
-              <a:t>.</a:t>
-            </a:r>
-            <a:endParaRPr lang="pt-BR" dirty="0"/>
+              <a:t>As diferenças entre as magnitudes dos atributos faz com que as superfícies de erro tenham formato de vale, dificultando a convergência dos algoritmos.</a:t>
+            </a:r>
           </a:p>
         </p:txBody>
       </p:sp>
@@ -17081,7 +16796,7 @@
           <p:cNvPr id="2" name="Título 1">
             <a:extLst>
               <a:ext uri="{FF2B5EF4-FFF2-40B4-BE49-F238E27FC236}">
-                <a16:creationId xmlns:a16="http://schemas.microsoft.com/office/drawing/2014/main" xmlns="" id="{793142C1-FD08-4328-BCCB-5521CEABA2E7}"/>
+                <a16:creationId xmlns:a16="http://schemas.microsoft.com/office/drawing/2014/main" id="{793142C1-FD08-4328-BCCB-5521CEABA2E7}"/>
               </a:ext>
             </a:extLst>
           </p:cNvPr>
@@ -17111,7 +16826,7 @@
               <p:cNvPr id="4" name="Content Placeholder 2">
                 <a:extLst>
                   <a:ext uri="{FF2B5EF4-FFF2-40B4-BE49-F238E27FC236}">
-                    <a16:creationId xmlns:a16="http://schemas.microsoft.com/office/drawing/2014/main" xmlns="" id="{C1642F2F-7A09-459E-9D90-1D9D3103E685}"/>
+                    <a16:creationId xmlns:a16="http://schemas.microsoft.com/office/drawing/2014/main" id="{C1642F2F-7A09-459E-9D90-1D9D3103E685}"/>
                   </a:ext>
                 </a:extLst>
               </p:cNvPr>
@@ -17135,7 +16850,7 @@
               <a:lstStyle/>
               <a:p>
                 <a:r>
-                  <a:rPr lang="pt-BR" dirty="0" smtClean="0"/>
+                  <a:rPr lang="pt-BR" dirty="0"/>
                   <a:t>Dada a seguinte equação hipótese, </a:t>
                 </a:r>
                 <a14:m>
@@ -18199,7 +17914,7 @@
                   </m:oMath>
                 </a14:m>
                 <a:r>
-                  <a:rPr lang="pt-BR" dirty="0" smtClean="0"/>
+                  <a:rPr lang="pt-BR" dirty="0"/>
                   <a:t>.</a:t>
                 </a:r>
               </a:p>
@@ -18385,7 +18100,7 @@
           <p:cNvPr id="5" name="Picture 2" descr="https://miro.medium.com/max/395/1*EyPd0sQxEXtTDSJgu72JNQ.jpeg">
             <a:extLst>
               <a:ext uri="{FF2B5EF4-FFF2-40B4-BE49-F238E27FC236}">
-                <a16:creationId xmlns:a16="http://schemas.microsoft.com/office/drawing/2014/main" xmlns="" id="{0D8EEA24-1121-4936-A240-08F46CEAC385}"/>
+                <a16:creationId xmlns:a16="http://schemas.microsoft.com/office/drawing/2014/main" id="{0D8EEA24-1121-4936-A240-08F46CEAC385}"/>
               </a:ext>
             </a:extLst>
           </p:cNvPr>
@@ -18683,11 +18398,11 @@
               <a:lstStyle/>
               <a:p>
                 <a:r>
-                  <a:rPr lang="pt-BR" dirty="0" smtClean="0"/>
+                  <a:rPr lang="pt-BR" dirty="0"/>
                   <a:t>Função objetivo</a:t>
                 </a:r>
                 <a:r>
-                  <a:rPr lang="pt-BR" b="0" dirty="0" smtClean="0"/>
+                  <a:rPr lang="pt-BR" b="0" dirty="0"/>
                   <a:t>:</a:t>
                 </a:r>
               </a:p>
@@ -18862,13 +18577,13 @@
                     </m:oMath>
                   </m:oMathPara>
                 </a14:m>
-                <a:endParaRPr lang="pt-BR" b="0" i="1" dirty="0" smtClean="0">
+                <a:endParaRPr lang="pt-BR" b="0" i="1" dirty="0">
                   <a:latin typeface="Cambria Math" panose="02040503050406030204" pitchFamily="18" charset="0"/>
                 </a:endParaRPr>
               </a:p>
               <a:p>
                 <a:r>
-                  <a:rPr lang="pt-BR" dirty="0" smtClean="0"/>
+                  <a:rPr lang="pt-BR" dirty="0"/>
                   <a:t>onde </a:t>
                 </a:r>
                 <a14:m>
@@ -18907,7 +18622,7 @@
                   </m:oMath>
                 </a14:m>
                 <a:r>
-                  <a:rPr lang="pt-BR" dirty="0" smtClean="0"/>
+                  <a:rPr lang="pt-BR" dirty="0"/>
                   <a:t>, </a:t>
                 </a:r>
                 <a14:m>
@@ -18946,10 +18661,9 @@
                   </m:oMath>
                 </a14:m>
                 <a:r>
-                  <a:rPr lang="pt-BR" dirty="0" smtClean="0"/>
+                  <a:rPr lang="pt-BR" dirty="0"/>
                   <a:t>.</a:t>
                 </a:r>
-                <a:endParaRPr lang="pt-BR" dirty="0"/>
               </a:p>
             </p:txBody>
           </p:sp>
@@ -19092,7 +18806,7 @@
                     </m:oMath>
                   </m:oMathPara>
                 </a14:m>
-                <a:endParaRPr lang="pt-BR" sz="1400" b="0" dirty="0" smtClean="0"/>
+                <a:endParaRPr lang="pt-BR" sz="1400" b="0" dirty="0"/>
               </a:p>
               <a:p>
                 <a:pPr/>
@@ -19314,7 +19028,7 @@
                     </m:oMath>
                   </m:oMathPara>
                 </a14:m>
-                <a:endParaRPr lang="pt-BR" sz="1400" b="0" dirty="0" smtClean="0"/>
+                <a:endParaRPr lang="pt-BR" sz="1400" b="0" dirty="0"/>
               </a:p>
               <a:p>
                 <a:pPr/>
@@ -19542,7 +19256,7 @@
                     </m:oMath>
                   </m:oMathPara>
                 </a14:m>
-                <a:endParaRPr lang="pt-BR" sz="1400" b="0" dirty="0" smtClean="0"/>
+                <a:endParaRPr lang="pt-BR" sz="1400" b="0" dirty="0"/>
               </a:p>
               <a:p>
                 <a:pPr/>
@@ -20141,10 +19855,9 @@
           <a:lstStyle/>
           <a:p>
             <a:r>
-              <a:rPr lang="pt-BR" dirty="0" smtClean="0"/>
+              <a:rPr lang="pt-BR" dirty="0"/>
               <a:t>Para plotar a superfície de erro usamos:</a:t>
             </a:r>
-            <a:endParaRPr lang="pt-BR" dirty="0"/>
           </a:p>
         </p:txBody>
       </p:sp>
@@ -20238,7 +19951,7 @@
                   </m:oMath>
                 </a14:m>
                 <a:r>
-                  <a:rPr lang="pt-BR" dirty="0" smtClean="0"/>
+                  <a:rPr lang="pt-BR" dirty="0"/>
                   <a:t>: erro varia mais rapidamente com variações de </a:t>
                 </a:r>
                 <a14:m>
@@ -20287,7 +20000,7 @@
                   </m:oMath>
                 </a14:m>
                 <a:r>
-                  <a:rPr lang="pt-BR" dirty="0" smtClean="0"/>
+                  <a:rPr lang="pt-BR" dirty="0"/>
                   <a:t>, resultando num vale.</a:t>
                 </a:r>
               </a:p>
@@ -20297,7 +20010,7 @@
                   <a:buChar char="•"/>
                 </a:pPr>
                 <a:r>
-                  <a:rPr lang="pt-BR" dirty="0" smtClean="0"/>
+                  <a:rPr lang="pt-BR" dirty="0"/>
                   <a:t>A mesma coisa pode ser dita para </a:t>
                 </a:r>
                 <a14:m>
@@ -20330,7 +20043,7 @@
                   </m:oMath>
                 </a14:m>
                 <a:r>
-                  <a:rPr lang="pt-BR" dirty="0" smtClean="0"/>
+                  <a:rPr lang="pt-BR" dirty="0"/>
                   <a:t> e </a:t>
                 </a:r>
                 <a14:m>
@@ -20386,16 +20099,8 @@
                   </m:oMath>
                 </a14:m>
                 <a:r>
-                  <a:rPr lang="pt-BR" dirty="0" smtClean="0"/>
-                  <a:t>(</a:t>
-                </a:r>
-                <a:r>
                   <a:rPr lang="pt-BR" dirty="0"/>
-                  <a:t>vale)</a:t>
-                </a:r>
-                <a:r>
-                  <a:rPr lang="pt-BR" dirty="0" smtClean="0"/>
-                  <a:t>.</a:t>
+                  <a:t>(vale).</a:t>
                 </a:r>
               </a:p>
               <a:p>
@@ -20404,7 +20109,7 @@
                   <a:buChar char="•"/>
                 </a:pPr>
                 <a:r>
-                  <a:rPr lang="pt-BR" dirty="0" smtClean="0"/>
+                  <a:rPr lang="pt-BR" dirty="0"/>
                   <a:t>Quando </a:t>
                 </a:r>
                 <a14:m>
@@ -20437,7 +20142,7 @@
                   </m:oMath>
                 </a14:m>
                 <a:r>
-                  <a:rPr lang="pt-BR" dirty="0" smtClean="0"/>
+                  <a:rPr lang="pt-BR" dirty="0"/>
                   <a:t> e </a:t>
                 </a:r>
                 <a14:m>
@@ -20470,7 +20175,7 @@
                   </m:oMath>
                 </a14:m>
                 <a:r>
-                  <a:rPr lang="pt-BR" dirty="0" smtClean="0"/>
+                  <a:rPr lang="pt-BR" dirty="0"/>
                   <a:t> têm intervalo semelhante, então, a variação tanto de </a:t>
                 </a:r>
                 <a14:m>
@@ -20519,7 +20224,7 @@
                   </m:oMath>
                 </a14:m>
                 <a:r>
-                  <a:rPr lang="pt-BR" dirty="0" smtClean="0"/>
+                  <a:rPr lang="pt-BR" dirty="0"/>
                   <a:t> quanto de </a:t>
                 </a:r>
                 <a14:m>
@@ -20568,18 +20273,17 @@
                   </m:oMath>
                 </a14:m>
                 <a:r>
-                  <a:rPr lang="pt-BR" dirty="0" smtClean="0"/>
+                  <a:rPr lang="pt-BR" dirty="0"/>
                   <a:t> tem </a:t>
                 </a:r>
                 <a:r>
-                  <a:rPr lang="pt-BR" b="1" i="1" dirty="0" smtClean="0"/>
+                  <a:rPr lang="pt-BR" b="1" i="1" dirty="0"/>
                   <a:t>pesos</a:t>
                 </a:r>
                 <a:r>
-                  <a:rPr lang="pt-BR" dirty="0" smtClean="0"/>
+                  <a:rPr lang="pt-BR" dirty="0"/>
                   <a:t> semelhante na variação do erro (tigela).</a:t>
                 </a:r>
-                <a:endParaRPr lang="pt-BR" dirty="0"/>
               </a:p>
             </p:txBody>
           </p:sp>
@@ -20718,8 +20422,8 @@
         </p:nvSpPr>
         <p:spPr>
           <a:xfrm>
-            <a:off x="57335" y="6335803"/>
-            <a:ext cx="6218847" cy="338554"/>
+            <a:off x="0" y="6581001"/>
+            <a:ext cx="4052687" cy="276999"/>
           </a:xfrm>
           <a:prstGeom prst="rect">
             <a:avLst/>
@@ -20733,7 +20437,7 @@
           <a:lstStyle/>
           <a:p>
             <a:r>
-              <a:rPr lang="pt-BR" sz="1600" b="1" dirty="0">
+              <a:rPr lang="pt-BR" sz="1200" b="1" dirty="0">
                 <a:solidFill>
                   <a:srgbClr val="00B0F0"/>
                 </a:solidFill>
@@ -20741,7 +20445,7 @@
               </a:rPr>
               <a:t>Exemplo: formatos_diferentes_da_superfície_de_erro.ipynb</a:t>
             </a:r>
-            <a:endParaRPr lang="pt-BR" sz="1600" b="1" dirty="0">
+            <a:endParaRPr lang="pt-BR" sz="1200" b="1" dirty="0">
               <a:solidFill>
                 <a:srgbClr val="00B0F0"/>
               </a:solidFill>
@@ -20759,13 +20463,6 @@
   <p:clrMapOvr>
     <a:masterClrMapping/>
   </p:clrMapOvr>
-  <p:timing>
-    <p:tnLst>
-      <p:par>
-        <p:cTn id="1" dur="indefinite" restart="never" nodeType="tmRoot"/>
-      </p:par>
-    </p:tnLst>
-  </p:timing>
 </p:sld>
 </file>
 
@@ -20808,8 +20505,8 @@
           </a:p>
         </p:txBody>
       </p:sp>
-      <mc:AlternateContent xmlns:mc="http://schemas.openxmlformats.org/markup-compatibility/2006">
-        <mc:Choice xmlns:a14="http://schemas.microsoft.com/office/drawing/2010/main" Requires="a14">
+      <mc:AlternateContent xmlns:mc="http://schemas.openxmlformats.org/markup-compatibility/2006" xmlns:a14="http://schemas.microsoft.com/office/drawing/2010/main">
+        <mc:Choice Requires="a14">
           <p:sp>
             <p:nvSpPr>
               <p:cNvPr id="3" name="Content Placeholder 2"/>
@@ -20833,31 +20530,14 @@
               <a:lstStyle/>
               <a:p>
                 <a:r>
-                  <a:rPr lang="pt-BR" dirty="0" smtClean="0"/>
+                  <a:rPr lang="pt-BR" dirty="0"/>
                   <a:t>O que pode ser feito? </a:t>
                 </a:r>
-                <a:endParaRPr lang="pt-BR" dirty="0"/>
               </a:p>
               <a:p>
                 <a:r>
                   <a:rPr lang="pt-BR" dirty="0"/>
-                  <a:t>P</a:t>
-                </a:r>
-                <a:r>
-                  <a:rPr lang="pt-BR" dirty="0" smtClean="0"/>
-                  <a:t>ara </a:t>
-                </a:r>
-                <a:r>
-                  <a:rPr lang="pt-BR" dirty="0"/>
-                  <a:t>evitar esse problema, </a:t>
-                </a:r>
-                <a:r>
-                  <a:rPr lang="pt-BR" dirty="0" smtClean="0"/>
-                  <a:t>o intervalo de variação </a:t>
-                </a:r>
-                <a:r>
-                  <a:rPr lang="pt-BR" dirty="0"/>
-                  <a:t>de todos os </a:t>
+                  <a:t>Para evitar esse problema, o intervalo de variação de todos os </a:t>
                 </a:r>
                 <a:r>
                   <a:rPr lang="pt-BR" b="1" i="1" dirty="0"/>
@@ -20868,16 +20548,12 @@
                   <a:t> deve ser </a:t>
                 </a:r>
                 <a:r>
-                  <a:rPr lang="pt-BR" b="1" i="1" dirty="0" smtClean="0"/>
+                  <a:rPr lang="pt-BR" b="1" i="1" dirty="0"/>
                   <a:t>escalonado</a:t>
                 </a:r>
                 <a:r>
-                  <a:rPr lang="pt-BR" dirty="0" smtClean="0"/>
-                  <a:t> </a:t>
-                </a:r>
-                <a:r>
                   <a:rPr lang="pt-BR" dirty="0"/>
-                  <a:t>para que cada </a:t>
+                  <a:t> para que cada </a:t>
                 </a:r>
                 <a:r>
                   <a:rPr lang="pt-BR" b="1" i="1" dirty="0"/>
@@ -20885,19 +20561,7 @@
                 </a:r>
                 <a:r>
                   <a:rPr lang="pt-BR" dirty="0"/>
-                  <a:t> contribua com </a:t>
-                </a:r>
-                <a:r>
-                  <a:rPr lang="pt-BR" dirty="0" smtClean="0"/>
-                  <a:t>o mesmo peso </a:t>
-                </a:r>
-                <a:r>
-                  <a:rPr lang="pt-BR" dirty="0"/>
-                  <a:t>para </a:t>
-                </a:r>
-                <a:r>
-                  <a:rPr lang="pt-BR" dirty="0" smtClean="0"/>
-                  <a:t>o cálculo do erro.</a:t>
+                  <a:t> contribua com o mesmo peso para o cálculo do erro.</a:t>
                 </a:r>
               </a:p>
               <a:p>
@@ -21519,7 +21183,7 @@
                     </m:oMath>
                   </m:oMathPara>
                 </a14:m>
-                <a:endParaRPr lang="pt-BR" dirty="0" smtClean="0"/>
+                <a:endParaRPr lang="pt-BR" dirty="0"/>
               </a:p>
               <a:p>
                 <a:r>
@@ -21538,18 +21202,13 @@
                 </a:r>
                 <a:r>
                   <a:rPr lang="pt-BR" dirty="0"/>
-                  <a:t> faz com que os atributos tenham média zero e desvio padrão unitário. Observe que, neste caso, os valores não ficam restritos a um intervalo específico</a:t>
+                  <a:t> faz com que os atributos tenham média zero e desvio padrão unitário. Observe que, neste caso, os valores não ficam restritos a um intervalo específico.</a:t>
                 </a:r>
-                <a:r>
-                  <a:rPr lang="pt-BR" dirty="0" smtClean="0"/>
-                  <a:t>.</a:t>
-                </a:r>
-                <a:endParaRPr lang="pt-BR" dirty="0"/>
               </a:p>
             </p:txBody>
           </p:sp>
         </mc:Choice>
-        <mc:Fallback>
+        <mc:Fallback xmlns="">
           <p:sp>
             <p:nvSpPr>
               <p:cNvPr id="3" name="Content Placeholder 2"/>
@@ -21627,7 +21286,12 @@
             <p:ph type="title"/>
           </p:nvPr>
         </p:nvSpPr>
-        <p:spPr/>
+        <p:spPr>
+          <a:xfrm>
+            <a:off x="838200" y="57348"/>
+            <a:ext cx="10515600" cy="1325563"/>
+          </a:xfrm>
+        </p:spPr>
         <p:txBody>
           <a:bodyPr/>
           <a:lstStyle/>
@@ -21639,8 +21303,8 @@
           </a:p>
         </p:txBody>
       </p:sp>
-      <mc:AlternateContent xmlns:mc="http://schemas.openxmlformats.org/markup-compatibility/2006" xmlns:a14="http://schemas.microsoft.com/office/drawing/2010/main">
-        <mc:Choice Requires="a14">
+      <mc:AlternateContent xmlns:mc="http://schemas.openxmlformats.org/markup-compatibility/2006">
+        <mc:Choice xmlns:a14="http://schemas.microsoft.com/office/drawing/2010/main" Requires="a14">
           <p:sp>
             <p:nvSpPr>
               <p:cNvPr id="3" name="Content Placeholder 2"/>
@@ -21653,23 +21317,19 @@
             </p:nvSpPr>
             <p:spPr>
               <a:xfrm>
-                <a:off x="838200" y="1825624"/>
-                <a:ext cx="8915390" cy="5032376"/>
+                <a:off x="2759922" y="1825624"/>
+                <a:ext cx="9316463" cy="5032376"/>
               </a:xfrm>
             </p:spPr>
             <p:txBody>
               <a:bodyPr>
-                <a:normAutofit fontScale="92500"/>
+                <a:normAutofit lnSpcReduction="10000"/>
               </a:bodyPr>
               <a:lstStyle/>
               <a:p>
                 <a:r>
-                  <a:rPr lang="pt-BR" dirty="0" smtClean="0"/>
-                  <a:t>Ajuda </a:t>
-                </a:r>
-                <a:r>
                   <a:rPr lang="pt-BR" dirty="0"/>
-                  <a:t>a acelerar a convergência do </a:t>
+                  <a:t>Ajuda a acelerar a convergência do </a:t>
                 </a:r>
                 <a:r>
                   <a:rPr lang="pt-BR" b="1" i="1" dirty="0"/>
@@ -21677,21 +21337,13 @@
                 </a:r>
                 <a:r>
                   <a:rPr lang="pt-BR" dirty="0"/>
-                  <a:t>pois deixa as curvas de nível da superfície de erro mais circulares</a:t>
-                </a:r>
-                <a:r>
-                  <a:rPr lang="pt-BR" dirty="0" smtClean="0"/>
-                  <a:t>.</a:t>
+                  <a:t>pois deixa as curvas de nível da superfície de erro mais circulares.</a:t>
                 </a:r>
               </a:p>
               <a:p>
                 <a:r>
                   <a:rPr lang="nl-BE" dirty="0"/>
-                  <a:t>Ajuda a estabilizar os algoritmos de aprendizado de </a:t>
-                </a:r>
-                <a:r>
-                  <a:rPr lang="nl-BE" dirty="0" smtClean="0"/>
-                  <a:t>máquina.</a:t>
+                  <a:t>Ajuda a estabilizar os algoritmos de aprendizado de máquina.</a:t>
                 </a:r>
                 <a:endParaRPr lang="pt-BR" dirty="0"/>
               </a:p>
@@ -21706,52 +21358,13 @@
                 </a:r>
                 <a:r>
                   <a:rPr lang="pt-BR" dirty="0"/>
-                  <a:t> no modelo</a:t>
-                </a:r>
-                <a:r>
-                  <a:rPr lang="pt-BR" dirty="0" smtClean="0"/>
-                  <a:t>.</a:t>
+                  <a:t> no modelo.</a:t>
                 </a:r>
               </a:p>
               <a:p>
                 <a:r>
-                  <a:rPr lang="pt-BR" dirty="0" smtClean="0"/>
+                  <a:rPr lang="pt-BR" dirty="0"/>
                   <a:t>Observações:</a:t>
-                </a:r>
-                <a:endParaRPr lang="pt-BR" dirty="0"/>
-              </a:p>
-              <a:p>
-                <a:pPr lvl="1">
-                  <a:buFont typeface="Wingdings" panose="05000000000000000000" pitchFamily="2" charset="2"/>
-                  <a:buChar char="§"/>
-                </a:pPr>
-                <a:r>
-                  <a:rPr lang="pt-BR" dirty="0" smtClean="0"/>
-                  <a:t>Quando </a:t>
-                </a:r>
-                <a:r>
-                  <a:rPr lang="pt-BR" dirty="0"/>
-                  <a:t>temos um conjunto de validação/teste do </a:t>
-                </a:r>
-                <a:r>
-                  <a:rPr lang="pt-BR" dirty="0" smtClean="0"/>
-                  <a:t>modelo, aplica-se ao </a:t>
-                </a:r>
-                <a:r>
-                  <a:rPr lang="pt-BR" dirty="0"/>
-                  <a:t>conjunto de validação </a:t>
-                </a:r>
-                <a:r>
-                  <a:rPr lang="pt-BR" dirty="0" smtClean="0"/>
-                  <a:t>o escalonamento com os parâmetros (min, max, média, variância) obtidos com o conjunto </a:t>
-                </a:r>
-                <a:r>
-                  <a:rPr lang="pt-BR" dirty="0"/>
-                  <a:t>de </a:t>
-                </a:r>
-                <a:r>
-                  <a:rPr lang="pt-BR" dirty="0" smtClean="0"/>
-                  <a:t>treinamento.</a:t>
                 </a:r>
               </a:p>
               <a:p>
@@ -21760,20 +21373,18 @@
                   <a:buChar char="§"/>
                 </a:pPr>
                 <a:r>
-                  <a:rPr lang="pt-BR" dirty="0" smtClean="0"/>
-                  <a:t>Em </a:t>
+                  <a:rPr lang="pt-BR" dirty="0"/>
+                  <a:t>Quando temos um conjunto de validação/teste do modelo, aplica-se ao conjunto de validação o escalonamento com os parâmetros (min, max, média, variância) obtidos com o conjunto de treinamento.</a:t>
                 </a:r>
+              </a:p>
+              <a:p>
+                <a:pPr lvl="1">
+                  <a:buFont typeface="Wingdings" panose="05000000000000000000" pitchFamily="2" charset="2"/>
+                  <a:buChar char="§"/>
+                </a:pPr>
                 <a:r>
                   <a:rPr lang="pt-BR" dirty="0"/>
-                  <a:t>alguns casos, o escalonamento também é aplicado aos </a:t>
-                </a:r>
-                <a:r>
-                  <a:rPr lang="pt-BR" dirty="0" smtClean="0"/>
-                  <a:t>rótulos, i.e</a:t>
-                </a:r>
-                <a:r>
-                  <a:rPr lang="pt-BR" dirty="0"/>
-                  <a:t>., aos valores de </a:t>
+                  <a:t>Em alguns casos, o escalonamento também é aplicado aos rótulos, i.e., aos valores de </a:t>
                 </a:r>
                 <a14:m>
                   <m:oMath xmlns:m="http://schemas.openxmlformats.org/officeDocument/2006/math">
@@ -21787,18 +21398,13 @@
                 </a14:m>
                 <a:r>
                   <a:rPr lang="pt-BR" dirty="0"/>
-                  <a:t>. Mas não se esqueça de desfazer o escalonamento para realizar predições que sejam significativas</a:t>
+                  <a:t>. Mas não se esqueça de desfazer o escalonamento para realizar predições que sejam significativas.</a:t>
                 </a:r>
-                <a:r>
-                  <a:rPr lang="pt-BR" dirty="0" smtClean="0"/>
-                  <a:t>.</a:t>
-                </a:r>
-                <a:endParaRPr lang="pt-BR" dirty="0"/>
               </a:p>
             </p:txBody>
           </p:sp>
         </mc:Choice>
-        <mc:Fallback xmlns="">
+        <mc:Fallback>
           <p:sp>
             <p:nvSpPr>
               <p:cNvPr id="3" name="Content Placeholder 2"/>
@@ -21811,13 +21417,13 @@
             </p:nvSpPr>
             <p:spPr>
               <a:xfrm>
-                <a:off x="838200" y="1825624"/>
-                <a:ext cx="8915390" cy="5032376"/>
+                <a:off x="2759922" y="1825624"/>
+                <a:ext cx="9316463" cy="5032376"/>
               </a:xfrm>
-              <a:blipFill rotWithShape="0">
+              <a:blipFill>
                 <a:blip r:embed="rId3"/>
                 <a:stretch>
-                  <a:fillRect l="-1094" t="-1816" r="-1847"/>
+                  <a:fillRect l="-1178" t="-2663" r="-1636"/>
                 </a:stretch>
               </a:blipFill>
             </p:spPr>
@@ -21844,7 +21450,7 @@
         </p:nvGrpSpPr>
         <p:grpSpPr>
           <a:xfrm>
-            <a:off x="9757531" y="717659"/>
+            <a:off x="325821" y="1180967"/>
             <a:ext cx="2292375" cy="5677033"/>
             <a:chOff x="9567748" y="717659"/>
             <a:chExt cx="2292375" cy="5677033"/>
@@ -21974,10 +21580,9 @@
             <a:p>
               <a:pPr algn="ctr"/>
               <a:r>
-                <a:rPr lang="pt-BR" sz="1400" dirty="0" smtClean="0"/>
+                <a:rPr lang="pt-BR" sz="1400" dirty="0"/>
                 <a:t>Escalonamento</a:t>
               </a:r>
-              <a:endParaRPr lang="pt-BR" sz="1400" dirty="0"/>
             </a:p>
           </p:txBody>
         </p:sp>
@@ -22029,17 +21634,12 @@
           <a:p>
             <a:r>
               <a:rPr lang="pt-BR" dirty="0"/>
-              <a:t>Escalonamento de </a:t>
-            </a:r>
-            <a:r>
-              <a:rPr lang="pt-BR" dirty="0" smtClean="0"/>
-              <a:t>Atributos: </a:t>
-            </a:r>
-            <a:r>
-              <a:rPr lang="pt-BR" b="1" dirty="0" smtClean="0"/>
+              <a:t>Escalonamento de Atributos: </a:t>
+            </a:r>
+            <a:r>
+              <a:rPr lang="pt-BR" b="1" dirty="0"/>
               <a:t>Exemplo</a:t>
             </a:r>
-            <a:endParaRPr lang="pt-BR" b="1" dirty="0"/>
           </a:p>
         </p:txBody>
       </p:sp>
@@ -22068,7 +21668,7 @@
               <a:lstStyle/>
               <a:p>
                 <a:r>
-                  <a:rPr lang="pt-BR" dirty="0" smtClean="0"/>
+                  <a:rPr lang="pt-BR" dirty="0"/>
                   <a:t>Função geradora:</a:t>
                 </a:r>
               </a:p>
@@ -22159,14 +21759,14 @@
                     </m:oMath>
                   </m:oMathPara>
                 </a14:m>
-                <a:endParaRPr lang="pt-BR" dirty="0" smtClean="0"/>
+                <a:endParaRPr lang="pt-BR" dirty="0"/>
               </a:p>
               <a:p>
                 <a:pPr marL="0" indent="0">
                   <a:buNone/>
                 </a:pPr>
                 <a:r>
-                  <a:rPr lang="pt-BR" dirty="0" smtClean="0"/>
+                  <a:rPr lang="pt-BR" dirty="0"/>
                   <a:t>onde </a:t>
                 </a:r>
                 <a14:m>
@@ -22235,7 +21835,7 @@
                   </m:oMath>
                 </a14:m>
                 <a:r>
-                  <a:rPr lang="pt-BR" dirty="0" smtClean="0"/>
+                  <a:rPr lang="pt-BR" dirty="0"/>
                   <a:t>, </a:t>
                 </a:r>
                 <a14:m>
@@ -22316,7 +21916,7 @@
                   </m:oMath>
                 </a14:m>
                 <a:r>
-                  <a:rPr lang="pt-BR" dirty="0" smtClean="0"/>
+                  <a:rPr lang="pt-BR" dirty="0"/>
                   <a:t> e </a:t>
                 </a:r>
                 <a14:m>
@@ -22386,13 +21986,13 @@
                   </m:oMath>
                 </a14:m>
                 <a:r>
-                  <a:rPr lang="pt-BR" dirty="0" smtClean="0"/>
+                  <a:rPr lang="pt-BR" dirty="0"/>
                   <a:t>.</a:t>
                 </a:r>
               </a:p>
               <a:p>
                 <a:r>
-                  <a:rPr lang="pt-BR" dirty="0" smtClean="0"/>
+                  <a:rPr lang="pt-BR" dirty="0"/>
                   <a:t>Função ruidosa:</a:t>
                 </a:r>
               </a:p>
@@ -22467,7 +22067,7 @@
                     </m:oMath>
                   </m:oMathPara>
                 </a14:m>
-                <a:endParaRPr lang="pt-BR" b="0" dirty="0" smtClean="0"/>
+                <a:endParaRPr lang="pt-BR" b="0" dirty="0"/>
               </a:p>
               <a:p>
                 <a:pPr marL="0" indent="0">
@@ -22475,11 +22075,7 @@
                 </a:pPr>
                 <a:r>
                   <a:rPr lang="pt-BR" dirty="0"/>
-                  <a:t>o</a:t>
-                </a:r>
-                <a:r>
-                  <a:rPr lang="pt-BR" dirty="0" smtClean="0"/>
-                  <a:t>nde </a:t>
+                  <a:t>onde </a:t>
                 </a:r>
                 <a14:m>
                   <m:oMath xmlns:m="http://schemas.openxmlformats.org/officeDocument/2006/math">
@@ -22522,11 +22118,11 @@
                     </m:d>
                   </m:oMath>
                 </a14:m>
-                <a:endParaRPr lang="pt-BR" dirty="0" smtClean="0"/>
+                <a:endParaRPr lang="pt-BR" dirty="0"/>
               </a:p>
               <a:p>
                 <a:r>
-                  <a:rPr lang="pt-BR" dirty="0" smtClean="0"/>
+                  <a:rPr lang="pt-BR" dirty="0"/>
                   <a:t>Função hipótese:</a:t>
                 </a:r>
               </a:p>
@@ -22703,7 +22299,7 @@
                     </m:oMath>
                   </m:oMathPara>
                 </a14:m>
-                <a:endParaRPr lang="pt-BR" dirty="0" smtClean="0"/>
+                <a:endParaRPr lang="pt-BR" dirty="0"/>
               </a:p>
             </p:txBody>
           </p:sp>
@@ -22785,13 +22381,6 @@
   <p:clrMapOvr>
     <a:masterClrMapping/>
   </p:clrMapOvr>
-  <p:timing>
-    <p:tnLst>
-      <p:par>
-        <p:cTn id="1" dur="indefinite" restart="never" nodeType="tmRoot"/>
-      </p:par>
-    </p:tnLst>
-  </p:timing>
 </p:sld>
 </file>
 
@@ -23034,28 +22623,8 @@
               <a:p>
                 <a:pPr algn="just"/>
                 <a:r>
-                  <a:rPr lang="pt-BR" dirty="0" smtClean="0"/>
-                  <a:t>Superfície </a:t>
-                </a:r>
-                <a:r>
                   <a:rPr lang="pt-BR" dirty="0"/>
-                  <a:t>de erro </a:t>
-                </a:r>
-                <a:r>
-                  <a:rPr lang="pt-BR" dirty="0" smtClean="0"/>
-                  <a:t>tem formato de </a:t>
-                </a:r>
-                <a:r>
-                  <a:rPr lang="pt-BR" dirty="0"/>
-                  <a:t>“</a:t>
-                </a:r>
-                <a:r>
-                  <a:rPr lang="pt-BR" dirty="0" smtClean="0"/>
-                  <a:t>U” com maior </a:t>
-                </a:r>
-                <a:r>
-                  <a:rPr lang="pt-BR" dirty="0"/>
-                  <a:t>taxa de variação do erro na direção de </a:t>
+                  <a:t>Superfície de erro tem formato de “U” com maior taxa de variação do erro na direção de </a:t>
                 </a:r>
                 <a14:m>
                   <m:oMath xmlns:m="http://schemas.openxmlformats.org/officeDocument/2006/math">
@@ -23163,12 +22732,8 @@
               <a:p>
                 <a:pPr algn="just"/>
                 <a:r>
-                  <a:rPr lang="pt-BR" dirty="0" smtClean="0"/>
-                  <a:t>Como o gradiente </a:t>
-                </a:r>
-                <a:r>
                   <a:rPr lang="pt-BR" dirty="0"/>
-                  <a:t>na direção de </a:t>
+                  <a:t>Como o gradiente na direção de </a:t>
                 </a:r>
                 <a14:m>
                   <m:oMath xmlns:m="http://schemas.openxmlformats.org/officeDocument/2006/math">
@@ -23208,15 +22773,7 @@
                 <a:pPr algn="just"/>
                 <a:r>
                   <a:rPr lang="pt-BR" dirty="0"/>
-                  <a:t>Algoritmo GD em batelada converge após </a:t>
-                </a:r>
-                <a:r>
-                  <a:rPr lang="pt-BR" dirty="0" smtClean="0"/>
-                  <a:t>mais de 2000 </a:t>
-                </a:r>
-                <a:r>
-                  <a:rPr lang="pt-BR" dirty="0"/>
-                  <a:t>épocas.</a:t>
+                  <a:t>Algoritmo GD em batelada converge após mais de 2000 épocas.</a:t>
                 </a:r>
               </a:p>
             </p:txBody>
@@ -23460,10 +23017,9 @@
                   </m:oMath>
                 </a14:m>
                 <a:r>
-                  <a:rPr lang="pt-BR" sz="1600" dirty="0" smtClean="0"/>
+                  <a:rPr lang="pt-BR" sz="1600" dirty="0"/>
                   <a:t> inicial</a:t>
                 </a:r>
-                <a:endParaRPr lang="pt-BR" sz="1600" dirty="0"/>
               </a:p>
             </p:txBody>
           </p:sp>
@@ -23517,13 +23073,6 @@
   <p:clrMapOvr>
     <a:masterClrMapping/>
   </p:clrMapOvr>
-  <p:timing>
-    <p:tnLst>
-      <p:par>
-        <p:cTn id="1" dur="indefinite" restart="never" nodeType="tmRoot"/>
-      </p:par>
-    </p:tnLst>
-  </p:timing>
 </p:sld>
 </file>
 

--- a/slides/T319_Regressão_Linear (Escalonamento de Atributos).pptx
+++ b/slides/T319_Regressão_Linear (Escalonamento de Atributos).pptx
@@ -6175,7 +6175,7 @@
         <p:spPr>
           <a:xfrm>
             <a:off x="838199" y="1445562"/>
-            <a:ext cx="11096298" cy="2984542"/>
+            <a:ext cx="11096298" cy="2716535"/>
           </a:xfrm>
           <a:prstGeom prst="rect">
             <a:avLst/>
@@ -6183,7 +6183,7 @@
         </p:spPr>
         <p:txBody>
           <a:bodyPr vert="horz" lIns="91440" tIns="45720" rIns="91440" bIns="45720" rtlCol="0">
-            <a:normAutofit fontScale="92500" lnSpcReduction="10000"/>
+            <a:normAutofit fontScale="92500" lnSpcReduction="20000"/>
           </a:bodyPr>
           <a:lstStyle>
             <a:lvl1pPr marL="228600" indent="-228600" algn="l" defTabSz="914400" rtl="0" eaLnBrk="1" latinLnBrk="0" hangingPunct="1">
@@ -6368,7 +6368,7 @@
             <a:pPr algn="just"/>
             <a:r>
               <a:rPr lang="pt-BR" dirty="0"/>
-              <a:t>A superfície tem formato de uma “</a:t>
+              <a:t>Após a padronização, a superfície passa a ter o formato de uma “</a:t>
             </a:r>
             <a:r>
               <a:rPr lang="pt-BR" i="1" dirty="0"/>
@@ -6397,167 +6397,103 @@
             <a:pPr algn="just"/>
             <a:r>
               <a:rPr lang="pt-BR" dirty="0"/>
-              <a:t>O treinamento se torna mais rápido pois a inclinação da superfície se torna mais íngreme em todas as direções.</a:t>
+              <a:t>O treinamento se torna mais rápido, pois a inclinação da superfície se torna mais íngreme em todas as direções.</a:t>
             </a:r>
           </a:p>
         </p:txBody>
       </p:sp>
       <p:pic>
         <p:nvPicPr>
-          <p:cNvPr id="4" name="Picture 3"/>
+          <p:cNvPr id="3074" name="Picture 2">
+            <a:extLst>
+              <a:ext uri="{FF2B5EF4-FFF2-40B4-BE49-F238E27FC236}">
+                <a16:creationId xmlns:a16="http://schemas.microsoft.com/office/drawing/2014/main" id="{92F501AB-10D2-4065-DDA3-4A05EC779137}"/>
+              </a:ext>
+            </a:extLst>
+          </p:cNvPr>
           <p:cNvPicPr>
-            <a:picLocks noChangeAspect="1"/>
+            <a:picLocks noChangeAspect="1" noChangeArrowheads="1"/>
           </p:cNvPicPr>
           <p:nvPr/>
         </p:nvPicPr>
-        <p:blipFill rotWithShape="1">
-          <a:blip r:embed="rId3" cstate="print">
+        <p:blipFill>
+          <a:blip r:embed="rId3">
             <a:extLst>
               <a:ext uri="{28A0092B-C50C-407E-A947-70E740481C1C}">
                 <a14:useLocalDpi xmlns:a14="http://schemas.microsoft.com/office/drawing/2010/main" val="0"/>
               </a:ext>
             </a:extLst>
           </a:blip>
-          <a:srcRect l="15833" t="17242" r="1796" b="10689"/>
-          <a:stretch/>
+          <a:srcRect/>
+          <a:stretch>
+            <a:fillRect/>
+          </a:stretch>
         </p:blipFill>
-        <p:spPr>
+        <p:spPr bwMode="auto">
           <a:xfrm>
-            <a:off x="3199694" y="4277958"/>
-            <a:ext cx="2948843" cy="2580042"/>
+            <a:off x="90432" y="4274017"/>
+            <a:ext cx="3068255" cy="2418693"/>
           </a:xfrm>
           <a:prstGeom prst="rect">
             <a:avLst/>
           </a:prstGeom>
+          <a:noFill/>
+          <a:extLst>
+            <a:ext uri="{909E8E84-426E-40DD-AFC4-6F175D3DCCD1}">
+              <a14:hiddenFill xmlns:a14="http://schemas.microsoft.com/office/drawing/2010/main">
+                <a:solidFill>
+                  <a:srgbClr val="FFFFFF"/>
+                </a:solidFill>
+              </a14:hiddenFill>
+            </a:ext>
+          </a:extLst>
         </p:spPr>
       </p:pic>
       <p:pic>
         <p:nvPicPr>
-          <p:cNvPr id="5" name="Picture 4"/>
+          <p:cNvPr id="3076" name="Picture 4">
+            <a:extLst>
+              <a:ext uri="{FF2B5EF4-FFF2-40B4-BE49-F238E27FC236}">
+                <a16:creationId xmlns:a16="http://schemas.microsoft.com/office/drawing/2014/main" id="{7E8C25A6-62B4-12DA-04C4-0B4CD5EEA9BB}"/>
+              </a:ext>
+            </a:extLst>
+          </p:cNvPr>
           <p:cNvPicPr>
-            <a:picLocks noChangeAspect="1"/>
+            <a:picLocks noChangeAspect="1" noChangeArrowheads="1"/>
           </p:cNvPicPr>
           <p:nvPr/>
         </p:nvPicPr>
         <p:blipFill rotWithShape="1">
-          <a:blip r:embed="rId4" cstate="print">
+          <a:blip r:embed="rId4">
             <a:extLst>
               <a:ext uri="{28A0092B-C50C-407E-A947-70E740481C1C}">
                 <a14:useLocalDpi xmlns:a14="http://schemas.microsoft.com/office/drawing/2010/main" val="0"/>
               </a:ext>
             </a:extLst>
           </a:blip>
-          <a:srcRect t="11724" r="9540" b="2414"/>
+          <a:srcRect t="6558"/>
           <a:stretch/>
         </p:blipFill>
-        <p:spPr>
+        <p:spPr bwMode="auto">
           <a:xfrm>
-            <a:off x="6337052" y="4289783"/>
-            <a:ext cx="2705742" cy="2568217"/>
-          </a:xfrm>
-          <a:prstGeom prst="rect">
-            <a:avLst/>
-          </a:prstGeom>
-        </p:spPr>
-      </p:pic>
-      <p:pic>
-        <p:nvPicPr>
-          <p:cNvPr id="6" name="Picture 5"/>
-          <p:cNvPicPr>
-            <a:picLocks noChangeAspect="1"/>
-          </p:cNvPicPr>
-          <p:nvPr/>
-        </p:nvPicPr>
-        <p:blipFill rotWithShape="1">
-          <a:blip r:embed="rId5" cstate="print">
-            <a:extLst>
-              <a:ext uri="{28A0092B-C50C-407E-A947-70E740481C1C}">
-                <a14:useLocalDpi xmlns:a14="http://schemas.microsoft.com/office/drawing/2010/main" val="0"/>
-              </a:ext>
-            </a:extLst>
-          </a:blip>
-          <a:srcRect t="11724" r="9676" b="3448"/>
-          <a:stretch/>
-        </p:blipFill>
-        <p:spPr>
-          <a:xfrm>
-            <a:off x="9231309" y="4274017"/>
-            <a:ext cx="2747214" cy="2580042"/>
-          </a:xfrm>
-          <a:prstGeom prst="rect">
-            <a:avLst/>
-          </a:prstGeom>
-        </p:spPr>
-      </p:pic>
-      <p:pic>
-        <p:nvPicPr>
-          <p:cNvPr id="9" name="Picture 8"/>
-          <p:cNvPicPr>
-            <a:picLocks noChangeAspect="1"/>
-          </p:cNvPicPr>
-          <p:nvPr/>
-        </p:nvPicPr>
-        <p:blipFill rotWithShape="1">
-          <a:blip r:embed="rId6" cstate="print">
-            <a:extLst>
-              <a:ext uri="{28A0092B-C50C-407E-A947-70E740481C1C}">
-                <a14:useLocalDpi xmlns:a14="http://schemas.microsoft.com/office/drawing/2010/main" val="0"/>
-              </a:ext>
-            </a:extLst>
-          </a:blip>
-          <a:srcRect l="3729" t="12156" r="9720" b="7845"/>
-          <a:stretch/>
-        </p:blipFill>
-        <p:spPr>
-          <a:xfrm>
-            <a:off x="236898" y="4293724"/>
-            <a:ext cx="2774281" cy="2564276"/>
-          </a:xfrm>
-          <a:prstGeom prst="rect">
-            <a:avLst/>
-          </a:prstGeom>
-        </p:spPr>
-      </p:pic>
-      <p:sp>
-        <p:nvSpPr>
-          <p:cNvPr id="15" name="Rectangle 14"/>
-          <p:cNvSpPr/>
-          <p:nvPr/>
-        </p:nvSpPr>
-        <p:spPr>
-          <a:xfrm>
-            <a:off x="7300904" y="1164543"/>
-            <a:ext cx="4777365" cy="307777"/>
+            <a:off x="8945396" y="4546133"/>
+            <a:ext cx="3246604" cy="2311867"/>
           </a:xfrm>
           <a:prstGeom prst="rect">
             <a:avLst/>
           </a:prstGeom>
           <a:noFill/>
+          <a:extLst>
+            <a:ext uri="{909E8E84-426E-40DD-AFC4-6F175D3DCCD1}">
+              <a14:hiddenFill xmlns:a14="http://schemas.microsoft.com/office/drawing/2010/main">
+                <a:solidFill>
+                  <a:srgbClr val="FFFFFF"/>
+                </a:solidFill>
+              </a14:hiddenFill>
+            </a:ext>
+          </a:extLst>
         </p:spPr>
-        <p:txBody>
-          <a:bodyPr wrap="square" rtlCol="0">
-            <a:spAutoFit/>
-          </a:bodyPr>
-          <a:lstStyle/>
-          <a:p>
-            <a:pPr algn="ctr"/>
-            <a:r>
-              <a:rPr lang="pt-BR" sz="1400" u="sng" dirty="0">
-                <a:solidFill>
-                  <a:srgbClr val="00B0F0"/>
-                </a:solidFill>
-                <a:hlinkClick r:id="rId7"/>
-              </a:rPr>
-              <a:t>Exemplo: escalonamento_de_atributos_com_scikit_learn.ipynb</a:t>
-            </a:r>
-            <a:endParaRPr lang="pt-BR" sz="1400" u="sng" dirty="0">
-              <a:solidFill>
-                <a:srgbClr val="00B0F0"/>
-              </a:solidFill>
-            </a:endParaRPr>
-          </a:p>
-        </p:txBody>
-      </p:sp>
+      </p:pic>
     </p:spTree>
     <p:extLst>
       <p:ext uri="{BB962C8B-B14F-4D97-AF65-F5344CB8AC3E}">
@@ -8199,8 +8135,8 @@
         </p:nvSpPr>
         <p:spPr>
           <a:xfrm>
-            <a:off x="2756677" y="6357273"/>
-            <a:ext cx="6168571" cy="369332"/>
+            <a:off x="2756677" y="6544968"/>
+            <a:ext cx="6168571" cy="276999"/>
           </a:xfrm>
           <a:prstGeom prst="rect">
             <a:avLst/>
@@ -8225,7 +8161,7 @@
           </a:lstStyle>
           <a:p>
             <a:r>
-              <a:rPr lang="pt-BR" dirty="0"/>
+              <a:rPr lang="pt-BR" sz="1200" dirty="0"/>
               <a:t>Exemplo: escalonamento_de_atributos_com_scikit_learn.ipynb</a:t>
             </a:r>
           </a:p>
@@ -21303,8 +21239,8 @@
           </a:p>
         </p:txBody>
       </p:sp>
-      <mc:AlternateContent xmlns:mc="http://schemas.openxmlformats.org/markup-compatibility/2006">
-        <mc:Choice xmlns:a14="http://schemas.microsoft.com/office/drawing/2010/main" Requires="a14">
+      <mc:AlternateContent xmlns:mc="http://schemas.openxmlformats.org/markup-compatibility/2006" xmlns:a14="http://schemas.microsoft.com/office/drawing/2010/main">
+        <mc:Choice Requires="a14">
           <p:sp>
             <p:nvSpPr>
               <p:cNvPr id="3" name="Content Placeholder 2"/>
@@ -21404,7 +21340,7 @@
             </p:txBody>
           </p:sp>
         </mc:Choice>
-        <mc:Fallback>
+        <mc:Fallback xmlns="">
           <p:sp>
             <p:nvSpPr>
               <p:cNvPr id="3" name="Content Placeholder 2"/>
@@ -21643,8 +21579,8 @@
           </a:p>
         </p:txBody>
       </p:sp>
-      <mc:AlternateContent xmlns:mc="http://schemas.openxmlformats.org/markup-compatibility/2006" xmlns:a14="http://schemas.microsoft.com/office/drawing/2010/main">
-        <mc:Choice Requires="a14">
+      <mc:AlternateContent xmlns:mc="http://schemas.openxmlformats.org/markup-compatibility/2006">
+        <mc:Choice xmlns:a14="http://schemas.microsoft.com/office/drawing/2010/main" Requires="a14">
           <p:sp>
             <p:nvSpPr>
               <p:cNvPr id="3" name="Content Placeholder 2"/>
@@ -21658,7 +21594,7 @@
             <p:spPr>
               <a:xfrm>
                 <a:off x="838199" y="1825624"/>
-                <a:ext cx="7395951" cy="4930018"/>
+                <a:ext cx="7395951" cy="5032376"/>
               </a:xfrm>
             </p:spPr>
             <p:txBody>
@@ -21825,10 +21761,22 @@
                       </m:dPr>
                       <m:e>
                         <m:r>
+                          <a:rPr lang="pt-BR" b="0" i="1" smtClean="0">
+                            <a:latin typeface="Cambria Math" panose="02040503050406030204" pitchFamily="18" charset="0"/>
+                          </a:rPr>
+                          <m:t>1</m:t>
+                        </m:r>
+                        <m:r>
                           <a:rPr lang="pt-BR" i="1">
                             <a:latin typeface="Cambria Math" panose="02040503050406030204" pitchFamily="18" charset="0"/>
                           </a:rPr>
                           <m:t>0, 1</m:t>
+                        </m:r>
+                        <m:r>
+                          <a:rPr lang="pt-BR" b="0" i="1" smtClean="0">
+                            <a:latin typeface="Cambria Math" panose="02040503050406030204" pitchFamily="18" charset="0"/>
+                          </a:rPr>
+                          <m:t>00</m:t>
                         </m:r>
                       </m:e>
                     </m:d>
@@ -21900,16 +21848,22 @@
                       </m:dPr>
                       <m:e>
                         <m:r>
+                          <a:rPr lang="pt-BR" b="0" i="1" smtClean="0">
+                            <a:latin typeface="Cambria Math" panose="02040503050406030204" pitchFamily="18" charset="0"/>
+                          </a:rPr>
+                          <m:t>0</m:t>
+                        </m:r>
+                        <m:r>
                           <a:rPr lang="pt-BR" i="1">
                             <a:latin typeface="Cambria Math" panose="02040503050406030204" pitchFamily="18" charset="0"/>
                           </a:rPr>
-                          <m:t>10, 1</m:t>
+                          <m:t>, </m:t>
                         </m:r>
                         <m:r>
-                          <a:rPr lang="pt-BR">
+                          <a:rPr lang="pt-BR" b="0" i="1" smtClean="0">
                             <a:latin typeface="Cambria Math" panose="02040503050406030204" pitchFamily="18" charset="0"/>
                           </a:rPr>
-                          <m:t>00</m:t>
+                          <m:t>1</m:t>
                         </m:r>
                       </m:e>
                     </m:d>
@@ -21993,7 +21947,7 @@
               <a:p>
                 <a:r>
                   <a:rPr lang="pt-BR" dirty="0"/>
-                  <a:t>Função ruidosa:</a:t>
+                  <a:t>Função observável ruidosa:</a:t>
                 </a:r>
               </a:p>
               <a:p>
@@ -22304,7 +22258,7 @@
             </p:txBody>
           </p:sp>
         </mc:Choice>
-        <mc:Fallback xmlns="">
+        <mc:Fallback>
           <p:sp>
             <p:nvSpPr>
               <p:cNvPr id="3" name="Content Placeholder 2"/>
@@ -22318,12 +22272,12 @@
             <p:spPr>
               <a:xfrm>
                 <a:off x="838199" y="1825624"/>
-                <a:ext cx="7395951" cy="4930018"/>
+                <a:ext cx="7395951" cy="5032376"/>
               </a:xfrm>
-              <a:blipFill rotWithShape="0">
+              <a:blipFill>
                 <a:blip r:embed="rId2"/>
                 <a:stretch>
-                  <a:fillRect l="-1647" t="-1978"/>
+                  <a:fillRect l="-1647" t="-1937"/>
                 </a:stretch>
               </a:blipFill>
             </p:spPr>
@@ -22344,13 +22298,19 @@
       </mc:AlternateContent>
       <p:pic>
         <p:nvPicPr>
-          <p:cNvPr id="5" name="Picture 4"/>
+          <p:cNvPr id="1026" name="Picture 2">
+            <a:extLst>
+              <a:ext uri="{FF2B5EF4-FFF2-40B4-BE49-F238E27FC236}">
+                <a16:creationId xmlns:a16="http://schemas.microsoft.com/office/drawing/2014/main" id="{9F0D8BDE-34B6-2D8B-9E6C-3187F3A84691}"/>
+              </a:ext>
+            </a:extLst>
+          </p:cNvPr>
           <p:cNvPicPr>
-            <a:picLocks noChangeAspect="1"/>
+            <a:picLocks noChangeAspect="1" noChangeArrowheads="1"/>
           </p:cNvPicPr>
           <p:nvPr/>
         </p:nvPicPr>
-        <p:blipFill rotWithShape="1">
+        <p:blipFill>
           <a:blip r:embed="rId3">
             <a:extLst>
               <a:ext uri="{28A0092B-C50C-407E-A947-70E740481C1C}">
@@ -22358,17 +22318,29 @@
               </a:ext>
             </a:extLst>
           </a:blip>
-          <a:srcRect l="5378" t="5586" r="9039"/>
-          <a:stretch/>
+          <a:srcRect/>
+          <a:stretch>
+            <a:fillRect/>
+          </a:stretch>
         </p:blipFill>
-        <p:spPr>
+        <p:spPr bwMode="auto">
           <a:xfrm>
-            <a:off x="7274257" y="3302758"/>
-            <a:ext cx="4694830" cy="3452884"/>
+            <a:off x="7325710" y="3326656"/>
+            <a:ext cx="4333054" cy="3415729"/>
           </a:xfrm>
           <a:prstGeom prst="rect">
             <a:avLst/>
           </a:prstGeom>
+          <a:noFill/>
+          <a:extLst>
+            <a:ext uri="{909E8E84-426E-40DD-AFC4-6F175D3DCCD1}">
+              <a14:hiddenFill xmlns:a14="http://schemas.microsoft.com/office/drawing/2010/main">
+                <a:solidFill>
+                  <a:srgbClr val="FFFFFF"/>
+                </a:solidFill>
+              </a14:hiddenFill>
+            </a:ext>
+          </a:extLst>
         </p:spPr>
       </p:pic>
     </p:spTree>
@@ -22433,8 +22405,8 @@
           </a:p>
         </p:txBody>
       </p:sp>
-      <mc:AlternateContent xmlns:mc="http://schemas.openxmlformats.org/markup-compatibility/2006" xmlns:a14="http://schemas.microsoft.com/office/drawing/2010/main">
-        <mc:Choice Requires="a14">
+      <mc:AlternateContent xmlns:mc="http://schemas.openxmlformats.org/markup-compatibility/2006">
+        <mc:Choice xmlns:a14="http://schemas.microsoft.com/office/drawing/2010/main" Requires="a14">
           <p:sp>
             <p:nvSpPr>
               <p:cNvPr id="10" name="Content Placeholder 2"/>
@@ -22624,7 +22596,47 @@
                 <a:pPr algn="just"/>
                 <a:r>
                   <a:rPr lang="pt-BR" dirty="0"/>
-                  <a:t>Superfície de erro tem formato de “U” com maior taxa de variação do erro na direção de </a:t>
+                  <a:t>Superfície de erro tem formato de “U”, com maior taxa de variação do erro, i.e., inclinação, na direção de </a:t>
+                </a:r>
+                <a14:m>
+                  <m:oMath xmlns:m="http://schemas.openxmlformats.org/officeDocument/2006/math">
+                    <m:sSub>
+                      <m:sSubPr>
+                        <m:ctrlPr>
+                          <a:rPr lang="pt-BR" i="1">
+                            <a:latin typeface="Cambria Math" panose="02040503050406030204" pitchFamily="18" charset="0"/>
+                          </a:rPr>
+                        </m:ctrlPr>
+                      </m:sSubPr>
+                      <m:e>
+                        <m:r>
+                          <a:rPr lang="pt-BR" i="1">
+                            <a:latin typeface="Cambria Math" panose="02040503050406030204" pitchFamily="18" charset="0"/>
+                          </a:rPr>
+                          <m:t>𝑎</m:t>
+                        </m:r>
+                      </m:e>
+                      <m:sub>
+                        <m:r>
+                          <a:rPr lang="pt-BR" b="0" i="1" smtClean="0">
+                            <a:latin typeface="Cambria Math" panose="02040503050406030204" pitchFamily="18" charset="0"/>
+                          </a:rPr>
+                          <m:t>1</m:t>
+                        </m:r>
+                      </m:sub>
+                    </m:sSub>
+                  </m:oMath>
+                </a14:m>
+                <a:r>
+                  <a:rPr lang="pt-BR" dirty="0"/>
+                  <a:t>.</a:t>
+                </a:r>
+              </a:p>
+              <a:p>
+                <a:pPr algn="just"/>
+                <a:r>
+                  <a:rPr lang="pt-BR" dirty="0"/>
+                  <a:t>A taxa de variação do erro é praticamente constante na direção de </a:t>
                 </a:r>
                 <a14:m>
                   <m:oMath xmlns:m="http://schemas.openxmlformats.org/officeDocument/2006/math">
@@ -22657,47 +22669,7 @@
                 </a14:m>
                 <a:r>
                   <a:rPr lang="pt-BR" dirty="0"/>
-                  <a:t>.</a:t>
-                </a:r>
-              </a:p>
-              <a:p>
-                <a:pPr algn="just"/>
-                <a:r>
-                  <a:rPr lang="pt-BR" dirty="0"/>
-                  <a:t>Taxa de variação do erro é praticamente constante na direção de </a:t>
-                </a:r>
-                <a14:m>
-                  <m:oMath xmlns:m="http://schemas.openxmlformats.org/officeDocument/2006/math">
-                    <m:sSub>
-                      <m:sSubPr>
-                        <m:ctrlPr>
-                          <a:rPr lang="pt-BR" i="1">
-                            <a:latin typeface="Cambria Math" panose="02040503050406030204" pitchFamily="18" charset="0"/>
-                          </a:rPr>
-                        </m:ctrlPr>
-                      </m:sSubPr>
-                      <m:e>
-                        <m:r>
-                          <a:rPr lang="pt-BR" i="1">
-                            <a:latin typeface="Cambria Math" panose="02040503050406030204" pitchFamily="18" charset="0"/>
-                          </a:rPr>
-                          <m:t>𝑎</m:t>
-                        </m:r>
-                      </m:e>
-                      <m:sub>
-                        <m:r>
-                          <a:rPr lang="pt-BR" b="0" i="1" smtClean="0">
-                            <a:latin typeface="Cambria Math" panose="02040503050406030204" pitchFamily="18" charset="0"/>
-                          </a:rPr>
-                          <m:t>1</m:t>
-                        </m:r>
-                      </m:sub>
-                    </m:sSub>
-                  </m:oMath>
-                </a14:m>
-                <a:r>
-                  <a:rPr lang="pt-BR" dirty="0"/>
-                  <a:t> (reta com inclinação de </a:t>
+                  <a:t> (região com inclinação de </a:t>
                 </a:r>
                 <a14:m>
                   <m:oMath xmlns:m="http://schemas.openxmlformats.org/officeDocument/2006/math">
@@ -22755,10 +22727,10 @@
                       </m:e>
                       <m:sub>
                         <m:r>
-                          <a:rPr lang="pt-BR" i="1">
+                          <a:rPr lang="pt-BR" b="0" i="1" smtClean="0">
                             <a:latin typeface="Cambria Math" panose="02040503050406030204" pitchFamily="18" charset="0"/>
                           </a:rPr>
-                          <m:t>1</m:t>
+                          <m:t>2</m:t>
                         </m:r>
                       </m:sub>
                     </m:sSub>
@@ -22779,7 +22751,7 @@
             </p:txBody>
           </p:sp>
         </mc:Choice>
-        <mc:Fallback xmlns="">
+        <mc:Fallback>
           <p:sp>
             <p:nvSpPr>
               <p:cNvPr id="10" name="Content Placeholder 2"/>
@@ -22796,7 +22768,7 @@
               <a:prstGeom prst="rect">
                 <a:avLst/>
               </a:prstGeom>
-              <a:blipFill rotWithShape="0">
+              <a:blipFill>
                 <a:blip r:embed="rId3"/>
                 <a:stretch>
                   <a:fillRect l="-936" t="-4545" r="-1156"/>
@@ -22818,131 +22790,49 @@
           </p:sp>
         </mc:Fallback>
       </mc:AlternateContent>
-      <p:sp>
-        <p:nvSpPr>
-          <p:cNvPr id="3" name="Rectangle 2"/>
-          <p:cNvSpPr/>
-          <p:nvPr/>
-        </p:nvSpPr>
-        <p:spPr>
-          <a:xfrm>
-            <a:off x="7300904" y="1164543"/>
-            <a:ext cx="4777365" cy="307777"/>
-          </a:xfrm>
-          <a:prstGeom prst="rect">
-            <a:avLst/>
-          </a:prstGeom>
-          <a:noFill/>
-        </p:spPr>
-        <p:txBody>
-          <a:bodyPr wrap="square" rtlCol="0">
-            <a:spAutoFit/>
-          </a:bodyPr>
-          <a:lstStyle/>
-          <a:p>
-            <a:pPr algn="ctr"/>
-            <a:r>
-              <a:rPr lang="pt-BR" sz="1400" u="sng" dirty="0">
-                <a:solidFill>
-                  <a:srgbClr val="00B0F0"/>
-                </a:solidFill>
-                <a:hlinkClick r:id="rId4"/>
-              </a:rPr>
-              <a:t>Exemplo: escalonamento_de_atributos_com_scikit_learn.ipynb</a:t>
-            </a:r>
-            <a:endParaRPr lang="pt-BR" sz="1400" u="sng" dirty="0">
-              <a:solidFill>
-                <a:srgbClr val="00B0F0"/>
-              </a:solidFill>
-            </a:endParaRPr>
-          </a:p>
-        </p:txBody>
-      </p:sp>
       <p:pic>
         <p:nvPicPr>
-          <p:cNvPr id="6" name="Picture 5"/>
+          <p:cNvPr id="2050" name="Picture 2">
+            <a:extLst>
+              <a:ext uri="{FF2B5EF4-FFF2-40B4-BE49-F238E27FC236}">
+                <a16:creationId xmlns:a16="http://schemas.microsoft.com/office/drawing/2014/main" id="{077461D5-8FD8-E4D1-EAEF-12351B5E02BD}"/>
+              </a:ext>
+            </a:extLst>
+          </p:cNvPr>
           <p:cNvPicPr>
-            <a:picLocks noChangeAspect="1"/>
+            <a:picLocks noChangeAspect="1" noChangeArrowheads="1"/>
           </p:cNvPicPr>
           <p:nvPr/>
         </p:nvPicPr>
         <p:blipFill rotWithShape="1">
-          <a:blip r:embed="rId5" cstate="print">
+          <a:blip r:embed="rId4">
             <a:extLst>
               <a:ext uri="{28A0092B-C50C-407E-A947-70E740481C1C}">
                 <a14:useLocalDpi xmlns:a14="http://schemas.microsoft.com/office/drawing/2010/main" val="0"/>
               </a:ext>
             </a:extLst>
           </a:blip>
-          <a:srcRect l="18159" t="17191" r="1244" b="10272"/>
+          <a:srcRect l="2780" b="1535"/>
           <a:stretch/>
         </p:blipFill>
-        <p:spPr>
+        <p:spPr bwMode="auto">
           <a:xfrm>
-            <a:off x="962468" y="4280503"/>
-            <a:ext cx="2863886" cy="2577497"/>
+            <a:off x="1376926" y="4295710"/>
+            <a:ext cx="5958746" cy="2571714"/>
           </a:xfrm>
           <a:prstGeom prst="rect">
             <a:avLst/>
           </a:prstGeom>
-        </p:spPr>
-      </p:pic>
-      <p:pic>
-        <p:nvPicPr>
-          <p:cNvPr id="7" name="Picture 6"/>
-          <p:cNvPicPr>
-            <a:picLocks noChangeAspect="1"/>
-          </p:cNvPicPr>
-          <p:nvPr/>
-        </p:nvPicPr>
-        <p:blipFill rotWithShape="1">
-          <a:blip r:embed="rId6" cstate="print">
-            <a:extLst>
-              <a:ext uri="{28A0092B-C50C-407E-A947-70E740481C1C}">
-                <a14:useLocalDpi xmlns:a14="http://schemas.microsoft.com/office/drawing/2010/main" val="0"/>
-              </a:ext>
-            </a:extLst>
-          </a:blip>
-          <a:srcRect t="11467" r="9353" b="2264"/>
-          <a:stretch/>
-        </p:blipFill>
-        <p:spPr>
-          <a:xfrm>
-            <a:off x="4975139" y="4280503"/>
-            <a:ext cx="2722198" cy="2590714"/>
-          </a:xfrm>
-          <a:prstGeom prst="rect">
-            <a:avLst/>
-          </a:prstGeom>
-        </p:spPr>
-      </p:pic>
-      <p:pic>
-        <p:nvPicPr>
-          <p:cNvPr id="8" name="Picture 7"/>
-          <p:cNvPicPr>
-            <a:picLocks noChangeAspect="1"/>
-          </p:cNvPicPr>
-          <p:nvPr/>
-        </p:nvPicPr>
-        <p:blipFill rotWithShape="1">
-          <a:blip r:embed="rId7" cstate="print">
-            <a:extLst>
-              <a:ext uri="{28A0092B-C50C-407E-A947-70E740481C1C}">
-                <a14:useLocalDpi xmlns:a14="http://schemas.microsoft.com/office/drawing/2010/main" val="0"/>
-              </a:ext>
-            </a:extLst>
-          </a:blip>
-          <a:srcRect l="1422" t="11212" r="9325" b="3415"/>
-          <a:stretch/>
-        </p:blipFill>
-        <p:spPr>
-          <a:xfrm>
-            <a:off x="9225887" y="4277831"/>
-            <a:ext cx="2688609" cy="2571713"/>
-          </a:xfrm>
-          <a:prstGeom prst="rect">
-            <a:avLst/>
-          </a:prstGeom>
+          <a:noFill/>
+          <a:extLst>
+            <a:ext uri="{909E8E84-426E-40DD-AFC4-6F175D3DCCD1}">
+              <a14:hiddenFill xmlns:a14="http://schemas.microsoft.com/office/drawing/2010/main">
+                <a:solidFill>
+                  <a:srgbClr val="FFFFFF"/>
+                </a:solidFill>
+              </a14:hiddenFill>
+            </a:ext>
+          </a:extLst>
         </p:spPr>
       </p:pic>
       <p:cxnSp>
@@ -22953,7 +22843,7 @@
         </p:nvCxnSpPr>
         <p:spPr>
           <a:xfrm flipV="1">
-            <a:off x="4595314" y="6387152"/>
+            <a:off x="3701934" y="6452207"/>
             <a:ext cx="850143" cy="122829"/>
           </a:xfrm>
           <a:prstGeom prst="straightConnector1">
@@ -22981,8 +22871,8 @@
           </a:fontRef>
         </p:style>
       </p:cxnSp>
-      <mc:AlternateContent xmlns:mc="http://schemas.openxmlformats.org/markup-compatibility/2006" xmlns:a14="http://schemas.microsoft.com/office/drawing/2010/main">
-        <mc:Choice Requires="a14">
+      <mc:AlternateContent xmlns:mc="http://schemas.openxmlformats.org/markup-compatibility/2006">
+        <mc:Choice xmlns:a14="http://schemas.microsoft.com/office/drawing/2010/main" Requires="a14">
           <p:sp>
             <p:nvSpPr>
               <p:cNvPr id="17" name="TextBox 16"/>
@@ -22991,7 +22881,7 @@
             </p:nvSpPr>
             <p:spPr>
               <a:xfrm>
-                <a:off x="4033742" y="6217594"/>
+                <a:off x="3140362" y="6282649"/>
                 <a:ext cx="812715" cy="584775"/>
               </a:xfrm>
               <a:prstGeom prst="rect">
@@ -23024,7 +22914,7 @@
             </p:txBody>
           </p:sp>
         </mc:Choice>
-        <mc:Fallback xmlns="">
+        <mc:Fallback>
           <p:sp>
             <p:nvSpPr>
               <p:cNvPr id="17" name="TextBox 16"/>
@@ -23035,14 +22925,14 @@
             </p:nvSpPr>
             <p:spPr>
               <a:xfrm>
-                <a:off x="4033742" y="6217594"/>
+                <a:off x="3140362" y="6282649"/>
                 <a:ext cx="812715" cy="584775"/>
               </a:xfrm>
               <a:prstGeom prst="rect">
                 <a:avLst/>
               </a:prstGeom>
-              <a:blipFill rotWithShape="0">
-                <a:blip r:embed="rId8"/>
+              <a:blipFill>
+                <a:blip r:embed="rId5"/>
                 <a:stretch>
                   <a:fillRect b="-12500"/>
                 </a:stretch>
@@ -23063,6 +22953,51 @@
           </p:sp>
         </mc:Fallback>
       </mc:AlternateContent>
+      <p:pic>
+        <p:nvPicPr>
+          <p:cNvPr id="2052" name="Picture 4">
+            <a:extLst>
+              <a:ext uri="{FF2B5EF4-FFF2-40B4-BE49-F238E27FC236}">
+                <a16:creationId xmlns:a16="http://schemas.microsoft.com/office/drawing/2014/main" id="{F530073D-600D-93EF-022D-266CE38EAAA8}"/>
+              </a:ext>
+            </a:extLst>
+          </p:cNvPr>
+          <p:cNvPicPr>
+            <a:picLocks noChangeAspect="1" noChangeArrowheads="1"/>
+          </p:cNvPicPr>
+          <p:nvPr/>
+        </p:nvPicPr>
+        <p:blipFill rotWithShape="1">
+          <a:blip r:embed="rId6">
+            <a:extLst>
+              <a:ext uri="{28A0092B-C50C-407E-A947-70E740481C1C}">
+                <a14:useLocalDpi xmlns:a14="http://schemas.microsoft.com/office/drawing/2010/main" val="0"/>
+              </a:ext>
+            </a:extLst>
+          </a:blip>
+          <a:srcRect l="1186" t="5899"/>
+          <a:stretch/>
+        </p:blipFill>
+        <p:spPr bwMode="auto">
+          <a:xfrm>
+            <a:off x="7967114" y="4365224"/>
+            <a:ext cx="3315939" cy="2502200"/>
+          </a:xfrm>
+          <a:prstGeom prst="rect">
+            <a:avLst/>
+          </a:prstGeom>
+          <a:noFill/>
+          <a:extLst>
+            <a:ext uri="{909E8E84-426E-40DD-AFC4-6F175D3DCCD1}">
+              <a14:hiddenFill xmlns:a14="http://schemas.microsoft.com/office/drawing/2010/main">
+                <a:solidFill>
+                  <a:srgbClr val="FFFFFF"/>
+                </a:solidFill>
+              </a14:hiddenFill>
+            </a:ext>
+          </a:extLst>
+        </p:spPr>
+      </p:pic>
     </p:spTree>
     <p:extLst>
       <p:ext uri="{BB962C8B-B14F-4D97-AF65-F5344CB8AC3E}">

--- a/slides/T319_Regressão_Linear (Escalonamento de Atributos).pptx
+++ b/slides/T319_Regressão_Linear (Escalonamento de Atributos).pptx
@@ -922,6 +922,413 @@
         </p:nvSpPr>
         <p:spPr/>
       </p:sp>
+      <mc:AlternateContent xmlns:mc="http://schemas.openxmlformats.org/markup-compatibility/2006" xmlns:a14="http://schemas.microsoft.com/office/drawing/2010/main">
+        <mc:Choice Requires="a14">
+          <p:sp>
+            <p:nvSpPr>
+              <p:cNvPr id="3" name="Notes Placeholder 2"/>
+              <p:cNvSpPr>
+                <a:spLocks noGrp="1"/>
+              </p:cNvSpPr>
+              <p:nvPr>
+                <p:ph type="body" idx="1"/>
+              </p:nvPr>
+            </p:nvSpPr>
+            <p:spPr/>
+            <p:txBody>
+              <a:bodyPr/>
+              <a:lstStyle/>
+              <a:p>
+                <a:r>
+                  <a:rPr lang="pt-BR" b="1" dirty="0"/>
+                  <a:t>Exemplo</a:t>
+                </a:r>
+                <a:r>
+                  <a:rPr lang="pt-BR" dirty="0"/>
+                  <a:t>:</a:t>
+                </a:r>
+                <a:r>
+                  <a:rPr lang="pt-BR" baseline="0" dirty="0"/>
+                  <a:t> feature_scaling_gradient_variation.ipynb</a:t>
+                </a:r>
+              </a:p>
+              <a:p>
+                <a:endParaRPr lang="pt-BR" baseline="0" dirty="0"/>
+              </a:p>
+              <a:p>
+                <a:r>
+                  <a:rPr lang="pt-BR" baseline="0" dirty="0"/>
+                  <a:t>Critério de parada: atingir número máximo de iterações ou que o erro entre iterações subsequentes seja maior ou igual a 0.0001, indicando que o erro vs. Iterações se tornou constante.</a:t>
+                </a:r>
+              </a:p>
+              <a:p>
+                <a:endParaRPr lang="pt-BR" baseline="0" dirty="0"/>
+              </a:p>
+              <a:p>
+                <a:r>
+                  <a:rPr lang="pt-BR" baseline="0" dirty="0"/>
+                  <a:t>Padronização diminui o número de iterações necessárias para que o erro entre iterações subsequentes seja maior do que 0.0001, ou seja, que ele se torne praticamente constante. Portanto, a padronização diminuiu o tempo de convergência.</a:t>
+                </a:r>
+              </a:p>
+              <a:p>
+                <a:endParaRPr lang="pt-BR" baseline="0" dirty="0"/>
+              </a:p>
+              <a:p>
+                <a:r>
+                  <a:rPr lang="pt-BR" baseline="0" dirty="0"/>
+                  <a:t>Sem a padronização, o algoritmo do GD precisa das 2000 iterações configuradas como sendo o número máxímo, porém, nós apenas apresentados até a 10 iteração por motivos de comparação dos resultados.</a:t>
+                </a:r>
+              </a:p>
+              <a:p>
+                <a:endParaRPr lang="pt-BR" baseline="0" dirty="0"/>
+              </a:p>
+              <a:p>
+                <a:r>
+                  <a:rPr lang="pt-BR" baseline="0" dirty="0"/>
+                  <a:t>Já com a padronização, o algoritmo precisa de apenas 8 iterações para que o critério de parada do erro entre interações subjequentes se torne verdadeiro.</a:t>
+                </a:r>
+              </a:p>
+              <a:p>
+                <a:endParaRPr lang="pt-BR" baseline="0" dirty="0"/>
+              </a:p>
+              <a:p>
+                <a:pPr algn="just"/>
+                <a:r>
+                  <a:rPr lang="pt-BR" dirty="0"/>
+                  <a:t>Sem a padronização, pesos de atributos com variação muito grande são atualizados mais rapidamente do que pesos de atributos com variação pequena.</a:t>
+                </a:r>
+              </a:p>
+              <a:p>
+                <a:pPr marL="628650" lvl="1" indent="-171450" algn="just">
+                  <a:buFont typeface="Arial" panose="020B0604020202020204" pitchFamily="34" charset="0"/>
+                  <a:buChar char="•"/>
+                </a:pPr>
+                <a14:m>
+                  <m:oMath xmlns:m="http://schemas.openxmlformats.org/officeDocument/2006/math">
+                    <m:sSub>
+                      <m:sSubPr>
+                        <m:ctrlPr>
+                          <a:rPr lang="pt-BR" i="1" smtClean="0">
+                            <a:latin typeface="Cambria Math" panose="02040503050406030204" pitchFamily="18" charset="0"/>
+                          </a:rPr>
+                        </m:ctrlPr>
+                      </m:sSubPr>
+                      <m:e>
+                        <m:r>
+                          <a:rPr lang="pt-BR" i="1" smtClean="0">
+                            <a:latin typeface="Cambria Math" panose="02040503050406030204" pitchFamily="18" charset="0"/>
+                          </a:rPr>
+                          <m:t>𝑥</m:t>
+                        </m:r>
+                      </m:e>
+                      <m:sub>
+                        <m:r>
+                          <a:rPr lang="pt-BR" b="0" i="1" smtClean="0">
+                            <a:latin typeface="Cambria Math" panose="02040503050406030204" pitchFamily="18" charset="0"/>
+                          </a:rPr>
+                          <m:t>1</m:t>
+                        </m:r>
+                      </m:sub>
+                    </m:sSub>
+                  </m:oMath>
+                </a14:m>
+                <a:r>
+                  <a:rPr lang="pt-BR" dirty="0"/>
+                  <a:t> contribui muito mais no valor final do erro, fazendo com que </a:t>
+                </a:r>
+                <a14:m>
+                  <m:oMath xmlns:m="http://schemas.openxmlformats.org/officeDocument/2006/math">
+                    <m:sSub>
+                      <m:sSubPr>
+                        <m:ctrlPr>
+                          <a:rPr lang="pt-BR" i="1">
+                            <a:latin typeface="Cambria Math" panose="02040503050406030204" pitchFamily="18" charset="0"/>
+                          </a:rPr>
+                        </m:ctrlPr>
+                      </m:sSubPr>
+                      <m:e>
+                        <m:r>
+                          <a:rPr lang="pt-BR" b="0" i="1" smtClean="0">
+                            <a:latin typeface="Cambria Math" panose="02040503050406030204" pitchFamily="18" charset="0"/>
+                          </a:rPr>
+                          <m:t>𝑎</m:t>
+                        </m:r>
+                      </m:e>
+                      <m:sub>
+                        <m:r>
+                          <a:rPr lang="pt-BR" b="0" i="1" smtClean="0">
+                            <a:latin typeface="Cambria Math" panose="02040503050406030204" pitchFamily="18" charset="0"/>
+                          </a:rPr>
+                          <m:t>1</m:t>
+                        </m:r>
+                      </m:sub>
+                    </m:sSub>
+                  </m:oMath>
+                </a14:m>
+                <a:r>
+                  <a:rPr lang="pt-BR" dirty="0"/>
+                  <a:t> seja rapidamente atualizado.</a:t>
+                </a:r>
+              </a:p>
+              <a:p>
+                <a:pPr marL="0" lvl="0" indent="0" algn="just">
+                  <a:buFont typeface="Arial" panose="020B0604020202020204" pitchFamily="34" charset="0"/>
+                  <a:buNone/>
+                </a:pPr>
+                <a:endParaRPr lang="pt-BR" dirty="0"/>
+              </a:p>
+              <a:p>
+                <a:pPr marL="0" lvl="0" indent="0" algn="just">
+                  <a:buFont typeface="Arial" panose="020B0604020202020204" pitchFamily="34" charset="0"/>
+                  <a:buNone/>
+                </a:pPr>
+                <a:r>
+                  <a:rPr lang="pt-BR" dirty="0"/>
+                  <a:t>Com</a:t>
+                </a:r>
+                <a:r>
+                  <a:rPr lang="pt-BR" baseline="0" dirty="0"/>
+                  <a:t> a padronização, devido ao fato dos atributos seguirem a distribuição Gaussiana, a superfície de contorno se torna circular, com varições de erro idênticas em amabas as ditreções, i.e., de a1 e a2, fazendo com que o algoritmo siga um caminha reto até o mínimo global, pois a varição do erro é idêntica em ambos os sentidos. Isso também é mostrado pelos gráficos de histórico de variação dos gradientes de a1 e a2. Estes gráficos mostram que a varição é idêntica em ambas direções e que o algoritmo rapidamente atinge o mínimo global, fazendo com que os gradientes se tornem iguais a zero, i.e., o gradiente no ponto de mínimo é igual a zero pois a inclinação da tangente neste ponto é igual a 0.</a:t>
+                </a:r>
+                <a:endParaRPr lang="pt-BR" dirty="0"/>
+              </a:p>
+              <a:p>
+                <a:endParaRPr lang="pt-BR" dirty="0"/>
+              </a:p>
+              <a:p>
+                <a:endParaRPr lang="pt-BR" dirty="0"/>
+              </a:p>
+            </p:txBody>
+          </p:sp>
+        </mc:Choice>
+        <mc:Fallback xmlns="">
+          <p:sp>
+            <p:nvSpPr>
+              <p:cNvPr id="3" name="Notes Placeholder 2"/>
+              <p:cNvSpPr>
+                <a:spLocks noGrp="1"/>
+              </p:cNvSpPr>
+              <p:nvPr>
+                <p:ph type="body" idx="1"/>
+              </p:nvPr>
+            </p:nvSpPr>
+            <p:spPr/>
+            <p:txBody>
+              <a:bodyPr/>
+              <a:lstStyle/>
+              <a:p>
+                <a:r>
+                  <a:rPr lang="pt-BR" b="1" dirty="0" smtClean="0"/>
+                  <a:t>Exemplo</a:t>
+                </a:r>
+                <a:r>
+                  <a:rPr lang="pt-BR" dirty="0" smtClean="0"/>
+                  <a:t>:</a:t>
+                </a:r>
+                <a:r>
+                  <a:rPr lang="pt-BR" baseline="0" dirty="0" smtClean="0"/>
+                  <a:t> feature_scaling_gradient_variation.ipynb</a:t>
+                </a:r>
+              </a:p>
+              <a:p>
+                <a:endParaRPr lang="pt-BR" baseline="0" dirty="0" smtClean="0"/>
+              </a:p>
+              <a:p>
+                <a:r>
+                  <a:rPr lang="pt-BR" baseline="0" dirty="0" smtClean="0"/>
+                  <a:t>Critério de parada: atingir número máximo de iterações ou que o erro entre iterações subsequentes seja maior ou igual a 0.0001, indicando que o erro vs. Iterações se tornou constante.</a:t>
+                </a:r>
+              </a:p>
+              <a:p>
+                <a:endParaRPr lang="pt-BR" baseline="0" dirty="0" smtClean="0"/>
+              </a:p>
+              <a:p>
+                <a:r>
+                  <a:rPr lang="pt-BR" baseline="0" dirty="0" smtClean="0"/>
+                  <a:t>Padronização diminui o número de iterações necessárias para que o erro entre iterações subsequentes seja maior do que 0.0001, ou seja, que ele se torne praticamente constante. Portanto, a padronização diminuiu o tempo de convergência.</a:t>
+                </a:r>
+              </a:p>
+              <a:p>
+                <a:endParaRPr lang="pt-BR" baseline="0" dirty="0" smtClean="0"/>
+              </a:p>
+              <a:p>
+                <a:r>
+                  <a:rPr lang="pt-BR" baseline="0" dirty="0" smtClean="0"/>
+                  <a:t>Sem a padronização, o algoritmo do GD precisa das 2000 iterações configuradas como sendo o número máxímo, porém, nós apenas apresentados até a 10 iteração por motivos de comparação dos resultados.</a:t>
+                </a:r>
+              </a:p>
+              <a:p>
+                <a:endParaRPr lang="pt-BR" baseline="0" dirty="0" smtClean="0"/>
+              </a:p>
+              <a:p>
+                <a:r>
+                  <a:rPr lang="pt-BR" baseline="0" dirty="0" smtClean="0"/>
+                  <a:t>Já com a padronização, o algoritmo precisa de apenas 8 iterações para que o critério de parada do erro entre interações subjequentes se torne verdadeiro.</a:t>
+                </a:r>
+              </a:p>
+              <a:p>
+                <a:endParaRPr lang="pt-BR" baseline="0" dirty="0" smtClean="0"/>
+              </a:p>
+              <a:p>
+                <a:pPr algn="just"/>
+                <a:r>
+                  <a:rPr lang="pt-BR" dirty="0" smtClean="0"/>
+                  <a:t>Sem a padronização, pesos de atributos com variação muito grande são atualizados mais rapidamente do que pesos de atributos com variação pequena.</a:t>
+                </a:r>
+              </a:p>
+              <a:p>
+                <a:pPr marL="628650" lvl="1" indent="-171450" algn="just">
+                  <a:buFont typeface="Arial" panose="020B0604020202020204" pitchFamily="34" charset="0"/>
+                  <a:buChar char="•"/>
+                </a:pPr>
+                <a:r>
+                  <a:rPr lang="pt-BR" i="0" smtClean="0">
+                    <a:latin typeface="Cambria Math" panose="02040503050406030204" pitchFamily="18" charset="0"/>
+                  </a:rPr>
+                  <a:t>𝑥_</a:t>
+                </a:r>
+                <a:r>
+                  <a:rPr lang="pt-BR" b="0" i="0" smtClean="0">
+                    <a:latin typeface="Cambria Math" panose="02040503050406030204" pitchFamily="18" charset="0"/>
+                  </a:rPr>
+                  <a:t>1</a:t>
+                </a:r>
+                <a:r>
+                  <a:rPr lang="pt-BR" dirty="0"/>
+                  <a:t> </a:t>
+                </a:r>
+                <a:r>
+                  <a:rPr lang="pt-BR" dirty="0" smtClean="0"/>
+                  <a:t>contribui </a:t>
+                </a:r>
+                <a:r>
+                  <a:rPr lang="pt-BR" dirty="0"/>
+                  <a:t>muito mais no valor final do erro, fazendo com que </a:t>
+                </a:r>
+                <a:r>
+                  <a:rPr lang="pt-BR" b="0" i="0" smtClean="0">
+                    <a:latin typeface="Cambria Math" panose="02040503050406030204" pitchFamily="18" charset="0"/>
+                  </a:rPr>
+                  <a:t>𝑎</a:t>
+                </a:r>
+                <a:r>
+                  <a:rPr lang="pt-BR" b="0" i="0">
+                    <a:latin typeface="Cambria Math" panose="02040503050406030204" pitchFamily="18" charset="0"/>
+                  </a:rPr>
+                  <a:t>_</a:t>
+                </a:r>
+                <a:r>
+                  <a:rPr lang="pt-BR" b="0" i="0" smtClean="0">
+                    <a:latin typeface="Cambria Math" panose="02040503050406030204" pitchFamily="18" charset="0"/>
+                  </a:rPr>
+                  <a:t>1</a:t>
+                </a:r>
+                <a:r>
+                  <a:rPr lang="pt-BR" dirty="0"/>
+                  <a:t> seja rapidamente atualizado</a:t>
+                </a:r>
+                <a:r>
+                  <a:rPr lang="pt-BR" dirty="0" smtClean="0"/>
+                  <a:t>.</a:t>
+                </a:r>
+              </a:p>
+              <a:p>
+                <a:pPr marL="0" lvl="0" indent="0" algn="just">
+                  <a:buFont typeface="Arial" panose="020B0604020202020204" pitchFamily="34" charset="0"/>
+                  <a:buNone/>
+                </a:pPr>
+                <a:endParaRPr lang="pt-BR" dirty="0" smtClean="0"/>
+              </a:p>
+              <a:p>
+                <a:pPr marL="0" lvl="0" indent="0" algn="just">
+                  <a:buFont typeface="Arial" panose="020B0604020202020204" pitchFamily="34" charset="0"/>
+                  <a:buNone/>
+                </a:pPr>
+                <a:r>
+                  <a:rPr lang="pt-BR" dirty="0" smtClean="0"/>
+                  <a:t>Com</a:t>
+                </a:r>
+                <a:r>
+                  <a:rPr lang="pt-BR" baseline="0" dirty="0" smtClean="0"/>
+                  <a:t> a padronização, devido ao fato dos atributos seguirem a distribuição Gaussiana, a superfície de contorno se torna circular, com varições de erro idênticas em amabas as ditreções, i.e., de a1 e a2, fazendo com que o algoritmo siga um caminha reto até o mínimo global, pois a varição do erro é idêntica em ambos os sentidos. Isso também é mostrado pelos gráficos de histórico de variação dos gradientes de a1 e a2. Estes gráficos mostram que a varição é idêntica em ambas direções e que o algoritmo rapidamente atinge o mínimo global, fazendo com que os gradientes se tornem iguais a zero, i.e., o gradiente no ponto de mínimo é igual a zero pois a inclinação da tangente neste ponto é igual a 0.</a:t>
+                </a:r>
+                <a:endParaRPr lang="pt-BR" dirty="0"/>
+              </a:p>
+              <a:p>
+                <a:endParaRPr lang="pt-BR" dirty="0"/>
+              </a:p>
+              <a:p>
+                <a:endParaRPr lang="pt-BR" dirty="0"/>
+              </a:p>
+            </p:txBody>
+          </p:sp>
+        </mc:Fallback>
+      </mc:AlternateContent>
+      <p:sp>
+        <p:nvSpPr>
+          <p:cNvPr id="4" name="Slide Number Placeholder 3"/>
+          <p:cNvSpPr>
+            <a:spLocks noGrp="1"/>
+          </p:cNvSpPr>
+          <p:nvPr>
+            <p:ph type="sldNum" sz="quarter" idx="10"/>
+          </p:nvPr>
+        </p:nvSpPr>
+        <p:spPr/>
+        <p:txBody>
+          <a:bodyPr/>
+          <a:lstStyle/>
+          <a:p>
+            <a:fld id="{DA8B99DF-01BC-492A-8CEF-4FD88D18DD9D}" type="slidenum">
+              <a:rPr lang="nl-BE" smtClean="0"/>
+              <a:t>11</a:t>
+            </a:fld>
+            <a:endParaRPr lang="nl-BE"/>
+          </a:p>
+        </p:txBody>
+      </p:sp>
+    </p:spTree>
+    <p:extLst>
+      <p:ext uri="{BB962C8B-B14F-4D97-AF65-F5344CB8AC3E}">
+        <p14:creationId xmlns:p14="http://schemas.microsoft.com/office/powerpoint/2010/main" val="1989975200"/>
+      </p:ext>
+    </p:extLst>
+  </p:cSld>
+  <p:clrMapOvr>
+    <a:masterClrMapping/>
+  </p:clrMapOvr>
+</p:notes>
+</file>
+
+<file path=ppt/notesSlides/notesSlide11.xml><?xml version="1.0" encoding="utf-8"?>
+<p:notes xmlns:a="http://schemas.openxmlformats.org/drawingml/2006/main" xmlns:r="http://schemas.openxmlformats.org/officeDocument/2006/relationships" xmlns:p="http://schemas.openxmlformats.org/presentationml/2006/main">
+  <p:cSld>
+    <p:spTree>
+      <p:nvGrpSpPr>
+        <p:cNvPr id="1" name=""/>
+        <p:cNvGrpSpPr/>
+        <p:nvPr/>
+      </p:nvGrpSpPr>
+      <p:grpSpPr>
+        <a:xfrm>
+          <a:off x="0" y="0"/>
+          <a:ext cx="0" cy="0"/>
+          <a:chOff x="0" y="0"/>
+          <a:chExt cx="0" cy="0"/>
+        </a:xfrm>
+      </p:grpSpPr>
+      <p:sp>
+        <p:nvSpPr>
+          <p:cNvPr id="2" name="Slide Image Placeholder 1"/>
+          <p:cNvSpPr>
+            <a:spLocks noGrp="1" noRot="1" noChangeAspect="1"/>
+          </p:cNvSpPr>
+          <p:nvPr>
+            <p:ph type="sldImg"/>
+          </p:nvPr>
+        </p:nvSpPr>
+        <p:spPr/>
+      </p:sp>
       <p:sp>
         <p:nvSpPr>
           <p:cNvPr id="3" name="Notes Placeholder 2"/>
@@ -1876,6 +2283,122 @@
 </file>
 
 <file path=ppt/notesSlides/notesSlide7.xml><?xml version="1.0" encoding="utf-8"?>
+<p:notes xmlns:a="http://schemas.openxmlformats.org/drawingml/2006/main" xmlns:r="http://schemas.openxmlformats.org/officeDocument/2006/relationships" xmlns:p="http://schemas.openxmlformats.org/presentationml/2006/main">
+  <p:cSld>
+    <p:spTree>
+      <p:nvGrpSpPr>
+        <p:cNvPr id="1" name=""/>
+        <p:cNvGrpSpPr/>
+        <p:nvPr/>
+      </p:nvGrpSpPr>
+      <p:grpSpPr>
+        <a:xfrm>
+          <a:off x="0" y="0"/>
+          <a:ext cx="0" cy="0"/>
+          <a:chOff x="0" y="0"/>
+          <a:chExt cx="0" cy="0"/>
+        </a:xfrm>
+      </p:grpSpPr>
+      <p:sp>
+        <p:nvSpPr>
+          <p:cNvPr id="2" name="Espaço Reservado para Imagem de Slide 1"/>
+          <p:cNvSpPr>
+            <a:spLocks noGrp="1" noRot="1" noChangeAspect="1"/>
+          </p:cNvSpPr>
+          <p:nvPr>
+            <p:ph type="sldImg"/>
+          </p:nvPr>
+        </p:nvSpPr>
+        <p:spPr/>
+      </p:sp>
+      <p:sp>
+        <p:nvSpPr>
+          <p:cNvPr id="3" name="Espaço Reservado para Anotações 2"/>
+          <p:cNvSpPr>
+            <a:spLocks noGrp="1"/>
+          </p:cNvSpPr>
+          <p:nvPr>
+            <p:ph type="body" idx="1"/>
+          </p:nvPr>
+        </p:nvSpPr>
+        <p:spPr/>
+        <p:txBody>
+          <a:bodyPr/>
+          <a:lstStyle/>
+          <a:p>
+            <a:pPr marL="0" marR="0" lvl="0" indent="0" algn="l" defTabSz="914400" rtl="0" eaLnBrk="1" fontAlgn="auto" latinLnBrk="0" hangingPunct="1">
+              <a:lnSpc>
+                <a:spcPct val="100000"/>
+              </a:lnSpc>
+              <a:spcBef>
+                <a:spcPts val="0"/>
+              </a:spcBef>
+              <a:spcAft>
+                <a:spcPts val="0"/>
+              </a:spcAft>
+              <a:buClrTx/>
+              <a:buSzTx/>
+              <a:buFontTx/>
+              <a:buNone/>
+              <a:tabLst/>
+              <a:defRPr/>
+            </a:pPr>
+            <a:r>
+              <a:rPr lang="pt-BR" b="1" noProof="0" dirty="0"/>
+              <a:t>Exemplo</a:t>
+            </a:r>
+            <a:r>
+              <a:rPr lang="pt-BR" noProof="0" dirty="0"/>
+              <a:t>: </a:t>
+            </a:r>
+            <a:r>
+              <a:rPr lang="pt-BR" dirty="0"/>
+              <a:t>https://colab.research.google.com/github/zz4fap/t319_aprendizado_de_maquina/blob/main/notebooks/regression/</a:t>
+            </a:r>
+            <a:r>
+              <a:rPr lang="pt-BR" u="none" dirty="0"/>
+              <a:t>escalonamento_de_atributos_com_scikit_learn.ipynb</a:t>
+            </a:r>
+          </a:p>
+        </p:txBody>
+      </p:sp>
+      <p:sp>
+        <p:nvSpPr>
+          <p:cNvPr id="4" name="Espaço Reservado para Número de Slide 3"/>
+          <p:cNvSpPr>
+            <a:spLocks noGrp="1"/>
+          </p:cNvSpPr>
+          <p:nvPr>
+            <p:ph type="sldNum" sz="quarter" idx="5"/>
+          </p:nvPr>
+        </p:nvSpPr>
+        <p:spPr/>
+        <p:txBody>
+          <a:bodyPr/>
+          <a:lstStyle/>
+          <a:p>
+            <a:fld id="{DA8B99DF-01BC-492A-8CEF-4FD88D18DD9D}" type="slidenum">
+              <a:rPr lang="nl-BE" smtClean="0"/>
+              <a:t>8</a:t>
+            </a:fld>
+            <a:endParaRPr lang="nl-BE"/>
+          </a:p>
+        </p:txBody>
+      </p:sp>
+    </p:spTree>
+    <p:extLst>
+      <p:ext uri="{BB962C8B-B14F-4D97-AF65-F5344CB8AC3E}">
+        <p14:creationId xmlns:p14="http://schemas.microsoft.com/office/powerpoint/2010/main" val="360316612"/>
+      </p:ext>
+    </p:extLst>
+  </p:cSld>
+  <p:clrMapOvr>
+    <a:masterClrMapping/>
+  </p:clrMapOvr>
+</p:notes>
+</file>
+
+<file path=ppt/notesSlides/notesSlide8.xml><?xml version="1.0" encoding="utf-8"?>
 <p:notes xmlns:a="http://schemas.openxmlformats.org/drawingml/2006/main" xmlns:r="http://schemas.openxmlformats.org/officeDocument/2006/relationships" xmlns:p="http://schemas.openxmlformats.org/presentationml/2006/main">
   <p:cSld>
     <p:spTree>
@@ -2372,7 +2895,7 @@
 </p:notes>
 </file>
 
-<file path=ppt/notesSlides/notesSlide8.xml><?xml version="1.0" encoding="utf-8"?>
+<file path=ppt/notesSlides/notesSlide9.xml><?xml version="1.0" encoding="utf-8"?>
 <p:notes xmlns:a="http://schemas.openxmlformats.org/drawingml/2006/main" xmlns:r="http://schemas.openxmlformats.org/officeDocument/2006/relationships" xmlns:p="http://schemas.openxmlformats.org/presentationml/2006/main">
   <p:cSld>
     <p:spTree>
@@ -2656,413 +3179,6 @@
     <p:extLst>
       <p:ext uri="{BB962C8B-B14F-4D97-AF65-F5344CB8AC3E}">
         <p14:creationId xmlns:p14="http://schemas.microsoft.com/office/powerpoint/2010/main" val="1478853106"/>
-      </p:ext>
-    </p:extLst>
-  </p:cSld>
-  <p:clrMapOvr>
-    <a:masterClrMapping/>
-  </p:clrMapOvr>
-</p:notes>
-</file>
-
-<file path=ppt/notesSlides/notesSlide9.xml><?xml version="1.0" encoding="utf-8"?>
-<p:notes xmlns:a="http://schemas.openxmlformats.org/drawingml/2006/main" xmlns:r="http://schemas.openxmlformats.org/officeDocument/2006/relationships" xmlns:p="http://schemas.openxmlformats.org/presentationml/2006/main">
-  <p:cSld>
-    <p:spTree>
-      <p:nvGrpSpPr>
-        <p:cNvPr id="1" name=""/>
-        <p:cNvGrpSpPr/>
-        <p:nvPr/>
-      </p:nvGrpSpPr>
-      <p:grpSpPr>
-        <a:xfrm>
-          <a:off x="0" y="0"/>
-          <a:ext cx="0" cy="0"/>
-          <a:chOff x="0" y="0"/>
-          <a:chExt cx="0" cy="0"/>
-        </a:xfrm>
-      </p:grpSpPr>
-      <p:sp>
-        <p:nvSpPr>
-          <p:cNvPr id="2" name="Slide Image Placeholder 1"/>
-          <p:cNvSpPr>
-            <a:spLocks noGrp="1" noRot="1" noChangeAspect="1"/>
-          </p:cNvSpPr>
-          <p:nvPr>
-            <p:ph type="sldImg"/>
-          </p:nvPr>
-        </p:nvSpPr>
-        <p:spPr/>
-      </p:sp>
-      <mc:AlternateContent xmlns:mc="http://schemas.openxmlformats.org/markup-compatibility/2006" xmlns:a14="http://schemas.microsoft.com/office/drawing/2010/main">
-        <mc:Choice Requires="a14">
-          <p:sp>
-            <p:nvSpPr>
-              <p:cNvPr id="3" name="Notes Placeholder 2"/>
-              <p:cNvSpPr>
-                <a:spLocks noGrp="1"/>
-              </p:cNvSpPr>
-              <p:nvPr>
-                <p:ph type="body" idx="1"/>
-              </p:nvPr>
-            </p:nvSpPr>
-            <p:spPr/>
-            <p:txBody>
-              <a:bodyPr/>
-              <a:lstStyle/>
-              <a:p>
-                <a:r>
-                  <a:rPr lang="pt-BR" b="1" dirty="0"/>
-                  <a:t>Exemplo</a:t>
-                </a:r>
-                <a:r>
-                  <a:rPr lang="pt-BR" dirty="0"/>
-                  <a:t>:</a:t>
-                </a:r>
-                <a:r>
-                  <a:rPr lang="pt-BR" baseline="0" dirty="0"/>
-                  <a:t> feature_scaling_gradient_variation.ipynb</a:t>
-                </a:r>
-              </a:p>
-              <a:p>
-                <a:endParaRPr lang="pt-BR" baseline="0" dirty="0"/>
-              </a:p>
-              <a:p>
-                <a:r>
-                  <a:rPr lang="pt-BR" baseline="0" dirty="0"/>
-                  <a:t>Critério de parada: atingir número máximo de iterações ou que o erro entre iterações subsequentes seja maior ou igual a 0.0001, indicando que o erro vs. Iterações se tornou constante.</a:t>
-                </a:r>
-              </a:p>
-              <a:p>
-                <a:endParaRPr lang="pt-BR" baseline="0" dirty="0"/>
-              </a:p>
-              <a:p>
-                <a:r>
-                  <a:rPr lang="pt-BR" baseline="0" dirty="0"/>
-                  <a:t>Padronização diminui o número de iterações necessárias para que o erro entre iterações subsequentes seja maior do que 0.0001, ou seja, que ele se torne praticamente constante. Portanto, a padronização diminuiu o tempo de convergência.</a:t>
-                </a:r>
-              </a:p>
-              <a:p>
-                <a:endParaRPr lang="pt-BR" baseline="0" dirty="0"/>
-              </a:p>
-              <a:p>
-                <a:r>
-                  <a:rPr lang="pt-BR" baseline="0" dirty="0"/>
-                  <a:t>Sem a padronização, o algoritmo do GD precisa das 2000 iterações configuradas como sendo o número máxímo, porém, nós apenas apresentados até a 10 iteração por motivos de comparação dos resultados.</a:t>
-                </a:r>
-              </a:p>
-              <a:p>
-                <a:endParaRPr lang="pt-BR" baseline="0" dirty="0"/>
-              </a:p>
-              <a:p>
-                <a:r>
-                  <a:rPr lang="pt-BR" baseline="0" dirty="0"/>
-                  <a:t>Já com a padronização, o algoritmo precisa de apenas 8 iterações para que o critério de parada do erro entre interações subjequentes se torne verdadeiro.</a:t>
-                </a:r>
-              </a:p>
-              <a:p>
-                <a:endParaRPr lang="pt-BR" baseline="0" dirty="0"/>
-              </a:p>
-              <a:p>
-                <a:pPr algn="just"/>
-                <a:r>
-                  <a:rPr lang="pt-BR" dirty="0"/>
-                  <a:t>Sem a padronização, pesos de atributos com variação muito grande são atualizados mais rapidamente do que pesos de atributos com variação pequena.</a:t>
-                </a:r>
-              </a:p>
-              <a:p>
-                <a:pPr marL="628650" lvl="1" indent="-171450" algn="just">
-                  <a:buFont typeface="Arial" panose="020B0604020202020204" pitchFamily="34" charset="0"/>
-                  <a:buChar char="•"/>
-                </a:pPr>
-                <a14:m>
-                  <m:oMath xmlns:m="http://schemas.openxmlformats.org/officeDocument/2006/math">
-                    <m:sSub>
-                      <m:sSubPr>
-                        <m:ctrlPr>
-                          <a:rPr lang="pt-BR" i="1" smtClean="0">
-                            <a:latin typeface="Cambria Math" panose="02040503050406030204" pitchFamily="18" charset="0"/>
-                          </a:rPr>
-                        </m:ctrlPr>
-                      </m:sSubPr>
-                      <m:e>
-                        <m:r>
-                          <a:rPr lang="pt-BR" i="1" smtClean="0">
-                            <a:latin typeface="Cambria Math" panose="02040503050406030204" pitchFamily="18" charset="0"/>
-                          </a:rPr>
-                          <m:t>𝑥</m:t>
-                        </m:r>
-                      </m:e>
-                      <m:sub>
-                        <m:r>
-                          <a:rPr lang="pt-BR" b="0" i="1" smtClean="0">
-                            <a:latin typeface="Cambria Math" panose="02040503050406030204" pitchFamily="18" charset="0"/>
-                          </a:rPr>
-                          <m:t>1</m:t>
-                        </m:r>
-                      </m:sub>
-                    </m:sSub>
-                  </m:oMath>
-                </a14:m>
-                <a:r>
-                  <a:rPr lang="pt-BR" dirty="0"/>
-                  <a:t> contribui muito mais no valor final do erro, fazendo com que </a:t>
-                </a:r>
-                <a14:m>
-                  <m:oMath xmlns:m="http://schemas.openxmlformats.org/officeDocument/2006/math">
-                    <m:sSub>
-                      <m:sSubPr>
-                        <m:ctrlPr>
-                          <a:rPr lang="pt-BR" i="1">
-                            <a:latin typeface="Cambria Math" panose="02040503050406030204" pitchFamily="18" charset="0"/>
-                          </a:rPr>
-                        </m:ctrlPr>
-                      </m:sSubPr>
-                      <m:e>
-                        <m:r>
-                          <a:rPr lang="pt-BR" b="0" i="1" smtClean="0">
-                            <a:latin typeface="Cambria Math" panose="02040503050406030204" pitchFamily="18" charset="0"/>
-                          </a:rPr>
-                          <m:t>𝑎</m:t>
-                        </m:r>
-                      </m:e>
-                      <m:sub>
-                        <m:r>
-                          <a:rPr lang="pt-BR" b="0" i="1" smtClean="0">
-                            <a:latin typeface="Cambria Math" panose="02040503050406030204" pitchFamily="18" charset="0"/>
-                          </a:rPr>
-                          <m:t>1</m:t>
-                        </m:r>
-                      </m:sub>
-                    </m:sSub>
-                  </m:oMath>
-                </a14:m>
-                <a:r>
-                  <a:rPr lang="pt-BR" dirty="0"/>
-                  <a:t> seja rapidamente atualizado.</a:t>
-                </a:r>
-              </a:p>
-              <a:p>
-                <a:pPr marL="0" lvl="0" indent="0" algn="just">
-                  <a:buFont typeface="Arial" panose="020B0604020202020204" pitchFamily="34" charset="0"/>
-                  <a:buNone/>
-                </a:pPr>
-                <a:endParaRPr lang="pt-BR" dirty="0"/>
-              </a:p>
-              <a:p>
-                <a:pPr marL="0" lvl="0" indent="0" algn="just">
-                  <a:buFont typeface="Arial" panose="020B0604020202020204" pitchFamily="34" charset="0"/>
-                  <a:buNone/>
-                </a:pPr>
-                <a:r>
-                  <a:rPr lang="pt-BR" dirty="0"/>
-                  <a:t>Com</a:t>
-                </a:r>
-                <a:r>
-                  <a:rPr lang="pt-BR" baseline="0" dirty="0"/>
-                  <a:t> a padronização, devido ao fato dos atributos seguirem a distribuição Gaussiana, a superfície de contorno se torna circular, com varições de erro idênticas em amabas as ditreções, i.e., de a1 e a2, fazendo com que o algoritmo siga um caminha reto até o mínimo global, pois a varição do erro é idêntica em ambos os sentidos. Isso também é mostrado pelos gráficos de histórico de variação dos gradientes de a1 e a2. Estes gráficos mostram que a varição é idêntica em ambas direções e que o algoritmo rapidamente atinge o mínimo global, fazendo com que os gradientes se tornem iguais a zero, i.e., o gradiente no ponto de mínimo é igual a zero pois a inclinação da tangente neste ponto é igual a 0.</a:t>
-                </a:r>
-                <a:endParaRPr lang="pt-BR" dirty="0"/>
-              </a:p>
-              <a:p>
-                <a:endParaRPr lang="pt-BR" dirty="0"/>
-              </a:p>
-              <a:p>
-                <a:endParaRPr lang="pt-BR" dirty="0"/>
-              </a:p>
-            </p:txBody>
-          </p:sp>
-        </mc:Choice>
-        <mc:Fallback xmlns="">
-          <p:sp>
-            <p:nvSpPr>
-              <p:cNvPr id="3" name="Notes Placeholder 2"/>
-              <p:cNvSpPr>
-                <a:spLocks noGrp="1"/>
-              </p:cNvSpPr>
-              <p:nvPr>
-                <p:ph type="body" idx="1"/>
-              </p:nvPr>
-            </p:nvSpPr>
-            <p:spPr/>
-            <p:txBody>
-              <a:bodyPr/>
-              <a:lstStyle/>
-              <a:p>
-                <a:r>
-                  <a:rPr lang="pt-BR" b="1" dirty="0" smtClean="0"/>
-                  <a:t>Exemplo</a:t>
-                </a:r>
-                <a:r>
-                  <a:rPr lang="pt-BR" dirty="0" smtClean="0"/>
-                  <a:t>:</a:t>
-                </a:r>
-                <a:r>
-                  <a:rPr lang="pt-BR" baseline="0" dirty="0" smtClean="0"/>
-                  <a:t> feature_scaling_gradient_variation.ipynb</a:t>
-                </a:r>
-              </a:p>
-              <a:p>
-                <a:endParaRPr lang="pt-BR" baseline="0" dirty="0" smtClean="0"/>
-              </a:p>
-              <a:p>
-                <a:r>
-                  <a:rPr lang="pt-BR" baseline="0" dirty="0" smtClean="0"/>
-                  <a:t>Critério de parada: atingir número máximo de iterações ou que o erro entre iterações subsequentes seja maior ou igual a 0.0001, indicando que o erro vs. Iterações se tornou constante.</a:t>
-                </a:r>
-              </a:p>
-              <a:p>
-                <a:endParaRPr lang="pt-BR" baseline="0" dirty="0" smtClean="0"/>
-              </a:p>
-              <a:p>
-                <a:r>
-                  <a:rPr lang="pt-BR" baseline="0" dirty="0" smtClean="0"/>
-                  <a:t>Padronização diminui o número de iterações necessárias para que o erro entre iterações subsequentes seja maior do que 0.0001, ou seja, que ele se torne praticamente constante. Portanto, a padronização diminuiu o tempo de convergência.</a:t>
-                </a:r>
-              </a:p>
-              <a:p>
-                <a:endParaRPr lang="pt-BR" baseline="0" dirty="0" smtClean="0"/>
-              </a:p>
-              <a:p>
-                <a:r>
-                  <a:rPr lang="pt-BR" baseline="0" dirty="0" smtClean="0"/>
-                  <a:t>Sem a padronização, o algoritmo do GD precisa das 2000 iterações configuradas como sendo o número máxímo, porém, nós apenas apresentados até a 10 iteração por motivos de comparação dos resultados.</a:t>
-                </a:r>
-              </a:p>
-              <a:p>
-                <a:endParaRPr lang="pt-BR" baseline="0" dirty="0" smtClean="0"/>
-              </a:p>
-              <a:p>
-                <a:r>
-                  <a:rPr lang="pt-BR" baseline="0" dirty="0" smtClean="0"/>
-                  <a:t>Já com a padronização, o algoritmo precisa de apenas 8 iterações para que o critério de parada do erro entre interações subjequentes se torne verdadeiro.</a:t>
-                </a:r>
-              </a:p>
-              <a:p>
-                <a:endParaRPr lang="pt-BR" baseline="0" dirty="0" smtClean="0"/>
-              </a:p>
-              <a:p>
-                <a:pPr algn="just"/>
-                <a:r>
-                  <a:rPr lang="pt-BR" dirty="0" smtClean="0"/>
-                  <a:t>Sem a padronização, pesos de atributos com variação muito grande são atualizados mais rapidamente do que pesos de atributos com variação pequena.</a:t>
-                </a:r>
-              </a:p>
-              <a:p>
-                <a:pPr marL="628650" lvl="1" indent="-171450" algn="just">
-                  <a:buFont typeface="Arial" panose="020B0604020202020204" pitchFamily="34" charset="0"/>
-                  <a:buChar char="•"/>
-                </a:pPr>
-                <a:r>
-                  <a:rPr lang="pt-BR" i="0" smtClean="0">
-                    <a:latin typeface="Cambria Math" panose="02040503050406030204" pitchFamily="18" charset="0"/>
-                  </a:rPr>
-                  <a:t>𝑥_</a:t>
-                </a:r>
-                <a:r>
-                  <a:rPr lang="pt-BR" b="0" i="0" smtClean="0">
-                    <a:latin typeface="Cambria Math" panose="02040503050406030204" pitchFamily="18" charset="0"/>
-                  </a:rPr>
-                  <a:t>1</a:t>
-                </a:r>
-                <a:r>
-                  <a:rPr lang="pt-BR" dirty="0"/>
-                  <a:t> </a:t>
-                </a:r>
-                <a:r>
-                  <a:rPr lang="pt-BR" dirty="0" smtClean="0"/>
-                  <a:t>contribui </a:t>
-                </a:r>
-                <a:r>
-                  <a:rPr lang="pt-BR" dirty="0"/>
-                  <a:t>muito mais no valor final do erro, fazendo com que </a:t>
-                </a:r>
-                <a:r>
-                  <a:rPr lang="pt-BR" b="0" i="0" smtClean="0">
-                    <a:latin typeface="Cambria Math" panose="02040503050406030204" pitchFamily="18" charset="0"/>
-                  </a:rPr>
-                  <a:t>𝑎</a:t>
-                </a:r>
-                <a:r>
-                  <a:rPr lang="pt-BR" b="0" i="0">
-                    <a:latin typeface="Cambria Math" panose="02040503050406030204" pitchFamily="18" charset="0"/>
-                  </a:rPr>
-                  <a:t>_</a:t>
-                </a:r>
-                <a:r>
-                  <a:rPr lang="pt-BR" b="0" i="0" smtClean="0">
-                    <a:latin typeface="Cambria Math" panose="02040503050406030204" pitchFamily="18" charset="0"/>
-                  </a:rPr>
-                  <a:t>1</a:t>
-                </a:r>
-                <a:r>
-                  <a:rPr lang="pt-BR" dirty="0"/>
-                  <a:t> seja rapidamente atualizado</a:t>
-                </a:r>
-                <a:r>
-                  <a:rPr lang="pt-BR" dirty="0" smtClean="0"/>
-                  <a:t>.</a:t>
-                </a:r>
-              </a:p>
-              <a:p>
-                <a:pPr marL="0" lvl="0" indent="0" algn="just">
-                  <a:buFont typeface="Arial" panose="020B0604020202020204" pitchFamily="34" charset="0"/>
-                  <a:buNone/>
-                </a:pPr>
-                <a:endParaRPr lang="pt-BR" dirty="0" smtClean="0"/>
-              </a:p>
-              <a:p>
-                <a:pPr marL="0" lvl="0" indent="0" algn="just">
-                  <a:buFont typeface="Arial" panose="020B0604020202020204" pitchFamily="34" charset="0"/>
-                  <a:buNone/>
-                </a:pPr>
-                <a:r>
-                  <a:rPr lang="pt-BR" dirty="0" smtClean="0"/>
-                  <a:t>Com</a:t>
-                </a:r>
-                <a:r>
-                  <a:rPr lang="pt-BR" baseline="0" dirty="0" smtClean="0"/>
-                  <a:t> a padronização, devido ao fato dos atributos seguirem a distribuição Gaussiana, a superfície de contorno se torna circular, com varições de erro idênticas em amabas as ditreções, i.e., de a1 e a2, fazendo com que o algoritmo siga um caminha reto até o mínimo global, pois a varição do erro é idêntica em ambos os sentidos. Isso também é mostrado pelos gráficos de histórico de variação dos gradientes de a1 e a2. Estes gráficos mostram que a varição é idêntica em ambas direções e que o algoritmo rapidamente atinge o mínimo global, fazendo com que os gradientes se tornem iguais a zero, i.e., o gradiente no ponto de mínimo é igual a zero pois a inclinação da tangente neste ponto é igual a 0.</a:t>
-                </a:r>
-                <a:endParaRPr lang="pt-BR" dirty="0"/>
-              </a:p>
-              <a:p>
-                <a:endParaRPr lang="pt-BR" dirty="0"/>
-              </a:p>
-              <a:p>
-                <a:endParaRPr lang="pt-BR" dirty="0"/>
-              </a:p>
-            </p:txBody>
-          </p:sp>
-        </mc:Fallback>
-      </mc:AlternateContent>
-      <p:sp>
-        <p:nvSpPr>
-          <p:cNvPr id="4" name="Slide Number Placeholder 3"/>
-          <p:cNvSpPr>
-            <a:spLocks noGrp="1"/>
-          </p:cNvSpPr>
-          <p:nvPr>
-            <p:ph type="sldNum" sz="quarter" idx="10"/>
-          </p:nvPr>
-        </p:nvSpPr>
-        <p:spPr/>
-        <p:txBody>
-          <a:bodyPr/>
-          <a:lstStyle/>
-          <a:p>
-            <a:fld id="{DA8B99DF-01BC-492A-8CEF-4FD88D18DD9D}" type="slidenum">
-              <a:rPr lang="nl-BE" smtClean="0"/>
-              <a:t>11</a:t>
-            </a:fld>
-            <a:endParaRPr lang="nl-BE"/>
-          </a:p>
-        </p:txBody>
-      </p:sp>
-    </p:spTree>
-    <p:extLst>
-      <p:ext uri="{BB962C8B-B14F-4D97-AF65-F5344CB8AC3E}">
-        <p14:creationId xmlns:p14="http://schemas.microsoft.com/office/powerpoint/2010/main" val="1989975200"/>
       </p:ext>
     </p:extLst>
   </p:cSld>
@@ -6175,7 +6291,7 @@
         <p:spPr>
           <a:xfrm>
             <a:off x="838199" y="1445562"/>
-            <a:ext cx="11096298" cy="2716535"/>
+            <a:ext cx="11096298" cy="2849343"/>
           </a:xfrm>
           <a:prstGeom prst="rect">
             <a:avLst/>
@@ -6183,7 +6299,7 @@
         </p:spPr>
         <p:txBody>
           <a:bodyPr vert="horz" lIns="91440" tIns="45720" rIns="91440" bIns="45720" rtlCol="0">
-            <a:normAutofit fontScale="92500" lnSpcReduction="20000"/>
+            <a:normAutofit fontScale="92500" lnSpcReduction="10000"/>
           </a:bodyPr>
           <a:lstStyle>
             <a:lvl1pPr marL="228600" indent="-228600" algn="l" defTabSz="914400" rtl="0" eaLnBrk="1" latinLnBrk="0" hangingPunct="1">
@@ -6494,6 +6610,189 @@
           </a:extLst>
         </p:spPr>
       </p:pic>
+      <p:pic>
+        <p:nvPicPr>
+          <p:cNvPr id="1026" name="Picture 2">
+            <a:extLst>
+              <a:ext uri="{FF2B5EF4-FFF2-40B4-BE49-F238E27FC236}">
+                <a16:creationId xmlns:a16="http://schemas.microsoft.com/office/drawing/2014/main" id="{FFB6E73D-1A1F-F6CB-77D9-F93A6A80E67F}"/>
+              </a:ext>
+            </a:extLst>
+          </p:cNvPr>
+          <p:cNvPicPr>
+            <a:picLocks noChangeAspect="1" noChangeArrowheads="1"/>
+          </p:cNvPicPr>
+          <p:nvPr/>
+        </p:nvPicPr>
+        <p:blipFill rotWithShape="1">
+          <a:blip r:embed="rId5">
+            <a:extLst>
+              <a:ext uri="{28A0092B-C50C-407E-A947-70E740481C1C}">
+                <a14:useLocalDpi xmlns:a14="http://schemas.microsoft.com/office/drawing/2010/main" val="0"/>
+              </a:ext>
+            </a:extLst>
+          </a:blip>
+          <a:srcRect l="2469" b="1768"/>
+          <a:stretch/>
+        </p:blipFill>
+        <p:spPr bwMode="auto">
+          <a:xfrm>
+            <a:off x="3264261" y="4294905"/>
+            <a:ext cx="5681135" cy="2418694"/>
+          </a:xfrm>
+          <a:prstGeom prst="rect">
+            <a:avLst/>
+          </a:prstGeom>
+          <a:noFill/>
+          <a:extLst>
+            <a:ext uri="{909E8E84-426E-40DD-AFC4-6F175D3DCCD1}">
+              <a14:hiddenFill xmlns:a14="http://schemas.microsoft.com/office/drawing/2010/main">
+                <a:solidFill>
+                  <a:srgbClr val="FFFFFF"/>
+                </a:solidFill>
+              </a14:hiddenFill>
+            </a:ext>
+          </a:extLst>
+        </p:spPr>
+      </p:pic>
+      <p:cxnSp>
+        <p:nvCxnSpPr>
+          <p:cNvPr id="3" name="Straight Arrow Connector 14">
+            <a:extLst>
+              <a:ext uri="{FF2B5EF4-FFF2-40B4-BE49-F238E27FC236}">
+                <a16:creationId xmlns:a16="http://schemas.microsoft.com/office/drawing/2014/main" id="{E07D7505-6FC3-BB26-D7E0-34E2551F49EF}"/>
+              </a:ext>
+            </a:extLst>
+          </p:cNvPr>
+          <p:cNvCxnSpPr>
+            <a:cxnSpLocks/>
+          </p:cNvCxnSpPr>
+          <p:nvPr/>
+        </p:nvCxnSpPr>
+        <p:spPr>
+          <a:xfrm flipV="1">
+            <a:off x="5568117" y="6043448"/>
+            <a:ext cx="527883" cy="467101"/>
+          </a:xfrm>
+          <a:prstGeom prst="straightConnector1">
+            <a:avLst/>
+          </a:prstGeom>
+          <a:ln>
+            <a:solidFill>
+              <a:srgbClr val="FF0000"/>
+            </a:solidFill>
+            <a:tailEnd type="triangle"/>
+          </a:ln>
+        </p:spPr>
+        <p:style>
+          <a:lnRef idx="1">
+            <a:schemeClr val="accent1"/>
+          </a:lnRef>
+          <a:fillRef idx="0">
+            <a:schemeClr val="accent1"/>
+          </a:fillRef>
+          <a:effectRef idx="0">
+            <a:schemeClr val="accent1"/>
+          </a:effectRef>
+          <a:fontRef idx="minor">
+            <a:schemeClr val="tx1"/>
+          </a:fontRef>
+        </p:style>
+      </p:cxnSp>
+      <mc:AlternateContent xmlns:mc="http://schemas.openxmlformats.org/markup-compatibility/2006">
+        <mc:Choice xmlns:a14="http://schemas.microsoft.com/office/drawing/2010/main" Requires="a14">
+          <p:sp>
+            <p:nvSpPr>
+              <p:cNvPr id="4" name="TextBox 16">
+                <a:extLst>
+                  <a:ext uri="{FF2B5EF4-FFF2-40B4-BE49-F238E27FC236}">
+                    <a16:creationId xmlns:a16="http://schemas.microsoft.com/office/drawing/2014/main" id="{22C5F144-743C-4D1C-5770-8E990BCFF7FD}"/>
+                  </a:ext>
+                </a:extLst>
+              </p:cNvPr>
+              <p:cNvSpPr txBox="1"/>
+              <p:nvPr/>
+            </p:nvSpPr>
+            <p:spPr>
+              <a:xfrm>
+                <a:off x="5006545" y="6218162"/>
+                <a:ext cx="812715" cy="584775"/>
+              </a:xfrm>
+              <a:prstGeom prst="rect">
+                <a:avLst/>
+              </a:prstGeom>
+              <a:noFill/>
+            </p:spPr>
+            <p:txBody>
+              <a:bodyPr wrap="square" rtlCol="0">
+                <a:spAutoFit/>
+              </a:bodyPr>
+              <a:lstStyle/>
+              <a:p>
+                <a:pPr algn="ctr"/>
+                <a14:m>
+                  <m:oMath xmlns:m="http://schemas.openxmlformats.org/officeDocument/2006/math">
+                    <m:r>
+                      <a:rPr lang="pt-BR" sz="1600" b="1" i="1" smtClean="0">
+                        <a:latin typeface="Cambria Math" panose="02040503050406030204" pitchFamily="18" charset="0"/>
+                      </a:rPr>
+                      <m:t>𝒂</m:t>
+                    </m:r>
+                  </m:oMath>
+                </a14:m>
+                <a:r>
+                  <a:rPr lang="pt-BR" sz="1600" dirty="0"/>
+                  <a:t> inicial</a:t>
+                </a:r>
+              </a:p>
+            </p:txBody>
+          </p:sp>
+        </mc:Choice>
+        <mc:Fallback>
+          <p:sp>
+            <p:nvSpPr>
+              <p:cNvPr id="4" name="TextBox 16">
+                <a:extLst>
+                  <a:ext uri="{FF2B5EF4-FFF2-40B4-BE49-F238E27FC236}">
+                    <a16:creationId xmlns:a16="http://schemas.microsoft.com/office/drawing/2014/main" id="{22C5F144-743C-4D1C-5770-8E990BCFF7FD}"/>
+                  </a:ext>
+                </a:extLst>
+              </p:cNvPr>
+              <p:cNvSpPr txBox="1">
+                <a:spLocks noRot="1" noChangeAspect="1" noMove="1" noResize="1" noEditPoints="1" noAdjustHandles="1" noChangeArrowheads="1" noChangeShapeType="1" noTextEdit="1"/>
+              </p:cNvSpPr>
+              <p:nvPr/>
+            </p:nvSpPr>
+            <p:spPr>
+              <a:xfrm>
+                <a:off x="5006545" y="6218162"/>
+                <a:ext cx="812715" cy="584775"/>
+              </a:xfrm>
+              <a:prstGeom prst="rect">
+                <a:avLst/>
+              </a:prstGeom>
+              <a:blipFill>
+                <a:blip r:embed="rId6"/>
+                <a:stretch>
+                  <a:fillRect b="-12500"/>
+                </a:stretch>
+              </a:blipFill>
+            </p:spPr>
+            <p:txBody>
+              <a:bodyPr/>
+              <a:lstStyle/>
+              <a:p>
+                <a:r>
+                  <a:rPr lang="pt-BR">
+                    <a:noFill/>
+                  </a:rPr>
+                  <a:t> </a:t>
+                </a:r>
+              </a:p>
+            </p:txBody>
+          </p:sp>
+        </mc:Fallback>
+      </mc:AlternateContent>
     </p:spTree>
     <p:extLst>
       <p:ext uri="{BB962C8B-B14F-4D97-AF65-F5344CB8AC3E}">
@@ -6536,8 +6835,8 @@
         </p:nvSpPr>
         <p:spPr>
           <a:xfrm>
-            <a:off x="838200" y="81341"/>
-            <a:ext cx="10515600" cy="1325563"/>
+            <a:off x="838200" y="81342"/>
+            <a:ext cx="10515600" cy="1032756"/>
           </a:xfrm>
         </p:spPr>
         <p:txBody>
@@ -6556,93 +6855,6 @@
           </a:p>
         </p:txBody>
       </p:sp>
-      <p:pic>
-        <p:nvPicPr>
-          <p:cNvPr id="4" name="Picture 3"/>
-          <p:cNvPicPr>
-            <a:picLocks noChangeAspect="1"/>
-          </p:cNvPicPr>
-          <p:nvPr/>
-        </p:nvPicPr>
-        <p:blipFill rotWithShape="1">
-          <a:blip r:embed="rId3" cstate="print">
-            <a:extLst>
-              <a:ext uri="{28A0092B-C50C-407E-A947-70E740481C1C}">
-                <a14:useLocalDpi xmlns:a14="http://schemas.microsoft.com/office/drawing/2010/main" val="0"/>
-              </a:ext>
-            </a:extLst>
-          </a:blip>
-          <a:srcRect t="6556" r="9111" b="2334"/>
-          <a:stretch/>
-        </p:blipFill>
-        <p:spPr>
-          <a:xfrm>
-            <a:off x="4333783" y="1597376"/>
-            <a:ext cx="2000911" cy="2005800"/>
-          </a:xfrm>
-          <a:prstGeom prst="rect">
-            <a:avLst/>
-          </a:prstGeom>
-        </p:spPr>
-      </p:pic>
-      <p:pic>
-        <p:nvPicPr>
-          <p:cNvPr id="5" name="Picture 4"/>
-          <p:cNvPicPr>
-            <a:picLocks noChangeAspect="1"/>
-          </p:cNvPicPr>
-          <p:nvPr/>
-        </p:nvPicPr>
-        <p:blipFill rotWithShape="1">
-          <a:blip r:embed="rId4" cstate="print">
-            <a:extLst>
-              <a:ext uri="{28A0092B-C50C-407E-A947-70E740481C1C}">
-                <a14:useLocalDpi xmlns:a14="http://schemas.microsoft.com/office/drawing/2010/main" val="0"/>
-              </a:ext>
-            </a:extLst>
-          </a:blip>
-          <a:srcRect l="19206" t="14206" r="25874" b="12778"/>
-          <a:stretch/>
-        </p:blipFill>
-        <p:spPr>
-          <a:xfrm>
-            <a:off x="2349778" y="4215427"/>
-            <a:ext cx="1963487" cy="2610415"/>
-          </a:xfrm>
-          <a:prstGeom prst="rect">
-            <a:avLst/>
-          </a:prstGeom>
-        </p:spPr>
-      </p:pic>
-      <p:pic>
-        <p:nvPicPr>
-          <p:cNvPr id="6" name="Picture 5"/>
-          <p:cNvPicPr>
-            <a:picLocks noChangeAspect="1"/>
-          </p:cNvPicPr>
-          <p:nvPr/>
-        </p:nvPicPr>
-        <p:blipFill rotWithShape="1">
-          <a:blip r:embed="rId5" cstate="print">
-            <a:extLst>
-              <a:ext uri="{28A0092B-C50C-407E-A947-70E740481C1C}">
-                <a14:useLocalDpi xmlns:a14="http://schemas.microsoft.com/office/drawing/2010/main" val="0"/>
-              </a:ext>
-            </a:extLst>
-          </a:blip>
-          <a:srcRect l="18572" t="13889" r="25238" b="11825"/>
-          <a:stretch/>
-        </p:blipFill>
-        <p:spPr>
-          <a:xfrm>
-            <a:off x="2344404" y="1394461"/>
-            <a:ext cx="1987947" cy="2628133"/>
-          </a:xfrm>
-          <a:prstGeom prst="rect">
-            <a:avLst/>
-          </a:prstGeom>
-        </p:spPr>
-      </p:pic>
       <p:sp>
         <p:nvSpPr>
           <p:cNvPr id="8" name="TextBox 7"/>
@@ -6651,7 +6863,7 @@
         </p:nvSpPr>
         <p:spPr>
           <a:xfrm rot="16200000">
-            <a:off x="848661" y="5327770"/>
+            <a:off x="-866955" y="5281577"/>
             <a:ext cx="2622154" cy="369332"/>
           </a:xfrm>
           <a:prstGeom prst="rect">
@@ -6681,7 +6893,7 @@
         </p:nvSpPr>
         <p:spPr>
           <a:xfrm rot="16200000">
-            <a:off x="848661" y="2623268"/>
+            <a:off x="-864520" y="2518168"/>
             <a:ext cx="2622154" cy="369332"/>
           </a:xfrm>
           <a:prstGeom prst="rect">
@@ -6703,95 +6915,8 @@
           </a:p>
         </p:txBody>
       </p:sp>
-      <p:pic>
-        <p:nvPicPr>
-          <p:cNvPr id="10" name="Picture 9"/>
-          <p:cNvPicPr>
-            <a:picLocks noChangeAspect="1"/>
-          </p:cNvPicPr>
-          <p:nvPr/>
-        </p:nvPicPr>
-        <p:blipFill rotWithShape="1">
-          <a:blip r:embed="rId6" cstate="print">
-            <a:extLst>
-              <a:ext uri="{28A0092B-C50C-407E-A947-70E740481C1C}">
-                <a14:useLocalDpi xmlns:a14="http://schemas.microsoft.com/office/drawing/2010/main" val="0"/>
-              </a:ext>
-            </a:extLst>
-          </a:blip>
-          <a:srcRect l="7076" t="7229" r="9717" b="3196"/>
-          <a:stretch/>
-        </p:blipFill>
-        <p:spPr>
-          <a:xfrm>
-            <a:off x="6383943" y="1542219"/>
-            <a:ext cx="5743331" cy="2060957"/>
-          </a:xfrm>
-          <a:prstGeom prst="rect">
-            <a:avLst/>
-          </a:prstGeom>
-        </p:spPr>
-      </p:pic>
-      <p:pic>
-        <p:nvPicPr>
-          <p:cNvPr id="11" name="Picture 10"/>
-          <p:cNvPicPr>
-            <a:picLocks noChangeAspect="1"/>
-          </p:cNvPicPr>
-          <p:nvPr/>
-        </p:nvPicPr>
-        <p:blipFill rotWithShape="1">
-          <a:blip r:embed="rId7" cstate="print">
-            <a:extLst>
-              <a:ext uri="{28A0092B-C50C-407E-A947-70E740481C1C}">
-                <a14:useLocalDpi xmlns:a14="http://schemas.microsoft.com/office/drawing/2010/main" val="0"/>
-              </a:ext>
-            </a:extLst>
-          </a:blip>
-          <a:srcRect l="8349" t="6804" r="9858" b="3621"/>
-          <a:stretch/>
-        </p:blipFill>
-        <p:spPr>
-          <a:xfrm>
-            <a:off x="6481620" y="4442000"/>
-            <a:ext cx="5645654" cy="2060957"/>
-          </a:xfrm>
-          <a:prstGeom prst="rect">
-            <a:avLst/>
-          </a:prstGeom>
-        </p:spPr>
-      </p:pic>
-      <p:pic>
-        <p:nvPicPr>
-          <p:cNvPr id="12" name="Picture 11"/>
-          <p:cNvPicPr>
-            <a:picLocks noChangeAspect="1"/>
-          </p:cNvPicPr>
-          <p:nvPr/>
-        </p:nvPicPr>
-        <p:blipFill rotWithShape="1">
-          <a:blip r:embed="rId8" cstate="print">
-            <a:extLst>
-              <a:ext uri="{28A0092B-C50C-407E-A947-70E740481C1C}">
-                <a14:useLocalDpi xmlns:a14="http://schemas.microsoft.com/office/drawing/2010/main" val="0"/>
-              </a:ext>
-            </a:extLst>
-          </a:blip>
-          <a:srcRect t="7076" r="9371" b="2736"/>
-          <a:stretch/>
-        </p:blipFill>
-        <p:spPr>
-          <a:xfrm>
-            <a:off x="4411070" y="4442000"/>
-            <a:ext cx="1972745" cy="1963159"/>
-          </a:xfrm>
-          <a:prstGeom prst="rect">
-            <a:avLst/>
-          </a:prstGeom>
-        </p:spPr>
-      </p:pic>
-      <mc:AlternateContent xmlns:mc="http://schemas.openxmlformats.org/markup-compatibility/2006" xmlns:a14="http://schemas.microsoft.com/office/drawing/2010/main">
-        <mc:Choice Requires="a14">
+      <mc:AlternateContent xmlns:mc="http://schemas.openxmlformats.org/markup-compatibility/2006">
+        <mc:Choice xmlns:a14="http://schemas.microsoft.com/office/drawing/2010/main" Requires="a14">
           <p:sp>
             <p:nvSpPr>
               <p:cNvPr id="13" name="Rectangle 12"/>
@@ -6800,8 +6925,8 @@
             </p:nvSpPr>
             <p:spPr>
               <a:xfrm>
-                <a:off x="4381600" y="3545409"/>
-                <a:ext cx="7550944" cy="646331"/>
+                <a:off x="3489434" y="3545409"/>
+                <a:ext cx="8443110" cy="738664"/>
               </a:xfrm>
               <a:prstGeom prst="rect">
                 <a:avLst/>
@@ -6815,25 +6940,22 @@
               <a:p>
                 <a:pPr algn="just"/>
                 <a:r>
-                  <a:rPr lang="pt-BR" sz="1200" dirty="0"/>
-                  <a:t>Pesos de atributos com variação muito grande são atualizados mais rapidamente do que pesos de atributos com variação pequena.</a:t>
+                  <a:rPr lang="pt-BR" sz="1400" dirty="0"/>
+                  <a:t>Pesos de atributos com variação muito grande são atualizados mais rapidamente do que pesos de atributos com variação pequena. </a:t>
                 </a:r>
-              </a:p>
-              <a:p>
-                <a:pPr lvl="1" algn="just"/>
                 <a14:m>
                   <m:oMath xmlns:m="http://schemas.openxmlformats.org/officeDocument/2006/math">
                     <m:sSub>
                       <m:sSubPr>
                         <m:ctrlPr>
-                          <a:rPr lang="pt-BR" sz="1200" i="1">
+                          <a:rPr lang="pt-BR" sz="1400" i="1" smtClean="0">
                             <a:latin typeface="Cambria Math" panose="02040503050406030204" pitchFamily="18" charset="0"/>
                           </a:rPr>
                         </m:ctrlPr>
                       </m:sSubPr>
                       <m:e>
                         <m:r>
-                          <a:rPr lang="pt-BR" sz="1200" i="1">
+                          <a:rPr lang="pt-BR" sz="1400" i="1">
                             <a:latin typeface="Cambria Math" panose="02040503050406030204" pitchFamily="18" charset="0"/>
                           </a:rPr>
                           <m:t>𝑥</m:t>
@@ -6841,17 +6963,17 @@
                       </m:e>
                       <m:sub>
                         <m:r>
-                          <a:rPr lang="pt-BR" sz="1200" i="1">
+                          <a:rPr lang="pt-BR" sz="1400" b="0" i="1" smtClean="0">
                             <a:latin typeface="Cambria Math" panose="02040503050406030204" pitchFamily="18" charset="0"/>
                           </a:rPr>
-                          <m:t>2</m:t>
+                          <m:t>1</m:t>
                         </m:r>
                       </m:sub>
                     </m:sSub>
                   </m:oMath>
                 </a14:m>
                 <a:r>
-                  <a:rPr lang="pt-BR" sz="1200" dirty="0"/>
+                  <a:rPr lang="pt-BR" sz="1400" dirty="0"/>
                   <a:t> contribui muito mais no valor final do erro, fazendo com que </a:t>
                 </a:r>
                 <a14:m>
@@ -6859,14 +6981,14 @@
                     <m:sSub>
                       <m:sSubPr>
                         <m:ctrlPr>
-                          <a:rPr lang="pt-BR" sz="1200" i="1">
+                          <a:rPr lang="pt-BR" sz="1400" i="1">
                             <a:latin typeface="Cambria Math" panose="02040503050406030204" pitchFamily="18" charset="0"/>
                           </a:rPr>
                         </m:ctrlPr>
                       </m:sSubPr>
                       <m:e>
                         <m:r>
-                          <a:rPr lang="pt-BR" sz="1200" i="1">
+                          <a:rPr lang="pt-BR" sz="1400" i="1">
                             <a:latin typeface="Cambria Math" panose="02040503050406030204" pitchFamily="18" charset="0"/>
                           </a:rPr>
                           <m:t>𝑎</m:t>
@@ -6874,24 +6996,24 @@
                       </m:e>
                       <m:sub>
                         <m:r>
-                          <a:rPr lang="pt-BR" sz="1200" i="1">
+                          <a:rPr lang="pt-BR" sz="1400" b="0" i="1" smtClean="0">
                             <a:latin typeface="Cambria Math" panose="02040503050406030204" pitchFamily="18" charset="0"/>
                           </a:rPr>
-                          <m:t>2</m:t>
+                          <m:t>1</m:t>
                         </m:r>
                       </m:sub>
                     </m:sSub>
                   </m:oMath>
                 </a14:m>
                 <a:r>
-                  <a:rPr lang="pt-BR" sz="1200" dirty="0"/>
-                  <a:t> seja rapidamente atualizado.</a:t>
+                  <a:rPr lang="pt-BR" sz="1400" dirty="0"/>
+                  <a:t> seja rapidamente atualizado, tendendo a seu valor correto mais rapidamente.</a:t>
                 </a:r>
               </a:p>
             </p:txBody>
           </p:sp>
         </mc:Choice>
-        <mc:Fallback xmlns="">
+        <mc:Fallback>
           <p:sp>
             <p:nvSpPr>
               <p:cNvPr id="13" name="Rectangle 12"/>
@@ -6902,16 +7024,16 @@
             </p:nvSpPr>
             <p:spPr>
               <a:xfrm>
-                <a:off x="4381600" y="3545409"/>
-                <a:ext cx="7550944" cy="646331"/>
+                <a:off x="3489434" y="3545409"/>
+                <a:ext cx="8443110" cy="738664"/>
               </a:xfrm>
               <a:prstGeom prst="rect">
                 <a:avLst/>
               </a:prstGeom>
-              <a:blipFill rotWithShape="0">
-                <a:blip r:embed="rId9"/>
+              <a:blipFill>
+                <a:blip r:embed="rId3"/>
                 <a:stretch>
-                  <a:fillRect l="-81" t="-943" r="-81" b="-6604"/>
+                  <a:fillRect l="-217" t="-1653" r="-217" b="-7438"/>
                 </a:stretch>
               </a:blipFill>
             </p:spPr>
@@ -6930,46 +7052,6 @@
           </p:sp>
         </mc:Fallback>
       </mc:AlternateContent>
-      <p:sp>
-        <p:nvSpPr>
-          <p:cNvPr id="14" name="Rectangle 13"/>
-          <p:cNvSpPr/>
-          <p:nvPr/>
-        </p:nvSpPr>
-        <p:spPr>
-          <a:xfrm>
-            <a:off x="7349909" y="6510022"/>
-            <a:ext cx="4777365" cy="307777"/>
-          </a:xfrm>
-          <a:prstGeom prst="rect">
-            <a:avLst/>
-          </a:prstGeom>
-          <a:noFill/>
-        </p:spPr>
-        <p:txBody>
-          <a:bodyPr wrap="square" rtlCol="0">
-            <a:spAutoFit/>
-          </a:bodyPr>
-          <a:lstStyle/>
-          <a:p>
-            <a:pPr algn="ctr"/>
-            <a:r>
-              <a:rPr lang="pt-BR" sz="1400" u="sng" dirty="0">
-                <a:solidFill>
-                  <a:srgbClr val="00B0F0"/>
-                </a:solidFill>
-                <a:hlinkClick r:id="rId10"/>
-              </a:rPr>
-              <a:t>Exemplo: escalonamento_de_atributos_com_scikit_learn.ipynb</a:t>
-            </a:r>
-            <a:endParaRPr lang="pt-BR" sz="1400" u="sng" dirty="0">
-              <a:solidFill>
-                <a:srgbClr val="00B0F0"/>
-              </a:solidFill>
-            </a:endParaRPr>
-          </a:p>
-        </p:txBody>
-      </p:sp>
       <p:sp>
         <p:nvSpPr>
           <p:cNvPr id="15" name="Rectangle 14"/>
@@ -6998,6 +7080,280 @@
           </a:p>
         </p:txBody>
       </p:sp>
+      <p:pic>
+        <p:nvPicPr>
+          <p:cNvPr id="3" name="Picture 2">
+            <a:extLst>
+              <a:ext uri="{FF2B5EF4-FFF2-40B4-BE49-F238E27FC236}">
+                <a16:creationId xmlns:a16="http://schemas.microsoft.com/office/drawing/2014/main" id="{97990AB7-76C4-7F41-0E2F-17E6C923797D}"/>
+              </a:ext>
+            </a:extLst>
+          </p:cNvPr>
+          <p:cNvPicPr>
+            <a:picLocks noChangeAspect="1" noChangeArrowheads="1"/>
+          </p:cNvPicPr>
+          <p:nvPr/>
+        </p:nvPicPr>
+        <p:blipFill rotWithShape="1">
+          <a:blip r:embed="rId4">
+            <a:extLst>
+              <a:ext uri="{28A0092B-C50C-407E-A947-70E740481C1C}">
+                <a14:useLocalDpi xmlns:a14="http://schemas.microsoft.com/office/drawing/2010/main" val="0"/>
+              </a:ext>
+            </a:extLst>
+          </a:blip>
+          <a:srcRect l="2781" r="60009" b="8819"/>
+          <a:stretch/>
+        </p:blipFill>
+        <p:spPr bwMode="auto">
+          <a:xfrm>
+            <a:off x="862623" y="1406904"/>
+            <a:ext cx="2280674" cy="2381457"/>
+          </a:xfrm>
+          <a:prstGeom prst="rect">
+            <a:avLst/>
+          </a:prstGeom>
+          <a:noFill/>
+          <a:extLst>
+            <a:ext uri="{909E8E84-426E-40DD-AFC4-6F175D3DCCD1}">
+              <a14:hiddenFill xmlns:a14="http://schemas.microsoft.com/office/drawing/2010/main">
+                <a:solidFill>
+                  <a:srgbClr val="FFFFFF"/>
+                </a:solidFill>
+              </a14:hiddenFill>
+            </a:ext>
+          </a:extLst>
+        </p:spPr>
+      </p:pic>
+      <p:pic>
+        <p:nvPicPr>
+          <p:cNvPr id="7" name="Picture 2">
+            <a:extLst>
+              <a:ext uri="{FF2B5EF4-FFF2-40B4-BE49-F238E27FC236}">
+                <a16:creationId xmlns:a16="http://schemas.microsoft.com/office/drawing/2014/main" id="{B40A7348-B831-32F5-7CD0-5E43E289CC09}"/>
+              </a:ext>
+            </a:extLst>
+          </p:cNvPr>
+          <p:cNvPicPr>
+            <a:picLocks noChangeAspect="1" noChangeArrowheads="1"/>
+          </p:cNvPicPr>
+          <p:nvPr/>
+        </p:nvPicPr>
+        <p:blipFill rotWithShape="1">
+          <a:blip r:embed="rId4">
+            <a:extLst>
+              <a:ext uri="{28A0092B-C50C-407E-A947-70E740481C1C}">
+                <a14:useLocalDpi xmlns:a14="http://schemas.microsoft.com/office/drawing/2010/main" val="0"/>
+              </a:ext>
+            </a:extLst>
+          </a:blip>
+          <a:srcRect l="44792" r="-1" b="1535"/>
+          <a:stretch/>
+        </p:blipFill>
+        <p:spPr bwMode="auto">
+          <a:xfrm>
+            <a:off x="3329211" y="1406904"/>
+            <a:ext cx="2741938" cy="2083905"/>
+          </a:xfrm>
+          <a:prstGeom prst="rect">
+            <a:avLst/>
+          </a:prstGeom>
+          <a:noFill/>
+          <a:extLst>
+            <a:ext uri="{909E8E84-426E-40DD-AFC4-6F175D3DCCD1}">
+              <a14:hiddenFill xmlns:a14="http://schemas.microsoft.com/office/drawing/2010/main">
+                <a:solidFill>
+                  <a:srgbClr val="FFFFFF"/>
+                </a:solidFill>
+              </a14:hiddenFill>
+            </a:ext>
+          </a:extLst>
+        </p:spPr>
+      </p:pic>
+      <p:pic>
+        <p:nvPicPr>
+          <p:cNvPr id="2052" name="Picture 4">
+            <a:extLst>
+              <a:ext uri="{FF2B5EF4-FFF2-40B4-BE49-F238E27FC236}">
+                <a16:creationId xmlns:a16="http://schemas.microsoft.com/office/drawing/2014/main" id="{AF4419F4-E852-F975-9BE1-7E6BB0E7E794}"/>
+              </a:ext>
+            </a:extLst>
+          </p:cNvPr>
+          <p:cNvPicPr>
+            <a:picLocks noChangeAspect="1" noChangeArrowheads="1"/>
+          </p:cNvPicPr>
+          <p:nvPr/>
+        </p:nvPicPr>
+        <p:blipFill>
+          <a:blip r:embed="rId5">
+            <a:extLst>
+              <a:ext uri="{28A0092B-C50C-407E-A947-70E740481C1C}">
+                <a14:useLocalDpi xmlns:a14="http://schemas.microsoft.com/office/drawing/2010/main" val="0"/>
+              </a:ext>
+            </a:extLst>
+          </a:blip>
+          <a:srcRect/>
+          <a:stretch>
+            <a:fillRect/>
+          </a:stretch>
+        </p:blipFill>
+        <p:spPr bwMode="auto">
+          <a:xfrm>
+            <a:off x="6267082" y="1391757"/>
+            <a:ext cx="5860192" cy="2189472"/>
+          </a:xfrm>
+          <a:prstGeom prst="rect">
+            <a:avLst/>
+          </a:prstGeom>
+          <a:noFill/>
+          <a:extLst>
+            <a:ext uri="{909E8E84-426E-40DD-AFC4-6F175D3DCCD1}">
+              <a14:hiddenFill xmlns:a14="http://schemas.microsoft.com/office/drawing/2010/main">
+                <a:solidFill>
+                  <a:srgbClr val="FFFFFF"/>
+                </a:solidFill>
+              </a14:hiddenFill>
+            </a:ext>
+          </a:extLst>
+        </p:spPr>
+      </p:pic>
+      <p:pic>
+        <p:nvPicPr>
+          <p:cNvPr id="16" name="Picture 2">
+            <a:extLst>
+              <a:ext uri="{FF2B5EF4-FFF2-40B4-BE49-F238E27FC236}">
+                <a16:creationId xmlns:a16="http://schemas.microsoft.com/office/drawing/2014/main" id="{919CAC18-8A6F-C287-B734-33B50853B9A3}"/>
+              </a:ext>
+            </a:extLst>
+          </p:cNvPr>
+          <p:cNvPicPr>
+            <a:picLocks noChangeAspect="1" noChangeArrowheads="1"/>
+          </p:cNvPicPr>
+          <p:nvPr/>
+        </p:nvPicPr>
+        <p:blipFill rotWithShape="1">
+          <a:blip r:embed="rId6">
+            <a:extLst>
+              <a:ext uri="{28A0092B-C50C-407E-A947-70E740481C1C}">
+                <a14:useLocalDpi xmlns:a14="http://schemas.microsoft.com/office/drawing/2010/main" val="0"/>
+              </a:ext>
+            </a:extLst>
+          </a:blip>
+          <a:srcRect l="2469" r="60104" b="10036"/>
+          <a:stretch/>
+        </p:blipFill>
+        <p:spPr bwMode="auto">
+          <a:xfrm>
+            <a:off x="862623" y="4343537"/>
+            <a:ext cx="2180098" cy="2215117"/>
+          </a:xfrm>
+          <a:prstGeom prst="rect">
+            <a:avLst/>
+          </a:prstGeom>
+          <a:noFill/>
+          <a:extLst>
+            <a:ext uri="{909E8E84-426E-40DD-AFC4-6F175D3DCCD1}">
+              <a14:hiddenFill xmlns:a14="http://schemas.microsoft.com/office/drawing/2010/main">
+                <a:solidFill>
+                  <a:srgbClr val="FFFFFF"/>
+                </a:solidFill>
+              </a14:hiddenFill>
+            </a:ext>
+          </a:extLst>
+        </p:spPr>
+      </p:pic>
+      <p:pic>
+        <p:nvPicPr>
+          <p:cNvPr id="17" name="Picture 2">
+            <a:extLst>
+              <a:ext uri="{FF2B5EF4-FFF2-40B4-BE49-F238E27FC236}">
+                <a16:creationId xmlns:a16="http://schemas.microsoft.com/office/drawing/2014/main" id="{EA3CF880-8F73-24B8-D56F-BD325E5E5FC3}"/>
+              </a:ext>
+            </a:extLst>
+          </p:cNvPr>
+          <p:cNvPicPr>
+            <a:picLocks noChangeAspect="1" noChangeArrowheads="1"/>
+          </p:cNvPicPr>
+          <p:nvPr/>
+        </p:nvPicPr>
+        <p:blipFill rotWithShape="1">
+          <a:blip r:embed="rId6">
+            <a:extLst>
+              <a:ext uri="{28A0092B-C50C-407E-A947-70E740481C1C}">
+                <a14:useLocalDpi xmlns:a14="http://schemas.microsoft.com/office/drawing/2010/main" val="0"/>
+              </a:ext>
+            </a:extLst>
+          </a:blip>
+          <a:srcRect l="44948" b="1768"/>
+          <a:stretch/>
+        </p:blipFill>
+        <p:spPr bwMode="auto">
+          <a:xfrm>
+            <a:off x="3333120" y="4409142"/>
+            <a:ext cx="2762880" cy="2083906"/>
+          </a:xfrm>
+          <a:prstGeom prst="rect">
+            <a:avLst/>
+          </a:prstGeom>
+          <a:noFill/>
+          <a:extLst>
+            <a:ext uri="{909E8E84-426E-40DD-AFC4-6F175D3DCCD1}">
+              <a14:hiddenFill xmlns:a14="http://schemas.microsoft.com/office/drawing/2010/main">
+                <a:solidFill>
+                  <a:srgbClr val="FFFFFF"/>
+                </a:solidFill>
+              </a14:hiddenFill>
+            </a:ext>
+          </a:extLst>
+        </p:spPr>
+      </p:pic>
+      <p:pic>
+        <p:nvPicPr>
+          <p:cNvPr id="2054" name="Picture 6">
+            <a:extLst>
+              <a:ext uri="{FF2B5EF4-FFF2-40B4-BE49-F238E27FC236}">
+                <a16:creationId xmlns:a16="http://schemas.microsoft.com/office/drawing/2014/main" id="{029EE5DA-50AE-554D-6490-448FC36E4A38}"/>
+              </a:ext>
+            </a:extLst>
+          </p:cNvPr>
+          <p:cNvPicPr>
+            <a:picLocks noChangeAspect="1" noChangeArrowheads="1"/>
+          </p:cNvPicPr>
+          <p:nvPr/>
+        </p:nvPicPr>
+        <p:blipFill>
+          <a:blip r:embed="rId7">
+            <a:extLst>
+              <a:ext uri="{28A0092B-C50C-407E-A947-70E740481C1C}">
+                <a14:useLocalDpi xmlns:a14="http://schemas.microsoft.com/office/drawing/2010/main" val="0"/>
+              </a:ext>
+            </a:extLst>
+          </a:blip>
+          <a:srcRect/>
+          <a:stretch>
+            <a:fillRect/>
+          </a:stretch>
+        </p:blipFill>
+        <p:spPr bwMode="auto">
+          <a:xfrm>
+            <a:off x="6350399" y="4474287"/>
+            <a:ext cx="5776875" cy="2189472"/>
+          </a:xfrm>
+          <a:prstGeom prst="rect">
+            <a:avLst/>
+          </a:prstGeom>
+          <a:noFill/>
+          <a:extLst>
+            <a:ext uri="{909E8E84-426E-40DD-AFC4-6F175D3DCCD1}">
+              <a14:hiddenFill xmlns:a14="http://schemas.microsoft.com/office/drawing/2010/main">
+                <a:solidFill>
+                  <a:srgbClr val="FFFFFF"/>
+                </a:solidFill>
+              </a14:hiddenFill>
+            </a:ext>
+          </a:extLst>
+        </p:spPr>
+      </p:pic>
     </p:spTree>
     <p:extLst>
       <p:ext uri="{BB962C8B-B14F-4D97-AF65-F5344CB8AC3E}">
@@ -7040,7 +7396,7 @@
         </p:nvSpPr>
         <p:spPr>
           <a:xfrm>
-            <a:off x="838200" y="60331"/>
+            <a:off x="838200" y="253834"/>
             <a:ext cx="10515600" cy="1325563"/>
           </a:xfrm>
         </p:spPr>
@@ -7050,8 +7406,13 @@
           <a:p>
             <a:r>
               <a:rPr lang="pt-BR" dirty="0"/>
-              <a:t>Escalonamento de Features com SciKit-Learn</a:t>
-            </a:r>
+              <a:t>Escalonamento de atributos com a biblioteca </a:t>
+            </a:r>
+            <a:r>
+              <a:rPr lang="pt-BR" dirty="0" err="1"/>
+              <a:t>SciKit-Learn</a:t>
+            </a:r>
+            <a:endParaRPr lang="pt-BR" dirty="0"/>
           </a:p>
         </p:txBody>
       </p:sp>
@@ -7063,7 +7424,7 @@
         </p:nvSpPr>
         <p:spPr>
           <a:xfrm>
-            <a:off x="838200" y="1080644"/>
+            <a:off x="838200" y="1658707"/>
             <a:ext cx="5002763" cy="2308324"/>
           </a:xfrm>
           <a:prstGeom prst="rect">
@@ -7576,7 +7937,7 @@
         </p:nvSpPr>
         <p:spPr>
           <a:xfrm>
-            <a:off x="7234335" y="1080644"/>
+            <a:off x="7234335" y="1658707"/>
             <a:ext cx="4957665" cy="2308324"/>
           </a:xfrm>
           <a:prstGeom prst="rect">
@@ -8096,7 +8457,7 @@
         </p:blipFill>
         <p:spPr>
           <a:xfrm>
-            <a:off x="838200" y="3547588"/>
+            <a:off x="838200" y="4125651"/>
             <a:ext cx="3001158" cy="2715334"/>
           </a:xfrm>
           <a:prstGeom prst="rect">
@@ -8119,7 +8480,7 @@
         </p:blipFill>
         <p:spPr>
           <a:xfrm>
-            <a:off x="7234335" y="3547588"/>
+            <a:off x="7234335" y="4125651"/>
             <a:ext cx="2984794" cy="2715334"/>
           </a:xfrm>
           <a:prstGeom prst="rect">
@@ -8127,46 +8488,6 @@
           </a:prstGeom>
         </p:spPr>
       </p:pic>
-      <p:sp>
-        <p:nvSpPr>
-          <p:cNvPr id="8" name="TextBox 7"/>
-          <p:cNvSpPr txBox="1"/>
-          <p:nvPr/>
-        </p:nvSpPr>
-        <p:spPr>
-          <a:xfrm>
-            <a:off x="2756677" y="6544968"/>
-            <a:ext cx="6168571" cy="276999"/>
-          </a:xfrm>
-          <a:prstGeom prst="rect">
-            <a:avLst/>
-          </a:prstGeom>
-          <a:noFill/>
-        </p:spPr>
-        <p:txBody>
-          <a:bodyPr wrap="square" rtlCol="0">
-            <a:spAutoFit/>
-          </a:bodyPr>
-          <a:lstStyle>
-            <a:defPPr>
-              <a:defRPr lang="nl-BE"/>
-            </a:defPPr>
-            <a:lvl1pPr algn="ctr">
-              <a:defRPr u="sng">
-                <a:solidFill>
-                  <a:srgbClr val="00B0F0"/>
-                </a:solidFill>
-              </a:defRPr>
-            </a:lvl1pPr>
-          </a:lstStyle>
-          <a:p>
-            <a:r>
-              <a:rPr lang="pt-BR" sz="1200" dirty="0"/>
-              <a:t>Exemplo: escalonamento_de_atributos_com_scikit_learn.ipynb</a:t>
-            </a:r>
-          </a:p>
-        </p:txBody>
-      </p:sp>
       <p:pic>
         <p:nvPicPr>
           <p:cNvPr id="9" name="Picture 6" descr="Image result for scikit learn logo">
@@ -8196,7 +8517,7 @@
         </p:blipFill>
         <p:spPr bwMode="auto">
           <a:xfrm>
-            <a:off x="4480136" y="4818893"/>
+            <a:off x="4480136" y="5396956"/>
             <a:ext cx="2113420" cy="1139589"/>
           </a:xfrm>
           <a:prstGeom prst="rect">
@@ -21579,8 +21900,8 @@
           </a:p>
         </p:txBody>
       </p:sp>
-      <mc:AlternateContent xmlns:mc="http://schemas.openxmlformats.org/markup-compatibility/2006">
-        <mc:Choice xmlns:a14="http://schemas.microsoft.com/office/drawing/2010/main" Requires="a14">
+      <mc:AlternateContent xmlns:mc="http://schemas.openxmlformats.org/markup-compatibility/2006" xmlns:a14="http://schemas.microsoft.com/office/drawing/2010/main">
+        <mc:Choice Requires="a14">
           <p:sp>
             <p:nvSpPr>
               <p:cNvPr id="3" name="Content Placeholder 2"/>
@@ -22258,7 +22579,7 @@
             </p:txBody>
           </p:sp>
         </mc:Choice>
-        <mc:Fallback>
+        <mc:Fallback xmlns="">
           <p:sp>
             <p:nvSpPr>
               <p:cNvPr id="3" name="Content Placeholder 2"/>
@@ -22275,7 +22596,7 @@
                 <a:ext cx="7395951" cy="5032376"/>
               </a:xfrm>
               <a:blipFill>
-                <a:blip r:embed="rId2"/>
+                <a:blip r:embed="rId3"/>
                 <a:stretch>
                   <a:fillRect l="-1647" t="-1937"/>
                 </a:stretch>
@@ -22311,7 +22632,7 @@
           <p:nvPr/>
         </p:nvPicPr>
         <p:blipFill>
-          <a:blip r:embed="rId3">
+          <a:blip r:embed="rId4">
             <a:extLst>
               <a:ext uri="{28A0092B-C50C-407E-A947-70E740481C1C}">
                 <a14:useLocalDpi xmlns:a14="http://schemas.microsoft.com/office/drawing/2010/main" val="0"/>
@@ -22343,6 +22664,52 @@
           </a:extLst>
         </p:spPr>
       </p:pic>
+      <p:sp>
+        <p:nvSpPr>
+          <p:cNvPr id="4" name="Rectangle 13">
+            <a:extLst>
+              <a:ext uri="{FF2B5EF4-FFF2-40B4-BE49-F238E27FC236}">
+                <a16:creationId xmlns:a16="http://schemas.microsoft.com/office/drawing/2014/main" id="{CDED7DE6-C385-ADD5-712A-A54A9F86C787}"/>
+              </a:ext>
+            </a:extLst>
+          </p:cNvPr>
+          <p:cNvSpPr/>
+          <p:nvPr/>
+        </p:nvSpPr>
+        <p:spPr>
+          <a:xfrm>
+            <a:off x="0" y="6581001"/>
+            <a:ext cx="4172732" cy="276999"/>
+          </a:xfrm>
+          <a:prstGeom prst="rect">
+            <a:avLst/>
+          </a:prstGeom>
+          <a:noFill/>
+        </p:spPr>
+        <p:txBody>
+          <a:bodyPr wrap="square" rtlCol="0">
+            <a:spAutoFit/>
+          </a:bodyPr>
+          <a:lstStyle/>
+          <a:p>
+            <a:pPr algn="ctr"/>
+            <a:r>
+              <a:rPr lang="pt-BR" sz="1200" u="sng" dirty="0">
+                <a:solidFill>
+                  <a:srgbClr val="00B0F0"/>
+                </a:solidFill>
+                <a:hlinkClick r:id="rId5"/>
+              </a:rPr>
+              <a:t>Exemplo: escalonamento_de_atributos_com_scikit_learn.ipynb</a:t>
+            </a:r>
+            <a:endParaRPr lang="pt-BR" sz="1200" u="sng" dirty="0">
+              <a:solidFill>
+                <a:srgbClr val="00B0F0"/>
+              </a:solidFill>
+            </a:endParaRPr>
+          </a:p>
+        </p:txBody>
+      </p:sp>
     </p:spTree>
     <p:extLst>
       <p:ext uri="{BB962C8B-B14F-4D97-AF65-F5344CB8AC3E}">
@@ -22405,8 +22772,8 @@
           </a:p>
         </p:txBody>
       </p:sp>
-      <mc:AlternateContent xmlns:mc="http://schemas.openxmlformats.org/markup-compatibility/2006">
-        <mc:Choice xmlns:a14="http://schemas.microsoft.com/office/drawing/2010/main" Requires="a14">
+      <mc:AlternateContent xmlns:mc="http://schemas.openxmlformats.org/markup-compatibility/2006" xmlns:a14="http://schemas.microsoft.com/office/drawing/2010/main">
+        <mc:Choice Requires="a14">
           <p:sp>
             <p:nvSpPr>
               <p:cNvPr id="10" name="Content Placeholder 2"/>
@@ -22751,7 +23118,7 @@
             </p:txBody>
           </p:sp>
         </mc:Choice>
-        <mc:Fallback>
+        <mc:Fallback xmlns="">
           <p:sp>
             <p:nvSpPr>
               <p:cNvPr id="10" name="Content Placeholder 2"/>
@@ -22871,8 +23238,8 @@
           </a:fontRef>
         </p:style>
       </p:cxnSp>
-      <mc:AlternateContent xmlns:mc="http://schemas.openxmlformats.org/markup-compatibility/2006">
-        <mc:Choice xmlns:a14="http://schemas.microsoft.com/office/drawing/2010/main" Requires="a14">
+      <mc:AlternateContent xmlns:mc="http://schemas.openxmlformats.org/markup-compatibility/2006" xmlns:a14="http://schemas.microsoft.com/office/drawing/2010/main">
+        <mc:Choice Requires="a14">
           <p:sp>
             <p:nvSpPr>
               <p:cNvPr id="17" name="TextBox 16"/>
@@ -22914,7 +23281,7 @@
             </p:txBody>
           </p:sp>
         </mc:Choice>
-        <mc:Fallback>
+        <mc:Fallback xmlns="">
           <p:sp>
             <p:nvSpPr>
               <p:cNvPr id="17" name="TextBox 16"/>

--- a/slides/T319_Regressão_Linear (Escalonamento de Atributos).pptx
+++ b/slides/T319_Regressão_Linear (Escalonamento de Atributos).pptx
@@ -546,7 +546,7 @@
           <a:p>
             <a:fld id="{DAF0AF11-6A8A-4E64-94F5-26D4FBA2A01D}" type="datetimeFigureOut">
               <a:rPr lang="nl-BE" smtClean="0"/>
-              <a:t>22/10/2023</a:t>
+              <a:t>25/10/2023</a:t>
             </a:fld>
             <a:endParaRPr lang="nl-BE"/>
           </a:p>
@@ -4112,7 +4112,7 @@
           <a:p>
             <a:fld id="{C80E15A5-E95B-43EB-9AC7-9A96397448C0}" type="datetimeFigureOut">
               <a:rPr lang="nl-BE" smtClean="0"/>
-              <a:t>22/10/2023</a:t>
+              <a:t>25/10/2023</a:t>
             </a:fld>
             <a:endParaRPr lang="nl-BE"/>
           </a:p>
@@ -4282,7 +4282,7 @@
           <a:p>
             <a:fld id="{C80E15A5-E95B-43EB-9AC7-9A96397448C0}" type="datetimeFigureOut">
               <a:rPr lang="nl-BE" smtClean="0"/>
-              <a:t>22/10/2023</a:t>
+              <a:t>25/10/2023</a:t>
             </a:fld>
             <a:endParaRPr lang="nl-BE"/>
           </a:p>
@@ -4462,7 +4462,7 @@
           <a:p>
             <a:fld id="{C80E15A5-E95B-43EB-9AC7-9A96397448C0}" type="datetimeFigureOut">
               <a:rPr lang="nl-BE" smtClean="0"/>
-              <a:t>22/10/2023</a:t>
+              <a:t>25/10/2023</a:t>
             </a:fld>
             <a:endParaRPr lang="nl-BE"/>
           </a:p>
@@ -4632,7 +4632,7 @@
           <a:p>
             <a:fld id="{C80E15A5-E95B-43EB-9AC7-9A96397448C0}" type="datetimeFigureOut">
               <a:rPr lang="nl-BE" smtClean="0"/>
-              <a:t>22/10/2023</a:t>
+              <a:t>25/10/2023</a:t>
             </a:fld>
             <a:endParaRPr lang="nl-BE"/>
           </a:p>
@@ -4878,7 +4878,7 @@
           <a:p>
             <a:fld id="{C80E15A5-E95B-43EB-9AC7-9A96397448C0}" type="datetimeFigureOut">
               <a:rPr lang="nl-BE" smtClean="0"/>
-              <a:t>22/10/2023</a:t>
+              <a:t>25/10/2023</a:t>
             </a:fld>
             <a:endParaRPr lang="nl-BE"/>
           </a:p>
@@ -5110,7 +5110,7 @@
           <a:p>
             <a:fld id="{C80E15A5-E95B-43EB-9AC7-9A96397448C0}" type="datetimeFigureOut">
               <a:rPr lang="nl-BE" smtClean="0"/>
-              <a:t>22/10/2023</a:t>
+              <a:t>25/10/2023</a:t>
             </a:fld>
             <a:endParaRPr lang="nl-BE"/>
           </a:p>
@@ -5477,7 +5477,7 @@
           <a:p>
             <a:fld id="{C80E15A5-E95B-43EB-9AC7-9A96397448C0}" type="datetimeFigureOut">
               <a:rPr lang="nl-BE" smtClean="0"/>
-              <a:t>22/10/2023</a:t>
+              <a:t>25/10/2023</a:t>
             </a:fld>
             <a:endParaRPr lang="nl-BE"/>
           </a:p>
@@ -5595,7 +5595,7 @@
           <a:p>
             <a:fld id="{C80E15A5-E95B-43EB-9AC7-9A96397448C0}" type="datetimeFigureOut">
               <a:rPr lang="nl-BE" smtClean="0"/>
-              <a:t>22/10/2023</a:t>
+              <a:t>25/10/2023</a:t>
             </a:fld>
             <a:endParaRPr lang="nl-BE"/>
           </a:p>
@@ -5690,7 +5690,7 @@
           <a:p>
             <a:fld id="{C80E15A5-E95B-43EB-9AC7-9A96397448C0}" type="datetimeFigureOut">
               <a:rPr lang="nl-BE" smtClean="0"/>
-              <a:t>22/10/2023</a:t>
+              <a:t>25/10/2023</a:t>
             </a:fld>
             <a:endParaRPr lang="nl-BE"/>
           </a:p>
@@ -5967,7 +5967,7 @@
           <a:p>
             <a:fld id="{C80E15A5-E95B-43EB-9AC7-9A96397448C0}" type="datetimeFigureOut">
               <a:rPr lang="nl-BE" smtClean="0"/>
-              <a:t>22/10/2023</a:t>
+              <a:t>25/10/2023</a:t>
             </a:fld>
             <a:endParaRPr lang="nl-BE"/>
           </a:p>
@@ -6220,7 +6220,7 @@
           <a:p>
             <a:fld id="{C80E15A5-E95B-43EB-9AC7-9A96397448C0}" type="datetimeFigureOut">
               <a:rPr lang="nl-BE" smtClean="0"/>
-              <a:t>22/10/2023</a:t>
+              <a:t>25/10/2023</a:t>
             </a:fld>
             <a:endParaRPr lang="nl-BE"/>
           </a:p>
@@ -6433,7 +6433,7 @@
           <a:p>
             <a:fld id="{C80E15A5-E95B-43EB-9AC7-9A96397448C0}" type="datetimeFigureOut">
               <a:rPr lang="nl-BE" smtClean="0"/>
-              <a:t>22/10/2023</a:t>
+              <a:t>25/10/2023</a:t>
             </a:fld>
             <a:endParaRPr lang="nl-BE"/>
           </a:p>
@@ -7329,8 +7329,8 @@
           </a:p>
         </p:txBody>
       </p:sp>
-      <mc:AlternateContent xmlns:mc="http://schemas.openxmlformats.org/markup-compatibility/2006">
-        <mc:Choice xmlns:a14="http://schemas.microsoft.com/office/drawing/2010/main" Requires="a14">
+      <mc:AlternateContent xmlns:mc="http://schemas.openxmlformats.org/markup-compatibility/2006" xmlns:a14="http://schemas.microsoft.com/office/drawing/2010/main">
+        <mc:Choice Requires="a14">
           <p:sp>
             <p:nvSpPr>
               <p:cNvPr id="3" name="Espaço Reservado para Conteúdo 2">
@@ -7405,7 +7405,7 @@
             </p:txBody>
           </p:sp>
         </mc:Choice>
-        <mc:Fallback>
+        <mc:Fallback xmlns="">
           <p:sp>
             <p:nvSpPr>
               <p:cNvPr id="3" name="Espaço Reservado para Conteúdo 2">
@@ -8369,8 +8369,8 @@
           </a:p>
         </p:txBody>
       </p:sp>
-      <mc:AlternateContent xmlns:mc="http://schemas.openxmlformats.org/markup-compatibility/2006">
-        <mc:Choice xmlns:a14="http://schemas.microsoft.com/office/drawing/2010/main" Requires="a14">
+      <mc:AlternateContent xmlns:mc="http://schemas.openxmlformats.org/markup-compatibility/2006" xmlns:a14="http://schemas.microsoft.com/office/drawing/2010/main">
+        <mc:Choice Requires="a14">
           <p:sp>
             <p:nvSpPr>
               <p:cNvPr id="10" name="Content Placeholder 2"/>
@@ -8741,7 +8741,7 @@
             </p:txBody>
           </p:sp>
         </mc:Choice>
-        <mc:Fallback>
+        <mc:Fallback xmlns="">
           <p:sp>
             <p:nvSpPr>
               <p:cNvPr id="10" name="Content Placeholder 2"/>
@@ -8861,8 +8861,8 @@
           </a:fontRef>
         </p:style>
       </p:cxnSp>
-      <mc:AlternateContent xmlns:mc="http://schemas.openxmlformats.org/markup-compatibility/2006">
-        <mc:Choice xmlns:a14="http://schemas.microsoft.com/office/drawing/2010/main" Requires="a14">
+      <mc:AlternateContent xmlns:mc="http://schemas.openxmlformats.org/markup-compatibility/2006" xmlns:a14="http://schemas.microsoft.com/office/drawing/2010/main">
+        <mc:Choice Requires="a14">
           <p:sp>
             <p:nvSpPr>
               <p:cNvPr id="17" name="TextBox 16"/>
@@ -8904,7 +8904,7 @@
             </p:txBody>
           </p:sp>
         </mc:Choice>
-        <mc:Fallback>
+        <mc:Fallback xmlns="">
           <p:sp>
             <p:nvSpPr>
               <p:cNvPr id="17" name="TextBox 16"/>
@@ -9001,8 +9001,8 @@
           </a:p>
         </p:txBody>
       </p:sp>
-      <mc:AlternateContent xmlns:mc="http://schemas.openxmlformats.org/markup-compatibility/2006">
-        <mc:Choice xmlns:a14="http://schemas.microsoft.com/office/drawing/2010/main" Requires="a14">
+      <mc:AlternateContent xmlns:mc="http://schemas.openxmlformats.org/markup-compatibility/2006" xmlns:a14="http://schemas.microsoft.com/office/drawing/2010/main">
+        <mc:Choice Requires="a14">
           <p:sp>
             <p:nvSpPr>
               <p:cNvPr id="10" name="Content Placeholder 2"/>
@@ -9242,7 +9242,7 @@
             </p:txBody>
           </p:sp>
         </mc:Choice>
-        <mc:Fallback>
+        <mc:Fallback xmlns="">
           <p:sp>
             <p:nvSpPr>
               <p:cNvPr id="10" name="Content Placeholder 2"/>
@@ -9362,8 +9362,8 @@
           </a:fontRef>
         </p:style>
       </p:cxnSp>
-      <mc:AlternateContent xmlns:mc="http://schemas.openxmlformats.org/markup-compatibility/2006">
-        <mc:Choice xmlns:a14="http://schemas.microsoft.com/office/drawing/2010/main" Requires="a14">
+      <mc:AlternateContent xmlns:mc="http://schemas.openxmlformats.org/markup-compatibility/2006" xmlns:a14="http://schemas.microsoft.com/office/drawing/2010/main">
+        <mc:Choice Requires="a14">
           <p:sp>
             <p:nvSpPr>
               <p:cNvPr id="17" name="TextBox 16"/>
@@ -9405,7 +9405,7 @@
             </p:txBody>
           </p:sp>
         </mc:Choice>
-        <mc:Fallback>
+        <mc:Fallback xmlns="">
           <p:sp>
             <p:nvSpPr>
               <p:cNvPr id="17" name="TextBox 16"/>
@@ -10481,96 +10481,6 @@
       </p:pic>
       <p:pic>
         <p:nvPicPr>
-          <p:cNvPr id="16" name="Picture 2">
-            <a:extLst>
-              <a:ext uri="{FF2B5EF4-FFF2-40B4-BE49-F238E27FC236}">
-                <a16:creationId xmlns:a16="http://schemas.microsoft.com/office/drawing/2014/main" id="{919CAC18-8A6F-C287-B734-33B50853B9A3}"/>
-              </a:ext>
-            </a:extLst>
-          </p:cNvPr>
-          <p:cNvPicPr>
-            <a:picLocks noChangeAspect="1" noChangeArrowheads="1"/>
-          </p:cNvPicPr>
-          <p:nvPr/>
-        </p:nvPicPr>
-        <p:blipFill rotWithShape="1">
-          <a:blip r:embed="rId3">
-            <a:extLst>
-              <a:ext uri="{28A0092B-C50C-407E-A947-70E740481C1C}">
-                <a14:useLocalDpi xmlns:a14="http://schemas.microsoft.com/office/drawing/2010/main" val="0"/>
-              </a:ext>
-            </a:extLst>
-          </a:blip>
-          <a:srcRect l="2469" r="60104" b="10036"/>
-          <a:stretch/>
-        </p:blipFill>
-        <p:spPr bwMode="auto">
-          <a:xfrm>
-            <a:off x="862623" y="4343537"/>
-            <a:ext cx="2180098" cy="2215117"/>
-          </a:xfrm>
-          <a:prstGeom prst="rect">
-            <a:avLst/>
-          </a:prstGeom>
-          <a:noFill/>
-          <a:extLst>
-            <a:ext uri="{909E8E84-426E-40DD-AFC4-6F175D3DCCD1}">
-              <a14:hiddenFill xmlns:a14="http://schemas.microsoft.com/office/drawing/2010/main">
-                <a:solidFill>
-                  <a:srgbClr val="FFFFFF"/>
-                </a:solidFill>
-              </a14:hiddenFill>
-            </a:ext>
-          </a:extLst>
-        </p:spPr>
-      </p:pic>
-      <p:pic>
-        <p:nvPicPr>
-          <p:cNvPr id="17" name="Picture 2">
-            <a:extLst>
-              <a:ext uri="{FF2B5EF4-FFF2-40B4-BE49-F238E27FC236}">
-                <a16:creationId xmlns:a16="http://schemas.microsoft.com/office/drawing/2014/main" id="{EA3CF880-8F73-24B8-D56F-BD325E5E5FC3}"/>
-              </a:ext>
-            </a:extLst>
-          </p:cNvPr>
-          <p:cNvPicPr>
-            <a:picLocks noChangeAspect="1" noChangeArrowheads="1"/>
-          </p:cNvPicPr>
-          <p:nvPr/>
-        </p:nvPicPr>
-        <p:blipFill rotWithShape="1">
-          <a:blip r:embed="rId3">
-            <a:extLst>
-              <a:ext uri="{28A0092B-C50C-407E-A947-70E740481C1C}">
-                <a14:useLocalDpi xmlns:a14="http://schemas.microsoft.com/office/drawing/2010/main" val="0"/>
-              </a:ext>
-            </a:extLst>
-          </a:blip>
-          <a:srcRect l="44948" b="1768"/>
-          <a:stretch/>
-        </p:blipFill>
-        <p:spPr bwMode="auto">
-          <a:xfrm>
-            <a:off x="3333120" y="4409142"/>
-            <a:ext cx="2762880" cy="2083906"/>
-          </a:xfrm>
-          <a:prstGeom prst="rect">
-            <a:avLst/>
-          </a:prstGeom>
-          <a:noFill/>
-          <a:extLst>
-            <a:ext uri="{909E8E84-426E-40DD-AFC4-6F175D3DCCD1}">
-              <a14:hiddenFill xmlns:a14="http://schemas.microsoft.com/office/drawing/2010/main">
-                <a:solidFill>
-                  <a:srgbClr val="FFFFFF"/>
-                </a:solidFill>
-              </a14:hiddenFill>
-            </a:ext>
-          </a:extLst>
-        </p:spPr>
-      </p:pic>
-      <p:pic>
-        <p:nvPicPr>
           <p:cNvPr id="2054" name="Picture 6">
             <a:extLst>
               <a:ext uri="{FF2B5EF4-FFF2-40B4-BE49-F238E27FC236}">
@@ -10600,6 +10510,96 @@
           <a:xfrm>
             <a:off x="6350399" y="4474287"/>
             <a:ext cx="5776875" cy="2189472"/>
+          </a:xfrm>
+          <a:prstGeom prst="rect">
+            <a:avLst/>
+          </a:prstGeom>
+          <a:noFill/>
+          <a:extLst>
+            <a:ext uri="{909E8E84-426E-40DD-AFC4-6F175D3DCCD1}">
+              <a14:hiddenFill xmlns:a14="http://schemas.microsoft.com/office/drawing/2010/main">
+                <a:solidFill>
+                  <a:srgbClr val="FFFFFF"/>
+                </a:solidFill>
+              </a14:hiddenFill>
+            </a:ext>
+          </a:extLst>
+        </p:spPr>
+      </p:pic>
+      <p:pic>
+        <p:nvPicPr>
+          <p:cNvPr id="4" name="Picture 2">
+            <a:extLst>
+              <a:ext uri="{FF2B5EF4-FFF2-40B4-BE49-F238E27FC236}">
+                <a16:creationId xmlns:a16="http://schemas.microsoft.com/office/drawing/2014/main" id="{443F3E19-BC12-A4D7-9198-68A88C74E29D}"/>
+              </a:ext>
+            </a:extLst>
+          </p:cNvPr>
+          <p:cNvPicPr>
+            <a:picLocks noChangeAspect="1" noChangeArrowheads="1"/>
+          </p:cNvPicPr>
+          <p:nvPr/>
+        </p:nvPicPr>
+        <p:blipFill rotWithShape="1">
+          <a:blip r:embed="rId7">
+            <a:extLst>
+              <a:ext uri="{28A0092B-C50C-407E-A947-70E740481C1C}">
+                <a14:useLocalDpi xmlns:a14="http://schemas.microsoft.com/office/drawing/2010/main" val="0"/>
+              </a:ext>
+            </a:extLst>
+          </a:blip>
+          <a:srcRect l="2468" r="60614" b="11078"/>
+          <a:stretch/>
+        </p:blipFill>
+        <p:spPr bwMode="auto">
+          <a:xfrm>
+            <a:off x="628788" y="4155166"/>
+            <a:ext cx="2514509" cy="2560228"/>
+          </a:xfrm>
+          <a:prstGeom prst="rect">
+            <a:avLst/>
+          </a:prstGeom>
+          <a:noFill/>
+          <a:extLst>
+            <a:ext uri="{909E8E84-426E-40DD-AFC4-6F175D3DCCD1}">
+              <a14:hiddenFill xmlns:a14="http://schemas.microsoft.com/office/drawing/2010/main">
+                <a:solidFill>
+                  <a:srgbClr val="FFFFFF"/>
+                </a:solidFill>
+              </a14:hiddenFill>
+            </a:ext>
+          </a:extLst>
+        </p:spPr>
+      </p:pic>
+      <p:pic>
+        <p:nvPicPr>
+          <p:cNvPr id="5" name="Picture 2">
+            <a:extLst>
+              <a:ext uri="{FF2B5EF4-FFF2-40B4-BE49-F238E27FC236}">
+                <a16:creationId xmlns:a16="http://schemas.microsoft.com/office/drawing/2014/main" id="{364BA543-DDA5-E307-4E24-CB0744F8BFD8}"/>
+              </a:ext>
+            </a:extLst>
+          </p:cNvPr>
+          <p:cNvPicPr>
+            <a:picLocks noChangeAspect="1" noChangeArrowheads="1"/>
+          </p:cNvPicPr>
+          <p:nvPr/>
+        </p:nvPicPr>
+        <p:blipFill rotWithShape="1">
+          <a:blip r:embed="rId7">
+            <a:extLst>
+              <a:ext uri="{28A0092B-C50C-407E-A947-70E740481C1C}">
+                <a14:useLocalDpi xmlns:a14="http://schemas.microsoft.com/office/drawing/2010/main" val="0"/>
+              </a:ext>
+            </a:extLst>
+          </a:blip>
+          <a:srcRect l="44870" b="1768"/>
+          <a:stretch/>
+        </p:blipFill>
+        <p:spPr bwMode="auto">
+          <a:xfrm>
+            <a:off x="3308287" y="4474287"/>
+            <a:ext cx="2958795" cy="2228480"/>
           </a:xfrm>
           <a:prstGeom prst="rect">
             <a:avLst/>
@@ -11364,7 +11364,161 @@
                   <a:srgbClr val="FFFFFF"/>
                 </a:highlight>
               </a:rPr>
-              <a:t># Instantiate a MinMax scaler.</a:t>
+              <a:t># Instantiate a MinMax </a:t>
+            </a:r>
+            <a:r>
+              <a:rPr lang="pt-BR" sz="1200" dirty="0" err="1">
+                <a:solidFill>
+                  <a:srgbClr val="008000"/>
+                </a:solidFill>
+                <a:highlight>
+                  <a:srgbClr val="FFFFFF"/>
+                </a:highlight>
+              </a:rPr>
+              <a:t>scaler</a:t>
+            </a:r>
+            <a:r>
+              <a:rPr lang="pt-BR" sz="1200" dirty="0">
+                <a:solidFill>
+                  <a:srgbClr val="008000"/>
+                </a:solidFill>
+                <a:highlight>
+                  <a:srgbClr val="FFFFFF"/>
+                </a:highlight>
+              </a:rPr>
+              <a:t>. </a:t>
+            </a:r>
+            <a:r>
+              <a:rPr lang="pt-BR" sz="1200" dirty="0" err="1">
+                <a:solidFill>
+                  <a:srgbClr val="008000"/>
+                </a:solidFill>
+                <a:highlight>
+                  <a:srgbClr val="FFFFFF"/>
+                </a:highlight>
+              </a:rPr>
+              <a:t>By</a:t>
+            </a:r>
+            <a:r>
+              <a:rPr lang="pt-BR" sz="1200" dirty="0">
+                <a:solidFill>
+                  <a:srgbClr val="008000"/>
+                </a:solidFill>
+                <a:highlight>
+                  <a:srgbClr val="FFFFFF"/>
+                </a:highlight>
+              </a:rPr>
+              <a:t> default, </a:t>
+            </a:r>
+            <a:r>
+              <a:rPr lang="pt-BR" sz="1200" dirty="0" err="1">
+                <a:solidFill>
+                  <a:srgbClr val="008000"/>
+                </a:solidFill>
+                <a:highlight>
+                  <a:srgbClr val="FFFFFF"/>
+                </a:highlight>
+              </a:rPr>
+              <a:t>the</a:t>
+            </a:r>
+            <a:r>
+              <a:rPr lang="pt-BR" sz="1200" dirty="0">
+                <a:solidFill>
+                  <a:srgbClr val="008000"/>
+                </a:solidFill>
+                <a:highlight>
+                  <a:srgbClr val="FFFFFF"/>
+                </a:highlight>
+              </a:rPr>
+              <a:t> </a:t>
+            </a:r>
+            <a:r>
+              <a:rPr lang="pt-BR" sz="1200" dirty="0" err="1">
+                <a:solidFill>
+                  <a:srgbClr val="008000"/>
+                </a:solidFill>
+                <a:highlight>
+                  <a:srgbClr val="FFFFFF"/>
+                </a:highlight>
+              </a:rPr>
+              <a:t>interval</a:t>
+            </a:r>
+            <a:r>
+              <a:rPr lang="pt-BR" sz="1200" dirty="0">
+                <a:solidFill>
+                  <a:srgbClr val="008000"/>
+                </a:solidFill>
+                <a:highlight>
+                  <a:srgbClr val="FFFFFF"/>
+                </a:highlight>
+              </a:rPr>
+              <a:t> </a:t>
+            </a:r>
+            <a:r>
+              <a:rPr lang="pt-BR" sz="1200" dirty="0" err="1">
+                <a:solidFill>
+                  <a:srgbClr val="008000"/>
+                </a:solidFill>
+                <a:highlight>
+                  <a:srgbClr val="FFFFFF"/>
+                </a:highlight>
+              </a:rPr>
+              <a:t>is</a:t>
+            </a:r>
+            <a:r>
+              <a:rPr lang="pt-BR" sz="1200" dirty="0">
+                <a:solidFill>
+                  <a:srgbClr val="008000"/>
+                </a:solidFill>
+                <a:highlight>
+                  <a:srgbClr val="FFFFFF"/>
+                </a:highlight>
+              </a:rPr>
+              <a:t> </a:t>
+            </a:r>
+            <a:r>
+              <a:rPr lang="pt-BR" sz="1200" dirty="0" err="1">
+                <a:solidFill>
+                  <a:srgbClr val="008000"/>
+                </a:solidFill>
+                <a:highlight>
+                  <a:srgbClr val="FFFFFF"/>
+                </a:highlight>
+              </a:rPr>
+              <a:t>between</a:t>
+            </a:r>
+            <a:r>
+              <a:rPr lang="pt-BR" sz="1200" dirty="0">
+                <a:solidFill>
+                  <a:srgbClr val="008000"/>
+                </a:solidFill>
+                <a:highlight>
+                  <a:srgbClr val="FFFFFF"/>
+                </a:highlight>
+              </a:rPr>
+              <a:t> 0 </a:t>
+            </a:r>
+            <a:r>
+              <a:rPr lang="pt-BR" sz="1200" dirty="0" err="1">
+                <a:solidFill>
+                  <a:srgbClr val="008000"/>
+                </a:solidFill>
+                <a:highlight>
+                  <a:srgbClr val="FFFFFF"/>
+                </a:highlight>
+              </a:rPr>
+              <a:t>and</a:t>
+            </a:r>
+            <a:r>
+              <a:rPr lang="pt-BR" sz="1200">
+                <a:solidFill>
+                  <a:srgbClr val="008000"/>
+                </a:solidFill>
+                <a:highlight>
+                  <a:srgbClr val="FFFFFF"/>
+                </a:highlight>
+              </a:rPr>
+              <a:t> 1.</a:t>
             </a:r>
             <a:endParaRPr lang="pt-BR" sz="1200" dirty="0">
               <a:solidFill>
@@ -24237,8 +24391,8 @@
           </a:p>
         </p:txBody>
       </p:sp>
-      <mc:AlternateContent xmlns:mc="http://schemas.openxmlformats.org/markup-compatibility/2006">
-        <mc:Choice xmlns:a14="http://schemas.microsoft.com/office/drawing/2010/main" Requires="a14">
+      <mc:AlternateContent xmlns:mc="http://schemas.openxmlformats.org/markup-compatibility/2006" xmlns:a14="http://schemas.microsoft.com/office/drawing/2010/main">
+        <mc:Choice Requires="a14">
           <p:sp>
             <p:nvSpPr>
               <p:cNvPr id="3" name="Content Placeholder 2"/>
@@ -24857,7 +25011,6 @@
                 </a:r>
               </a:p>
               <a:p>
-                <a:pPr/>
                 <a:r>
                   <a:rPr lang="pt-BR" dirty="0"/>
                   <a:t>Para se normalizar os atributos para intervalos diferentes de 0 e 1, aplica-se a seguinte transformação aos atributos já normalizados</a:t>
@@ -25123,7 +25276,7 @@
             </p:txBody>
           </p:sp>
         </mc:Choice>
-        <mc:Fallback>
+        <mc:Fallback xmlns="">
           <p:sp>
             <p:nvSpPr>
               <p:cNvPr id="3" name="Content Placeholder 2"/>
@@ -25213,8 +25366,8 @@
           </a:p>
         </p:txBody>
       </p:sp>
-      <mc:AlternateContent xmlns:mc="http://schemas.openxmlformats.org/markup-compatibility/2006">
-        <mc:Choice xmlns:a14="http://schemas.microsoft.com/office/drawing/2010/main" Requires="a14">
+      <mc:AlternateContent xmlns:mc="http://schemas.openxmlformats.org/markup-compatibility/2006" xmlns:a14="http://schemas.microsoft.com/office/drawing/2010/main">
+        <mc:Choice Requires="a14">
           <p:sp>
             <p:nvSpPr>
               <p:cNvPr id="3" name="Content Placeholder 2"/>
@@ -25697,7 +25850,7 @@
             </p:txBody>
           </p:sp>
         </mc:Choice>
-        <mc:Fallback>
+        <mc:Fallback xmlns="">
           <p:sp>
             <p:nvSpPr>
               <p:cNvPr id="3" name="Content Placeholder 2"/>

--- a/slides/T319_Regressão_Linear (Escalonamento de Atributos).pptx
+++ b/slides/T319_Regressão_Linear (Escalonamento de Atributos).pptx
@@ -29,7 +29,7 @@
     <p:sldId id="332" r:id="rId20"/>
     <p:sldId id="299" r:id="rId21"/>
     <p:sldId id="295" r:id="rId22"/>
-    <p:sldId id="396" r:id="rId23"/>
+    <p:sldId id="475" r:id="rId23"/>
     <p:sldId id="421" r:id="rId24"/>
   </p:sldIdLst>
   <p:sldSz cx="12192000" cy="6858000"/>
@@ -12373,50 +12373,12 @@
         </p:spPr>
         <p:txBody>
           <a:bodyPr>
-            <a:normAutofit lnSpcReduction="10000"/>
+            <a:normAutofit/>
           </a:bodyPr>
           <a:lstStyle/>
           <a:p>
             <a:r>
               <a:rPr lang="pt-BR" dirty="0"/>
-              <a:t>Vimos que a escolha do passo de aprendizagem influencia muito no processo aprendizagem do gradiente descendente.</a:t>
-            </a:r>
-          </a:p>
-          <a:p>
-            <a:pPr lvl="1">
-              <a:buFont typeface="Wingdings" panose="05000000000000000000" pitchFamily="2" charset="2"/>
-              <a:buChar char="§"/>
-            </a:pPr>
-            <a:r>
-              <a:rPr lang="pt-BR" dirty="0"/>
-              <a:t>Valores pequenos fazem com que o algoritmo tenha convergência muito lenta.</a:t>
-            </a:r>
-          </a:p>
-          <a:p>
-            <a:pPr lvl="1">
-              <a:buFont typeface="Wingdings" panose="05000000000000000000" pitchFamily="2" charset="2"/>
-              <a:buChar char="§"/>
-            </a:pPr>
-            <a:r>
-              <a:rPr lang="pt-BR" dirty="0"/>
-              <a:t>Valores grandes fazem com que o algoritmo divirja.</a:t>
-            </a:r>
-          </a:p>
-          <a:p>
-            <a:r>
-              <a:rPr lang="pt-BR" dirty="0"/>
-              <a:t>Gráfico do erro em função das iterações nos ajuda a depurar o algoritmo.</a:t>
-            </a:r>
-          </a:p>
-          <a:p>
-            <a:r>
-              <a:rPr lang="pt-BR" dirty="0"/>
-              <a:t>Além do ajuste manual, quando usamos GDE ou GD em mini-batches, precisamos reduzir o valor do passo de aprendizagem ao longo das iterações para garantir a convergência e estabilizaçãod do GD.</a:t>
-            </a:r>
-          </a:p>
-          <a:p>
-            <a:r>
-              <a:rPr lang="pt-BR" dirty="0"/>
               <a:t>Neste documento, veremos um tipo de </a:t>
             </a:r>
             <a:r>
@@ -12425,7 +12387,7 @@
             </a:r>
             <a:r>
               <a:rPr lang="pt-BR" dirty="0"/>
-              <a:t> bastante importante para algoritmos de ML que usem métricas de distância como função de erro.</a:t>
+              <a:t> bastante importante para algoritmos de ML que usam métricas de distância como função de erro.</a:t>
             </a:r>
           </a:p>
           <a:p>
@@ -15968,996 +15930,550 @@
       </p:grpSpPr>
       <p:grpSp>
         <p:nvGrpSpPr>
-          <p:cNvPr id="73" name="Group 72"/>
+          <p:cNvPr id="16" name="Agrupar 15">
+            <a:extLst>
+              <a:ext uri="{FF2B5EF4-FFF2-40B4-BE49-F238E27FC236}">
+                <a16:creationId xmlns:a16="http://schemas.microsoft.com/office/drawing/2014/main" id="{625096D0-F588-135D-F792-88270DDED768}"/>
+              </a:ext>
+            </a:extLst>
+          </p:cNvPr>
           <p:cNvGrpSpPr/>
           <p:nvPr/>
         </p:nvGrpSpPr>
         <p:grpSpPr>
           <a:xfrm>
-            <a:off x="936633" y="2134388"/>
-            <a:ext cx="3836177" cy="3649708"/>
-            <a:chOff x="936633" y="2134388"/>
-            <a:chExt cx="3836177" cy="3649708"/>
+            <a:off x="6853637" y="2129689"/>
+            <a:ext cx="3549478" cy="3157828"/>
+            <a:chOff x="6818898" y="2134388"/>
+            <a:chExt cx="3549478" cy="3157828"/>
           </a:xfrm>
         </p:grpSpPr>
-        <p:grpSp>
-          <p:nvGrpSpPr>
-            <p:cNvPr id="56" name="Group 55"/>
-            <p:cNvGrpSpPr/>
+        <p:cxnSp>
+          <p:nvCxnSpPr>
+            <p:cNvPr id="115" name="Straight Connector 114"/>
+            <p:cNvCxnSpPr>
+              <a:cxnSpLocks/>
+              <a:stCxn id="114" idx="3"/>
+              <a:endCxn id="131" idx="3"/>
+            </p:cNvCxnSpPr>
             <p:nvPr/>
-          </p:nvGrpSpPr>
-          <p:grpSpPr>
-            <a:xfrm>
-              <a:off x="1705732" y="2134388"/>
-              <a:ext cx="3067078" cy="3649708"/>
-              <a:chOff x="1705732" y="2134388"/>
-              <a:chExt cx="3067078" cy="3649708"/>
+          </p:nvCxnSpPr>
+          <p:spPr>
+            <a:xfrm flipH="1">
+              <a:off x="7750840" y="3871435"/>
+              <a:ext cx="636793" cy="826411"/>
             </a:xfrm>
-          </p:grpSpPr>
-          <p:sp>
-            <p:nvSpPr>
-              <p:cNvPr id="29" name="Oval 28"/>
-              <p:cNvSpPr/>
-              <p:nvPr/>
-            </p:nvSpPr>
-            <p:spPr>
-              <a:xfrm>
-                <a:off x="1800709" y="2558531"/>
-                <a:ext cx="2160000" cy="2160000"/>
-              </a:xfrm>
-              <a:prstGeom prst="ellipse">
-                <a:avLst/>
-              </a:prstGeom>
-              <a:noFill/>
-              <a:ln>
-                <a:solidFill>
-                  <a:schemeClr val="tx1"/>
-                </a:solidFill>
-              </a:ln>
-            </p:spPr>
-            <p:style>
-              <a:lnRef idx="2">
-                <a:schemeClr val="accent1">
-                  <a:shade val="50000"/>
-                </a:schemeClr>
-              </a:lnRef>
-              <a:fillRef idx="1">
-                <a:schemeClr val="accent1"/>
-              </a:fillRef>
-              <a:effectRef idx="0">
-                <a:schemeClr val="accent1"/>
-              </a:effectRef>
-              <a:fontRef idx="minor">
-                <a:schemeClr val="lt1"/>
-              </a:fontRef>
-            </p:style>
-            <p:txBody>
-              <a:bodyPr rtlCol="0" anchor="ctr"/>
-              <a:lstStyle/>
-              <a:p>
-                <a:pPr algn="ctr"/>
-                <a:endParaRPr lang="pt-BR"/>
-              </a:p>
-            </p:txBody>
-          </p:sp>
-          <p:sp>
-            <p:nvSpPr>
-              <p:cNvPr id="30" name="Oval 29"/>
-              <p:cNvSpPr/>
-              <p:nvPr/>
-            </p:nvSpPr>
-            <p:spPr>
-              <a:xfrm>
-                <a:off x="1980709" y="2738531"/>
-                <a:ext cx="1800000" cy="1800000"/>
-              </a:xfrm>
-              <a:prstGeom prst="ellipse">
-                <a:avLst/>
-              </a:prstGeom>
-              <a:noFill/>
-              <a:ln>
-                <a:solidFill>
-                  <a:schemeClr val="tx1"/>
-                </a:solidFill>
-              </a:ln>
-            </p:spPr>
-            <p:style>
-              <a:lnRef idx="2">
-                <a:schemeClr val="accent1">
-                  <a:shade val="50000"/>
-                </a:schemeClr>
-              </a:lnRef>
-              <a:fillRef idx="1">
-                <a:schemeClr val="accent1"/>
-              </a:fillRef>
-              <a:effectRef idx="0">
-                <a:schemeClr val="accent1"/>
-              </a:effectRef>
-              <a:fontRef idx="minor">
-                <a:schemeClr val="lt1"/>
-              </a:fontRef>
-            </p:style>
-            <p:txBody>
-              <a:bodyPr rtlCol="0" anchor="ctr"/>
-              <a:lstStyle/>
-              <a:p>
-                <a:pPr algn="ctr"/>
-                <a:endParaRPr lang="pt-BR"/>
-              </a:p>
-            </p:txBody>
-          </p:sp>
-          <p:sp>
-            <p:nvSpPr>
-              <p:cNvPr id="31" name="Oval 30"/>
-              <p:cNvSpPr/>
-              <p:nvPr/>
-            </p:nvSpPr>
-            <p:spPr>
-              <a:xfrm>
-                <a:off x="2160709" y="2918531"/>
-                <a:ext cx="1440000" cy="1440000"/>
-              </a:xfrm>
-              <a:prstGeom prst="ellipse">
-                <a:avLst/>
-              </a:prstGeom>
-              <a:noFill/>
-              <a:ln>
-                <a:solidFill>
-                  <a:schemeClr val="tx1"/>
-                </a:solidFill>
-              </a:ln>
-            </p:spPr>
-            <p:style>
-              <a:lnRef idx="2">
-                <a:schemeClr val="accent1">
-                  <a:shade val="50000"/>
-                </a:schemeClr>
-              </a:lnRef>
-              <a:fillRef idx="1">
-                <a:schemeClr val="accent1"/>
-              </a:fillRef>
-              <a:effectRef idx="0">
-                <a:schemeClr val="accent1"/>
-              </a:effectRef>
-              <a:fontRef idx="minor">
-                <a:schemeClr val="lt1"/>
-              </a:fontRef>
-            </p:style>
-            <p:txBody>
-              <a:bodyPr rtlCol="0" anchor="ctr"/>
-              <a:lstStyle/>
-              <a:p>
-                <a:pPr algn="ctr"/>
-                <a:endParaRPr lang="pt-BR"/>
-              </a:p>
-            </p:txBody>
-          </p:sp>
-          <p:sp>
-            <p:nvSpPr>
-              <p:cNvPr id="32" name="Oval 31"/>
-              <p:cNvSpPr/>
-              <p:nvPr/>
-            </p:nvSpPr>
-            <p:spPr>
-              <a:xfrm>
-                <a:off x="2340709" y="3098531"/>
-                <a:ext cx="1080000" cy="1080000"/>
-              </a:xfrm>
-              <a:prstGeom prst="ellipse">
-                <a:avLst/>
-              </a:prstGeom>
-              <a:noFill/>
-              <a:ln>
-                <a:solidFill>
-                  <a:schemeClr val="tx1"/>
-                </a:solidFill>
-              </a:ln>
-            </p:spPr>
-            <p:style>
-              <a:lnRef idx="2">
-                <a:schemeClr val="accent1">
-                  <a:shade val="50000"/>
-                </a:schemeClr>
-              </a:lnRef>
-              <a:fillRef idx="1">
-                <a:schemeClr val="accent1"/>
-              </a:fillRef>
-              <a:effectRef idx="0">
-                <a:schemeClr val="accent1"/>
-              </a:effectRef>
-              <a:fontRef idx="minor">
-                <a:schemeClr val="lt1"/>
-              </a:fontRef>
-            </p:style>
-            <p:txBody>
-              <a:bodyPr rtlCol="0" anchor="ctr"/>
-              <a:lstStyle/>
-              <a:p>
-                <a:pPr algn="ctr"/>
-                <a:endParaRPr lang="pt-BR"/>
-              </a:p>
-            </p:txBody>
-          </p:sp>
-          <p:sp>
-            <p:nvSpPr>
-              <p:cNvPr id="33" name="Oval 32"/>
-              <p:cNvSpPr/>
-              <p:nvPr/>
-            </p:nvSpPr>
-            <p:spPr>
-              <a:xfrm>
-                <a:off x="2520709" y="3278531"/>
-                <a:ext cx="720000" cy="720000"/>
-              </a:xfrm>
-              <a:prstGeom prst="ellipse">
-                <a:avLst/>
-              </a:prstGeom>
-              <a:noFill/>
-              <a:ln>
-                <a:solidFill>
-                  <a:schemeClr val="tx1"/>
-                </a:solidFill>
-              </a:ln>
-            </p:spPr>
-            <p:style>
-              <a:lnRef idx="2">
-                <a:schemeClr val="accent1">
-                  <a:shade val="50000"/>
-                </a:schemeClr>
-              </a:lnRef>
-              <a:fillRef idx="1">
-                <a:schemeClr val="accent1"/>
-              </a:fillRef>
-              <a:effectRef idx="0">
-                <a:schemeClr val="accent1"/>
-              </a:effectRef>
-              <a:fontRef idx="minor">
-                <a:schemeClr val="lt1"/>
-              </a:fontRef>
-            </p:style>
-            <p:txBody>
-              <a:bodyPr rtlCol="0" anchor="ctr"/>
-              <a:lstStyle/>
-              <a:p>
-                <a:pPr algn="ctr"/>
-                <a:endParaRPr lang="pt-BR"/>
-              </a:p>
-            </p:txBody>
-          </p:sp>
-          <p:sp>
-            <p:nvSpPr>
-              <p:cNvPr id="34" name="Oval 33"/>
-              <p:cNvSpPr/>
-              <p:nvPr/>
-            </p:nvSpPr>
-            <p:spPr>
-              <a:xfrm>
-                <a:off x="2700709" y="3458531"/>
-                <a:ext cx="360000" cy="360000"/>
-              </a:xfrm>
-              <a:prstGeom prst="ellipse">
-                <a:avLst/>
-              </a:prstGeom>
-              <a:noFill/>
-              <a:ln>
-                <a:solidFill>
-                  <a:schemeClr val="tx1"/>
-                </a:solidFill>
-              </a:ln>
-            </p:spPr>
-            <p:style>
-              <a:lnRef idx="2">
-                <a:schemeClr val="accent1">
-                  <a:shade val="50000"/>
-                </a:schemeClr>
-              </a:lnRef>
-              <a:fillRef idx="1">
-                <a:schemeClr val="accent1"/>
-              </a:fillRef>
-              <a:effectRef idx="0">
-                <a:schemeClr val="accent1"/>
-              </a:effectRef>
-              <a:fontRef idx="minor">
-                <a:schemeClr val="lt1"/>
-              </a:fontRef>
-            </p:style>
-            <p:txBody>
-              <a:bodyPr rtlCol="0" anchor="ctr"/>
-              <a:lstStyle/>
-              <a:p>
-                <a:pPr algn="ctr"/>
-                <a:endParaRPr lang="pt-BR"/>
-              </a:p>
-            </p:txBody>
-          </p:sp>
-          <p:sp>
-            <p:nvSpPr>
-              <p:cNvPr id="35" name="Multiply 34"/>
-              <p:cNvSpPr>
-                <a:spLocks noChangeAspect="1"/>
-              </p:cNvSpPr>
-              <p:nvPr/>
-            </p:nvSpPr>
-            <p:spPr>
-              <a:xfrm>
-                <a:off x="2797024" y="3544166"/>
-                <a:ext cx="158298" cy="180000"/>
-              </a:xfrm>
-              <a:prstGeom prst="mathMultiply">
-                <a:avLst/>
-              </a:prstGeom>
+            <a:prstGeom prst="line">
+              <a:avLst/>
+            </a:prstGeom>
+            <a:ln w="12700">
               <a:solidFill>
-                <a:schemeClr val="accent6"/>
+                <a:schemeClr val="tx1"/>
               </a:solidFill>
-              <a:ln w="3175">
-                <a:solidFill>
-                  <a:schemeClr val="tx1"/>
-                </a:solidFill>
-              </a:ln>
-            </p:spPr>
-            <p:style>
-              <a:lnRef idx="2">
-                <a:schemeClr val="accent1">
-                  <a:shade val="50000"/>
-                </a:schemeClr>
-              </a:lnRef>
-              <a:fillRef idx="1">
-                <a:schemeClr val="accent1"/>
-              </a:fillRef>
-              <a:effectRef idx="0">
-                <a:schemeClr val="accent1"/>
-              </a:effectRef>
-              <a:fontRef idx="minor">
-                <a:schemeClr val="lt1"/>
-              </a:fontRef>
-            </p:style>
-            <p:txBody>
-              <a:bodyPr rtlCol="0" anchor="ctr"/>
-              <a:lstStyle/>
-              <a:p>
-                <a:pPr algn="ctr"/>
-                <a:endParaRPr lang="pt-BR"/>
-              </a:p>
-            </p:txBody>
-          </p:sp>
-          <mc:AlternateContent xmlns:mc="http://schemas.openxmlformats.org/markup-compatibility/2006" xmlns:a14="http://schemas.microsoft.com/office/drawing/2010/main">
-            <mc:Choice Requires="a14">
-              <p:sp>
-                <p:nvSpPr>
-                  <p:cNvPr id="38" name="TextBox 37"/>
-                  <p:cNvSpPr txBox="1"/>
-                  <p:nvPr/>
-                </p:nvSpPr>
-                <p:spPr>
-                  <a:xfrm>
-                    <a:off x="4346782" y="4890443"/>
-                    <a:ext cx="426028" cy="400110"/>
-                  </a:xfrm>
-                  <a:prstGeom prst="rect">
-                    <a:avLst/>
-                  </a:prstGeom>
-                  <a:noFill/>
-                </p:spPr>
-                <p:txBody>
-                  <a:bodyPr wrap="square" rtlCol="0">
-                    <a:spAutoFit/>
-                  </a:bodyPr>
-                  <a:lstStyle/>
-                  <a:p>
-                    <a:pPr/>
-                    <a14:m>
-                      <m:oMathPara xmlns:m="http://schemas.openxmlformats.org/officeDocument/2006/math">
-                        <m:oMathParaPr>
-                          <m:jc m:val="centerGroup"/>
-                        </m:oMathParaPr>
-                        <m:oMath xmlns:m="http://schemas.openxmlformats.org/officeDocument/2006/math">
-                          <m:sSub>
-                            <m:sSubPr>
-                              <m:ctrlPr>
-                                <a:rPr lang="pt-BR" sz="2000" i="1" smtClean="0">
-                                  <a:latin typeface="Cambria Math" panose="02040503050406030204" pitchFamily="18" charset="0"/>
-                                </a:rPr>
-                              </m:ctrlPr>
-                            </m:sSubPr>
-                            <m:e>
-                              <m:r>
-                                <a:rPr lang="pt-BR" sz="2000" b="0" i="1" smtClean="0">
-                                  <a:latin typeface="Cambria Math" panose="02040503050406030204" pitchFamily="18" charset="0"/>
-                                </a:rPr>
-                                <m:t>𝑎</m:t>
-                              </m:r>
-                            </m:e>
-                            <m:sub>
-                              <m:r>
-                                <a:rPr lang="pt-BR" sz="2000" b="0" i="1" smtClean="0">
-                                  <a:latin typeface="Cambria Math" panose="02040503050406030204" pitchFamily="18" charset="0"/>
-                                </a:rPr>
-                                <m:t>1</m:t>
-                              </m:r>
-                            </m:sub>
-                          </m:sSub>
-                        </m:oMath>
-                      </m:oMathPara>
-                    </a14:m>
-                    <a:endParaRPr lang="pt-BR" sz="2000" dirty="0"/>
-                  </a:p>
-                </p:txBody>
-              </p:sp>
-            </mc:Choice>
-            <mc:Fallback xmlns="">
-              <p:sp>
-                <p:nvSpPr>
-                  <p:cNvPr id="38" name="TextBox 37"/>
-                  <p:cNvSpPr txBox="1">
-                    <a:spLocks noRot="1" noChangeAspect="1" noMove="1" noResize="1" noEditPoints="1" noAdjustHandles="1" noChangeArrowheads="1" noChangeShapeType="1" noTextEdit="1"/>
-                  </p:cNvSpPr>
-                  <p:nvPr/>
-                </p:nvSpPr>
-                <p:spPr>
-                  <a:xfrm>
-                    <a:off x="4346782" y="4890443"/>
-                    <a:ext cx="426028" cy="400110"/>
-                  </a:xfrm>
-                  <a:prstGeom prst="rect">
-                    <a:avLst/>
-                  </a:prstGeom>
-                  <a:blipFill rotWithShape="0">
-                    <a:blip r:embed="rId2"/>
-                    <a:stretch>
-                      <a:fillRect/>
-                    </a:stretch>
-                  </a:blipFill>
-                </p:spPr>
-                <p:txBody>
-                  <a:bodyPr/>
-                  <a:lstStyle/>
-                  <a:p>
-                    <a:r>
-                      <a:rPr lang="pt-BR">
-                        <a:noFill/>
-                      </a:rPr>
-                      <a:t> </a:t>
-                    </a:r>
-                  </a:p>
-                </p:txBody>
-              </p:sp>
-            </mc:Fallback>
-          </mc:AlternateContent>
-          <mc:AlternateContent xmlns:mc="http://schemas.openxmlformats.org/markup-compatibility/2006" xmlns:a14="http://schemas.microsoft.com/office/drawing/2010/main">
-            <mc:Choice Requires="a14">
-              <p:sp>
-                <p:nvSpPr>
-                  <p:cNvPr id="39" name="TextBox 38"/>
-                  <p:cNvSpPr txBox="1"/>
-                  <p:nvPr/>
-                </p:nvSpPr>
-                <p:spPr>
-                  <a:xfrm>
-                    <a:off x="1990208" y="2134388"/>
-                    <a:ext cx="426028" cy="400110"/>
-                  </a:xfrm>
-                  <a:prstGeom prst="rect">
-                    <a:avLst/>
-                  </a:prstGeom>
-                  <a:noFill/>
-                </p:spPr>
-                <p:txBody>
-                  <a:bodyPr wrap="square" rtlCol="0">
-                    <a:spAutoFit/>
-                  </a:bodyPr>
-                  <a:lstStyle/>
-                  <a:p>
-                    <a:pPr/>
-                    <a14:m>
-                      <m:oMathPara xmlns:m="http://schemas.openxmlformats.org/officeDocument/2006/math">
-                        <m:oMathParaPr>
-                          <m:jc m:val="centerGroup"/>
-                        </m:oMathParaPr>
-                        <m:oMath xmlns:m="http://schemas.openxmlformats.org/officeDocument/2006/math">
-                          <m:sSub>
-                            <m:sSubPr>
-                              <m:ctrlPr>
-                                <a:rPr lang="pt-BR" sz="2000" i="1" smtClean="0">
-                                  <a:latin typeface="Cambria Math" panose="02040503050406030204" pitchFamily="18" charset="0"/>
-                                </a:rPr>
-                              </m:ctrlPr>
-                            </m:sSubPr>
-                            <m:e>
-                              <m:r>
-                                <a:rPr lang="pt-BR" sz="2000" b="0" i="1" smtClean="0">
-                                  <a:latin typeface="Cambria Math" panose="02040503050406030204" pitchFamily="18" charset="0"/>
-                                </a:rPr>
-                                <m:t>𝑎</m:t>
-                              </m:r>
-                            </m:e>
-                            <m:sub>
-                              <m:r>
-                                <a:rPr lang="pt-BR" sz="2000" b="0" i="1" smtClean="0">
-                                  <a:latin typeface="Cambria Math" panose="02040503050406030204" pitchFamily="18" charset="0"/>
-                                </a:rPr>
-                                <m:t>2</m:t>
-                              </m:r>
-                            </m:sub>
-                          </m:sSub>
-                        </m:oMath>
-                      </m:oMathPara>
-                    </a14:m>
-                    <a:endParaRPr lang="pt-BR" sz="2000" dirty="0"/>
-                  </a:p>
-                </p:txBody>
-              </p:sp>
-            </mc:Choice>
-            <mc:Fallback xmlns="">
-              <p:sp>
-                <p:nvSpPr>
-                  <p:cNvPr id="39" name="TextBox 38"/>
-                  <p:cNvSpPr txBox="1">
-                    <a:spLocks noRot="1" noChangeAspect="1" noMove="1" noResize="1" noEditPoints="1" noAdjustHandles="1" noChangeArrowheads="1" noChangeShapeType="1" noTextEdit="1"/>
-                  </p:cNvSpPr>
-                  <p:nvPr/>
-                </p:nvSpPr>
-                <p:spPr>
-                  <a:xfrm>
-                    <a:off x="1990208" y="2134388"/>
-                    <a:ext cx="426028" cy="400110"/>
-                  </a:xfrm>
-                  <a:prstGeom prst="rect">
-                    <a:avLst/>
-                  </a:prstGeom>
-                  <a:blipFill rotWithShape="0">
-                    <a:blip r:embed="rId3"/>
-                    <a:stretch>
-                      <a:fillRect/>
-                    </a:stretch>
-                  </a:blipFill>
-                </p:spPr>
-                <p:txBody>
-                  <a:bodyPr/>
-                  <a:lstStyle/>
-                  <a:p>
-                    <a:r>
-                      <a:rPr lang="pt-BR">
-                        <a:noFill/>
-                      </a:rPr>
-                      <a:t> </a:t>
-                    </a:r>
-                  </a:p>
-                </p:txBody>
-              </p:sp>
-            </mc:Fallback>
-          </mc:AlternateContent>
-          <p:sp>
-            <p:nvSpPr>
-              <p:cNvPr id="40" name="Rectangle 39"/>
-              <p:cNvSpPr/>
-              <p:nvPr/>
-            </p:nvSpPr>
-            <p:spPr>
-              <a:xfrm rot="2700000">
-                <a:off x="1772158" y="4675745"/>
-                <a:ext cx="864000" cy="864000"/>
-              </a:xfrm>
-              <a:prstGeom prst="rect">
-                <a:avLst/>
-              </a:prstGeom>
-            </p:spPr>
-            <p:style>
-              <a:lnRef idx="2">
-                <a:schemeClr val="accent1">
-                  <a:shade val="50000"/>
-                </a:schemeClr>
-              </a:lnRef>
-              <a:fillRef idx="1">
-                <a:schemeClr val="accent1"/>
-              </a:fillRef>
-              <a:effectRef idx="0">
-                <a:schemeClr val="accent1"/>
-              </a:effectRef>
-              <a:fontRef idx="minor">
-                <a:schemeClr val="lt1"/>
-              </a:fontRef>
-            </p:style>
-            <p:txBody>
-              <a:bodyPr rtlCol="0" anchor="ctr"/>
-              <a:lstStyle/>
-              <a:p>
-                <a:pPr algn="ctr"/>
-                <a:endParaRPr lang="pt-BR"/>
-              </a:p>
-            </p:txBody>
-          </p:sp>
-          <mc:AlternateContent xmlns:mc="http://schemas.openxmlformats.org/markup-compatibility/2006" xmlns:a14="http://schemas.microsoft.com/office/drawing/2010/main">
-            <mc:Choice Requires="a14">
-              <p:sp>
-                <p:nvSpPr>
-                  <p:cNvPr id="51" name="TextBox 50"/>
-                  <p:cNvSpPr txBox="1"/>
-                  <p:nvPr/>
-                </p:nvSpPr>
-                <p:spPr>
-                  <a:xfrm>
-                    <a:off x="1705732" y="4463431"/>
-                    <a:ext cx="339772" cy="276999"/>
-                  </a:xfrm>
-                  <a:prstGeom prst="rect">
-                    <a:avLst/>
-                  </a:prstGeom>
-                  <a:noFill/>
-                </p:spPr>
-                <p:txBody>
-                  <a:bodyPr wrap="none" lIns="0" tIns="0" rIns="0" bIns="0" rtlCol="0">
-                    <a:spAutoFit/>
-                  </a:bodyPr>
-                  <a:lstStyle/>
-                  <a:p>
-                    <a:pPr/>
-                    <a14:m>
-                      <m:oMathPara xmlns:m="http://schemas.openxmlformats.org/officeDocument/2006/math">
-                        <m:oMathParaPr>
-                          <m:jc m:val="centerGroup"/>
-                        </m:oMathParaPr>
-                        <m:oMath xmlns:m="http://schemas.openxmlformats.org/officeDocument/2006/math">
-                          <m:sSup>
-                            <m:sSupPr>
-                              <m:ctrlPr>
-                                <a:rPr lang="pt-BR" b="1" i="1" smtClean="0">
-                                  <a:latin typeface="Cambria Math" panose="02040503050406030204" pitchFamily="18" charset="0"/>
-                                </a:rPr>
-                              </m:ctrlPr>
-                            </m:sSupPr>
-                            <m:e>
-                              <m:r>
-                                <a:rPr lang="pt-BR" b="1" i="1">
-                                  <a:latin typeface="Cambria Math" panose="02040503050406030204" pitchFamily="18" charset="0"/>
-                                </a:rPr>
-                                <m:t>𝒂</m:t>
-                              </m:r>
-                              <m:r>
-                                <m:rPr>
-                                  <m:nor/>
-                                </m:rPr>
-                                <a:rPr lang="pt-BR" b="1" dirty="0"/>
-                                <m:t> </m:t>
-                              </m:r>
-                            </m:e>
-                            <m:sup>
-                              <m:r>
-                                <a:rPr lang="pt-BR" b="1" i="1" smtClean="0">
-                                  <a:latin typeface="Cambria Math" panose="02040503050406030204" pitchFamily="18" charset="0"/>
-                                </a:rPr>
-                                <m:t>∗</m:t>
-                              </m:r>
-                            </m:sup>
-                          </m:sSup>
-                        </m:oMath>
-                      </m:oMathPara>
-                    </a14:m>
-                    <a:endParaRPr lang="pt-BR" b="1" dirty="0"/>
-                  </a:p>
-                </p:txBody>
-              </p:sp>
-            </mc:Choice>
-            <mc:Fallback xmlns="">
-              <p:sp>
-                <p:nvSpPr>
-                  <p:cNvPr id="51" name="TextBox 50"/>
-                  <p:cNvSpPr txBox="1">
-                    <a:spLocks noRot="1" noChangeAspect="1" noMove="1" noResize="1" noEditPoints="1" noAdjustHandles="1" noChangeArrowheads="1" noChangeShapeType="1" noTextEdit="1"/>
-                  </p:cNvSpPr>
-                  <p:nvPr/>
-                </p:nvSpPr>
-                <p:spPr>
-                  <a:xfrm>
-                    <a:off x="1705732" y="4463431"/>
-                    <a:ext cx="339772" cy="276999"/>
-                  </a:xfrm>
-                  <a:prstGeom prst="rect">
-                    <a:avLst/>
-                  </a:prstGeom>
-                  <a:blipFill rotWithShape="0">
-                    <a:blip r:embed="rId4"/>
-                    <a:stretch>
-                      <a:fillRect l="-8929" r="-3571"/>
-                    </a:stretch>
-                  </a:blipFill>
-                </p:spPr>
-                <p:txBody>
-                  <a:bodyPr/>
-                  <a:lstStyle/>
-                  <a:p>
-                    <a:r>
-                      <a:rPr lang="pt-BR">
-                        <a:noFill/>
-                      </a:rPr>
-                      <a:t> </a:t>
-                    </a:r>
-                  </a:p>
-                </p:txBody>
-              </p:sp>
-            </mc:Fallback>
-          </mc:AlternateContent>
-          <p:cxnSp>
-            <p:nvCxnSpPr>
-              <p:cNvPr id="37" name="Straight Arrow Connector 36"/>
-              <p:cNvCxnSpPr/>
-              <p:nvPr/>
-            </p:nvCxnSpPr>
-            <p:spPr>
-              <a:xfrm rot="5400000">
-                <a:off x="3287827" y="4016460"/>
-                <a:ext cx="0" cy="2160000"/>
-              </a:xfrm>
-              <a:prstGeom prst="straightConnector1">
-                <a:avLst/>
-              </a:prstGeom>
-              <a:ln w="19050">
-                <a:solidFill>
-                  <a:schemeClr val="tx1"/>
-                </a:solidFill>
-                <a:headEnd type="triangle" w="med" len="med"/>
-                <a:tailEnd type="none" w="med" len="med"/>
-              </a:ln>
-            </p:spPr>
-            <p:style>
-              <a:lnRef idx="1">
-                <a:schemeClr val="accent1"/>
-              </a:lnRef>
-              <a:fillRef idx="0">
-                <a:schemeClr val="accent1"/>
-              </a:fillRef>
-              <a:effectRef idx="0">
-                <a:schemeClr val="accent1"/>
-              </a:effectRef>
-              <a:fontRef idx="minor">
-                <a:schemeClr val="tx1"/>
-              </a:fontRef>
-            </p:style>
-          </p:cxnSp>
-          <p:cxnSp>
-            <p:nvCxnSpPr>
-              <p:cNvPr id="36" name="Straight Arrow Connector 35"/>
-              <p:cNvCxnSpPr/>
-              <p:nvPr/>
-            </p:nvCxnSpPr>
-            <p:spPr>
-              <a:xfrm>
-                <a:off x="2210184" y="2534498"/>
-                <a:ext cx="0" cy="2556000"/>
-              </a:xfrm>
-              <a:prstGeom prst="straightConnector1">
-                <a:avLst/>
-              </a:prstGeom>
-              <a:ln w="19050">
-                <a:solidFill>
-                  <a:schemeClr val="tx1"/>
-                </a:solidFill>
-                <a:headEnd type="triangle" w="med" len="med"/>
-                <a:tailEnd type="none" w="med" len="med"/>
-              </a:ln>
-            </p:spPr>
-            <p:style>
-              <a:lnRef idx="1">
-                <a:schemeClr val="accent1"/>
-              </a:lnRef>
-              <a:fillRef idx="0">
-                <a:schemeClr val="accent1"/>
-              </a:fillRef>
-              <a:effectRef idx="0">
-                <a:schemeClr val="accent1"/>
-              </a:effectRef>
-              <a:fontRef idx="minor">
-                <a:schemeClr val="tx1"/>
-              </a:fontRef>
-            </p:style>
-          </p:cxnSp>
-          <p:sp>
-            <p:nvSpPr>
-              <p:cNvPr id="50" name="Oval 49"/>
-              <p:cNvSpPr/>
-              <p:nvPr/>
-            </p:nvSpPr>
-            <p:spPr>
-              <a:xfrm>
-                <a:off x="2158585" y="4458583"/>
-                <a:ext cx="98797" cy="101600"/>
-              </a:xfrm>
-              <a:prstGeom prst="ellipse">
-                <a:avLst/>
-              </a:prstGeom>
-              <a:solidFill>
-                <a:srgbClr val="FF0000"/>
-              </a:solidFill>
-              <a:ln>
-                <a:solidFill>
-                  <a:srgbClr val="FF0000"/>
-                </a:solidFill>
-              </a:ln>
-            </p:spPr>
-            <p:style>
-              <a:lnRef idx="2">
-                <a:schemeClr val="accent1">
-                  <a:shade val="50000"/>
-                </a:schemeClr>
-              </a:lnRef>
-              <a:fillRef idx="1">
-                <a:schemeClr val="accent1"/>
-              </a:fillRef>
-              <a:effectRef idx="0">
-                <a:schemeClr val="accent1"/>
-              </a:effectRef>
-              <a:fontRef idx="minor">
-                <a:schemeClr val="lt1"/>
-              </a:fontRef>
-            </p:style>
-            <p:txBody>
-              <a:bodyPr rtlCol="0" anchor="ctr"/>
-              <a:lstStyle/>
-              <a:p>
-                <a:pPr algn="ctr"/>
-                <a:endParaRPr lang="pt-BR"/>
-              </a:p>
-            </p:txBody>
-          </p:sp>
-          <mc:AlternateContent xmlns:mc="http://schemas.openxmlformats.org/markup-compatibility/2006" xmlns:a14="http://schemas.microsoft.com/office/drawing/2010/main">
-            <mc:Choice Requires="a14">
-              <p:sp>
-                <p:nvSpPr>
-                  <p:cNvPr id="53" name="Rectangle 52"/>
-                  <p:cNvSpPr/>
-                  <p:nvPr/>
-                </p:nvSpPr>
-                <p:spPr>
-                  <a:xfrm>
-                    <a:off x="2661486" y="5414764"/>
-                    <a:ext cx="726417" cy="369332"/>
-                  </a:xfrm>
-                  <a:prstGeom prst="rect">
-                    <a:avLst/>
-                  </a:prstGeom>
-                </p:spPr>
-                <p:txBody>
-                  <a:bodyPr wrap="none">
-                    <a:spAutoFit/>
-                  </a:bodyPr>
-                  <a:lstStyle/>
-                  <a:p>
-                    <a:pPr/>
-                    <a14:m>
-                      <m:oMathPara xmlns:m="http://schemas.openxmlformats.org/officeDocument/2006/math">
-                        <m:oMathParaPr>
-                          <m:jc m:val="centerGroup"/>
-                        </m:oMathParaPr>
-                        <m:oMath xmlns:m="http://schemas.openxmlformats.org/officeDocument/2006/math">
-                          <m:sSub>
-                            <m:sSubPr>
-                              <m:ctrlPr>
-                                <a:rPr lang="pt-BR" i="1">
-                                  <a:latin typeface="Cambria Math" panose="02040503050406030204" pitchFamily="18" charset="0"/>
-                                  <a:ea typeface="Cambria Math" panose="02040503050406030204" pitchFamily="18" charset="0"/>
-                                </a:rPr>
-                              </m:ctrlPr>
-                            </m:sSubPr>
-                            <m:e>
-                              <m:d>
-                                <m:dPr>
-                                  <m:begChr m:val="‖"/>
-                                  <m:endChr m:val="‖"/>
-                                  <m:ctrlPr>
-                                    <a:rPr lang="pt-BR" i="1">
-                                      <a:latin typeface="Cambria Math" panose="02040503050406030204" pitchFamily="18" charset="0"/>
-                                      <a:ea typeface="Cambria Math" panose="02040503050406030204" pitchFamily="18" charset="0"/>
-                                    </a:rPr>
-                                  </m:ctrlPr>
-                                </m:dPr>
-                                <m:e>
-                                  <m:r>
-                                    <a:rPr lang="pt-BR" b="1" i="1">
-                                      <a:latin typeface="Cambria Math" panose="02040503050406030204" pitchFamily="18" charset="0"/>
-                                    </a:rPr>
-                                    <m:t>𝒂</m:t>
-                                  </m:r>
-                                </m:e>
-                              </m:d>
-                            </m:e>
-                            <m:sub>
-                              <m:r>
-                                <a:rPr lang="pt-BR" i="1">
-                                  <a:latin typeface="Cambria Math" panose="02040503050406030204" pitchFamily="18" charset="0"/>
-                                  <a:ea typeface="Cambria Math" panose="02040503050406030204" pitchFamily="18" charset="0"/>
-                                </a:rPr>
-                                <m:t>1</m:t>
-                              </m:r>
-                            </m:sub>
-                          </m:sSub>
-                        </m:oMath>
-                      </m:oMathPara>
-                    </a14:m>
-                    <a:endParaRPr lang="pt-BR" dirty="0"/>
-                  </a:p>
-                </p:txBody>
-              </p:sp>
-            </mc:Choice>
-            <mc:Fallback xmlns="">
-              <p:sp>
-                <p:nvSpPr>
-                  <p:cNvPr id="53" name="Rectangle 52"/>
-                  <p:cNvSpPr>
-                    <a:spLocks noRot="1" noChangeAspect="1" noMove="1" noResize="1" noEditPoints="1" noAdjustHandles="1" noChangeArrowheads="1" noChangeShapeType="1" noTextEdit="1"/>
-                  </p:cNvSpPr>
-                  <p:nvPr/>
-                </p:nvSpPr>
-                <p:spPr>
-                  <a:xfrm>
-                    <a:off x="2661486" y="5414764"/>
-                    <a:ext cx="726417" cy="369332"/>
-                  </a:xfrm>
-                  <a:prstGeom prst="rect">
-                    <a:avLst/>
-                  </a:prstGeom>
-                  <a:blipFill rotWithShape="0">
-                    <a:blip r:embed="rId5"/>
-                    <a:stretch>
-                      <a:fillRect/>
-                    </a:stretch>
-                  </a:blipFill>
-                </p:spPr>
-                <p:txBody>
-                  <a:bodyPr/>
-                  <a:lstStyle/>
-                  <a:p>
-                    <a:r>
-                      <a:rPr lang="pt-BR">
-                        <a:noFill/>
-                      </a:rPr>
-                      <a:t> </a:t>
-                    </a:r>
-                  </a:p>
-                </p:txBody>
-              </p:sp>
-            </mc:Fallback>
-          </mc:AlternateContent>
-        </p:grpSp>
+              <a:prstDash val="dash"/>
+            </a:ln>
+          </p:spPr>
+          <p:style>
+            <a:lnRef idx="1">
+              <a:schemeClr val="accent1"/>
+            </a:lnRef>
+            <a:fillRef idx="0">
+              <a:schemeClr val="accent1"/>
+            </a:fillRef>
+            <a:effectRef idx="0">
+              <a:schemeClr val="accent1"/>
+            </a:effectRef>
+            <a:fontRef idx="minor">
+              <a:schemeClr val="tx1"/>
+            </a:fontRef>
+          </p:style>
+        </p:cxnSp>
         <p:sp>
           <p:nvSpPr>
-            <p:cNvPr id="57" name="TextBox 56"/>
-            <p:cNvSpPr txBox="1"/>
+            <p:cNvPr id="108" name="Oval 107"/>
+            <p:cNvSpPr/>
             <p:nvPr/>
           </p:nvSpPr>
           <p:spPr>
             <a:xfrm>
-              <a:off x="936633" y="4158937"/>
-              <a:ext cx="965067" cy="369332"/>
+              <a:off x="7353299" y="2749031"/>
+              <a:ext cx="2160000" cy="2160000"/>
             </a:xfrm>
-            <a:prstGeom prst="rect">
+            <a:prstGeom prst="ellipse">
               <a:avLst/>
             </a:prstGeom>
             <a:noFill/>
+            <a:ln>
+              <a:solidFill>
+                <a:schemeClr val="tx1"/>
+              </a:solidFill>
+            </a:ln>
           </p:spPr>
+          <p:style>
+            <a:lnRef idx="2">
+              <a:schemeClr val="accent1">
+                <a:shade val="50000"/>
+              </a:schemeClr>
+            </a:lnRef>
+            <a:fillRef idx="1">
+              <a:schemeClr val="accent1"/>
+            </a:fillRef>
+            <a:effectRef idx="0">
+              <a:schemeClr val="accent1"/>
+            </a:effectRef>
+            <a:fontRef idx="minor">
+              <a:schemeClr val="lt1"/>
+            </a:fontRef>
+          </p:style>
           <p:txBody>
-            <a:bodyPr wrap="square" rtlCol="0">
-              <a:spAutoFit/>
-            </a:bodyPr>
+            <a:bodyPr rtlCol="0" anchor="ctr"/>
             <a:lstStyle/>
             <a:p>
-              <a:r>
-                <a:rPr lang="pt-BR" dirty="0"/>
-                <a:t>solução</a:t>
-              </a:r>
+              <a:pPr algn="ctr"/>
+              <a:endParaRPr lang="pt-BR"/>
+            </a:p>
+          </p:txBody>
+        </p:sp>
+        <p:sp>
+          <p:nvSpPr>
+            <p:cNvPr id="109" name="Oval 108"/>
+            <p:cNvSpPr/>
+            <p:nvPr/>
+          </p:nvSpPr>
+          <p:spPr>
+            <a:xfrm>
+              <a:off x="7533299" y="2929031"/>
+              <a:ext cx="1800000" cy="1800000"/>
+            </a:xfrm>
+            <a:prstGeom prst="ellipse">
+              <a:avLst/>
+            </a:prstGeom>
+            <a:noFill/>
+            <a:ln>
+              <a:solidFill>
+                <a:schemeClr val="tx1"/>
+              </a:solidFill>
+            </a:ln>
+          </p:spPr>
+          <p:style>
+            <a:lnRef idx="2">
+              <a:schemeClr val="accent1">
+                <a:shade val="50000"/>
+              </a:schemeClr>
+            </a:lnRef>
+            <a:fillRef idx="1">
+              <a:schemeClr val="accent1"/>
+            </a:fillRef>
+            <a:effectRef idx="0">
+              <a:schemeClr val="accent1"/>
+            </a:effectRef>
+            <a:fontRef idx="minor">
+              <a:schemeClr val="lt1"/>
+            </a:fontRef>
+          </p:style>
+          <p:txBody>
+            <a:bodyPr rtlCol="0" anchor="ctr"/>
+            <a:lstStyle/>
+            <a:p>
+              <a:pPr algn="ctr"/>
+              <a:endParaRPr lang="pt-BR"/>
+            </a:p>
+          </p:txBody>
+        </p:sp>
+        <p:sp>
+          <p:nvSpPr>
+            <p:cNvPr id="110" name="Oval 109"/>
+            <p:cNvSpPr/>
+            <p:nvPr/>
+          </p:nvSpPr>
+          <p:spPr>
+            <a:xfrm>
+              <a:off x="7713299" y="3109031"/>
+              <a:ext cx="1440000" cy="1440000"/>
+            </a:xfrm>
+            <a:prstGeom prst="ellipse">
+              <a:avLst/>
+            </a:prstGeom>
+            <a:noFill/>
+            <a:ln>
+              <a:solidFill>
+                <a:schemeClr val="tx1"/>
+              </a:solidFill>
+            </a:ln>
+          </p:spPr>
+          <p:style>
+            <a:lnRef idx="2">
+              <a:schemeClr val="accent1">
+                <a:shade val="50000"/>
+              </a:schemeClr>
+            </a:lnRef>
+            <a:fillRef idx="1">
+              <a:schemeClr val="accent1"/>
+            </a:fillRef>
+            <a:effectRef idx="0">
+              <a:schemeClr val="accent1"/>
+            </a:effectRef>
+            <a:fontRef idx="minor">
+              <a:schemeClr val="lt1"/>
+            </a:fontRef>
+          </p:style>
+          <p:txBody>
+            <a:bodyPr rtlCol="0" anchor="ctr"/>
+            <a:lstStyle/>
+            <a:p>
+              <a:pPr algn="ctr"/>
+              <a:endParaRPr lang="pt-BR"/>
+            </a:p>
+          </p:txBody>
+        </p:sp>
+        <p:sp>
+          <p:nvSpPr>
+            <p:cNvPr id="111" name="Oval 110"/>
+            <p:cNvSpPr/>
+            <p:nvPr/>
+          </p:nvSpPr>
+          <p:spPr>
+            <a:xfrm>
+              <a:off x="7893299" y="3289031"/>
+              <a:ext cx="1080000" cy="1080000"/>
+            </a:xfrm>
+            <a:prstGeom prst="ellipse">
+              <a:avLst/>
+            </a:prstGeom>
+            <a:noFill/>
+            <a:ln>
+              <a:solidFill>
+                <a:schemeClr val="tx1"/>
+              </a:solidFill>
+            </a:ln>
+          </p:spPr>
+          <p:style>
+            <a:lnRef idx="2">
+              <a:schemeClr val="accent1">
+                <a:shade val="50000"/>
+              </a:schemeClr>
+            </a:lnRef>
+            <a:fillRef idx="1">
+              <a:schemeClr val="accent1"/>
+            </a:fillRef>
+            <a:effectRef idx="0">
+              <a:schemeClr val="accent1"/>
+            </a:effectRef>
+            <a:fontRef idx="minor">
+              <a:schemeClr val="lt1"/>
+            </a:fontRef>
+          </p:style>
+          <p:txBody>
+            <a:bodyPr rtlCol="0" anchor="ctr"/>
+            <a:lstStyle/>
+            <a:p>
+              <a:pPr algn="ctr"/>
+              <a:endParaRPr lang="pt-BR"/>
+            </a:p>
+          </p:txBody>
+        </p:sp>
+        <p:sp>
+          <p:nvSpPr>
+            <p:cNvPr id="112" name="Oval 111"/>
+            <p:cNvSpPr/>
+            <p:nvPr/>
+          </p:nvSpPr>
+          <p:spPr>
+            <a:xfrm>
+              <a:off x="8073299" y="3469031"/>
+              <a:ext cx="720000" cy="720000"/>
+            </a:xfrm>
+            <a:prstGeom prst="ellipse">
+              <a:avLst/>
+            </a:prstGeom>
+            <a:noFill/>
+            <a:ln>
+              <a:solidFill>
+                <a:schemeClr val="tx1"/>
+              </a:solidFill>
+            </a:ln>
+          </p:spPr>
+          <p:style>
+            <a:lnRef idx="2">
+              <a:schemeClr val="accent1">
+                <a:shade val="50000"/>
+              </a:schemeClr>
+            </a:lnRef>
+            <a:fillRef idx="1">
+              <a:schemeClr val="accent1"/>
+            </a:fillRef>
+            <a:effectRef idx="0">
+              <a:schemeClr val="accent1"/>
+            </a:effectRef>
+            <a:fontRef idx="minor">
+              <a:schemeClr val="lt1"/>
+            </a:fontRef>
+          </p:style>
+          <p:txBody>
+            <a:bodyPr rtlCol="0" anchor="ctr"/>
+            <a:lstStyle/>
+            <a:p>
+              <a:pPr algn="ctr"/>
+              <a:endParaRPr lang="pt-BR"/>
+            </a:p>
+          </p:txBody>
+        </p:sp>
+        <p:sp>
+          <p:nvSpPr>
+            <p:cNvPr id="113" name="Oval 112"/>
+            <p:cNvSpPr/>
+            <p:nvPr/>
+          </p:nvSpPr>
+          <p:spPr>
+            <a:xfrm>
+              <a:off x="8253299" y="3649031"/>
+              <a:ext cx="360000" cy="360000"/>
+            </a:xfrm>
+            <a:prstGeom prst="ellipse">
+              <a:avLst/>
+            </a:prstGeom>
+            <a:noFill/>
+            <a:ln>
+              <a:solidFill>
+                <a:schemeClr val="tx1"/>
+              </a:solidFill>
+            </a:ln>
+          </p:spPr>
+          <p:style>
+            <a:lnRef idx="2">
+              <a:schemeClr val="accent1">
+                <a:shade val="50000"/>
+              </a:schemeClr>
+            </a:lnRef>
+            <a:fillRef idx="1">
+              <a:schemeClr val="accent1"/>
+            </a:fillRef>
+            <a:effectRef idx="0">
+              <a:schemeClr val="accent1"/>
+            </a:effectRef>
+            <a:fontRef idx="minor">
+              <a:schemeClr val="lt1"/>
+            </a:fontRef>
+          </p:style>
+          <p:txBody>
+            <a:bodyPr rtlCol="0" anchor="ctr"/>
+            <a:lstStyle/>
+            <a:p>
+              <a:pPr algn="ctr"/>
+              <a:endParaRPr lang="pt-BR"/>
+            </a:p>
+          </p:txBody>
+        </p:sp>
+        <p:sp>
+          <p:nvSpPr>
+            <p:cNvPr id="114" name="Multiply 113"/>
+            <p:cNvSpPr>
+              <a:spLocks noChangeAspect="1"/>
+            </p:cNvSpPr>
+            <p:nvPr/>
+          </p:nvSpPr>
+          <p:spPr>
+            <a:xfrm>
+              <a:off x="8349614" y="3734666"/>
+              <a:ext cx="158298" cy="180000"/>
+            </a:xfrm>
+            <a:prstGeom prst="mathMultiply">
+              <a:avLst/>
+            </a:prstGeom>
+            <a:solidFill>
+              <a:srgbClr val="FF0000"/>
+            </a:solidFill>
+            <a:ln w="3175">
+              <a:solidFill>
+                <a:schemeClr val="tx1"/>
+              </a:solidFill>
+            </a:ln>
+          </p:spPr>
+          <p:style>
+            <a:lnRef idx="2">
+              <a:schemeClr val="accent1">
+                <a:shade val="50000"/>
+              </a:schemeClr>
+            </a:lnRef>
+            <a:fillRef idx="1">
+              <a:schemeClr val="accent1"/>
+            </a:fillRef>
+            <a:effectRef idx="0">
+              <a:schemeClr val="accent1"/>
+            </a:effectRef>
+            <a:fontRef idx="minor">
+              <a:schemeClr val="lt1"/>
+            </a:fontRef>
+          </p:style>
+          <p:txBody>
+            <a:bodyPr rtlCol="0" anchor="ctr"/>
+            <a:lstStyle/>
+            <a:p>
+              <a:pPr algn="ctr"/>
+              <a:endParaRPr lang="pt-BR"/>
+            </a:p>
+          </p:txBody>
+        </p:sp>
+        <p:sp>
+          <p:nvSpPr>
+            <p:cNvPr id="131" name="Multiply 130"/>
+            <p:cNvSpPr>
+              <a:spLocks noChangeAspect="1"/>
+            </p:cNvSpPr>
+            <p:nvPr/>
+          </p:nvSpPr>
+          <p:spPr>
+            <a:xfrm>
+              <a:off x="7733351" y="4634932"/>
+              <a:ext cx="72817" cy="82800"/>
+            </a:xfrm>
+            <a:prstGeom prst="mathMultiply">
+              <a:avLst/>
+            </a:prstGeom>
+            <a:solidFill>
+              <a:srgbClr val="00B0F0"/>
+            </a:solidFill>
+            <a:ln w="3175">
+              <a:solidFill>
+                <a:schemeClr val="tx1"/>
+              </a:solidFill>
+            </a:ln>
+          </p:spPr>
+          <p:style>
+            <a:lnRef idx="2">
+              <a:schemeClr val="accent1">
+                <a:shade val="50000"/>
+              </a:schemeClr>
+            </a:lnRef>
+            <a:fillRef idx="1">
+              <a:schemeClr val="accent1"/>
+            </a:fillRef>
+            <a:effectRef idx="0">
+              <a:schemeClr val="accent1"/>
+            </a:effectRef>
+            <a:fontRef idx="minor">
+              <a:schemeClr val="lt1"/>
+            </a:fontRef>
+          </p:style>
+          <p:txBody>
+            <a:bodyPr rtlCol="0" anchor="ctr"/>
+            <a:lstStyle/>
+            <a:p>
+              <a:pPr algn="ctr"/>
+              <a:endParaRPr lang="pt-BR"/>
+            </a:p>
+          </p:txBody>
+        </p:sp>
+        <p:sp>
+          <p:nvSpPr>
+            <p:cNvPr id="133" name="Multiply 132"/>
+            <p:cNvSpPr>
+              <a:spLocks noChangeAspect="1"/>
+            </p:cNvSpPr>
+            <p:nvPr/>
+          </p:nvSpPr>
+          <p:spPr>
+            <a:xfrm>
+              <a:off x="7955329" y="4345254"/>
+              <a:ext cx="72817" cy="82800"/>
+            </a:xfrm>
+            <a:prstGeom prst="mathMultiply">
+              <a:avLst/>
+            </a:prstGeom>
+            <a:solidFill>
+              <a:srgbClr val="00B0F0"/>
+            </a:solidFill>
+            <a:ln w="3175">
+              <a:solidFill>
+                <a:schemeClr val="tx1"/>
+              </a:solidFill>
+            </a:ln>
+          </p:spPr>
+          <p:style>
+            <a:lnRef idx="2">
+              <a:schemeClr val="accent1">
+                <a:shade val="50000"/>
+              </a:schemeClr>
+            </a:lnRef>
+            <a:fillRef idx="1">
+              <a:schemeClr val="accent1"/>
+            </a:fillRef>
+            <a:effectRef idx="0">
+              <a:schemeClr val="accent1"/>
+            </a:effectRef>
+            <a:fontRef idx="minor">
+              <a:schemeClr val="lt1"/>
+            </a:fontRef>
+          </p:style>
+          <p:txBody>
+            <a:bodyPr rtlCol="0" anchor="ctr"/>
+            <a:lstStyle/>
+            <a:p>
+              <a:pPr algn="ctr"/>
+              <a:endParaRPr lang="pt-BR"/>
+            </a:p>
+          </p:txBody>
+        </p:sp>
+        <p:sp>
+          <p:nvSpPr>
+            <p:cNvPr id="154" name="Multiply 153"/>
+            <p:cNvSpPr>
+              <a:spLocks noChangeAspect="1"/>
+            </p:cNvSpPr>
+            <p:nvPr/>
+          </p:nvSpPr>
+          <p:spPr>
+            <a:xfrm>
+              <a:off x="8149919" y="4099881"/>
+              <a:ext cx="72817" cy="82800"/>
+            </a:xfrm>
+            <a:prstGeom prst="mathMultiply">
+              <a:avLst/>
+            </a:prstGeom>
+            <a:solidFill>
+              <a:srgbClr val="00B0F0"/>
+            </a:solidFill>
+            <a:ln w="3175">
+              <a:solidFill>
+                <a:schemeClr val="tx1"/>
+              </a:solidFill>
+            </a:ln>
+          </p:spPr>
+          <p:style>
+            <a:lnRef idx="2">
+              <a:schemeClr val="accent1">
+                <a:shade val="50000"/>
+              </a:schemeClr>
+            </a:lnRef>
+            <a:fillRef idx="1">
+              <a:schemeClr val="accent1"/>
+            </a:fillRef>
+            <a:effectRef idx="0">
+              <a:schemeClr val="accent1"/>
+            </a:effectRef>
+            <a:fontRef idx="minor">
+              <a:schemeClr val="lt1"/>
+            </a:fontRef>
+          </p:style>
+          <p:txBody>
+            <a:bodyPr rtlCol="0" anchor="ctr"/>
+            <a:lstStyle/>
+            <a:p>
+              <a:pPr algn="ctr"/>
+              <a:endParaRPr lang="pt-BR"/>
             </a:p>
           </p:txBody>
         </p:sp>
         <p:cxnSp>
           <p:nvCxnSpPr>
-            <p:cNvPr id="59" name="Straight Arrow Connector 58"/>
-            <p:cNvCxnSpPr>
-              <a:endCxn id="50" idx="2"/>
-            </p:cNvCxnSpPr>
+            <p:cNvPr id="160" name="Straight Arrow Connector 159"/>
+            <p:cNvCxnSpPr/>
             <p:nvPr/>
           </p:nvCxnSpPr>
           <p:spPr>
             <a:xfrm>
-              <a:off x="1784106" y="4369151"/>
-              <a:ext cx="374479" cy="140232"/>
+              <a:off x="7038874" y="2534498"/>
+              <a:ext cx="0" cy="2556000"/>
             </a:xfrm>
             <a:prstGeom prst="straightConnector1">
               <a:avLst/>
@@ -16966,7 +16482,8 @@
               <a:solidFill>
                 <a:schemeClr val="tx1"/>
               </a:solidFill>
-              <a:tailEnd type="triangle"/>
+              <a:headEnd type="triangle" w="med" len="med"/>
+              <a:tailEnd type="none" w="med" len="med"/>
             </a:ln>
           </p:spPr>
           <p:style>
@@ -16984,1006 +16501,16 @@
             </a:fontRef>
           </p:style>
         </p:cxnSp>
-      </p:grpSp>
-      <p:grpSp>
-        <p:nvGrpSpPr>
-          <p:cNvPr id="74" name="Group 73"/>
-          <p:cNvGrpSpPr/>
-          <p:nvPr/>
-        </p:nvGrpSpPr>
-        <p:grpSpPr>
-          <a:xfrm>
-            <a:off x="5921535" y="2134388"/>
-            <a:ext cx="3675609" cy="3546185"/>
-            <a:chOff x="5921535" y="2134388"/>
-            <a:chExt cx="3675609" cy="3546185"/>
-          </a:xfrm>
-        </p:grpSpPr>
-        <p:grpSp>
-          <p:nvGrpSpPr>
-            <p:cNvPr id="55" name="Group 54"/>
-            <p:cNvGrpSpPr/>
-            <p:nvPr/>
-          </p:nvGrpSpPr>
-          <p:grpSpPr>
-            <a:xfrm>
-              <a:off x="6542714" y="2134388"/>
-              <a:ext cx="3054430" cy="3546185"/>
-              <a:chOff x="6542714" y="2134388"/>
-              <a:chExt cx="3054430" cy="3546185"/>
-            </a:xfrm>
-          </p:grpSpPr>
-          <mc:AlternateContent xmlns:mc="http://schemas.openxmlformats.org/markup-compatibility/2006" xmlns:a14="http://schemas.microsoft.com/office/drawing/2010/main">
-            <mc:Choice Requires="a14">
-              <p:sp>
-                <p:nvSpPr>
-                  <p:cNvPr id="27" name="TextBox 26"/>
-                  <p:cNvSpPr txBox="1"/>
-                  <p:nvPr/>
-                </p:nvSpPr>
-                <p:spPr>
-                  <a:xfrm>
-                    <a:off x="9171116" y="4907412"/>
-                    <a:ext cx="426028" cy="400110"/>
-                  </a:xfrm>
-                  <a:prstGeom prst="rect">
-                    <a:avLst/>
-                  </a:prstGeom>
-                  <a:noFill/>
-                </p:spPr>
-                <p:txBody>
-                  <a:bodyPr wrap="square" rtlCol="0">
-                    <a:spAutoFit/>
-                  </a:bodyPr>
-                  <a:lstStyle/>
-                  <a:p>
-                    <a:pPr/>
-                    <a14:m>
-                      <m:oMathPara xmlns:m="http://schemas.openxmlformats.org/officeDocument/2006/math">
-                        <m:oMathParaPr>
-                          <m:jc m:val="centerGroup"/>
-                        </m:oMathParaPr>
-                        <m:oMath xmlns:m="http://schemas.openxmlformats.org/officeDocument/2006/math">
-                          <m:sSub>
-                            <m:sSubPr>
-                              <m:ctrlPr>
-                                <a:rPr lang="pt-BR" sz="2000" i="1" smtClean="0">
-                                  <a:latin typeface="Cambria Math" panose="02040503050406030204" pitchFamily="18" charset="0"/>
-                                </a:rPr>
-                              </m:ctrlPr>
-                            </m:sSubPr>
-                            <m:e>
-                              <m:r>
-                                <a:rPr lang="pt-BR" sz="2000" b="0" i="1" smtClean="0">
-                                  <a:latin typeface="Cambria Math" panose="02040503050406030204" pitchFamily="18" charset="0"/>
-                                </a:rPr>
-                                <m:t>𝑎</m:t>
-                              </m:r>
-                            </m:e>
-                            <m:sub>
-                              <m:r>
-                                <a:rPr lang="pt-BR" sz="2000" b="0" i="1" smtClean="0">
-                                  <a:latin typeface="Cambria Math" panose="02040503050406030204" pitchFamily="18" charset="0"/>
-                                </a:rPr>
-                                <m:t>1</m:t>
-                              </m:r>
-                            </m:sub>
-                          </m:sSub>
-                        </m:oMath>
-                      </m:oMathPara>
-                    </a14:m>
-                    <a:endParaRPr lang="pt-BR" sz="2000" dirty="0"/>
-                  </a:p>
-                </p:txBody>
-              </p:sp>
-            </mc:Choice>
-            <mc:Fallback xmlns="">
-              <p:sp>
-                <p:nvSpPr>
-                  <p:cNvPr id="27" name="TextBox 26"/>
-                  <p:cNvSpPr txBox="1">
-                    <a:spLocks noRot="1" noChangeAspect="1" noMove="1" noResize="1" noEditPoints="1" noAdjustHandles="1" noChangeArrowheads="1" noChangeShapeType="1" noTextEdit="1"/>
-                  </p:cNvSpPr>
-                  <p:nvPr/>
-                </p:nvSpPr>
-                <p:spPr>
-                  <a:xfrm>
-                    <a:off x="9171116" y="4907412"/>
-                    <a:ext cx="426028" cy="400110"/>
-                  </a:xfrm>
-                  <a:prstGeom prst="rect">
-                    <a:avLst/>
-                  </a:prstGeom>
-                  <a:blipFill rotWithShape="0">
-                    <a:blip r:embed="rId6"/>
-                    <a:stretch>
-                      <a:fillRect/>
-                    </a:stretch>
-                  </a:blipFill>
-                </p:spPr>
-                <p:txBody>
-                  <a:bodyPr/>
-                  <a:lstStyle/>
-                  <a:p>
-                    <a:r>
-                      <a:rPr lang="pt-BR">
-                        <a:noFill/>
-                      </a:rPr>
-                      <a:t> </a:t>
-                    </a:r>
-                  </a:p>
-                </p:txBody>
-              </p:sp>
-            </mc:Fallback>
-          </mc:AlternateContent>
-          <mc:AlternateContent xmlns:mc="http://schemas.openxmlformats.org/markup-compatibility/2006" xmlns:a14="http://schemas.microsoft.com/office/drawing/2010/main">
-            <mc:Choice Requires="a14">
-              <p:sp>
-                <p:nvSpPr>
-                  <p:cNvPr id="28" name="TextBox 27"/>
-                  <p:cNvSpPr txBox="1"/>
-                  <p:nvPr/>
-                </p:nvSpPr>
-                <p:spPr>
-                  <a:xfrm>
-                    <a:off x="6818898" y="2134388"/>
-                    <a:ext cx="426028" cy="400110"/>
-                  </a:xfrm>
-                  <a:prstGeom prst="rect">
-                    <a:avLst/>
-                  </a:prstGeom>
-                  <a:noFill/>
-                </p:spPr>
-                <p:txBody>
-                  <a:bodyPr wrap="square" rtlCol="0">
-                    <a:spAutoFit/>
-                  </a:bodyPr>
-                  <a:lstStyle/>
-                  <a:p>
-                    <a:pPr/>
-                    <a14:m>
-                      <m:oMathPara xmlns:m="http://schemas.openxmlformats.org/officeDocument/2006/math">
-                        <m:oMathParaPr>
-                          <m:jc m:val="centerGroup"/>
-                        </m:oMathParaPr>
-                        <m:oMath xmlns:m="http://schemas.openxmlformats.org/officeDocument/2006/math">
-                          <m:sSub>
-                            <m:sSubPr>
-                              <m:ctrlPr>
-                                <a:rPr lang="pt-BR" sz="2000" i="1" smtClean="0">
-                                  <a:latin typeface="Cambria Math" panose="02040503050406030204" pitchFamily="18" charset="0"/>
-                                </a:rPr>
-                              </m:ctrlPr>
-                            </m:sSubPr>
-                            <m:e>
-                              <m:r>
-                                <a:rPr lang="pt-BR" sz="2000" b="0" i="1" smtClean="0">
-                                  <a:latin typeface="Cambria Math" panose="02040503050406030204" pitchFamily="18" charset="0"/>
-                                </a:rPr>
-                                <m:t>𝑎</m:t>
-                              </m:r>
-                            </m:e>
-                            <m:sub>
-                              <m:r>
-                                <a:rPr lang="pt-BR" sz="2000" b="0" i="1" smtClean="0">
-                                  <a:latin typeface="Cambria Math" panose="02040503050406030204" pitchFamily="18" charset="0"/>
-                                </a:rPr>
-                                <m:t>2</m:t>
-                              </m:r>
-                            </m:sub>
-                          </m:sSub>
-                        </m:oMath>
-                      </m:oMathPara>
-                    </a14:m>
-                    <a:endParaRPr lang="pt-BR" sz="2000" dirty="0"/>
-                  </a:p>
-                </p:txBody>
-              </p:sp>
-            </mc:Choice>
-            <mc:Fallback xmlns="">
-              <p:sp>
-                <p:nvSpPr>
-                  <p:cNvPr id="28" name="TextBox 27"/>
-                  <p:cNvSpPr txBox="1">
-                    <a:spLocks noRot="1" noChangeAspect="1" noMove="1" noResize="1" noEditPoints="1" noAdjustHandles="1" noChangeArrowheads="1" noChangeShapeType="1" noTextEdit="1"/>
-                  </p:cNvSpPr>
-                  <p:nvPr/>
-                </p:nvSpPr>
-                <p:spPr>
-                  <a:xfrm>
-                    <a:off x="6818898" y="2134388"/>
-                    <a:ext cx="426028" cy="400110"/>
-                  </a:xfrm>
-                  <a:prstGeom prst="rect">
-                    <a:avLst/>
-                  </a:prstGeom>
-                  <a:blipFill rotWithShape="0">
-                    <a:blip r:embed="rId7"/>
-                    <a:stretch>
-                      <a:fillRect/>
-                    </a:stretch>
-                  </a:blipFill>
-                </p:spPr>
-                <p:txBody>
-                  <a:bodyPr/>
-                  <a:lstStyle/>
-                  <a:p>
-                    <a:r>
-                      <a:rPr lang="pt-BR">
-                        <a:noFill/>
-                      </a:rPr>
-                      <a:t> </a:t>
-                    </a:r>
-                  </a:p>
-                </p:txBody>
-              </p:sp>
-            </mc:Fallback>
-          </mc:AlternateContent>
-          <p:sp>
-            <p:nvSpPr>
-              <p:cNvPr id="41" name="Oval 40"/>
-              <p:cNvSpPr/>
-              <p:nvPr/>
-            </p:nvSpPr>
-            <p:spPr>
-              <a:xfrm>
-                <a:off x="6542714" y="4601785"/>
-                <a:ext cx="1008000" cy="1008000"/>
-              </a:xfrm>
-              <a:prstGeom prst="ellipse">
-                <a:avLst/>
-              </a:prstGeom>
-            </p:spPr>
-            <p:style>
-              <a:lnRef idx="2">
-                <a:schemeClr val="accent1">
-                  <a:shade val="50000"/>
-                </a:schemeClr>
-              </a:lnRef>
-              <a:fillRef idx="1">
-                <a:schemeClr val="accent1"/>
-              </a:fillRef>
-              <a:effectRef idx="0">
-                <a:schemeClr val="accent1"/>
-              </a:effectRef>
-              <a:fontRef idx="minor">
-                <a:schemeClr val="lt1"/>
-              </a:fontRef>
-            </p:style>
-            <p:txBody>
-              <a:bodyPr rtlCol="0" anchor="ctr"/>
-              <a:lstStyle/>
-              <a:p>
-                <a:pPr algn="ctr"/>
-                <a:endParaRPr lang="pt-BR"/>
-              </a:p>
-            </p:txBody>
-          </p:sp>
-          <p:sp>
-            <p:nvSpPr>
-              <p:cNvPr id="42" name="Oval 41"/>
-              <p:cNvSpPr/>
-              <p:nvPr/>
-            </p:nvSpPr>
-            <p:spPr>
-              <a:xfrm>
-                <a:off x="6626709" y="2571231"/>
-                <a:ext cx="2160000" cy="2160000"/>
-              </a:xfrm>
-              <a:prstGeom prst="ellipse">
-                <a:avLst/>
-              </a:prstGeom>
-              <a:noFill/>
-              <a:ln>
-                <a:solidFill>
-                  <a:schemeClr val="tx1"/>
-                </a:solidFill>
-              </a:ln>
-            </p:spPr>
-            <p:style>
-              <a:lnRef idx="2">
-                <a:schemeClr val="accent1">
-                  <a:shade val="50000"/>
-                </a:schemeClr>
-              </a:lnRef>
-              <a:fillRef idx="1">
-                <a:schemeClr val="accent1"/>
-              </a:fillRef>
-              <a:effectRef idx="0">
-                <a:schemeClr val="accent1"/>
-              </a:effectRef>
-              <a:fontRef idx="minor">
-                <a:schemeClr val="lt1"/>
-              </a:fontRef>
-            </p:style>
-            <p:txBody>
-              <a:bodyPr rtlCol="0" anchor="ctr"/>
-              <a:lstStyle/>
-              <a:p>
-                <a:pPr algn="ctr"/>
-                <a:endParaRPr lang="pt-BR"/>
-              </a:p>
-            </p:txBody>
-          </p:sp>
-          <p:sp>
-            <p:nvSpPr>
-              <p:cNvPr id="43" name="Oval 42"/>
-              <p:cNvSpPr/>
-              <p:nvPr/>
-            </p:nvSpPr>
-            <p:spPr>
-              <a:xfrm>
-                <a:off x="6806709" y="2751231"/>
-                <a:ext cx="1800000" cy="1800000"/>
-              </a:xfrm>
-              <a:prstGeom prst="ellipse">
-                <a:avLst/>
-              </a:prstGeom>
-              <a:noFill/>
-              <a:ln>
-                <a:solidFill>
-                  <a:schemeClr val="tx1"/>
-                </a:solidFill>
-              </a:ln>
-            </p:spPr>
-            <p:style>
-              <a:lnRef idx="2">
-                <a:schemeClr val="accent1">
-                  <a:shade val="50000"/>
-                </a:schemeClr>
-              </a:lnRef>
-              <a:fillRef idx="1">
-                <a:schemeClr val="accent1"/>
-              </a:fillRef>
-              <a:effectRef idx="0">
-                <a:schemeClr val="accent1"/>
-              </a:effectRef>
-              <a:fontRef idx="minor">
-                <a:schemeClr val="lt1"/>
-              </a:fontRef>
-            </p:style>
-            <p:txBody>
-              <a:bodyPr rtlCol="0" anchor="ctr"/>
-              <a:lstStyle/>
-              <a:p>
-                <a:pPr algn="ctr"/>
-                <a:endParaRPr lang="pt-BR"/>
-              </a:p>
-            </p:txBody>
-          </p:sp>
-          <p:sp>
-            <p:nvSpPr>
-              <p:cNvPr id="44" name="Oval 43"/>
-              <p:cNvSpPr/>
-              <p:nvPr/>
-            </p:nvSpPr>
-            <p:spPr>
-              <a:xfrm>
-                <a:off x="6986709" y="2931231"/>
-                <a:ext cx="1440000" cy="1440000"/>
-              </a:xfrm>
-              <a:prstGeom prst="ellipse">
-                <a:avLst/>
-              </a:prstGeom>
-              <a:noFill/>
-              <a:ln>
-                <a:solidFill>
-                  <a:schemeClr val="tx1"/>
-                </a:solidFill>
-              </a:ln>
-            </p:spPr>
-            <p:style>
-              <a:lnRef idx="2">
-                <a:schemeClr val="accent1">
-                  <a:shade val="50000"/>
-                </a:schemeClr>
-              </a:lnRef>
-              <a:fillRef idx="1">
-                <a:schemeClr val="accent1"/>
-              </a:fillRef>
-              <a:effectRef idx="0">
-                <a:schemeClr val="accent1"/>
-              </a:effectRef>
-              <a:fontRef idx="minor">
-                <a:schemeClr val="lt1"/>
-              </a:fontRef>
-            </p:style>
-            <p:txBody>
-              <a:bodyPr rtlCol="0" anchor="ctr"/>
-              <a:lstStyle/>
-              <a:p>
-                <a:pPr algn="ctr"/>
-                <a:endParaRPr lang="pt-BR"/>
-              </a:p>
-            </p:txBody>
-          </p:sp>
-          <p:sp>
-            <p:nvSpPr>
-              <p:cNvPr id="45" name="Oval 44"/>
-              <p:cNvSpPr/>
-              <p:nvPr/>
-            </p:nvSpPr>
-            <p:spPr>
-              <a:xfrm>
-                <a:off x="7166709" y="3111231"/>
-                <a:ext cx="1080000" cy="1080000"/>
-              </a:xfrm>
-              <a:prstGeom prst="ellipse">
-                <a:avLst/>
-              </a:prstGeom>
-              <a:noFill/>
-              <a:ln>
-                <a:solidFill>
-                  <a:schemeClr val="tx1"/>
-                </a:solidFill>
-              </a:ln>
-            </p:spPr>
-            <p:style>
-              <a:lnRef idx="2">
-                <a:schemeClr val="accent1">
-                  <a:shade val="50000"/>
-                </a:schemeClr>
-              </a:lnRef>
-              <a:fillRef idx="1">
-                <a:schemeClr val="accent1"/>
-              </a:fillRef>
-              <a:effectRef idx="0">
-                <a:schemeClr val="accent1"/>
-              </a:effectRef>
-              <a:fontRef idx="minor">
-                <a:schemeClr val="lt1"/>
-              </a:fontRef>
-            </p:style>
-            <p:txBody>
-              <a:bodyPr rtlCol="0" anchor="ctr"/>
-              <a:lstStyle/>
-              <a:p>
-                <a:pPr algn="ctr"/>
-                <a:endParaRPr lang="pt-BR"/>
-              </a:p>
-            </p:txBody>
-          </p:sp>
-          <p:sp>
-            <p:nvSpPr>
-              <p:cNvPr id="46" name="Oval 45"/>
-              <p:cNvSpPr/>
-              <p:nvPr/>
-            </p:nvSpPr>
-            <p:spPr>
-              <a:xfrm>
-                <a:off x="7346709" y="3291231"/>
-                <a:ext cx="720000" cy="720000"/>
-              </a:xfrm>
-              <a:prstGeom prst="ellipse">
-                <a:avLst/>
-              </a:prstGeom>
-              <a:noFill/>
-              <a:ln>
-                <a:solidFill>
-                  <a:schemeClr val="tx1"/>
-                </a:solidFill>
-              </a:ln>
-            </p:spPr>
-            <p:style>
-              <a:lnRef idx="2">
-                <a:schemeClr val="accent1">
-                  <a:shade val="50000"/>
-                </a:schemeClr>
-              </a:lnRef>
-              <a:fillRef idx="1">
-                <a:schemeClr val="accent1"/>
-              </a:fillRef>
-              <a:effectRef idx="0">
-                <a:schemeClr val="accent1"/>
-              </a:effectRef>
-              <a:fontRef idx="minor">
-                <a:schemeClr val="lt1"/>
-              </a:fontRef>
-            </p:style>
-            <p:txBody>
-              <a:bodyPr rtlCol="0" anchor="ctr"/>
-              <a:lstStyle/>
-              <a:p>
-                <a:pPr algn="ctr"/>
-                <a:endParaRPr lang="pt-BR"/>
-              </a:p>
-            </p:txBody>
-          </p:sp>
-          <p:sp>
-            <p:nvSpPr>
-              <p:cNvPr id="47" name="Oval 46"/>
-              <p:cNvSpPr/>
-              <p:nvPr/>
-            </p:nvSpPr>
-            <p:spPr>
-              <a:xfrm>
-                <a:off x="7526709" y="3471231"/>
-                <a:ext cx="360000" cy="360000"/>
-              </a:xfrm>
-              <a:prstGeom prst="ellipse">
-                <a:avLst/>
-              </a:prstGeom>
-              <a:noFill/>
-              <a:ln>
-                <a:solidFill>
-                  <a:schemeClr val="tx1"/>
-                </a:solidFill>
-              </a:ln>
-            </p:spPr>
-            <p:style>
-              <a:lnRef idx="2">
-                <a:schemeClr val="accent1">
-                  <a:shade val="50000"/>
-                </a:schemeClr>
-              </a:lnRef>
-              <a:fillRef idx="1">
-                <a:schemeClr val="accent1"/>
-              </a:fillRef>
-              <a:effectRef idx="0">
-                <a:schemeClr val="accent1"/>
-              </a:effectRef>
-              <a:fontRef idx="minor">
-                <a:schemeClr val="lt1"/>
-              </a:fontRef>
-            </p:style>
-            <p:txBody>
-              <a:bodyPr rtlCol="0" anchor="ctr"/>
-              <a:lstStyle/>
-              <a:p>
-                <a:pPr algn="ctr"/>
-                <a:endParaRPr lang="pt-BR"/>
-              </a:p>
-            </p:txBody>
-          </p:sp>
-          <p:sp>
-            <p:nvSpPr>
-              <p:cNvPr id="48" name="Multiply 47"/>
-              <p:cNvSpPr>
-                <a:spLocks noChangeAspect="1"/>
-              </p:cNvSpPr>
-              <p:nvPr/>
-            </p:nvSpPr>
-            <p:spPr>
-              <a:xfrm>
-                <a:off x="7623024" y="3556866"/>
-                <a:ext cx="158298" cy="180000"/>
-              </a:xfrm>
-              <a:prstGeom prst="mathMultiply">
-                <a:avLst/>
-              </a:prstGeom>
-              <a:solidFill>
-                <a:srgbClr val="00B050"/>
-              </a:solidFill>
-              <a:ln w="3175">
-                <a:solidFill>
-                  <a:schemeClr val="tx1"/>
-                </a:solidFill>
-              </a:ln>
-            </p:spPr>
-            <p:style>
-              <a:lnRef idx="2">
-                <a:schemeClr val="accent1">
-                  <a:shade val="50000"/>
-                </a:schemeClr>
-              </a:lnRef>
-              <a:fillRef idx="1">
-                <a:schemeClr val="accent1"/>
-              </a:fillRef>
-              <a:effectRef idx="0">
-                <a:schemeClr val="accent1"/>
-              </a:effectRef>
-              <a:fontRef idx="minor">
-                <a:schemeClr val="lt1"/>
-              </a:fontRef>
-            </p:style>
-            <p:txBody>
-              <a:bodyPr rtlCol="0" anchor="ctr"/>
-              <a:lstStyle/>
-              <a:p>
-                <a:pPr algn="ctr"/>
-                <a:endParaRPr lang="pt-BR"/>
-              </a:p>
-            </p:txBody>
-          </p:sp>
-          <p:sp>
-            <p:nvSpPr>
-              <p:cNvPr id="49" name="Oval 48"/>
-              <p:cNvSpPr/>
-              <p:nvPr/>
-            </p:nvSpPr>
-            <p:spPr>
-              <a:xfrm>
-                <a:off x="7209452" y="4588707"/>
-                <a:ext cx="98797" cy="101600"/>
-              </a:xfrm>
-              <a:prstGeom prst="ellipse">
-                <a:avLst/>
-              </a:prstGeom>
-              <a:solidFill>
-                <a:srgbClr val="FF0000"/>
-              </a:solidFill>
-              <a:ln>
-                <a:solidFill>
-                  <a:srgbClr val="FF0000"/>
-                </a:solidFill>
-              </a:ln>
-            </p:spPr>
-            <p:style>
-              <a:lnRef idx="2">
-                <a:schemeClr val="accent1">
-                  <a:shade val="50000"/>
-                </a:schemeClr>
-              </a:lnRef>
-              <a:fillRef idx="1">
-                <a:schemeClr val="accent1"/>
-              </a:fillRef>
-              <a:effectRef idx="0">
-                <a:schemeClr val="accent1"/>
-              </a:effectRef>
-              <a:fontRef idx="minor">
-                <a:schemeClr val="lt1"/>
-              </a:fontRef>
-            </p:style>
-            <p:txBody>
-              <a:bodyPr rtlCol="0" anchor="ctr"/>
-              <a:lstStyle/>
-              <a:p>
-                <a:pPr algn="ctr"/>
-                <a:endParaRPr lang="pt-BR"/>
-              </a:p>
-            </p:txBody>
-          </p:sp>
-          <mc:AlternateContent xmlns:mc="http://schemas.openxmlformats.org/markup-compatibility/2006" xmlns:a14="http://schemas.microsoft.com/office/drawing/2010/main">
-            <mc:Choice Requires="a14">
-              <p:sp>
-                <p:nvSpPr>
-                  <p:cNvPr id="52" name="TextBox 51"/>
-                  <p:cNvSpPr txBox="1"/>
-                  <p:nvPr/>
-                </p:nvSpPr>
-                <p:spPr>
-                  <a:xfrm>
-                    <a:off x="7075040" y="4694711"/>
-                    <a:ext cx="339772" cy="276999"/>
-                  </a:xfrm>
-                  <a:prstGeom prst="rect">
-                    <a:avLst/>
-                  </a:prstGeom>
-                  <a:noFill/>
-                </p:spPr>
-                <p:txBody>
-                  <a:bodyPr wrap="none" lIns="0" tIns="0" rIns="0" bIns="0" rtlCol="0">
-                    <a:spAutoFit/>
-                  </a:bodyPr>
-                  <a:lstStyle/>
-                  <a:p>
-                    <a:pPr/>
-                    <a14:m>
-                      <m:oMathPara xmlns:m="http://schemas.openxmlformats.org/officeDocument/2006/math">
-                        <m:oMathParaPr>
-                          <m:jc m:val="centerGroup"/>
-                        </m:oMathParaPr>
-                        <m:oMath xmlns:m="http://schemas.openxmlformats.org/officeDocument/2006/math">
-                          <m:sSup>
-                            <m:sSupPr>
-                              <m:ctrlPr>
-                                <a:rPr lang="pt-BR" b="1" i="1" smtClean="0">
-                                  <a:latin typeface="Cambria Math" panose="02040503050406030204" pitchFamily="18" charset="0"/>
-                                </a:rPr>
-                              </m:ctrlPr>
-                            </m:sSupPr>
-                            <m:e>
-                              <m:r>
-                                <a:rPr lang="pt-BR" b="1" i="1">
-                                  <a:latin typeface="Cambria Math" panose="02040503050406030204" pitchFamily="18" charset="0"/>
-                                </a:rPr>
-                                <m:t>𝒂</m:t>
-                              </m:r>
-                              <m:r>
-                                <m:rPr>
-                                  <m:nor/>
-                                </m:rPr>
-                                <a:rPr lang="pt-BR" b="1" dirty="0"/>
-                                <m:t> </m:t>
-                              </m:r>
-                            </m:e>
-                            <m:sup>
-                              <m:r>
-                                <a:rPr lang="pt-BR" b="1" i="1" smtClean="0">
-                                  <a:latin typeface="Cambria Math" panose="02040503050406030204" pitchFamily="18" charset="0"/>
-                                </a:rPr>
-                                <m:t>∗</m:t>
-                              </m:r>
-                            </m:sup>
-                          </m:sSup>
-                        </m:oMath>
-                      </m:oMathPara>
-                    </a14:m>
-                    <a:endParaRPr lang="pt-BR" b="1" dirty="0"/>
-                  </a:p>
-                </p:txBody>
-              </p:sp>
-            </mc:Choice>
-            <mc:Fallback xmlns="">
-              <p:sp>
-                <p:nvSpPr>
-                  <p:cNvPr id="52" name="TextBox 51"/>
-                  <p:cNvSpPr txBox="1">
-                    <a:spLocks noRot="1" noChangeAspect="1" noMove="1" noResize="1" noEditPoints="1" noAdjustHandles="1" noChangeArrowheads="1" noChangeShapeType="1" noTextEdit="1"/>
-                  </p:cNvSpPr>
-                  <p:nvPr/>
-                </p:nvSpPr>
-                <p:spPr>
-                  <a:xfrm>
-                    <a:off x="7075040" y="4694711"/>
-                    <a:ext cx="339772" cy="276999"/>
-                  </a:xfrm>
-                  <a:prstGeom prst="rect">
-                    <a:avLst/>
-                  </a:prstGeom>
-                  <a:blipFill rotWithShape="0">
-                    <a:blip r:embed="rId8"/>
-                    <a:stretch>
-                      <a:fillRect l="-9091" r="-5455"/>
-                    </a:stretch>
-                  </a:blipFill>
-                </p:spPr>
-                <p:txBody>
-                  <a:bodyPr/>
-                  <a:lstStyle/>
-                  <a:p>
-                    <a:r>
-                      <a:rPr lang="pt-BR">
-                        <a:noFill/>
-                      </a:rPr>
-                      <a:t> </a:t>
-                    </a:r>
-                  </a:p>
-                </p:txBody>
-              </p:sp>
-            </mc:Fallback>
-          </mc:AlternateContent>
-          <p:cxnSp>
-            <p:nvCxnSpPr>
-              <p:cNvPr id="26" name="Straight Arrow Connector 25"/>
-              <p:cNvCxnSpPr/>
-              <p:nvPr/>
-            </p:nvCxnSpPr>
-            <p:spPr>
-              <a:xfrm rot="5400000">
-                <a:off x="8121956" y="4016460"/>
-                <a:ext cx="0" cy="2160000"/>
-              </a:xfrm>
-              <a:prstGeom prst="straightConnector1">
-                <a:avLst/>
-              </a:prstGeom>
-              <a:ln w="19050">
-                <a:solidFill>
-                  <a:schemeClr val="tx1"/>
-                </a:solidFill>
-                <a:headEnd type="triangle" w="med" len="med"/>
-                <a:tailEnd type="none" w="med" len="med"/>
-              </a:ln>
-            </p:spPr>
-            <p:style>
-              <a:lnRef idx="1">
-                <a:schemeClr val="accent1"/>
-              </a:lnRef>
-              <a:fillRef idx="0">
-                <a:schemeClr val="accent1"/>
-              </a:fillRef>
-              <a:effectRef idx="0">
-                <a:schemeClr val="accent1"/>
-              </a:effectRef>
-              <a:fontRef idx="minor">
-                <a:schemeClr val="tx1"/>
-              </a:fontRef>
-            </p:style>
-          </p:cxnSp>
-          <p:cxnSp>
-            <p:nvCxnSpPr>
-              <p:cNvPr id="25" name="Straight Arrow Connector 24"/>
-              <p:cNvCxnSpPr/>
-              <p:nvPr/>
-            </p:nvCxnSpPr>
-            <p:spPr>
-              <a:xfrm>
-                <a:off x="7038874" y="2534498"/>
-                <a:ext cx="0" cy="2556000"/>
-              </a:xfrm>
-              <a:prstGeom prst="straightConnector1">
-                <a:avLst/>
-              </a:prstGeom>
-              <a:ln w="19050">
-                <a:solidFill>
-                  <a:schemeClr val="tx1"/>
-                </a:solidFill>
-                <a:headEnd type="triangle" w="med" len="med"/>
-                <a:tailEnd type="none" w="med" len="med"/>
-              </a:ln>
-            </p:spPr>
-            <p:style>
-              <a:lnRef idx="1">
-                <a:schemeClr val="accent1"/>
-              </a:lnRef>
-              <a:fillRef idx="0">
-                <a:schemeClr val="accent1"/>
-              </a:fillRef>
-              <a:effectRef idx="0">
-                <a:schemeClr val="accent1"/>
-              </a:effectRef>
-              <a:fontRef idx="minor">
-                <a:schemeClr val="tx1"/>
-              </a:fontRef>
-            </p:style>
-          </p:cxnSp>
-          <mc:AlternateContent xmlns:mc="http://schemas.openxmlformats.org/markup-compatibility/2006" xmlns:a14="http://schemas.microsoft.com/office/drawing/2010/main">
-            <mc:Choice Requires="a14">
-              <p:sp>
-                <p:nvSpPr>
-                  <p:cNvPr id="54" name="Rectangle 53"/>
-                  <p:cNvSpPr/>
-                  <p:nvPr/>
-                </p:nvSpPr>
-                <p:spPr>
-                  <a:xfrm>
-                    <a:off x="7616638" y="5307522"/>
-                    <a:ext cx="731739" cy="373051"/>
-                  </a:xfrm>
-                  <a:prstGeom prst="rect">
-                    <a:avLst/>
-                  </a:prstGeom>
-                </p:spPr>
-                <p:txBody>
-                  <a:bodyPr wrap="none">
-                    <a:spAutoFit/>
-                  </a:bodyPr>
-                  <a:lstStyle/>
-                  <a:p>
-                    <a:pPr/>
-                    <a14:m>
-                      <m:oMathPara xmlns:m="http://schemas.openxmlformats.org/officeDocument/2006/math">
-                        <m:oMathParaPr>
-                          <m:jc m:val="centerGroup"/>
-                        </m:oMathParaPr>
-                        <m:oMath xmlns:m="http://schemas.openxmlformats.org/officeDocument/2006/math">
-                          <m:sSubSup>
-                            <m:sSubSupPr>
-                              <m:ctrlPr>
-                                <a:rPr lang="pt-BR" i="1">
-                                  <a:latin typeface="Cambria Math" panose="02040503050406030204" pitchFamily="18" charset="0"/>
-                                  <a:ea typeface="Cambria Math" panose="02040503050406030204" pitchFamily="18" charset="0"/>
-                                </a:rPr>
-                              </m:ctrlPr>
-                            </m:sSubSupPr>
-                            <m:e>
-                              <m:d>
-                                <m:dPr>
-                                  <m:begChr m:val="‖"/>
-                                  <m:endChr m:val="‖"/>
-                                  <m:ctrlPr>
-                                    <a:rPr lang="pt-BR" i="1">
-                                      <a:latin typeface="Cambria Math" panose="02040503050406030204" pitchFamily="18" charset="0"/>
-                                      <a:ea typeface="Cambria Math" panose="02040503050406030204" pitchFamily="18" charset="0"/>
-                                    </a:rPr>
-                                  </m:ctrlPr>
-                                </m:dPr>
-                                <m:e>
-                                  <m:r>
-                                    <a:rPr lang="pt-BR" b="1" i="1">
-                                      <a:latin typeface="Cambria Math" panose="02040503050406030204" pitchFamily="18" charset="0"/>
-                                    </a:rPr>
-                                    <m:t>𝒂</m:t>
-                                  </m:r>
-                                </m:e>
-                              </m:d>
-                            </m:e>
-                            <m:sub>
-                              <m:r>
-                                <a:rPr lang="pt-BR" i="1">
-                                  <a:latin typeface="Cambria Math" panose="02040503050406030204" pitchFamily="18" charset="0"/>
-                                  <a:ea typeface="Cambria Math" panose="02040503050406030204" pitchFamily="18" charset="0"/>
-                                </a:rPr>
-                                <m:t>2</m:t>
-                              </m:r>
-                            </m:sub>
-                            <m:sup>
-                              <m:r>
-                                <a:rPr lang="pt-BR" i="1">
-                                  <a:latin typeface="Cambria Math" panose="02040503050406030204" pitchFamily="18" charset="0"/>
-                                  <a:ea typeface="Cambria Math" panose="02040503050406030204" pitchFamily="18" charset="0"/>
-                                </a:rPr>
-                                <m:t>2</m:t>
-                              </m:r>
-                            </m:sup>
-                          </m:sSubSup>
-                        </m:oMath>
-                      </m:oMathPara>
-                    </a14:m>
-                    <a:endParaRPr lang="pt-BR" dirty="0"/>
-                  </a:p>
-                </p:txBody>
-              </p:sp>
-            </mc:Choice>
-            <mc:Fallback xmlns="">
-              <p:sp>
-                <p:nvSpPr>
-                  <p:cNvPr id="54" name="Rectangle 53"/>
-                  <p:cNvSpPr>
-                    <a:spLocks noRot="1" noChangeAspect="1" noMove="1" noResize="1" noEditPoints="1" noAdjustHandles="1" noChangeArrowheads="1" noChangeShapeType="1" noTextEdit="1"/>
-                  </p:cNvSpPr>
-                  <p:nvPr/>
-                </p:nvSpPr>
-                <p:spPr>
-                  <a:xfrm>
-                    <a:off x="7616638" y="5307522"/>
-                    <a:ext cx="731739" cy="373051"/>
-                  </a:xfrm>
-                  <a:prstGeom prst="rect">
-                    <a:avLst/>
-                  </a:prstGeom>
-                  <a:blipFill rotWithShape="0">
-                    <a:blip r:embed="rId9"/>
-                    <a:stretch>
-                      <a:fillRect b="-1639"/>
-                    </a:stretch>
-                  </a:blipFill>
-                </p:spPr>
-                <p:txBody>
-                  <a:bodyPr/>
-                  <a:lstStyle/>
-                  <a:p>
-                    <a:r>
-                      <a:rPr lang="pt-BR">
-                        <a:noFill/>
-                      </a:rPr>
-                      <a:t> </a:t>
-                    </a:r>
-                  </a:p>
-                </p:txBody>
-              </p:sp>
-            </mc:Fallback>
-          </mc:AlternateContent>
-        </p:grpSp>
-        <p:sp>
-          <p:nvSpPr>
-            <p:cNvPr id="67" name="TextBox 66"/>
-            <p:cNvSpPr txBox="1"/>
-            <p:nvPr/>
-          </p:nvSpPr>
-          <p:spPr>
-            <a:xfrm>
-              <a:off x="5921535" y="4379643"/>
-              <a:ext cx="965067" cy="369332"/>
-            </a:xfrm>
-            <a:prstGeom prst="rect">
-              <a:avLst/>
-            </a:prstGeom>
-            <a:noFill/>
-          </p:spPr>
-          <p:txBody>
-            <a:bodyPr wrap="square" rtlCol="0">
-              <a:spAutoFit/>
-            </a:bodyPr>
-            <a:lstStyle/>
-            <a:p>
-              <a:r>
-                <a:rPr lang="pt-BR" dirty="0"/>
-                <a:t>solução</a:t>
-              </a:r>
-            </a:p>
-          </p:txBody>
-        </p:sp>
         <p:cxnSp>
           <p:nvCxnSpPr>
-            <p:cNvPr id="68" name="Straight Arrow Connector 67"/>
+            <p:cNvPr id="161" name="Straight Arrow Connector 160"/>
             <p:cNvCxnSpPr/>
             <p:nvPr/>
           </p:nvCxnSpPr>
           <p:spPr>
-            <a:xfrm>
-              <a:off x="6763186" y="4583136"/>
-              <a:ext cx="446266" cy="45308"/>
+            <a:xfrm rot="5400000">
+              <a:off x="8507912" y="3626810"/>
+              <a:ext cx="0" cy="2952000"/>
             </a:xfrm>
             <a:prstGeom prst="straightConnector1">
               <a:avLst/>
@@ -17992,7 +16519,8 @@
               <a:solidFill>
                 <a:schemeClr val="tx1"/>
               </a:solidFill>
-              <a:tailEnd type="triangle"/>
+              <a:headEnd type="triangle" w="med" len="med"/>
+              <a:tailEnd type="none" w="med" len="med"/>
             </a:ln>
           </p:spPr>
           <p:style>
@@ -18010,11 +16538,2669 @@
             </a:fontRef>
           </p:style>
         </p:cxnSp>
+        <mc:AlternateContent xmlns:mc="http://schemas.openxmlformats.org/markup-compatibility/2006">
+          <mc:Choice xmlns:a14="http://schemas.microsoft.com/office/drawing/2010/main" Requires="a14">
+            <p:sp>
+              <p:nvSpPr>
+                <p:cNvPr id="162" name="TextBox 161"/>
+                <p:cNvSpPr txBox="1"/>
+                <p:nvPr/>
+              </p:nvSpPr>
+              <p:spPr>
+                <a:xfrm>
+                  <a:off x="9942348" y="4892106"/>
+                  <a:ext cx="426028" cy="400110"/>
+                </a:xfrm>
+                <a:prstGeom prst="rect">
+                  <a:avLst/>
+                </a:prstGeom>
+                <a:noFill/>
+              </p:spPr>
+              <p:txBody>
+                <a:bodyPr wrap="square" rtlCol="0">
+                  <a:spAutoFit/>
+                </a:bodyPr>
+                <a:lstStyle/>
+                <a:p>
+                  <a:pPr/>
+                  <a14:m>
+                    <m:oMathPara xmlns:m="http://schemas.openxmlformats.org/officeDocument/2006/math">
+                      <m:oMathParaPr>
+                        <m:jc m:val="centerGroup"/>
+                      </m:oMathParaPr>
+                      <m:oMath xmlns:m="http://schemas.openxmlformats.org/officeDocument/2006/math">
+                        <m:sSub>
+                          <m:sSubPr>
+                            <m:ctrlPr>
+                              <a:rPr lang="pt-BR" sz="2000" i="1" smtClean="0">
+                                <a:latin typeface="Cambria Math" panose="02040503050406030204" pitchFamily="18" charset="0"/>
+                              </a:rPr>
+                            </m:ctrlPr>
+                          </m:sSubPr>
+                          <m:e>
+                            <m:r>
+                              <a:rPr lang="pt-BR" sz="2000" b="0" i="1" smtClean="0">
+                                <a:latin typeface="Cambria Math" panose="02040503050406030204" pitchFamily="18" charset="0"/>
+                              </a:rPr>
+                              <m:t>𝑎</m:t>
+                            </m:r>
+                          </m:e>
+                          <m:sub>
+                            <m:r>
+                              <a:rPr lang="pt-BR" sz="2000" b="0" i="1" smtClean="0">
+                                <a:latin typeface="Cambria Math" panose="02040503050406030204" pitchFamily="18" charset="0"/>
+                              </a:rPr>
+                              <m:t>1</m:t>
+                            </m:r>
+                          </m:sub>
+                        </m:sSub>
+                      </m:oMath>
+                    </m:oMathPara>
+                  </a14:m>
+                  <a:endParaRPr lang="pt-BR" sz="2000" dirty="0"/>
+                </a:p>
+              </p:txBody>
+            </p:sp>
+          </mc:Choice>
+          <mc:Fallback>
+            <p:sp>
+              <p:nvSpPr>
+                <p:cNvPr id="162" name="TextBox 161"/>
+                <p:cNvSpPr txBox="1">
+                  <a:spLocks noRot="1" noChangeAspect="1" noMove="1" noResize="1" noEditPoints="1" noAdjustHandles="1" noChangeArrowheads="1" noChangeShapeType="1" noTextEdit="1"/>
+                </p:cNvSpPr>
+                <p:nvPr/>
+              </p:nvSpPr>
+              <p:spPr>
+                <a:xfrm>
+                  <a:off x="9942348" y="4892106"/>
+                  <a:ext cx="426028" cy="400110"/>
+                </a:xfrm>
+                <a:prstGeom prst="rect">
+                  <a:avLst/>
+                </a:prstGeom>
+                <a:blipFill>
+                  <a:blip r:embed="rId2"/>
+                  <a:stretch>
+                    <a:fillRect/>
+                  </a:stretch>
+                </a:blipFill>
+              </p:spPr>
+              <p:txBody>
+                <a:bodyPr/>
+                <a:lstStyle/>
+                <a:p>
+                  <a:r>
+                    <a:rPr lang="pt-BR">
+                      <a:noFill/>
+                    </a:rPr>
+                    <a:t> </a:t>
+                  </a:r>
+                </a:p>
+              </p:txBody>
+            </p:sp>
+          </mc:Fallback>
+        </mc:AlternateContent>
+        <mc:AlternateContent xmlns:mc="http://schemas.openxmlformats.org/markup-compatibility/2006">
+          <mc:Choice xmlns:a14="http://schemas.microsoft.com/office/drawing/2010/main" Requires="a14">
+            <p:sp>
+              <p:nvSpPr>
+                <p:cNvPr id="163" name="TextBox 162"/>
+                <p:cNvSpPr txBox="1"/>
+                <p:nvPr/>
+              </p:nvSpPr>
+              <p:spPr>
+                <a:xfrm>
+                  <a:off x="6818898" y="2134388"/>
+                  <a:ext cx="426028" cy="400110"/>
+                </a:xfrm>
+                <a:prstGeom prst="rect">
+                  <a:avLst/>
+                </a:prstGeom>
+                <a:noFill/>
+              </p:spPr>
+              <p:txBody>
+                <a:bodyPr wrap="square" rtlCol="0">
+                  <a:spAutoFit/>
+                </a:bodyPr>
+                <a:lstStyle/>
+                <a:p>
+                  <a:pPr/>
+                  <a14:m>
+                    <m:oMathPara xmlns:m="http://schemas.openxmlformats.org/officeDocument/2006/math">
+                      <m:oMathParaPr>
+                        <m:jc m:val="centerGroup"/>
+                      </m:oMathParaPr>
+                      <m:oMath xmlns:m="http://schemas.openxmlformats.org/officeDocument/2006/math">
+                        <m:sSub>
+                          <m:sSubPr>
+                            <m:ctrlPr>
+                              <a:rPr lang="pt-BR" sz="2000" i="1" smtClean="0">
+                                <a:latin typeface="Cambria Math" panose="02040503050406030204" pitchFamily="18" charset="0"/>
+                              </a:rPr>
+                            </m:ctrlPr>
+                          </m:sSubPr>
+                          <m:e>
+                            <m:r>
+                              <a:rPr lang="pt-BR" sz="2000" b="0" i="1" smtClean="0">
+                                <a:latin typeface="Cambria Math" panose="02040503050406030204" pitchFamily="18" charset="0"/>
+                              </a:rPr>
+                              <m:t>𝑎</m:t>
+                            </m:r>
+                          </m:e>
+                          <m:sub>
+                            <m:r>
+                              <a:rPr lang="pt-BR" sz="2000" b="0" i="1" smtClean="0">
+                                <a:latin typeface="Cambria Math" panose="02040503050406030204" pitchFamily="18" charset="0"/>
+                              </a:rPr>
+                              <m:t>2</m:t>
+                            </m:r>
+                          </m:sub>
+                        </m:sSub>
+                      </m:oMath>
+                    </m:oMathPara>
+                  </a14:m>
+                  <a:endParaRPr lang="pt-BR" sz="2000" dirty="0"/>
+                </a:p>
+              </p:txBody>
+            </p:sp>
+          </mc:Choice>
+          <mc:Fallback>
+            <p:sp>
+              <p:nvSpPr>
+                <p:cNvPr id="163" name="TextBox 162"/>
+                <p:cNvSpPr txBox="1">
+                  <a:spLocks noRot="1" noChangeAspect="1" noMove="1" noResize="1" noEditPoints="1" noAdjustHandles="1" noChangeArrowheads="1" noChangeShapeType="1" noTextEdit="1"/>
+                </p:cNvSpPr>
+                <p:nvPr/>
+              </p:nvSpPr>
+              <p:spPr>
+                <a:xfrm>
+                  <a:off x="6818898" y="2134388"/>
+                  <a:ext cx="426028" cy="400110"/>
+                </a:xfrm>
+                <a:prstGeom prst="rect">
+                  <a:avLst/>
+                </a:prstGeom>
+                <a:blipFill>
+                  <a:blip r:embed="rId3"/>
+                  <a:stretch>
+                    <a:fillRect/>
+                  </a:stretch>
+                </a:blipFill>
+              </p:spPr>
+              <p:txBody>
+                <a:bodyPr/>
+                <a:lstStyle/>
+                <a:p>
+                  <a:r>
+                    <a:rPr lang="pt-BR">
+                      <a:noFill/>
+                    </a:rPr>
+                    <a:t> </a:t>
+                  </a:r>
+                </a:p>
+              </p:txBody>
+            </p:sp>
+          </mc:Fallback>
+        </mc:AlternateContent>
+        <p:sp>
+          <p:nvSpPr>
+            <p:cNvPr id="15" name="Multiply 134">
+              <a:extLst>
+                <a:ext uri="{FF2B5EF4-FFF2-40B4-BE49-F238E27FC236}">
+                  <a16:creationId xmlns:a16="http://schemas.microsoft.com/office/drawing/2014/main" id="{FA9070BF-71F6-1E79-9102-A7B4206F9C0D}"/>
+                </a:ext>
+              </a:extLst>
+            </p:cNvPr>
+            <p:cNvSpPr>
+              <a:spLocks noChangeAspect="1"/>
+            </p:cNvSpPr>
+            <p:nvPr/>
+          </p:nvSpPr>
+          <p:spPr>
+            <a:xfrm>
+              <a:off x="8387633" y="3781663"/>
+              <a:ext cx="72817" cy="82800"/>
+            </a:xfrm>
+            <a:prstGeom prst="mathMultiply">
+              <a:avLst/>
+            </a:prstGeom>
+            <a:solidFill>
+              <a:srgbClr val="00B0F0"/>
+            </a:solidFill>
+            <a:ln w="3175">
+              <a:solidFill>
+                <a:schemeClr val="tx1"/>
+              </a:solidFill>
+            </a:ln>
+          </p:spPr>
+          <p:style>
+            <a:lnRef idx="2">
+              <a:schemeClr val="accent1">
+                <a:shade val="50000"/>
+              </a:schemeClr>
+            </a:lnRef>
+            <a:fillRef idx="1">
+              <a:schemeClr val="accent1"/>
+            </a:fillRef>
+            <a:effectRef idx="0">
+              <a:schemeClr val="accent1"/>
+            </a:effectRef>
+            <a:fontRef idx="minor">
+              <a:schemeClr val="lt1"/>
+            </a:fontRef>
+          </p:style>
+          <p:txBody>
+            <a:bodyPr rtlCol="0" anchor="ctr"/>
+            <a:lstStyle/>
+            <a:p>
+              <a:pPr algn="ctr"/>
+              <a:endParaRPr lang="pt-BR"/>
+            </a:p>
+          </p:txBody>
+        </p:sp>
+      </p:grpSp>
+      <p:grpSp>
+        <p:nvGrpSpPr>
+          <p:cNvPr id="62" name="Agrupar 61">
+            <a:extLst>
+              <a:ext uri="{FF2B5EF4-FFF2-40B4-BE49-F238E27FC236}">
+                <a16:creationId xmlns:a16="http://schemas.microsoft.com/office/drawing/2014/main" id="{0B221044-5B56-2889-43EF-6B1CDF9732B4}"/>
+              </a:ext>
+            </a:extLst>
+          </p:cNvPr>
+          <p:cNvGrpSpPr/>
+          <p:nvPr/>
+        </p:nvGrpSpPr>
+        <p:grpSpPr>
+          <a:xfrm>
+            <a:off x="976001" y="982970"/>
+            <a:ext cx="3692189" cy="5459335"/>
+            <a:chOff x="976001" y="982970"/>
+            <a:chExt cx="3692189" cy="5459335"/>
+          </a:xfrm>
+        </p:grpSpPr>
+        <p:sp>
+          <p:nvSpPr>
+            <p:cNvPr id="4" name="Oval 3"/>
+            <p:cNvSpPr>
+              <a:spLocks/>
+            </p:cNvSpPr>
+            <p:nvPr/>
+          </p:nvSpPr>
+          <p:spPr>
+            <a:xfrm>
+              <a:off x="1968885" y="1770983"/>
+              <a:ext cx="1800000" cy="3600000"/>
+            </a:xfrm>
+            <a:prstGeom prst="ellipse">
+              <a:avLst/>
+            </a:prstGeom>
+            <a:noFill/>
+            <a:ln>
+              <a:solidFill>
+                <a:schemeClr val="tx1"/>
+              </a:solidFill>
+            </a:ln>
+          </p:spPr>
+          <p:style>
+            <a:lnRef idx="2">
+              <a:schemeClr val="accent1">
+                <a:shade val="50000"/>
+              </a:schemeClr>
+            </a:lnRef>
+            <a:fillRef idx="1">
+              <a:schemeClr val="accent1"/>
+            </a:fillRef>
+            <a:effectRef idx="0">
+              <a:schemeClr val="accent1"/>
+            </a:effectRef>
+            <a:fontRef idx="minor">
+              <a:schemeClr val="lt1"/>
+            </a:fontRef>
+          </p:style>
+          <p:txBody>
+            <a:bodyPr rtlCol="0" anchor="ctr"/>
+            <a:lstStyle/>
+            <a:p>
+              <a:pPr algn="ctr"/>
+              <a:endParaRPr lang="pt-BR"/>
+            </a:p>
+          </p:txBody>
+        </p:sp>
+        <p:sp>
+          <p:nvSpPr>
+            <p:cNvPr id="5" name="Oval 4"/>
+            <p:cNvSpPr/>
+            <p:nvPr/>
+          </p:nvSpPr>
+          <p:spPr>
+            <a:xfrm>
+              <a:off x="2328885" y="2129689"/>
+              <a:ext cx="1080000" cy="2880000"/>
+            </a:xfrm>
+            <a:prstGeom prst="ellipse">
+              <a:avLst/>
+            </a:prstGeom>
+            <a:noFill/>
+            <a:ln>
+              <a:solidFill>
+                <a:schemeClr val="tx1"/>
+              </a:solidFill>
+            </a:ln>
+          </p:spPr>
+          <p:style>
+            <a:lnRef idx="2">
+              <a:schemeClr val="accent1">
+                <a:shade val="50000"/>
+              </a:schemeClr>
+            </a:lnRef>
+            <a:fillRef idx="1">
+              <a:schemeClr val="accent1"/>
+            </a:fillRef>
+            <a:effectRef idx="0">
+              <a:schemeClr val="accent1"/>
+            </a:effectRef>
+            <a:fontRef idx="minor">
+              <a:schemeClr val="lt1"/>
+            </a:fontRef>
+          </p:style>
+          <p:txBody>
+            <a:bodyPr rtlCol="0" anchor="ctr"/>
+            <a:lstStyle/>
+            <a:p>
+              <a:pPr algn="ctr"/>
+              <a:endParaRPr lang="pt-BR" dirty="0"/>
+            </a:p>
+          </p:txBody>
+        </p:sp>
+        <p:sp>
+          <p:nvSpPr>
+            <p:cNvPr id="7" name="Oval 6"/>
+            <p:cNvSpPr/>
+            <p:nvPr/>
+          </p:nvSpPr>
+          <p:spPr>
+            <a:xfrm>
+              <a:off x="2688885" y="2489689"/>
+              <a:ext cx="360000" cy="2160000"/>
+            </a:xfrm>
+            <a:prstGeom prst="ellipse">
+              <a:avLst/>
+            </a:prstGeom>
+            <a:noFill/>
+            <a:ln>
+              <a:solidFill>
+                <a:schemeClr val="tx1"/>
+              </a:solidFill>
+            </a:ln>
+          </p:spPr>
+          <p:style>
+            <a:lnRef idx="2">
+              <a:schemeClr val="accent1">
+                <a:shade val="50000"/>
+              </a:schemeClr>
+            </a:lnRef>
+            <a:fillRef idx="1">
+              <a:schemeClr val="accent1"/>
+            </a:fillRef>
+            <a:effectRef idx="0">
+              <a:schemeClr val="accent1"/>
+            </a:effectRef>
+            <a:fontRef idx="minor">
+              <a:schemeClr val="lt1"/>
+            </a:fontRef>
+          </p:style>
+          <p:txBody>
+            <a:bodyPr rtlCol="0" anchor="ctr"/>
+            <a:lstStyle/>
+            <a:p>
+              <a:pPr algn="ctr"/>
+              <a:endParaRPr lang="pt-BR"/>
+            </a:p>
+          </p:txBody>
+        </p:sp>
+        <p:sp>
+          <p:nvSpPr>
+            <p:cNvPr id="9" name="Oval 8"/>
+            <p:cNvSpPr/>
+            <p:nvPr/>
+          </p:nvSpPr>
+          <p:spPr>
+            <a:xfrm>
+              <a:off x="2508885" y="2309689"/>
+              <a:ext cx="720000" cy="2520000"/>
+            </a:xfrm>
+            <a:prstGeom prst="ellipse">
+              <a:avLst/>
+            </a:prstGeom>
+            <a:noFill/>
+            <a:ln>
+              <a:solidFill>
+                <a:schemeClr val="tx1"/>
+              </a:solidFill>
+            </a:ln>
+          </p:spPr>
+          <p:style>
+            <a:lnRef idx="2">
+              <a:schemeClr val="accent1">
+                <a:shade val="50000"/>
+              </a:schemeClr>
+            </a:lnRef>
+            <a:fillRef idx="1">
+              <a:schemeClr val="accent1"/>
+            </a:fillRef>
+            <a:effectRef idx="0">
+              <a:schemeClr val="accent1"/>
+            </a:effectRef>
+            <a:fontRef idx="minor">
+              <a:schemeClr val="lt1"/>
+            </a:fontRef>
+          </p:style>
+          <p:txBody>
+            <a:bodyPr rtlCol="0" anchor="ctr"/>
+            <a:lstStyle/>
+            <a:p>
+              <a:pPr algn="ctr"/>
+              <a:endParaRPr lang="pt-BR"/>
+            </a:p>
+          </p:txBody>
+        </p:sp>
+        <p:sp>
+          <p:nvSpPr>
+            <p:cNvPr id="10" name="Oval 9"/>
+            <p:cNvSpPr/>
+            <p:nvPr/>
+          </p:nvSpPr>
+          <p:spPr>
+            <a:xfrm>
+              <a:off x="2148885" y="1949689"/>
+              <a:ext cx="1440000" cy="3240000"/>
+            </a:xfrm>
+            <a:prstGeom prst="ellipse">
+              <a:avLst/>
+            </a:prstGeom>
+            <a:noFill/>
+            <a:ln>
+              <a:solidFill>
+                <a:schemeClr val="tx1"/>
+              </a:solidFill>
+            </a:ln>
+          </p:spPr>
+          <p:style>
+            <a:lnRef idx="2">
+              <a:schemeClr val="accent1">
+                <a:shade val="50000"/>
+              </a:schemeClr>
+            </a:lnRef>
+            <a:fillRef idx="1">
+              <a:schemeClr val="accent1"/>
+            </a:fillRef>
+            <a:effectRef idx="0">
+              <a:schemeClr val="accent1"/>
+            </a:effectRef>
+            <a:fontRef idx="minor">
+              <a:schemeClr val="lt1"/>
+            </a:fontRef>
+          </p:style>
+          <p:txBody>
+            <a:bodyPr rtlCol="0" anchor="ctr"/>
+            <a:lstStyle/>
+            <a:p>
+              <a:pPr algn="ctr"/>
+              <a:endParaRPr lang="pt-BR"/>
+            </a:p>
+          </p:txBody>
+        </p:sp>
+        <p:sp>
+          <p:nvSpPr>
+            <p:cNvPr id="11" name="Oval 10"/>
+            <p:cNvSpPr>
+              <a:spLocks/>
+            </p:cNvSpPr>
+            <p:nvPr/>
+          </p:nvSpPr>
+          <p:spPr>
+            <a:xfrm>
+              <a:off x="1788885" y="1589689"/>
+              <a:ext cx="2160000" cy="3960000"/>
+            </a:xfrm>
+            <a:prstGeom prst="ellipse">
+              <a:avLst/>
+            </a:prstGeom>
+            <a:noFill/>
+            <a:ln>
+              <a:solidFill>
+                <a:schemeClr val="tx1"/>
+              </a:solidFill>
+            </a:ln>
+          </p:spPr>
+          <p:style>
+            <a:lnRef idx="2">
+              <a:schemeClr val="accent1">
+                <a:shade val="50000"/>
+              </a:schemeClr>
+            </a:lnRef>
+            <a:fillRef idx="1">
+              <a:schemeClr val="accent1"/>
+            </a:fillRef>
+            <a:effectRef idx="0">
+              <a:schemeClr val="accent1"/>
+            </a:effectRef>
+            <a:fontRef idx="minor">
+              <a:schemeClr val="lt1"/>
+            </a:fontRef>
+          </p:style>
+          <p:txBody>
+            <a:bodyPr rtlCol="0" anchor="ctr"/>
+            <a:lstStyle/>
+            <a:p>
+              <a:pPr algn="ctr"/>
+              <a:endParaRPr lang="pt-BR"/>
+            </a:p>
+          </p:txBody>
+        </p:sp>
+        <p:sp>
+          <p:nvSpPr>
+            <p:cNvPr id="69" name="Multiply 68"/>
+            <p:cNvSpPr>
+              <a:spLocks noChangeAspect="1"/>
+            </p:cNvSpPr>
+            <p:nvPr/>
+          </p:nvSpPr>
+          <p:spPr>
+            <a:xfrm>
+              <a:off x="2779419" y="3432212"/>
+              <a:ext cx="158298" cy="180000"/>
+            </a:xfrm>
+            <a:prstGeom prst="mathMultiply">
+              <a:avLst/>
+            </a:prstGeom>
+            <a:solidFill>
+              <a:srgbClr val="FF0000"/>
+            </a:solidFill>
+            <a:ln w="3175">
+              <a:solidFill>
+                <a:schemeClr val="tx1"/>
+              </a:solidFill>
+            </a:ln>
+          </p:spPr>
+          <p:style>
+            <a:lnRef idx="2">
+              <a:schemeClr val="accent1">
+                <a:shade val="50000"/>
+              </a:schemeClr>
+            </a:lnRef>
+            <a:fillRef idx="1">
+              <a:schemeClr val="accent1"/>
+            </a:fillRef>
+            <a:effectRef idx="0">
+              <a:schemeClr val="accent1"/>
+            </a:effectRef>
+            <a:fontRef idx="minor">
+              <a:schemeClr val="lt1"/>
+            </a:fontRef>
+          </p:style>
+          <p:txBody>
+            <a:bodyPr rtlCol="0" anchor="ctr"/>
+            <a:lstStyle/>
+            <a:p>
+              <a:pPr algn="ctr"/>
+              <a:endParaRPr lang="pt-BR"/>
+            </a:p>
+          </p:txBody>
+        </p:sp>
+        <p:cxnSp>
+          <p:nvCxnSpPr>
+            <p:cNvPr id="158" name="Straight Arrow Connector 157"/>
+            <p:cNvCxnSpPr>
+              <a:cxnSpLocks/>
+            </p:cNvCxnSpPr>
+            <p:nvPr/>
+          </p:nvCxnSpPr>
+          <p:spPr>
+            <a:xfrm>
+              <a:off x="1189015" y="1390645"/>
+              <a:ext cx="0" cy="4860000"/>
+            </a:xfrm>
+            <a:prstGeom prst="straightConnector1">
+              <a:avLst/>
+            </a:prstGeom>
+            <a:ln w="19050">
+              <a:solidFill>
+                <a:schemeClr val="tx1"/>
+              </a:solidFill>
+              <a:headEnd type="triangle" w="med" len="med"/>
+              <a:tailEnd type="none" w="med" len="med"/>
+            </a:ln>
+          </p:spPr>
+          <p:style>
+            <a:lnRef idx="1">
+              <a:schemeClr val="accent1"/>
+            </a:lnRef>
+            <a:fillRef idx="0">
+              <a:schemeClr val="accent1"/>
+            </a:fillRef>
+            <a:effectRef idx="0">
+              <a:schemeClr val="accent1"/>
+            </a:effectRef>
+            <a:fontRef idx="minor">
+              <a:schemeClr val="tx1"/>
+            </a:fontRef>
+          </p:style>
+        </p:cxnSp>
+        <p:cxnSp>
+          <p:nvCxnSpPr>
+            <p:cNvPr id="159" name="Straight Arrow Connector 158"/>
+            <p:cNvCxnSpPr/>
+            <p:nvPr/>
+          </p:nvCxnSpPr>
+          <p:spPr>
+            <a:xfrm rot="5400000">
+              <a:off x="2751655" y="4684645"/>
+              <a:ext cx="0" cy="3132000"/>
+            </a:xfrm>
+            <a:prstGeom prst="straightConnector1">
+              <a:avLst/>
+            </a:prstGeom>
+            <a:ln w="19050">
+              <a:solidFill>
+                <a:schemeClr val="tx1"/>
+              </a:solidFill>
+              <a:headEnd type="triangle" w="med" len="med"/>
+              <a:tailEnd type="none" w="med" len="med"/>
+            </a:ln>
+          </p:spPr>
+          <p:style>
+            <a:lnRef idx="1">
+              <a:schemeClr val="accent1"/>
+            </a:lnRef>
+            <a:fillRef idx="0">
+              <a:schemeClr val="accent1"/>
+            </a:fillRef>
+            <a:effectRef idx="0">
+              <a:schemeClr val="accent1"/>
+            </a:effectRef>
+            <a:fontRef idx="minor">
+              <a:schemeClr val="tx1"/>
+            </a:fontRef>
+          </p:style>
+        </p:cxnSp>
+        <mc:AlternateContent xmlns:mc="http://schemas.openxmlformats.org/markup-compatibility/2006">
+          <mc:Choice xmlns:a14="http://schemas.microsoft.com/office/drawing/2010/main" Requires="a14">
+            <p:sp>
+              <p:nvSpPr>
+                <p:cNvPr id="164" name="TextBox 163"/>
+                <p:cNvSpPr txBox="1"/>
+                <p:nvPr/>
+              </p:nvSpPr>
+              <p:spPr>
+                <a:xfrm>
+                  <a:off x="4242162" y="6042195"/>
+                  <a:ext cx="426028" cy="400110"/>
+                </a:xfrm>
+                <a:prstGeom prst="rect">
+                  <a:avLst/>
+                </a:prstGeom>
+                <a:noFill/>
+              </p:spPr>
+              <p:txBody>
+                <a:bodyPr wrap="square" rtlCol="0">
+                  <a:spAutoFit/>
+                </a:bodyPr>
+                <a:lstStyle/>
+                <a:p>
+                  <a:pPr/>
+                  <a14:m>
+                    <m:oMathPara xmlns:m="http://schemas.openxmlformats.org/officeDocument/2006/math">
+                      <m:oMathParaPr>
+                        <m:jc m:val="centerGroup"/>
+                      </m:oMathParaPr>
+                      <m:oMath xmlns:m="http://schemas.openxmlformats.org/officeDocument/2006/math">
+                        <m:sSub>
+                          <m:sSubPr>
+                            <m:ctrlPr>
+                              <a:rPr lang="pt-BR" sz="2000" i="1" smtClean="0">
+                                <a:latin typeface="Cambria Math" panose="02040503050406030204" pitchFamily="18" charset="0"/>
+                              </a:rPr>
+                            </m:ctrlPr>
+                          </m:sSubPr>
+                          <m:e>
+                            <m:r>
+                              <a:rPr lang="pt-BR" sz="2000" b="0" i="1" smtClean="0">
+                                <a:latin typeface="Cambria Math" panose="02040503050406030204" pitchFamily="18" charset="0"/>
+                              </a:rPr>
+                              <m:t>𝑎</m:t>
+                            </m:r>
+                          </m:e>
+                          <m:sub>
+                            <m:r>
+                              <a:rPr lang="pt-BR" sz="2000" b="0" i="1" smtClean="0">
+                                <a:latin typeface="Cambria Math" panose="02040503050406030204" pitchFamily="18" charset="0"/>
+                              </a:rPr>
+                              <m:t>1</m:t>
+                            </m:r>
+                          </m:sub>
+                        </m:sSub>
+                      </m:oMath>
+                    </m:oMathPara>
+                  </a14:m>
+                  <a:endParaRPr lang="pt-BR" sz="2000" dirty="0"/>
+                </a:p>
+              </p:txBody>
+            </p:sp>
+          </mc:Choice>
+          <mc:Fallback>
+            <p:sp>
+              <p:nvSpPr>
+                <p:cNvPr id="164" name="TextBox 163"/>
+                <p:cNvSpPr txBox="1">
+                  <a:spLocks noRot="1" noChangeAspect="1" noMove="1" noResize="1" noEditPoints="1" noAdjustHandles="1" noChangeArrowheads="1" noChangeShapeType="1" noTextEdit="1"/>
+                </p:cNvSpPr>
+                <p:nvPr/>
+              </p:nvSpPr>
+              <p:spPr>
+                <a:xfrm>
+                  <a:off x="4242162" y="6042195"/>
+                  <a:ext cx="426028" cy="400110"/>
+                </a:xfrm>
+                <a:prstGeom prst="rect">
+                  <a:avLst/>
+                </a:prstGeom>
+                <a:blipFill>
+                  <a:blip r:embed="rId4"/>
+                  <a:stretch>
+                    <a:fillRect/>
+                  </a:stretch>
+                </a:blipFill>
+              </p:spPr>
+              <p:txBody>
+                <a:bodyPr/>
+                <a:lstStyle/>
+                <a:p>
+                  <a:r>
+                    <a:rPr lang="pt-BR">
+                      <a:noFill/>
+                    </a:rPr>
+                    <a:t> </a:t>
+                  </a:r>
+                </a:p>
+              </p:txBody>
+            </p:sp>
+          </mc:Fallback>
+        </mc:AlternateContent>
+        <mc:AlternateContent xmlns:mc="http://schemas.openxmlformats.org/markup-compatibility/2006">
+          <mc:Choice xmlns:a14="http://schemas.microsoft.com/office/drawing/2010/main" Requires="a14">
+            <p:sp>
+              <p:nvSpPr>
+                <p:cNvPr id="165" name="TextBox 164"/>
+                <p:cNvSpPr txBox="1"/>
+                <p:nvPr/>
+              </p:nvSpPr>
+              <p:spPr>
+                <a:xfrm>
+                  <a:off x="976001" y="982970"/>
+                  <a:ext cx="426028" cy="400110"/>
+                </a:xfrm>
+                <a:prstGeom prst="rect">
+                  <a:avLst/>
+                </a:prstGeom>
+                <a:noFill/>
+              </p:spPr>
+              <p:txBody>
+                <a:bodyPr wrap="square" rtlCol="0">
+                  <a:spAutoFit/>
+                </a:bodyPr>
+                <a:lstStyle/>
+                <a:p>
+                  <a:pPr/>
+                  <a14:m>
+                    <m:oMathPara xmlns:m="http://schemas.openxmlformats.org/officeDocument/2006/math">
+                      <m:oMathParaPr>
+                        <m:jc m:val="centerGroup"/>
+                      </m:oMathParaPr>
+                      <m:oMath xmlns:m="http://schemas.openxmlformats.org/officeDocument/2006/math">
+                        <m:sSub>
+                          <m:sSubPr>
+                            <m:ctrlPr>
+                              <a:rPr lang="pt-BR" sz="2000" i="1" smtClean="0">
+                                <a:latin typeface="Cambria Math" panose="02040503050406030204" pitchFamily="18" charset="0"/>
+                              </a:rPr>
+                            </m:ctrlPr>
+                          </m:sSubPr>
+                          <m:e>
+                            <m:r>
+                              <a:rPr lang="pt-BR" sz="2000" b="0" i="1" smtClean="0">
+                                <a:latin typeface="Cambria Math" panose="02040503050406030204" pitchFamily="18" charset="0"/>
+                              </a:rPr>
+                              <m:t>𝑎</m:t>
+                            </m:r>
+                          </m:e>
+                          <m:sub>
+                            <m:r>
+                              <a:rPr lang="pt-BR" sz="2000" b="0" i="1" smtClean="0">
+                                <a:latin typeface="Cambria Math" panose="02040503050406030204" pitchFamily="18" charset="0"/>
+                              </a:rPr>
+                              <m:t>2</m:t>
+                            </m:r>
+                          </m:sub>
+                        </m:sSub>
+                      </m:oMath>
+                    </m:oMathPara>
+                  </a14:m>
+                  <a:endParaRPr lang="pt-BR" sz="2000" dirty="0"/>
+                </a:p>
+              </p:txBody>
+            </p:sp>
+          </mc:Choice>
+          <mc:Fallback>
+            <p:sp>
+              <p:nvSpPr>
+                <p:cNvPr id="165" name="TextBox 164"/>
+                <p:cNvSpPr txBox="1">
+                  <a:spLocks noRot="1" noChangeAspect="1" noMove="1" noResize="1" noEditPoints="1" noAdjustHandles="1" noChangeArrowheads="1" noChangeShapeType="1" noTextEdit="1"/>
+                </p:cNvSpPr>
+                <p:nvPr/>
+              </p:nvSpPr>
+              <p:spPr>
+                <a:xfrm>
+                  <a:off x="976001" y="982970"/>
+                  <a:ext cx="426028" cy="400110"/>
+                </a:xfrm>
+                <a:prstGeom prst="rect">
+                  <a:avLst/>
+                </a:prstGeom>
+                <a:blipFill>
+                  <a:blip r:embed="rId5"/>
+                  <a:stretch>
+                    <a:fillRect/>
+                  </a:stretch>
+                </a:blipFill>
+              </p:spPr>
+              <p:txBody>
+                <a:bodyPr/>
+                <a:lstStyle/>
+                <a:p>
+                  <a:r>
+                    <a:rPr lang="pt-BR">
+                      <a:noFill/>
+                    </a:rPr>
+                    <a:t> </a:t>
+                  </a:r>
+                </a:p>
+              </p:txBody>
+            </p:sp>
+          </mc:Fallback>
+        </mc:AlternateContent>
+        <p:sp>
+          <p:nvSpPr>
+            <p:cNvPr id="17" name="Oval 10">
+              <a:extLst>
+                <a:ext uri="{FF2B5EF4-FFF2-40B4-BE49-F238E27FC236}">
+                  <a16:creationId xmlns:a16="http://schemas.microsoft.com/office/drawing/2014/main" id="{C5B5E787-9046-A8D9-E7D1-5D4F0F774AE9}"/>
+                </a:ext>
+              </a:extLst>
+            </p:cNvPr>
+            <p:cNvSpPr>
+              <a:spLocks noChangeAspect="1"/>
+            </p:cNvSpPr>
+            <p:nvPr/>
+          </p:nvSpPr>
+          <p:spPr>
+            <a:xfrm>
+              <a:off x="1625553" y="1400275"/>
+              <a:ext cx="2474176" cy="4348592"/>
+            </a:xfrm>
+            <a:prstGeom prst="ellipse">
+              <a:avLst/>
+            </a:prstGeom>
+            <a:noFill/>
+            <a:ln>
+              <a:solidFill>
+                <a:schemeClr val="tx1"/>
+              </a:solidFill>
+            </a:ln>
+          </p:spPr>
+          <p:style>
+            <a:lnRef idx="2">
+              <a:schemeClr val="accent1">
+                <a:shade val="50000"/>
+              </a:schemeClr>
+            </a:lnRef>
+            <a:fillRef idx="1">
+              <a:schemeClr val="accent1"/>
+            </a:fillRef>
+            <a:effectRef idx="0">
+              <a:schemeClr val="accent1"/>
+            </a:effectRef>
+            <a:fontRef idx="minor">
+              <a:schemeClr val="lt1"/>
+            </a:fontRef>
+          </p:style>
+          <p:txBody>
+            <a:bodyPr rtlCol="0" anchor="ctr"/>
+            <a:lstStyle/>
+            <a:p>
+              <a:pPr algn="ctr"/>
+              <a:endParaRPr lang="pt-BR"/>
+            </a:p>
+          </p:txBody>
+        </p:sp>
+        <p:sp>
+          <p:nvSpPr>
+            <p:cNvPr id="18" name="Oval 10">
+              <a:extLst>
+                <a:ext uri="{FF2B5EF4-FFF2-40B4-BE49-F238E27FC236}">
+                  <a16:creationId xmlns:a16="http://schemas.microsoft.com/office/drawing/2014/main" id="{42CB43F5-FB51-80EF-5C81-6F708F7991E1}"/>
+                </a:ext>
+              </a:extLst>
+            </p:cNvPr>
+            <p:cNvSpPr>
+              <a:spLocks noChangeAspect="1"/>
+            </p:cNvSpPr>
+            <p:nvPr/>
+          </p:nvSpPr>
+          <p:spPr>
+            <a:xfrm>
+              <a:off x="1456268" y="1220465"/>
+              <a:ext cx="2785894" cy="4716000"/>
+            </a:xfrm>
+            <a:prstGeom prst="ellipse">
+              <a:avLst/>
+            </a:prstGeom>
+            <a:noFill/>
+            <a:ln>
+              <a:solidFill>
+                <a:schemeClr val="tx1"/>
+              </a:solidFill>
+            </a:ln>
+          </p:spPr>
+          <p:style>
+            <a:lnRef idx="2">
+              <a:schemeClr val="accent1">
+                <a:shade val="50000"/>
+              </a:schemeClr>
+            </a:lnRef>
+            <a:fillRef idx="1">
+              <a:schemeClr val="accent1"/>
+            </a:fillRef>
+            <a:effectRef idx="0">
+              <a:schemeClr val="accent1"/>
+            </a:effectRef>
+            <a:fontRef idx="minor">
+              <a:schemeClr val="lt1"/>
+            </a:fontRef>
+          </p:style>
+          <p:txBody>
+            <a:bodyPr rtlCol="0" anchor="ctr"/>
+            <a:lstStyle/>
+            <a:p>
+              <a:pPr algn="ctr"/>
+              <a:endParaRPr lang="pt-BR"/>
+            </a:p>
+          </p:txBody>
+        </p:sp>
+        <p:sp>
+          <p:nvSpPr>
+            <p:cNvPr id="19" name="Oval 10">
+              <a:extLst>
+                <a:ext uri="{FF2B5EF4-FFF2-40B4-BE49-F238E27FC236}">
+                  <a16:creationId xmlns:a16="http://schemas.microsoft.com/office/drawing/2014/main" id="{AAE2207E-9F50-E819-1233-3BBA843ECB46}"/>
+                </a:ext>
+              </a:extLst>
+            </p:cNvPr>
+            <p:cNvSpPr>
+              <a:spLocks noChangeAspect="1"/>
+            </p:cNvSpPr>
+            <p:nvPr/>
+          </p:nvSpPr>
+          <p:spPr>
+            <a:xfrm>
+              <a:off x="1278467" y="1016839"/>
+              <a:ext cx="3124194" cy="5129962"/>
+            </a:xfrm>
+            <a:prstGeom prst="ellipse">
+              <a:avLst/>
+            </a:prstGeom>
+            <a:noFill/>
+            <a:ln>
+              <a:solidFill>
+                <a:schemeClr val="tx1"/>
+              </a:solidFill>
+            </a:ln>
+          </p:spPr>
+          <p:style>
+            <a:lnRef idx="2">
+              <a:schemeClr val="accent1">
+                <a:shade val="50000"/>
+              </a:schemeClr>
+            </a:lnRef>
+            <a:fillRef idx="1">
+              <a:schemeClr val="accent1"/>
+            </a:fillRef>
+            <a:effectRef idx="0">
+              <a:schemeClr val="accent1"/>
+            </a:effectRef>
+            <a:fontRef idx="minor">
+              <a:schemeClr val="lt1"/>
+            </a:fontRef>
+          </p:style>
+          <p:txBody>
+            <a:bodyPr rtlCol="0" anchor="ctr"/>
+            <a:lstStyle/>
+            <a:p>
+              <a:pPr algn="ctr"/>
+              <a:endParaRPr lang="pt-BR"/>
+            </a:p>
+          </p:txBody>
+        </p:sp>
+        <p:cxnSp>
+          <p:nvCxnSpPr>
+            <p:cNvPr id="21" name="Straight Connector 114">
+              <a:extLst>
+                <a:ext uri="{FF2B5EF4-FFF2-40B4-BE49-F238E27FC236}">
+                  <a16:creationId xmlns:a16="http://schemas.microsoft.com/office/drawing/2014/main" id="{28160BF7-2A1F-941C-9948-66C13C80463E}"/>
+                </a:ext>
+              </a:extLst>
+            </p:cNvPr>
+            <p:cNvCxnSpPr>
+              <a:cxnSpLocks/>
+              <a:stCxn id="5" idx="4"/>
+            </p:cNvCxnSpPr>
+            <p:nvPr/>
+          </p:nvCxnSpPr>
+          <p:spPr>
+            <a:xfrm flipH="1">
+              <a:off x="1624092" y="5009689"/>
+              <a:ext cx="1188000" cy="136769"/>
+            </a:xfrm>
+            <a:prstGeom prst="line">
+              <a:avLst/>
+            </a:prstGeom>
+            <a:ln w="12700">
+              <a:solidFill>
+                <a:schemeClr val="tx1"/>
+              </a:solidFill>
+              <a:prstDash val="dash"/>
+            </a:ln>
+          </p:spPr>
+          <p:style>
+            <a:lnRef idx="1">
+              <a:schemeClr val="accent1"/>
+            </a:lnRef>
+            <a:fillRef idx="0">
+              <a:schemeClr val="accent1"/>
+            </a:fillRef>
+            <a:effectRef idx="0">
+              <a:schemeClr val="accent1"/>
+            </a:effectRef>
+            <a:fontRef idx="minor">
+              <a:schemeClr val="tx1"/>
+            </a:fontRef>
+          </p:style>
+        </p:cxnSp>
+        <p:cxnSp>
+          <p:nvCxnSpPr>
+            <p:cNvPr id="29" name="Straight Connector 114">
+              <a:extLst>
+                <a:ext uri="{FF2B5EF4-FFF2-40B4-BE49-F238E27FC236}">
+                  <a16:creationId xmlns:a16="http://schemas.microsoft.com/office/drawing/2014/main" id="{6DF0FBB6-1590-8715-705A-370667702000}"/>
+                </a:ext>
+              </a:extLst>
+            </p:cNvPr>
+            <p:cNvCxnSpPr>
+              <a:cxnSpLocks/>
+            </p:cNvCxnSpPr>
+            <p:nvPr/>
+          </p:nvCxnSpPr>
+          <p:spPr>
+            <a:xfrm flipV="1">
+              <a:off x="2826550" y="3568981"/>
+              <a:ext cx="30813" cy="1440708"/>
+            </a:xfrm>
+            <a:prstGeom prst="line">
+              <a:avLst/>
+            </a:prstGeom>
+            <a:ln w="12700">
+              <a:solidFill>
+                <a:schemeClr val="tx1"/>
+              </a:solidFill>
+              <a:prstDash val="dash"/>
+            </a:ln>
+          </p:spPr>
+          <p:style>
+            <a:lnRef idx="1">
+              <a:schemeClr val="accent1"/>
+            </a:lnRef>
+            <a:fillRef idx="0">
+              <a:schemeClr val="accent1"/>
+            </a:fillRef>
+            <a:effectRef idx="0">
+              <a:schemeClr val="accent1"/>
+            </a:effectRef>
+            <a:fontRef idx="minor">
+              <a:schemeClr val="tx1"/>
+            </a:fontRef>
+          </p:style>
+        </p:cxnSp>
+        <p:sp>
+          <p:nvSpPr>
+            <p:cNvPr id="35" name="Multiply 135">
+              <a:extLst>
+                <a:ext uri="{FF2B5EF4-FFF2-40B4-BE49-F238E27FC236}">
+                  <a16:creationId xmlns:a16="http://schemas.microsoft.com/office/drawing/2014/main" id="{6A8BAF8A-C188-F13D-2BA2-DD7FF36B717E}"/>
+                </a:ext>
+              </a:extLst>
+            </p:cNvPr>
+            <p:cNvSpPr>
+              <a:spLocks/>
+            </p:cNvSpPr>
+            <p:nvPr/>
+          </p:nvSpPr>
+          <p:spPr>
+            <a:xfrm>
+              <a:off x="1561634" y="5103727"/>
+              <a:ext cx="72817" cy="82800"/>
+            </a:xfrm>
+            <a:prstGeom prst="mathMultiply">
+              <a:avLst/>
+            </a:prstGeom>
+            <a:solidFill>
+              <a:srgbClr val="00B0F0"/>
+            </a:solidFill>
+            <a:ln w="3175">
+              <a:solidFill>
+                <a:schemeClr val="tx1"/>
+              </a:solidFill>
+            </a:ln>
+          </p:spPr>
+          <p:style>
+            <a:lnRef idx="2">
+              <a:schemeClr val="accent1">
+                <a:shade val="50000"/>
+              </a:schemeClr>
+            </a:lnRef>
+            <a:fillRef idx="1">
+              <a:schemeClr val="accent1"/>
+            </a:fillRef>
+            <a:effectRef idx="0">
+              <a:schemeClr val="accent1"/>
+            </a:effectRef>
+            <a:fontRef idx="minor">
+              <a:schemeClr val="lt1"/>
+            </a:fontRef>
+          </p:style>
+          <p:txBody>
+            <a:bodyPr rtlCol="0" anchor="ctr"/>
+            <a:lstStyle/>
+            <a:p>
+              <a:pPr algn="ctr"/>
+              <a:endParaRPr lang="pt-BR"/>
+            </a:p>
+          </p:txBody>
+        </p:sp>
+        <p:sp>
+          <p:nvSpPr>
+            <p:cNvPr id="36" name="Multiply 135">
+              <a:extLst>
+                <a:ext uri="{FF2B5EF4-FFF2-40B4-BE49-F238E27FC236}">
+                  <a16:creationId xmlns:a16="http://schemas.microsoft.com/office/drawing/2014/main" id="{2FFEA082-476F-F47F-9403-C82507E32603}"/>
+                </a:ext>
+              </a:extLst>
+            </p:cNvPr>
+            <p:cNvSpPr>
+              <a:spLocks/>
+            </p:cNvSpPr>
+            <p:nvPr/>
+          </p:nvSpPr>
+          <p:spPr>
+            <a:xfrm>
+              <a:off x="2147785" y="5039236"/>
+              <a:ext cx="72817" cy="82800"/>
+            </a:xfrm>
+            <a:prstGeom prst="mathMultiply">
+              <a:avLst/>
+            </a:prstGeom>
+            <a:solidFill>
+              <a:srgbClr val="00B0F0"/>
+            </a:solidFill>
+            <a:ln w="3175">
+              <a:solidFill>
+                <a:schemeClr val="tx1"/>
+              </a:solidFill>
+            </a:ln>
+          </p:spPr>
+          <p:style>
+            <a:lnRef idx="2">
+              <a:schemeClr val="accent1">
+                <a:shade val="50000"/>
+              </a:schemeClr>
+            </a:lnRef>
+            <a:fillRef idx="1">
+              <a:schemeClr val="accent1"/>
+            </a:fillRef>
+            <a:effectRef idx="0">
+              <a:schemeClr val="accent1"/>
+            </a:effectRef>
+            <a:fontRef idx="minor">
+              <a:schemeClr val="lt1"/>
+            </a:fontRef>
+          </p:style>
+          <p:txBody>
+            <a:bodyPr rtlCol="0" anchor="ctr"/>
+            <a:lstStyle/>
+            <a:p>
+              <a:pPr algn="ctr"/>
+              <a:endParaRPr lang="pt-BR"/>
+            </a:p>
+          </p:txBody>
+        </p:sp>
+        <p:sp>
+          <p:nvSpPr>
+            <p:cNvPr id="37" name="Multiply 135">
+              <a:extLst>
+                <a:ext uri="{FF2B5EF4-FFF2-40B4-BE49-F238E27FC236}">
+                  <a16:creationId xmlns:a16="http://schemas.microsoft.com/office/drawing/2014/main" id="{75C82D09-9C51-CAEE-3DF6-CF1BE01CBB77}"/>
+                </a:ext>
+              </a:extLst>
+            </p:cNvPr>
+            <p:cNvSpPr>
+              <a:spLocks/>
+            </p:cNvSpPr>
+            <p:nvPr/>
+          </p:nvSpPr>
+          <p:spPr>
+            <a:xfrm>
+              <a:off x="2786700" y="4963030"/>
+              <a:ext cx="72817" cy="82800"/>
+            </a:xfrm>
+            <a:prstGeom prst="mathMultiply">
+              <a:avLst/>
+            </a:prstGeom>
+            <a:solidFill>
+              <a:srgbClr val="00B0F0"/>
+            </a:solidFill>
+            <a:ln w="3175">
+              <a:solidFill>
+                <a:schemeClr val="tx1"/>
+              </a:solidFill>
+            </a:ln>
+          </p:spPr>
+          <p:style>
+            <a:lnRef idx="2">
+              <a:schemeClr val="accent1">
+                <a:shade val="50000"/>
+              </a:schemeClr>
+            </a:lnRef>
+            <a:fillRef idx="1">
+              <a:schemeClr val="accent1"/>
+            </a:fillRef>
+            <a:effectRef idx="0">
+              <a:schemeClr val="accent1"/>
+            </a:effectRef>
+            <a:fontRef idx="minor">
+              <a:schemeClr val="lt1"/>
+            </a:fontRef>
+          </p:style>
+          <p:txBody>
+            <a:bodyPr rtlCol="0" anchor="ctr"/>
+            <a:lstStyle/>
+            <a:p>
+              <a:pPr algn="ctr"/>
+              <a:endParaRPr lang="pt-BR"/>
+            </a:p>
+          </p:txBody>
+        </p:sp>
+        <p:sp>
+          <p:nvSpPr>
+            <p:cNvPr id="38" name="Multiply 135">
+              <a:extLst>
+                <a:ext uri="{FF2B5EF4-FFF2-40B4-BE49-F238E27FC236}">
+                  <a16:creationId xmlns:a16="http://schemas.microsoft.com/office/drawing/2014/main" id="{DA70EC8E-34FF-8186-C9A7-9F45CB21EEDA}"/>
+                </a:ext>
+              </a:extLst>
+            </p:cNvPr>
+            <p:cNvSpPr>
+              <a:spLocks/>
+            </p:cNvSpPr>
+            <p:nvPr/>
+          </p:nvSpPr>
+          <p:spPr>
+            <a:xfrm>
+              <a:off x="2798413" y="4269778"/>
+              <a:ext cx="72817" cy="82800"/>
+            </a:xfrm>
+            <a:prstGeom prst="mathMultiply">
+              <a:avLst/>
+            </a:prstGeom>
+            <a:solidFill>
+              <a:srgbClr val="00B0F0"/>
+            </a:solidFill>
+            <a:ln w="3175">
+              <a:solidFill>
+                <a:schemeClr val="tx1"/>
+              </a:solidFill>
+            </a:ln>
+          </p:spPr>
+          <p:style>
+            <a:lnRef idx="2">
+              <a:schemeClr val="accent1">
+                <a:shade val="50000"/>
+              </a:schemeClr>
+            </a:lnRef>
+            <a:fillRef idx="1">
+              <a:schemeClr val="accent1"/>
+            </a:fillRef>
+            <a:effectRef idx="0">
+              <a:schemeClr val="accent1"/>
+            </a:effectRef>
+            <a:fontRef idx="minor">
+              <a:schemeClr val="lt1"/>
+            </a:fontRef>
+          </p:style>
+          <p:txBody>
+            <a:bodyPr rtlCol="0" anchor="ctr"/>
+            <a:lstStyle/>
+            <a:p>
+              <a:pPr algn="ctr"/>
+              <a:endParaRPr lang="pt-BR"/>
+            </a:p>
+          </p:txBody>
+        </p:sp>
+        <p:sp>
+          <p:nvSpPr>
+            <p:cNvPr id="39" name="Multiply 135">
+              <a:extLst>
+                <a:ext uri="{FF2B5EF4-FFF2-40B4-BE49-F238E27FC236}">
+                  <a16:creationId xmlns:a16="http://schemas.microsoft.com/office/drawing/2014/main" id="{AF59EBE3-2E1C-ACE0-D900-8C24AFDD2370}"/>
+                </a:ext>
+              </a:extLst>
+            </p:cNvPr>
+            <p:cNvSpPr>
+              <a:spLocks/>
+            </p:cNvSpPr>
+            <p:nvPr/>
+          </p:nvSpPr>
+          <p:spPr>
+            <a:xfrm>
+              <a:off x="2798407" y="4394470"/>
+              <a:ext cx="72817" cy="82800"/>
+            </a:xfrm>
+            <a:prstGeom prst="mathMultiply">
+              <a:avLst/>
+            </a:prstGeom>
+            <a:solidFill>
+              <a:srgbClr val="00B0F0"/>
+            </a:solidFill>
+            <a:ln w="3175">
+              <a:solidFill>
+                <a:schemeClr val="tx1"/>
+              </a:solidFill>
+            </a:ln>
+          </p:spPr>
+          <p:style>
+            <a:lnRef idx="2">
+              <a:schemeClr val="accent1">
+                <a:shade val="50000"/>
+              </a:schemeClr>
+            </a:lnRef>
+            <a:fillRef idx="1">
+              <a:schemeClr val="accent1"/>
+            </a:fillRef>
+            <a:effectRef idx="0">
+              <a:schemeClr val="accent1"/>
+            </a:effectRef>
+            <a:fontRef idx="minor">
+              <a:schemeClr val="lt1"/>
+            </a:fontRef>
+          </p:style>
+          <p:txBody>
+            <a:bodyPr rtlCol="0" anchor="ctr"/>
+            <a:lstStyle/>
+            <a:p>
+              <a:pPr algn="ctr"/>
+              <a:endParaRPr lang="pt-BR"/>
+            </a:p>
+          </p:txBody>
+        </p:sp>
+        <p:sp>
+          <p:nvSpPr>
+            <p:cNvPr id="40" name="Multiply 135">
+              <a:extLst>
+                <a:ext uri="{FF2B5EF4-FFF2-40B4-BE49-F238E27FC236}">
+                  <a16:creationId xmlns:a16="http://schemas.microsoft.com/office/drawing/2014/main" id="{C24E26BB-1207-A4B7-A858-9CC5EDFCDFC7}"/>
+                </a:ext>
+              </a:extLst>
+            </p:cNvPr>
+            <p:cNvSpPr>
+              <a:spLocks/>
+            </p:cNvSpPr>
+            <p:nvPr/>
+          </p:nvSpPr>
+          <p:spPr>
+            <a:xfrm>
+              <a:off x="2815999" y="3831756"/>
+              <a:ext cx="72817" cy="82800"/>
+            </a:xfrm>
+            <a:prstGeom prst="mathMultiply">
+              <a:avLst/>
+            </a:prstGeom>
+            <a:solidFill>
+              <a:srgbClr val="00B0F0"/>
+            </a:solidFill>
+            <a:ln w="3175">
+              <a:solidFill>
+                <a:schemeClr val="tx1"/>
+              </a:solidFill>
+            </a:ln>
+          </p:spPr>
+          <p:style>
+            <a:lnRef idx="2">
+              <a:schemeClr val="accent1">
+                <a:shade val="50000"/>
+              </a:schemeClr>
+            </a:lnRef>
+            <a:fillRef idx="1">
+              <a:schemeClr val="accent1"/>
+            </a:fillRef>
+            <a:effectRef idx="0">
+              <a:schemeClr val="accent1"/>
+            </a:effectRef>
+            <a:fontRef idx="minor">
+              <a:schemeClr val="lt1"/>
+            </a:fontRef>
+          </p:style>
+          <p:txBody>
+            <a:bodyPr rtlCol="0" anchor="ctr"/>
+            <a:lstStyle/>
+            <a:p>
+              <a:pPr algn="ctr"/>
+              <a:endParaRPr lang="pt-BR"/>
+            </a:p>
+          </p:txBody>
+        </p:sp>
+        <p:sp>
+          <p:nvSpPr>
+            <p:cNvPr id="41" name="Multiply 135">
+              <a:extLst>
+                <a:ext uri="{FF2B5EF4-FFF2-40B4-BE49-F238E27FC236}">
+                  <a16:creationId xmlns:a16="http://schemas.microsoft.com/office/drawing/2014/main" id="{A878CEF6-6CC0-D0A3-D355-9FB6DCEE97BD}"/>
+                </a:ext>
+              </a:extLst>
+            </p:cNvPr>
+            <p:cNvSpPr>
+              <a:spLocks/>
+            </p:cNvSpPr>
+            <p:nvPr/>
+          </p:nvSpPr>
+          <p:spPr>
+            <a:xfrm>
+              <a:off x="2810130" y="4004937"/>
+              <a:ext cx="72817" cy="82800"/>
+            </a:xfrm>
+            <a:prstGeom prst="mathMultiply">
+              <a:avLst/>
+            </a:prstGeom>
+            <a:solidFill>
+              <a:srgbClr val="00B0F0"/>
+            </a:solidFill>
+            <a:ln w="3175">
+              <a:solidFill>
+                <a:schemeClr val="tx1"/>
+              </a:solidFill>
+            </a:ln>
+          </p:spPr>
+          <p:style>
+            <a:lnRef idx="2">
+              <a:schemeClr val="accent1">
+                <a:shade val="50000"/>
+              </a:schemeClr>
+            </a:lnRef>
+            <a:fillRef idx="1">
+              <a:schemeClr val="accent1"/>
+            </a:fillRef>
+            <a:effectRef idx="0">
+              <a:schemeClr val="accent1"/>
+            </a:effectRef>
+            <a:fontRef idx="minor">
+              <a:schemeClr val="lt1"/>
+            </a:fontRef>
+          </p:style>
+          <p:txBody>
+            <a:bodyPr rtlCol="0" anchor="ctr"/>
+            <a:lstStyle/>
+            <a:p>
+              <a:pPr algn="ctr"/>
+              <a:endParaRPr lang="pt-BR"/>
+            </a:p>
+          </p:txBody>
+        </p:sp>
+        <p:sp>
+          <p:nvSpPr>
+            <p:cNvPr id="42" name="Multiply 135">
+              <a:extLst>
+                <a:ext uri="{FF2B5EF4-FFF2-40B4-BE49-F238E27FC236}">
+                  <a16:creationId xmlns:a16="http://schemas.microsoft.com/office/drawing/2014/main" id="{347597C1-C0AC-D75D-1EE7-5D0FD4098D02}"/>
+                </a:ext>
+              </a:extLst>
+            </p:cNvPr>
+            <p:cNvSpPr>
+              <a:spLocks/>
+            </p:cNvSpPr>
+            <p:nvPr/>
+          </p:nvSpPr>
+          <p:spPr>
+            <a:xfrm>
+              <a:off x="2804264" y="4126962"/>
+              <a:ext cx="72817" cy="82800"/>
+            </a:xfrm>
+            <a:prstGeom prst="mathMultiply">
+              <a:avLst/>
+            </a:prstGeom>
+            <a:solidFill>
+              <a:srgbClr val="00B0F0"/>
+            </a:solidFill>
+            <a:ln w="3175">
+              <a:solidFill>
+                <a:schemeClr val="tx1"/>
+              </a:solidFill>
+            </a:ln>
+          </p:spPr>
+          <p:style>
+            <a:lnRef idx="2">
+              <a:schemeClr val="accent1">
+                <a:shade val="50000"/>
+              </a:schemeClr>
+            </a:lnRef>
+            <a:fillRef idx="1">
+              <a:schemeClr val="accent1"/>
+            </a:fillRef>
+            <a:effectRef idx="0">
+              <a:schemeClr val="accent1"/>
+            </a:effectRef>
+            <a:fontRef idx="minor">
+              <a:schemeClr val="lt1"/>
+            </a:fontRef>
+          </p:style>
+          <p:txBody>
+            <a:bodyPr rtlCol="0" anchor="ctr"/>
+            <a:lstStyle/>
+            <a:p>
+              <a:pPr algn="ctr"/>
+              <a:endParaRPr lang="pt-BR"/>
+            </a:p>
+          </p:txBody>
+        </p:sp>
+        <p:sp>
+          <p:nvSpPr>
+            <p:cNvPr id="43" name="Multiply 135">
+              <a:extLst>
+                <a:ext uri="{FF2B5EF4-FFF2-40B4-BE49-F238E27FC236}">
+                  <a16:creationId xmlns:a16="http://schemas.microsoft.com/office/drawing/2014/main" id="{C8C0A364-859B-42D1-5A25-67DDD9877AAB}"/>
+                </a:ext>
+              </a:extLst>
+            </p:cNvPr>
+            <p:cNvSpPr>
+              <a:spLocks/>
+            </p:cNvSpPr>
+            <p:nvPr/>
+          </p:nvSpPr>
+          <p:spPr>
+            <a:xfrm>
+              <a:off x="2798395" y="4333185"/>
+              <a:ext cx="72817" cy="82800"/>
+            </a:xfrm>
+            <a:prstGeom prst="mathMultiply">
+              <a:avLst/>
+            </a:prstGeom>
+            <a:solidFill>
+              <a:srgbClr val="00B0F0"/>
+            </a:solidFill>
+            <a:ln w="3175">
+              <a:solidFill>
+                <a:schemeClr val="tx1"/>
+              </a:solidFill>
+            </a:ln>
+          </p:spPr>
+          <p:style>
+            <a:lnRef idx="2">
+              <a:schemeClr val="accent1">
+                <a:shade val="50000"/>
+              </a:schemeClr>
+            </a:lnRef>
+            <a:fillRef idx="1">
+              <a:schemeClr val="accent1"/>
+            </a:fillRef>
+            <a:effectRef idx="0">
+              <a:schemeClr val="accent1"/>
+            </a:effectRef>
+            <a:fontRef idx="minor">
+              <a:schemeClr val="lt1"/>
+            </a:fontRef>
+          </p:style>
+          <p:txBody>
+            <a:bodyPr rtlCol="0" anchor="ctr"/>
+            <a:lstStyle/>
+            <a:p>
+              <a:pPr algn="ctr"/>
+              <a:endParaRPr lang="pt-BR"/>
+            </a:p>
+          </p:txBody>
+        </p:sp>
+        <p:sp>
+          <p:nvSpPr>
+            <p:cNvPr id="44" name="Multiply 135">
+              <a:extLst>
+                <a:ext uri="{FF2B5EF4-FFF2-40B4-BE49-F238E27FC236}">
+                  <a16:creationId xmlns:a16="http://schemas.microsoft.com/office/drawing/2014/main" id="{262621E6-6AAE-739B-F2E5-89D6F70F2210}"/>
+                </a:ext>
+              </a:extLst>
+            </p:cNvPr>
+            <p:cNvSpPr>
+              <a:spLocks/>
+            </p:cNvSpPr>
+            <p:nvPr/>
+          </p:nvSpPr>
+          <p:spPr>
+            <a:xfrm>
+              <a:off x="2798391" y="4464804"/>
+              <a:ext cx="72817" cy="82800"/>
+            </a:xfrm>
+            <a:prstGeom prst="mathMultiply">
+              <a:avLst/>
+            </a:prstGeom>
+            <a:solidFill>
+              <a:srgbClr val="00B0F0"/>
+            </a:solidFill>
+            <a:ln w="3175">
+              <a:solidFill>
+                <a:schemeClr val="tx1"/>
+              </a:solidFill>
+            </a:ln>
+          </p:spPr>
+          <p:style>
+            <a:lnRef idx="2">
+              <a:schemeClr val="accent1">
+                <a:shade val="50000"/>
+              </a:schemeClr>
+            </a:lnRef>
+            <a:fillRef idx="1">
+              <a:schemeClr val="accent1"/>
+            </a:fillRef>
+            <a:effectRef idx="0">
+              <a:schemeClr val="accent1"/>
+            </a:effectRef>
+            <a:fontRef idx="minor">
+              <a:schemeClr val="lt1"/>
+            </a:fontRef>
+          </p:style>
+          <p:txBody>
+            <a:bodyPr rtlCol="0" anchor="ctr"/>
+            <a:lstStyle/>
+            <a:p>
+              <a:pPr algn="ctr"/>
+              <a:endParaRPr lang="pt-BR"/>
+            </a:p>
+          </p:txBody>
+        </p:sp>
+        <p:sp>
+          <p:nvSpPr>
+            <p:cNvPr id="45" name="Multiply 135">
+              <a:extLst>
+                <a:ext uri="{FF2B5EF4-FFF2-40B4-BE49-F238E27FC236}">
+                  <a16:creationId xmlns:a16="http://schemas.microsoft.com/office/drawing/2014/main" id="{E8C410E5-7DF1-D2A7-C773-23921FCA8531}"/>
+                </a:ext>
+              </a:extLst>
+            </p:cNvPr>
+            <p:cNvSpPr>
+              <a:spLocks/>
+            </p:cNvSpPr>
+            <p:nvPr/>
+          </p:nvSpPr>
+          <p:spPr>
+            <a:xfrm>
+              <a:off x="2792523" y="4617204"/>
+              <a:ext cx="72817" cy="82800"/>
+            </a:xfrm>
+            <a:prstGeom prst="mathMultiply">
+              <a:avLst/>
+            </a:prstGeom>
+            <a:solidFill>
+              <a:srgbClr val="00B0F0"/>
+            </a:solidFill>
+            <a:ln w="3175">
+              <a:solidFill>
+                <a:schemeClr val="tx1"/>
+              </a:solidFill>
+            </a:ln>
+          </p:spPr>
+          <p:style>
+            <a:lnRef idx="2">
+              <a:schemeClr val="accent1">
+                <a:shade val="50000"/>
+              </a:schemeClr>
+            </a:lnRef>
+            <a:fillRef idx="1">
+              <a:schemeClr val="accent1"/>
+            </a:fillRef>
+            <a:effectRef idx="0">
+              <a:schemeClr val="accent1"/>
+            </a:effectRef>
+            <a:fontRef idx="minor">
+              <a:schemeClr val="lt1"/>
+            </a:fontRef>
+          </p:style>
+          <p:txBody>
+            <a:bodyPr rtlCol="0" anchor="ctr"/>
+            <a:lstStyle/>
+            <a:p>
+              <a:pPr algn="ctr"/>
+              <a:endParaRPr lang="pt-BR"/>
+            </a:p>
+          </p:txBody>
+        </p:sp>
+        <p:sp>
+          <p:nvSpPr>
+            <p:cNvPr id="46" name="Multiply 135">
+              <a:extLst>
+                <a:ext uri="{FF2B5EF4-FFF2-40B4-BE49-F238E27FC236}">
+                  <a16:creationId xmlns:a16="http://schemas.microsoft.com/office/drawing/2014/main" id="{4CF17149-DBC3-C1F8-21C0-108F063E1A31}"/>
+                </a:ext>
+              </a:extLst>
+            </p:cNvPr>
+            <p:cNvSpPr>
+              <a:spLocks/>
+            </p:cNvSpPr>
+            <p:nvPr/>
+          </p:nvSpPr>
+          <p:spPr>
+            <a:xfrm>
+              <a:off x="2792516" y="4769604"/>
+              <a:ext cx="72817" cy="82800"/>
+            </a:xfrm>
+            <a:prstGeom prst="mathMultiply">
+              <a:avLst/>
+            </a:prstGeom>
+            <a:solidFill>
+              <a:srgbClr val="00B0F0"/>
+            </a:solidFill>
+            <a:ln w="3175">
+              <a:solidFill>
+                <a:schemeClr val="tx1"/>
+              </a:solidFill>
+            </a:ln>
+          </p:spPr>
+          <p:style>
+            <a:lnRef idx="2">
+              <a:schemeClr val="accent1">
+                <a:shade val="50000"/>
+              </a:schemeClr>
+            </a:lnRef>
+            <a:fillRef idx="1">
+              <a:schemeClr val="accent1"/>
+            </a:fillRef>
+            <a:effectRef idx="0">
+              <a:schemeClr val="accent1"/>
+            </a:effectRef>
+            <a:fontRef idx="minor">
+              <a:schemeClr val="lt1"/>
+            </a:fontRef>
+          </p:style>
+          <p:txBody>
+            <a:bodyPr rtlCol="0" anchor="ctr"/>
+            <a:lstStyle/>
+            <a:p>
+              <a:pPr algn="ctr"/>
+              <a:endParaRPr lang="pt-BR"/>
+            </a:p>
+          </p:txBody>
+        </p:sp>
+        <p:sp>
+          <p:nvSpPr>
+            <p:cNvPr id="47" name="Multiply 135">
+              <a:extLst>
+                <a:ext uri="{FF2B5EF4-FFF2-40B4-BE49-F238E27FC236}">
+                  <a16:creationId xmlns:a16="http://schemas.microsoft.com/office/drawing/2014/main" id="{D0A86F5B-7999-5C8B-AF52-B66951CA417D}"/>
+                </a:ext>
+              </a:extLst>
+            </p:cNvPr>
+            <p:cNvSpPr>
+              <a:spLocks/>
+            </p:cNvSpPr>
+            <p:nvPr/>
+          </p:nvSpPr>
+          <p:spPr>
+            <a:xfrm>
+              <a:off x="2792510" y="4922004"/>
+              <a:ext cx="72817" cy="82800"/>
+            </a:xfrm>
+            <a:prstGeom prst="mathMultiply">
+              <a:avLst/>
+            </a:prstGeom>
+            <a:solidFill>
+              <a:srgbClr val="00B0F0"/>
+            </a:solidFill>
+            <a:ln w="3175">
+              <a:solidFill>
+                <a:schemeClr val="tx1"/>
+              </a:solidFill>
+            </a:ln>
+          </p:spPr>
+          <p:style>
+            <a:lnRef idx="2">
+              <a:schemeClr val="accent1">
+                <a:shade val="50000"/>
+              </a:schemeClr>
+            </a:lnRef>
+            <a:fillRef idx="1">
+              <a:schemeClr val="accent1"/>
+            </a:fillRef>
+            <a:effectRef idx="0">
+              <a:schemeClr val="accent1"/>
+            </a:effectRef>
+            <a:fontRef idx="minor">
+              <a:schemeClr val="lt1"/>
+            </a:fontRef>
+          </p:style>
+          <p:txBody>
+            <a:bodyPr rtlCol="0" anchor="ctr"/>
+            <a:lstStyle/>
+            <a:p>
+              <a:pPr algn="ctr"/>
+              <a:endParaRPr lang="pt-BR"/>
+            </a:p>
+          </p:txBody>
+        </p:sp>
+        <p:sp>
+          <p:nvSpPr>
+            <p:cNvPr id="48" name="Multiply 135">
+              <a:extLst>
+                <a:ext uri="{FF2B5EF4-FFF2-40B4-BE49-F238E27FC236}">
+                  <a16:creationId xmlns:a16="http://schemas.microsoft.com/office/drawing/2014/main" id="{9C348C03-32B9-153B-0090-6E8C5B85F3B1}"/>
+                </a:ext>
+              </a:extLst>
+            </p:cNvPr>
+            <p:cNvSpPr>
+              <a:spLocks/>
+            </p:cNvSpPr>
+            <p:nvPr/>
+          </p:nvSpPr>
+          <p:spPr>
+            <a:xfrm>
+              <a:off x="2792506" y="4851658"/>
+              <a:ext cx="72817" cy="82800"/>
+            </a:xfrm>
+            <a:prstGeom prst="mathMultiply">
+              <a:avLst/>
+            </a:prstGeom>
+            <a:solidFill>
+              <a:srgbClr val="00B0F0"/>
+            </a:solidFill>
+            <a:ln w="3175">
+              <a:solidFill>
+                <a:schemeClr val="tx1"/>
+              </a:solidFill>
+            </a:ln>
+          </p:spPr>
+          <p:style>
+            <a:lnRef idx="2">
+              <a:schemeClr val="accent1">
+                <a:shade val="50000"/>
+              </a:schemeClr>
+            </a:lnRef>
+            <a:fillRef idx="1">
+              <a:schemeClr val="accent1"/>
+            </a:fillRef>
+            <a:effectRef idx="0">
+              <a:schemeClr val="accent1"/>
+            </a:effectRef>
+            <a:fontRef idx="minor">
+              <a:schemeClr val="lt1"/>
+            </a:fontRef>
+          </p:style>
+          <p:txBody>
+            <a:bodyPr rtlCol="0" anchor="ctr"/>
+            <a:lstStyle/>
+            <a:p>
+              <a:pPr algn="ctr"/>
+              <a:endParaRPr lang="pt-BR"/>
+            </a:p>
+          </p:txBody>
+        </p:sp>
+        <p:sp>
+          <p:nvSpPr>
+            <p:cNvPr id="49" name="Multiply 135">
+              <a:extLst>
+                <a:ext uri="{FF2B5EF4-FFF2-40B4-BE49-F238E27FC236}">
+                  <a16:creationId xmlns:a16="http://schemas.microsoft.com/office/drawing/2014/main" id="{760E6EAE-C7F7-57D7-08D8-B29FFDE03B81}"/>
+                </a:ext>
+              </a:extLst>
+            </p:cNvPr>
+            <p:cNvSpPr>
+              <a:spLocks/>
+            </p:cNvSpPr>
+            <p:nvPr/>
+          </p:nvSpPr>
+          <p:spPr>
+            <a:xfrm>
+              <a:off x="2798361" y="4699247"/>
+              <a:ext cx="72817" cy="82800"/>
+            </a:xfrm>
+            <a:prstGeom prst="mathMultiply">
+              <a:avLst/>
+            </a:prstGeom>
+            <a:solidFill>
+              <a:srgbClr val="00B0F0"/>
+            </a:solidFill>
+            <a:ln w="3175">
+              <a:solidFill>
+                <a:schemeClr val="tx1"/>
+              </a:solidFill>
+            </a:ln>
+          </p:spPr>
+          <p:style>
+            <a:lnRef idx="2">
+              <a:schemeClr val="accent1">
+                <a:shade val="50000"/>
+              </a:schemeClr>
+            </a:lnRef>
+            <a:fillRef idx="1">
+              <a:schemeClr val="accent1"/>
+            </a:fillRef>
+            <a:effectRef idx="0">
+              <a:schemeClr val="accent1"/>
+            </a:effectRef>
+            <a:fontRef idx="minor">
+              <a:schemeClr val="lt1"/>
+            </a:fontRef>
+          </p:style>
+          <p:txBody>
+            <a:bodyPr rtlCol="0" anchor="ctr"/>
+            <a:lstStyle/>
+            <a:p>
+              <a:pPr algn="ctr"/>
+              <a:endParaRPr lang="pt-BR"/>
+            </a:p>
+          </p:txBody>
+        </p:sp>
+        <p:sp>
+          <p:nvSpPr>
+            <p:cNvPr id="50" name="Multiply 135">
+              <a:extLst>
+                <a:ext uri="{FF2B5EF4-FFF2-40B4-BE49-F238E27FC236}">
+                  <a16:creationId xmlns:a16="http://schemas.microsoft.com/office/drawing/2014/main" id="{821C69AD-CBE0-650C-F7F9-C28FE7BA8D14}"/>
+                </a:ext>
+              </a:extLst>
+            </p:cNvPr>
+            <p:cNvSpPr>
+              <a:spLocks/>
+            </p:cNvSpPr>
+            <p:nvPr/>
+          </p:nvSpPr>
+          <p:spPr>
+            <a:xfrm>
+              <a:off x="2798355" y="4546838"/>
+              <a:ext cx="72817" cy="82800"/>
+            </a:xfrm>
+            <a:prstGeom prst="mathMultiply">
+              <a:avLst/>
+            </a:prstGeom>
+            <a:solidFill>
+              <a:srgbClr val="00B0F0"/>
+            </a:solidFill>
+            <a:ln w="3175">
+              <a:solidFill>
+                <a:schemeClr val="tx1"/>
+              </a:solidFill>
+            </a:ln>
+          </p:spPr>
+          <p:style>
+            <a:lnRef idx="2">
+              <a:schemeClr val="accent1">
+                <a:shade val="50000"/>
+              </a:schemeClr>
+            </a:lnRef>
+            <a:fillRef idx="1">
+              <a:schemeClr val="accent1"/>
+            </a:fillRef>
+            <a:effectRef idx="0">
+              <a:schemeClr val="accent1"/>
+            </a:effectRef>
+            <a:fontRef idx="minor">
+              <a:schemeClr val="lt1"/>
+            </a:fontRef>
+          </p:style>
+          <p:txBody>
+            <a:bodyPr rtlCol="0" anchor="ctr"/>
+            <a:lstStyle/>
+            <a:p>
+              <a:pPr algn="ctr"/>
+              <a:endParaRPr lang="pt-BR"/>
+            </a:p>
+          </p:txBody>
+        </p:sp>
+        <p:sp>
+          <p:nvSpPr>
+            <p:cNvPr id="51" name="Multiply 135">
+              <a:extLst>
+                <a:ext uri="{FF2B5EF4-FFF2-40B4-BE49-F238E27FC236}">
+                  <a16:creationId xmlns:a16="http://schemas.microsoft.com/office/drawing/2014/main" id="{863ED875-1F1C-8E0C-61C7-DF4AED278AA4}"/>
+                </a:ext>
+              </a:extLst>
+            </p:cNvPr>
+            <p:cNvSpPr>
+              <a:spLocks/>
+            </p:cNvSpPr>
+            <p:nvPr/>
+          </p:nvSpPr>
+          <p:spPr>
+            <a:xfrm>
+              <a:off x="2804208" y="4075240"/>
+              <a:ext cx="72817" cy="82800"/>
+            </a:xfrm>
+            <a:prstGeom prst="mathMultiply">
+              <a:avLst/>
+            </a:prstGeom>
+            <a:solidFill>
+              <a:srgbClr val="00B0F0"/>
+            </a:solidFill>
+            <a:ln w="3175">
+              <a:solidFill>
+                <a:schemeClr val="tx1"/>
+              </a:solidFill>
+            </a:ln>
+          </p:spPr>
+          <p:style>
+            <a:lnRef idx="2">
+              <a:schemeClr val="accent1">
+                <a:shade val="50000"/>
+              </a:schemeClr>
+            </a:lnRef>
+            <a:fillRef idx="1">
+              <a:schemeClr val="accent1"/>
+            </a:fillRef>
+            <a:effectRef idx="0">
+              <a:schemeClr val="accent1"/>
+            </a:effectRef>
+            <a:fontRef idx="minor">
+              <a:schemeClr val="lt1"/>
+            </a:fontRef>
+          </p:style>
+          <p:txBody>
+            <a:bodyPr rtlCol="0" anchor="ctr"/>
+            <a:lstStyle/>
+            <a:p>
+              <a:pPr algn="ctr"/>
+              <a:endParaRPr lang="pt-BR"/>
+            </a:p>
+          </p:txBody>
+        </p:sp>
+        <p:sp>
+          <p:nvSpPr>
+            <p:cNvPr id="52" name="Multiply 135">
+              <a:extLst>
+                <a:ext uri="{FF2B5EF4-FFF2-40B4-BE49-F238E27FC236}">
+                  <a16:creationId xmlns:a16="http://schemas.microsoft.com/office/drawing/2014/main" id="{1C02F9EC-4878-3243-15C2-C875204E4EC5}"/>
+                </a:ext>
+              </a:extLst>
+            </p:cNvPr>
+            <p:cNvSpPr>
+              <a:spLocks/>
+            </p:cNvSpPr>
+            <p:nvPr/>
+          </p:nvSpPr>
+          <p:spPr>
+            <a:xfrm>
+              <a:off x="2810063" y="3896194"/>
+              <a:ext cx="72817" cy="82800"/>
+            </a:xfrm>
+            <a:prstGeom prst="mathMultiply">
+              <a:avLst/>
+            </a:prstGeom>
+            <a:solidFill>
+              <a:srgbClr val="00B0F0"/>
+            </a:solidFill>
+            <a:ln w="3175">
+              <a:solidFill>
+                <a:schemeClr val="tx1"/>
+              </a:solidFill>
+            </a:ln>
+          </p:spPr>
+          <p:style>
+            <a:lnRef idx="2">
+              <a:schemeClr val="accent1">
+                <a:shade val="50000"/>
+              </a:schemeClr>
+            </a:lnRef>
+            <a:fillRef idx="1">
+              <a:schemeClr val="accent1"/>
+            </a:fillRef>
+            <a:effectRef idx="0">
+              <a:schemeClr val="accent1"/>
+            </a:effectRef>
+            <a:fontRef idx="minor">
+              <a:schemeClr val="lt1"/>
+            </a:fontRef>
+          </p:style>
+          <p:txBody>
+            <a:bodyPr rtlCol="0" anchor="ctr"/>
+            <a:lstStyle/>
+            <a:p>
+              <a:pPr algn="ctr"/>
+              <a:endParaRPr lang="pt-BR"/>
+            </a:p>
+          </p:txBody>
+        </p:sp>
+        <p:sp>
+          <p:nvSpPr>
+            <p:cNvPr id="53" name="Multiply 135">
+              <a:extLst>
+                <a:ext uri="{FF2B5EF4-FFF2-40B4-BE49-F238E27FC236}">
+                  <a16:creationId xmlns:a16="http://schemas.microsoft.com/office/drawing/2014/main" id="{9B21C56A-8935-EFF6-AD59-C9BEAA8A86AE}"/>
+                </a:ext>
+              </a:extLst>
+            </p:cNvPr>
+            <p:cNvSpPr>
+              <a:spLocks/>
+            </p:cNvSpPr>
+            <p:nvPr/>
+          </p:nvSpPr>
+          <p:spPr>
+            <a:xfrm>
+              <a:off x="2798332" y="4197271"/>
+              <a:ext cx="72817" cy="82800"/>
+            </a:xfrm>
+            <a:prstGeom prst="mathMultiply">
+              <a:avLst/>
+            </a:prstGeom>
+            <a:solidFill>
+              <a:srgbClr val="00B0F0"/>
+            </a:solidFill>
+            <a:ln w="3175">
+              <a:solidFill>
+                <a:schemeClr val="tx1"/>
+              </a:solidFill>
+            </a:ln>
+          </p:spPr>
+          <p:style>
+            <a:lnRef idx="2">
+              <a:schemeClr val="accent1">
+                <a:shade val="50000"/>
+              </a:schemeClr>
+            </a:lnRef>
+            <a:fillRef idx="1">
+              <a:schemeClr val="accent1"/>
+            </a:fillRef>
+            <a:effectRef idx="0">
+              <a:schemeClr val="accent1"/>
+            </a:effectRef>
+            <a:fontRef idx="minor">
+              <a:schemeClr val="lt1"/>
+            </a:fontRef>
+          </p:style>
+          <p:txBody>
+            <a:bodyPr rtlCol="0" anchor="ctr"/>
+            <a:lstStyle/>
+            <a:p>
+              <a:pPr algn="ctr"/>
+              <a:endParaRPr lang="pt-BR"/>
+            </a:p>
+          </p:txBody>
+        </p:sp>
+        <p:sp>
+          <p:nvSpPr>
+            <p:cNvPr id="54" name="Multiply 135">
+              <a:extLst>
+                <a:ext uri="{FF2B5EF4-FFF2-40B4-BE49-F238E27FC236}">
+                  <a16:creationId xmlns:a16="http://schemas.microsoft.com/office/drawing/2014/main" id="{72AFD4D7-205C-95E1-43F2-7CA5465865BB}"/>
+                </a:ext>
+              </a:extLst>
+            </p:cNvPr>
+            <p:cNvSpPr>
+              <a:spLocks/>
+            </p:cNvSpPr>
+            <p:nvPr/>
+          </p:nvSpPr>
+          <p:spPr>
+            <a:xfrm>
+              <a:off x="2815911" y="3749657"/>
+              <a:ext cx="72817" cy="82800"/>
+            </a:xfrm>
+            <a:prstGeom prst="mathMultiply">
+              <a:avLst/>
+            </a:prstGeom>
+            <a:solidFill>
+              <a:srgbClr val="00B0F0"/>
+            </a:solidFill>
+            <a:ln w="3175">
+              <a:solidFill>
+                <a:schemeClr val="tx1"/>
+              </a:solidFill>
+            </a:ln>
+          </p:spPr>
+          <p:style>
+            <a:lnRef idx="2">
+              <a:schemeClr val="accent1">
+                <a:shade val="50000"/>
+              </a:schemeClr>
+            </a:lnRef>
+            <a:fillRef idx="1">
+              <a:schemeClr val="accent1"/>
+            </a:fillRef>
+            <a:effectRef idx="0">
+              <a:schemeClr val="accent1"/>
+            </a:effectRef>
+            <a:fontRef idx="minor">
+              <a:schemeClr val="lt1"/>
+            </a:fontRef>
+          </p:style>
+          <p:txBody>
+            <a:bodyPr rtlCol="0" anchor="ctr"/>
+            <a:lstStyle/>
+            <a:p>
+              <a:pPr algn="ctr"/>
+              <a:endParaRPr lang="pt-BR"/>
+            </a:p>
+          </p:txBody>
+        </p:sp>
+        <p:sp>
+          <p:nvSpPr>
+            <p:cNvPr id="55" name="Multiply 135">
+              <a:extLst>
+                <a:ext uri="{FF2B5EF4-FFF2-40B4-BE49-F238E27FC236}">
+                  <a16:creationId xmlns:a16="http://schemas.microsoft.com/office/drawing/2014/main" id="{9B64FA35-5DCA-C4A1-9BF8-1D567B0DC27F}"/>
+                </a:ext>
+              </a:extLst>
+            </p:cNvPr>
+            <p:cNvSpPr>
+              <a:spLocks/>
+            </p:cNvSpPr>
+            <p:nvPr/>
+          </p:nvSpPr>
+          <p:spPr>
+            <a:xfrm>
+              <a:off x="2815907" y="3685173"/>
+              <a:ext cx="72817" cy="82800"/>
+            </a:xfrm>
+            <a:prstGeom prst="mathMultiply">
+              <a:avLst/>
+            </a:prstGeom>
+            <a:solidFill>
+              <a:srgbClr val="00B0F0"/>
+            </a:solidFill>
+            <a:ln w="3175">
+              <a:solidFill>
+                <a:schemeClr val="tx1"/>
+              </a:solidFill>
+            </a:ln>
+          </p:spPr>
+          <p:style>
+            <a:lnRef idx="2">
+              <a:schemeClr val="accent1">
+                <a:shade val="50000"/>
+              </a:schemeClr>
+            </a:lnRef>
+            <a:fillRef idx="1">
+              <a:schemeClr val="accent1"/>
+            </a:fillRef>
+            <a:effectRef idx="0">
+              <a:schemeClr val="accent1"/>
+            </a:effectRef>
+            <a:fontRef idx="minor">
+              <a:schemeClr val="lt1"/>
+            </a:fontRef>
+          </p:style>
+          <p:txBody>
+            <a:bodyPr rtlCol="0" anchor="ctr"/>
+            <a:lstStyle/>
+            <a:p>
+              <a:pPr algn="ctr"/>
+              <a:endParaRPr lang="pt-BR"/>
+            </a:p>
+          </p:txBody>
+        </p:sp>
+        <p:sp>
+          <p:nvSpPr>
+            <p:cNvPr id="56" name="Multiply 135">
+              <a:extLst>
+                <a:ext uri="{FF2B5EF4-FFF2-40B4-BE49-F238E27FC236}">
+                  <a16:creationId xmlns:a16="http://schemas.microsoft.com/office/drawing/2014/main" id="{8E8A939F-B2F2-48A5-E644-323CAFE61140}"/>
+                </a:ext>
+              </a:extLst>
+            </p:cNvPr>
+            <p:cNvSpPr>
+              <a:spLocks/>
+            </p:cNvSpPr>
+            <p:nvPr/>
+          </p:nvSpPr>
+          <p:spPr>
+            <a:xfrm>
+              <a:off x="2821761" y="3644136"/>
+              <a:ext cx="72817" cy="82800"/>
+            </a:xfrm>
+            <a:prstGeom prst="mathMultiply">
+              <a:avLst/>
+            </a:prstGeom>
+            <a:solidFill>
+              <a:srgbClr val="00B0F0"/>
+            </a:solidFill>
+            <a:ln w="3175">
+              <a:solidFill>
+                <a:schemeClr val="tx1"/>
+              </a:solidFill>
+            </a:ln>
+          </p:spPr>
+          <p:style>
+            <a:lnRef idx="2">
+              <a:schemeClr val="accent1">
+                <a:shade val="50000"/>
+              </a:schemeClr>
+            </a:lnRef>
+            <a:fillRef idx="1">
+              <a:schemeClr val="accent1"/>
+            </a:fillRef>
+            <a:effectRef idx="0">
+              <a:schemeClr val="accent1"/>
+            </a:effectRef>
+            <a:fontRef idx="minor">
+              <a:schemeClr val="lt1"/>
+            </a:fontRef>
+          </p:style>
+          <p:txBody>
+            <a:bodyPr rtlCol="0" anchor="ctr"/>
+            <a:lstStyle/>
+            <a:p>
+              <a:pPr algn="ctr"/>
+              <a:endParaRPr lang="pt-BR"/>
+            </a:p>
+          </p:txBody>
+        </p:sp>
+        <p:sp>
+          <p:nvSpPr>
+            <p:cNvPr id="57" name="Multiply 135">
+              <a:extLst>
+                <a:ext uri="{FF2B5EF4-FFF2-40B4-BE49-F238E27FC236}">
+                  <a16:creationId xmlns:a16="http://schemas.microsoft.com/office/drawing/2014/main" id="{BA24BE91-984D-64B3-B60F-21C293E7000E}"/>
+                </a:ext>
+              </a:extLst>
+            </p:cNvPr>
+            <p:cNvSpPr>
+              <a:spLocks/>
+            </p:cNvSpPr>
+            <p:nvPr/>
+          </p:nvSpPr>
+          <p:spPr>
+            <a:xfrm>
+              <a:off x="2821755" y="3567931"/>
+              <a:ext cx="72817" cy="82800"/>
+            </a:xfrm>
+            <a:prstGeom prst="mathMultiply">
+              <a:avLst/>
+            </a:prstGeom>
+            <a:solidFill>
+              <a:srgbClr val="00B0F0"/>
+            </a:solidFill>
+            <a:ln w="3175">
+              <a:solidFill>
+                <a:schemeClr val="tx1"/>
+              </a:solidFill>
+            </a:ln>
+          </p:spPr>
+          <p:style>
+            <a:lnRef idx="2">
+              <a:schemeClr val="accent1">
+                <a:shade val="50000"/>
+              </a:schemeClr>
+            </a:lnRef>
+            <a:fillRef idx="1">
+              <a:schemeClr val="accent1"/>
+            </a:fillRef>
+            <a:effectRef idx="0">
+              <a:schemeClr val="accent1"/>
+            </a:effectRef>
+            <a:fontRef idx="minor">
+              <a:schemeClr val="lt1"/>
+            </a:fontRef>
+          </p:style>
+          <p:txBody>
+            <a:bodyPr rtlCol="0" anchor="ctr"/>
+            <a:lstStyle/>
+            <a:p>
+              <a:pPr algn="ctr"/>
+              <a:endParaRPr lang="pt-BR"/>
+            </a:p>
+          </p:txBody>
+        </p:sp>
+        <p:sp>
+          <p:nvSpPr>
+            <p:cNvPr id="58" name="Multiply 135">
+              <a:extLst>
+                <a:ext uri="{FF2B5EF4-FFF2-40B4-BE49-F238E27FC236}">
+                  <a16:creationId xmlns:a16="http://schemas.microsoft.com/office/drawing/2014/main" id="{0019A74A-118A-B8CF-D346-7EC03E3987DD}"/>
+                </a:ext>
+              </a:extLst>
+            </p:cNvPr>
+            <p:cNvSpPr>
+              <a:spLocks/>
+            </p:cNvSpPr>
+            <p:nvPr/>
+          </p:nvSpPr>
+          <p:spPr>
+            <a:xfrm>
+              <a:off x="2815887" y="3608957"/>
+              <a:ext cx="72817" cy="82800"/>
+            </a:xfrm>
+            <a:prstGeom prst="mathMultiply">
+              <a:avLst/>
+            </a:prstGeom>
+            <a:solidFill>
+              <a:srgbClr val="00B0F0"/>
+            </a:solidFill>
+            <a:ln w="3175">
+              <a:solidFill>
+                <a:schemeClr val="tx1"/>
+              </a:solidFill>
+            </a:ln>
+          </p:spPr>
+          <p:style>
+            <a:lnRef idx="2">
+              <a:schemeClr val="accent1">
+                <a:shade val="50000"/>
+              </a:schemeClr>
+            </a:lnRef>
+            <a:fillRef idx="1">
+              <a:schemeClr val="accent1"/>
+            </a:fillRef>
+            <a:effectRef idx="0">
+              <a:schemeClr val="accent1"/>
+            </a:effectRef>
+            <a:fontRef idx="minor">
+              <a:schemeClr val="lt1"/>
+            </a:fontRef>
+          </p:style>
+          <p:txBody>
+            <a:bodyPr rtlCol="0" anchor="ctr"/>
+            <a:lstStyle/>
+            <a:p>
+              <a:pPr algn="ctr"/>
+              <a:endParaRPr lang="pt-BR"/>
+            </a:p>
+          </p:txBody>
+        </p:sp>
+        <p:sp>
+          <p:nvSpPr>
+            <p:cNvPr id="59" name="Multiply 135">
+              <a:extLst>
+                <a:ext uri="{FF2B5EF4-FFF2-40B4-BE49-F238E27FC236}">
+                  <a16:creationId xmlns:a16="http://schemas.microsoft.com/office/drawing/2014/main" id="{2A5512CC-0B51-FABF-F91A-B6123A14B48A}"/>
+                </a:ext>
+              </a:extLst>
+            </p:cNvPr>
+            <p:cNvSpPr>
+              <a:spLocks/>
+            </p:cNvSpPr>
+            <p:nvPr/>
+          </p:nvSpPr>
+          <p:spPr>
+            <a:xfrm>
+              <a:off x="2821755" y="3470948"/>
+              <a:ext cx="72817" cy="82800"/>
+            </a:xfrm>
+            <a:prstGeom prst="mathMultiply">
+              <a:avLst/>
+            </a:prstGeom>
+            <a:solidFill>
+              <a:srgbClr val="00B0F0"/>
+            </a:solidFill>
+            <a:ln w="3175">
+              <a:solidFill>
+                <a:schemeClr val="tx1"/>
+              </a:solidFill>
+            </a:ln>
+          </p:spPr>
+          <p:style>
+            <a:lnRef idx="2">
+              <a:schemeClr val="accent1">
+                <a:shade val="50000"/>
+              </a:schemeClr>
+            </a:lnRef>
+            <a:fillRef idx="1">
+              <a:schemeClr val="accent1"/>
+            </a:fillRef>
+            <a:effectRef idx="0">
+              <a:schemeClr val="accent1"/>
+            </a:effectRef>
+            <a:fontRef idx="minor">
+              <a:schemeClr val="lt1"/>
+            </a:fontRef>
+          </p:style>
+          <p:txBody>
+            <a:bodyPr rtlCol="0" anchor="ctr"/>
+            <a:lstStyle/>
+            <a:p>
+              <a:pPr algn="ctr"/>
+              <a:endParaRPr lang="pt-BR"/>
+            </a:p>
+          </p:txBody>
+        </p:sp>
+        <p:sp>
+          <p:nvSpPr>
+            <p:cNvPr id="60" name="Multiply 135">
+              <a:extLst>
+                <a:ext uri="{FF2B5EF4-FFF2-40B4-BE49-F238E27FC236}">
+                  <a16:creationId xmlns:a16="http://schemas.microsoft.com/office/drawing/2014/main" id="{F626310B-7E68-50DB-ED66-A1A7C8DF3086}"/>
+                </a:ext>
+              </a:extLst>
+            </p:cNvPr>
+            <p:cNvSpPr>
+              <a:spLocks/>
+            </p:cNvSpPr>
+            <p:nvPr/>
+          </p:nvSpPr>
+          <p:spPr>
+            <a:xfrm>
+              <a:off x="2814831" y="3519440"/>
+              <a:ext cx="72817" cy="82800"/>
+            </a:xfrm>
+            <a:prstGeom prst="mathMultiply">
+              <a:avLst/>
+            </a:prstGeom>
+            <a:solidFill>
+              <a:srgbClr val="00B0F0"/>
+            </a:solidFill>
+            <a:ln w="3175">
+              <a:solidFill>
+                <a:schemeClr val="tx1"/>
+              </a:solidFill>
+            </a:ln>
+          </p:spPr>
+          <p:style>
+            <a:lnRef idx="2">
+              <a:schemeClr val="accent1">
+                <a:shade val="50000"/>
+              </a:schemeClr>
+            </a:lnRef>
+            <a:fillRef idx="1">
+              <a:schemeClr val="accent1"/>
+            </a:fillRef>
+            <a:effectRef idx="0">
+              <a:schemeClr val="accent1"/>
+            </a:effectRef>
+            <a:fontRef idx="minor">
+              <a:schemeClr val="lt1"/>
+            </a:fontRef>
+          </p:style>
+          <p:txBody>
+            <a:bodyPr rtlCol="0" anchor="ctr"/>
+            <a:lstStyle/>
+            <a:p>
+              <a:pPr algn="ctr"/>
+              <a:endParaRPr lang="pt-BR"/>
+            </a:p>
+          </p:txBody>
+        </p:sp>
+        <p:sp>
+          <p:nvSpPr>
+            <p:cNvPr id="61" name="Multiply 135">
+              <a:extLst>
+                <a:ext uri="{FF2B5EF4-FFF2-40B4-BE49-F238E27FC236}">
+                  <a16:creationId xmlns:a16="http://schemas.microsoft.com/office/drawing/2014/main" id="{1FF4313A-7729-DF85-5956-8175C40249C7}"/>
+                </a:ext>
+              </a:extLst>
+            </p:cNvPr>
+            <p:cNvSpPr>
+              <a:spLocks/>
+            </p:cNvSpPr>
+            <p:nvPr/>
+          </p:nvSpPr>
+          <p:spPr>
+            <a:xfrm>
+              <a:off x="2807901" y="3942004"/>
+              <a:ext cx="72817" cy="82800"/>
+            </a:xfrm>
+            <a:prstGeom prst="mathMultiply">
+              <a:avLst/>
+            </a:prstGeom>
+            <a:solidFill>
+              <a:srgbClr val="00B0F0"/>
+            </a:solidFill>
+            <a:ln w="3175">
+              <a:solidFill>
+                <a:schemeClr val="tx1"/>
+              </a:solidFill>
+            </a:ln>
+          </p:spPr>
+          <p:style>
+            <a:lnRef idx="2">
+              <a:schemeClr val="accent1">
+                <a:shade val="50000"/>
+              </a:schemeClr>
+            </a:lnRef>
+            <a:fillRef idx="1">
+              <a:schemeClr val="accent1"/>
+            </a:fillRef>
+            <a:effectRef idx="0">
+              <a:schemeClr val="accent1"/>
+            </a:effectRef>
+            <a:fontRef idx="minor">
+              <a:schemeClr val="lt1"/>
+            </a:fontRef>
+          </p:style>
+          <p:txBody>
+            <a:bodyPr rtlCol="0" anchor="ctr"/>
+            <a:lstStyle/>
+            <a:p>
+              <a:pPr algn="ctr"/>
+              <a:endParaRPr lang="pt-BR" dirty="0"/>
+            </a:p>
+          </p:txBody>
+        </p:sp>
       </p:grpSp>
     </p:spTree>
     <p:extLst>
       <p:ext uri="{BB962C8B-B14F-4D97-AF65-F5344CB8AC3E}">
-        <p14:creationId xmlns:p14="http://schemas.microsoft.com/office/powerpoint/2010/main" val="2329773658"/>
+        <p14:creationId xmlns:p14="http://schemas.microsoft.com/office/powerpoint/2010/main" val="901203922"/>
       </p:ext>
     </p:extLst>
   </p:cSld>
@@ -24411,13 +25597,13 @@
             </p:spPr>
             <p:txBody>
               <a:bodyPr>
-                <a:normAutofit lnSpcReduction="10000"/>
+                <a:normAutofit fontScale="92500"/>
               </a:bodyPr>
               <a:lstStyle/>
               <a:p>
                 <a:r>
                   <a:rPr lang="pt-BR" dirty="0"/>
-                  <a:t>A </a:t>
+                  <a:t>Em geral, a </a:t>
                 </a:r>
                 <a:r>
                   <a:rPr lang="pt-BR" b="1" i="1" dirty="0"/>
@@ -24993,7 +26179,7 @@
                 </a14:m>
                 <a:r>
                   <a:rPr lang="pt-BR" dirty="0"/>
-                  <a:t> são os valor mínimo e máximo, respectivamente, calculados ao longo de todas as amostras do </a:t>
+                  <a:t> são os valores mínimo e máximo, respectivamente, calculados ao longo de todas as amostras do </a:t>
                 </a:r>
                 <a14:m>
                   <m:oMath xmlns:m="http://schemas.openxmlformats.org/officeDocument/2006/math">
@@ -25007,8 +26193,42 @@
                 </a14:m>
                 <a:r>
                   <a:rPr lang="pt-BR" dirty="0"/>
-                  <a:t>–ésimo atributo.</a:t>
+                  <a:t>–ésimo vetor de atributo, </a:t>
                 </a:r>
+                <a14:m>
+                  <m:oMath xmlns:m="http://schemas.openxmlformats.org/officeDocument/2006/math">
+                    <m:sSub>
+                      <m:sSubPr>
+                        <m:ctrlPr>
+                          <a:rPr lang="en-US" i="1">
+                            <a:latin typeface="Cambria Math" panose="02040503050406030204" pitchFamily="18" charset="0"/>
+                          </a:rPr>
+                        </m:ctrlPr>
+                      </m:sSubPr>
+                      <m:e>
+                        <m:r>
+                          <a:rPr lang="en-US" b="1" i="1">
+                            <a:latin typeface="Cambria Math" panose="02040503050406030204" pitchFamily="18" charset="0"/>
+                          </a:rPr>
+                          <m:t>𝒙</m:t>
+                        </m:r>
+                      </m:e>
+                      <m:sub>
+                        <m:r>
+                          <a:rPr lang="en-US" i="1">
+                            <a:latin typeface="Cambria Math" panose="02040503050406030204" pitchFamily="18" charset="0"/>
+                          </a:rPr>
+                          <m:t>𝑘</m:t>
+                        </m:r>
+                      </m:sub>
+                    </m:sSub>
+                  </m:oMath>
+                </a14:m>
+                <a:r>
+                  <a:rPr lang="pt-BR"/>
+                  <a:t>.</a:t>
+                </a:r>
+                <a:endParaRPr lang="pt-BR" dirty="0"/>
               </a:p>
               <a:p>
                 <a:r>
@@ -25295,7 +26515,7 @@
               <a:blipFill>
                 <a:blip r:embed="rId3"/>
                 <a:stretch>
-                  <a:fillRect l="-1148" t="-2663" b="-242"/>
+                  <a:fillRect l="-984" t="-1816" r="-437" b="-847"/>
                 </a:stretch>
               </a:blipFill>
             </p:spPr>
@@ -25366,8 +26586,8 @@
           </a:p>
         </p:txBody>
       </p:sp>
-      <mc:AlternateContent xmlns:mc="http://schemas.openxmlformats.org/markup-compatibility/2006" xmlns:a14="http://schemas.microsoft.com/office/drawing/2010/main">
-        <mc:Choice Requires="a14">
+      <mc:AlternateContent xmlns:mc="http://schemas.openxmlformats.org/markup-compatibility/2006">
+        <mc:Choice xmlns:a14="http://schemas.microsoft.com/office/drawing/2010/main" Requires="a14">
           <p:sp>
             <p:nvSpPr>
               <p:cNvPr id="3" name="Content Placeholder 2"/>
@@ -25381,7 +26601,7 @@
             <p:spPr>
               <a:xfrm>
                 <a:off x="838200" y="1825625"/>
-                <a:ext cx="11049000" cy="5032375"/>
+                <a:ext cx="11229622" cy="5032375"/>
               </a:xfrm>
             </p:spPr>
             <p:txBody>
@@ -25844,13 +27064,46 @@
                 </a14:m>
                 <a:r>
                   <a:rPr lang="pt-BR" dirty="0"/>
-                  <a:t>–ésimo atributo. </a:t>
+                  <a:t>–ésimo vetor de atributo, </a:t>
+                </a:r>
+                <a14:m>
+                  <m:oMath xmlns:m="http://schemas.openxmlformats.org/officeDocument/2006/math">
+                    <m:sSub>
+                      <m:sSubPr>
+                        <m:ctrlPr>
+                          <a:rPr lang="en-US" i="1">
+                            <a:latin typeface="Cambria Math" panose="02040503050406030204" pitchFamily="18" charset="0"/>
+                          </a:rPr>
+                        </m:ctrlPr>
+                      </m:sSubPr>
+                      <m:e>
+                        <m:r>
+                          <a:rPr lang="en-US" b="1" i="1">
+                            <a:latin typeface="Cambria Math" panose="02040503050406030204" pitchFamily="18" charset="0"/>
+                          </a:rPr>
+                          <m:t>𝒙</m:t>
+                        </m:r>
+                      </m:e>
+                      <m:sub>
+                        <m:r>
+                          <a:rPr lang="en-US" i="1">
+                            <a:latin typeface="Cambria Math" panose="02040503050406030204" pitchFamily="18" charset="0"/>
+                          </a:rPr>
+                          <m:t>𝑘</m:t>
+                        </m:r>
+                      </m:sub>
+                    </m:sSub>
+                  </m:oMath>
+                </a14:m>
+                <a:r>
+                  <a:rPr lang="pt-BR" dirty="0"/>
+                  <a:t>. </a:t>
                 </a:r>
               </a:p>
             </p:txBody>
           </p:sp>
         </mc:Choice>
-        <mc:Fallback xmlns="">
+        <mc:Fallback>
           <p:sp>
             <p:nvSpPr>
               <p:cNvPr id="3" name="Content Placeholder 2"/>
@@ -25864,12 +27117,12 @@
             <p:spPr>
               <a:xfrm>
                 <a:off x="838200" y="1825625"/>
-                <a:ext cx="11049000" cy="5032375"/>
+                <a:ext cx="11229622" cy="5032375"/>
               </a:xfrm>
               <a:blipFill>
                 <a:blip r:embed="rId3"/>
                 <a:stretch>
-                  <a:fillRect l="-1159" t="-1937"/>
+                  <a:fillRect l="-1140" t="-1937" r="-597"/>
                 </a:stretch>
               </a:blipFill>
             </p:spPr>

--- a/slides/T319_Regressão_Linear (Escalonamento de Atributos).pptx
+++ b/slides/T319_Regressão_Linear (Escalonamento de Atributos).pptx
@@ -5,7 +5,7 @@
     <p:sldMasterId id="2147483648" r:id="rId1"/>
   </p:sldMasterIdLst>
   <p:notesMasterIdLst>
-    <p:notesMasterId r:id="rId25"/>
+    <p:notesMasterId r:id="rId26"/>
   </p:notesMasterIdLst>
   <p:sldIdLst>
     <p:sldId id="259" r:id="rId2"/>
@@ -17,20 +17,21 @@
     <p:sldId id="334" r:id="rId8"/>
     <p:sldId id="469" r:id="rId9"/>
     <p:sldId id="471" r:id="rId10"/>
-    <p:sldId id="465" r:id="rId11"/>
-    <p:sldId id="473" r:id="rId12"/>
-    <p:sldId id="466" r:id="rId13"/>
-    <p:sldId id="268" r:id="rId14"/>
-    <p:sldId id="474" r:id="rId15"/>
-    <p:sldId id="336" r:id="rId16"/>
-    <p:sldId id="467" r:id="rId17"/>
-    <p:sldId id="335" r:id="rId18"/>
-    <p:sldId id="317" r:id="rId19"/>
-    <p:sldId id="332" r:id="rId20"/>
-    <p:sldId id="299" r:id="rId21"/>
-    <p:sldId id="295" r:id="rId22"/>
-    <p:sldId id="475" r:id="rId23"/>
-    <p:sldId id="421" r:id="rId24"/>
+    <p:sldId id="521" r:id="rId11"/>
+    <p:sldId id="522" r:id="rId12"/>
+    <p:sldId id="473" r:id="rId13"/>
+    <p:sldId id="466" r:id="rId14"/>
+    <p:sldId id="268" r:id="rId15"/>
+    <p:sldId id="474" r:id="rId16"/>
+    <p:sldId id="336" r:id="rId17"/>
+    <p:sldId id="467" r:id="rId18"/>
+    <p:sldId id="335" r:id="rId19"/>
+    <p:sldId id="317" r:id="rId20"/>
+    <p:sldId id="332" r:id="rId21"/>
+    <p:sldId id="299" r:id="rId22"/>
+    <p:sldId id="295" r:id="rId23"/>
+    <p:sldId id="475" r:id="rId24"/>
+    <p:sldId id="421" r:id="rId25"/>
   </p:sldIdLst>
   <p:sldSz cx="12192000" cy="6858000"/>
   <p:notesSz cx="6858000" cy="9144000"/>
@@ -546,7 +547,7 @@
           <a:p>
             <a:fld id="{DAF0AF11-6A8A-4E64-94F5-26D4FBA2A01D}" type="datetimeFigureOut">
               <a:rPr lang="nl-BE" smtClean="0"/>
-              <a:t>25/10/2023</a:t>
+              <a:t>26/10/2023</a:t>
             </a:fld>
             <a:endParaRPr lang="nl-BE"/>
           </a:p>
@@ -942,39 +943,40 @@
           <a:bodyPr/>
           <a:lstStyle/>
           <a:p>
-            <a:pPr marL="0" marR="0" lvl="0" indent="0" algn="l" defTabSz="914400" rtl="0" eaLnBrk="1" fontAlgn="auto" latinLnBrk="0" hangingPunct="1">
-              <a:lnSpc>
-                <a:spcPct val="100000"/>
-              </a:lnSpc>
-              <a:spcBef>
-                <a:spcPts val="0"/>
-              </a:spcBef>
-              <a:spcAft>
-                <a:spcPts val="0"/>
-              </a:spcAft>
-              <a:buClrTx/>
-              <a:buSzTx/>
-              <a:buFontTx/>
+            <a:pPr marL="0" indent="0">
+              <a:buFont typeface="Arial" panose="020B0604020202020204" pitchFamily="34" charset="0"/>
               <a:buNone/>
-              <a:tabLst/>
-              <a:defRPr/>
             </a:pPr>
             <a:r>
-              <a:rPr lang="pt-BR" b="1" noProof="0" dirty="0"/>
-              <a:t>Exemplo</a:t>
-            </a:r>
-            <a:r>
-              <a:rPr lang="pt-BR" noProof="0" dirty="0"/>
-              <a:t>: </a:t>
-            </a:r>
-            <a:r>
-              <a:rPr lang="pt-BR" dirty="0"/>
-              <a:t>https://colab.research.google.com/github/zz4fap/t319_aprendizado_de_maquina/blob/main/notebooks/regression/</a:t>
-            </a:r>
-            <a:r>
-              <a:rPr lang="pt-BR" u="none" dirty="0"/>
-              <a:t>escalonamento_de_atributos_com_scikit_learn.ipynb</a:t>
-            </a:r>
+              <a:rPr lang="nl-BE" b="1" dirty="0"/>
+              <a:t>Escalonamento dos objetivos ou rótulos</a:t>
+            </a:r>
+          </a:p>
+          <a:p>
+            <a:pPr marL="171450" indent="-171450">
+              <a:buFont typeface="Arial" panose="020B0604020202020204" pitchFamily="34" charset="0"/>
+              <a:buChar char="•"/>
+            </a:pPr>
+            <a:r>
+              <a:rPr lang="nl-BE" dirty="0"/>
+              <a:t>https://machinelearningmastery.com/how-to-transform-target-variables-for-regression-with-scikit-learn/</a:t>
+            </a:r>
+          </a:p>
+          <a:p>
+            <a:pPr marL="171450" indent="-171450">
+              <a:buFont typeface="Arial" panose="020B0604020202020204" pitchFamily="34" charset="0"/>
+              <a:buChar char="•"/>
+            </a:pPr>
+            <a:r>
+              <a:rPr lang="nl-BE" dirty="0"/>
+              <a:t>https://machinelearningmastery.com/how-to-improve-neural-network-stability-and-modeling-performance-with-data-scaling/</a:t>
+            </a:r>
+          </a:p>
+          <a:p>
+            <a:endParaRPr lang="pt-BR" dirty="0"/>
+          </a:p>
+          <a:p>
+            <a:endParaRPr lang="pt-BR" dirty="0"/>
           </a:p>
         </p:txBody>
       </p:sp>
@@ -1004,7 +1006,7 @@
     </p:spTree>
     <p:extLst>
       <p:ext uri="{BB962C8B-B14F-4D97-AF65-F5344CB8AC3E}">
-        <p14:creationId xmlns:p14="http://schemas.microsoft.com/office/powerpoint/2010/main" val="360316612"/>
+        <p14:creationId xmlns:p14="http://schemas.microsoft.com/office/powerpoint/2010/main" val="1596929686"/>
       </p:ext>
     </p:extLst>
   </p:cSld>
@@ -1033,7 +1035,7 @@
       </p:grpSpPr>
       <p:sp>
         <p:nvSpPr>
-          <p:cNvPr id="2" name="Slide Image Placeholder 1"/>
+          <p:cNvPr id="2" name="Espaço Reservado para Imagem de Slide 1"/>
           <p:cNvSpPr>
             <a:spLocks noGrp="1" noRot="1" noChangeAspect="1"/>
           </p:cNvSpPr>
@@ -1043,446 +1045,14 @@
         </p:nvSpPr>
         <p:spPr/>
       </p:sp>
-      <mc:AlternateContent xmlns:mc="http://schemas.openxmlformats.org/markup-compatibility/2006" xmlns:a14="http://schemas.microsoft.com/office/drawing/2010/main">
-        <mc:Choice Requires="a14">
-          <p:sp>
-            <p:nvSpPr>
-              <p:cNvPr id="3" name="Notes Placeholder 2"/>
-              <p:cNvSpPr>
-                <a:spLocks noGrp="1"/>
-              </p:cNvSpPr>
-              <p:nvPr>
-                <p:ph type="body" idx="1"/>
-              </p:nvPr>
-            </p:nvSpPr>
-            <p:spPr/>
-            <p:txBody>
-              <a:bodyPr/>
-              <a:lstStyle/>
-              <a:p>
-                <a:pPr marL="0" marR="0" lvl="0" indent="0" algn="l" defTabSz="914400" rtl="0" eaLnBrk="1" fontAlgn="auto" latinLnBrk="0" hangingPunct="1">
-                  <a:lnSpc>
-                    <a:spcPct val="100000"/>
-                  </a:lnSpc>
-                  <a:spcBef>
-                    <a:spcPts val="0"/>
-                  </a:spcBef>
-                  <a:spcAft>
-                    <a:spcPts val="0"/>
-                  </a:spcAft>
-                  <a:buClrTx/>
-                  <a:buSzTx/>
-                  <a:buFontTx/>
-                  <a:buNone/>
-                  <a:tabLst/>
-                  <a:defRPr/>
-                </a:pPr>
-                <a:r>
-                  <a:rPr lang="pt-BR" b="1" dirty="0"/>
-                  <a:t>Exemplo</a:t>
-                </a:r>
-                <a:r>
-                  <a:rPr lang="pt-BR" dirty="0"/>
-                  <a:t>: https://mybinder.org/v2/gh/zz4fap/t319_aprendizado_de_maquina/main?filepath=notebooks%2Fregression%2F</a:t>
-                </a:r>
-                <a:r>
-                  <a:rPr lang="pt-BR" sz="1200" baseline="0" dirty="0"/>
-                  <a:t>escalonamento_de_atributos_com_scikit_learn.ipynb</a:t>
-                </a:r>
-                <a:endParaRPr lang="pt-BR" dirty="0"/>
-              </a:p>
-              <a:p>
-                <a:pPr marL="0" marR="0" lvl="0" indent="0" algn="l" defTabSz="914400" rtl="0" eaLnBrk="1" fontAlgn="auto" latinLnBrk="0" hangingPunct="1">
-                  <a:lnSpc>
-                    <a:spcPct val="100000"/>
-                  </a:lnSpc>
-                  <a:spcBef>
-                    <a:spcPts val="0"/>
-                  </a:spcBef>
-                  <a:spcAft>
-                    <a:spcPts val="0"/>
-                  </a:spcAft>
-                  <a:buClrTx/>
-                  <a:buSzTx/>
-                  <a:buFontTx/>
-                  <a:buNone/>
-                  <a:tabLst/>
-                  <a:defRPr/>
-                </a:pPr>
-                <a:endParaRPr lang="pt-BR" sz="1200" baseline="0" dirty="0"/>
-              </a:p>
-              <a:p>
-                <a:pPr marL="0" marR="0" lvl="0" indent="0" algn="l" defTabSz="914400" rtl="0" eaLnBrk="1" fontAlgn="auto" latinLnBrk="0" hangingPunct="1">
-                  <a:lnSpc>
-                    <a:spcPct val="100000"/>
-                  </a:lnSpc>
-                  <a:spcBef>
-                    <a:spcPts val="0"/>
-                  </a:spcBef>
-                  <a:spcAft>
-                    <a:spcPts val="0"/>
-                  </a:spcAft>
-                  <a:buClrTx/>
-                  <a:buSzTx/>
-                  <a:buFontTx/>
-                  <a:buNone/>
-                  <a:tabLst/>
-                  <a:defRPr/>
-                </a:pPr>
-                <a:endParaRPr lang="pt-BR" sz="1200" baseline="0" dirty="0"/>
-              </a:p>
-              <a:p>
-                <a:pPr marL="0" marR="0" lvl="0" indent="0" algn="l" defTabSz="914400" rtl="0" eaLnBrk="1" fontAlgn="auto" latinLnBrk="0" hangingPunct="1">
-                  <a:lnSpc>
-                    <a:spcPct val="100000"/>
-                  </a:lnSpc>
-                  <a:spcBef>
-                    <a:spcPts val="0"/>
-                  </a:spcBef>
-                  <a:spcAft>
-                    <a:spcPts val="0"/>
-                  </a:spcAft>
-                  <a:buClrTx/>
-                  <a:buSzTx/>
-                  <a:buFontTx/>
-                  <a:buNone/>
-                  <a:tabLst/>
-                  <a:defRPr/>
-                </a:pPr>
-                <a:r>
-                  <a:rPr lang="pt-BR" sz="1200" baseline="0" dirty="0"/>
-                  <a:t>Por exemplo, se no caso do gradiente descendente as features tiverem escalas muito diferentes, os pesos de atributos com escala muito grande vão ser atualizados mais rapidamente do que pesos de atributos com escala pequena.</a:t>
-                </a:r>
-              </a:p>
-              <a:p>
-                <a:pPr marL="0" marR="0" lvl="0" indent="0" algn="l" defTabSz="914400" rtl="0" eaLnBrk="1" fontAlgn="auto" latinLnBrk="0" hangingPunct="1">
-                  <a:lnSpc>
-                    <a:spcPct val="100000"/>
-                  </a:lnSpc>
-                  <a:spcBef>
-                    <a:spcPts val="0"/>
-                  </a:spcBef>
-                  <a:spcAft>
-                    <a:spcPts val="0"/>
-                  </a:spcAft>
-                  <a:buClrTx/>
-                  <a:buSzTx/>
-                  <a:buFontTx/>
-                  <a:buNone/>
-                  <a:tabLst/>
-                  <a:defRPr/>
-                </a:pPr>
-                <a:endParaRPr lang="pt-BR" sz="1200" baseline="0" noProof="0" dirty="0"/>
-              </a:p>
-              <a:p>
-                <a:pPr marL="0" marR="0" lvl="0" indent="0" algn="l" defTabSz="914400" rtl="0" eaLnBrk="1" fontAlgn="auto" latinLnBrk="0" hangingPunct="1">
-                  <a:lnSpc>
-                    <a:spcPct val="100000"/>
-                  </a:lnSpc>
-                  <a:spcBef>
-                    <a:spcPts val="0"/>
-                  </a:spcBef>
-                  <a:spcAft>
-                    <a:spcPts val="0"/>
-                  </a:spcAft>
-                  <a:buClrTx/>
-                  <a:buSzTx/>
-                  <a:buFontTx/>
-                  <a:buNone/>
-                  <a:tabLst/>
-                  <a:defRPr/>
-                </a:pPr>
-                <a:r>
-                  <a:rPr lang="pt-BR" sz="1200" noProof="0" dirty="0"/>
-                  <a:t>Critério</a:t>
-                </a:r>
-                <a:r>
-                  <a:rPr lang="pt-BR" sz="1200" baseline="0" noProof="0" dirty="0"/>
-                  <a:t> de parada (ou convergência) desse exemplo foi o erro entre épocas/iterações subsequentes cair abaixo de 1e-3 com um máximo número de iterações igual a </a:t>
-                </a:r>
-                <a:r>
-                  <a:rPr lang="pt-BR" sz="1200" b="0" i="0" u="none" strike="noStrike" kern="1200" baseline="0" dirty="0">
-                    <a:solidFill>
-                      <a:schemeClr val="tx1"/>
-                    </a:solidFill>
-                    <a:latin typeface="+mn-lt"/>
-                    <a:ea typeface="+mn-ea"/>
-                    <a:cs typeface="+mn-cs"/>
-                  </a:rPr>
-                  <a:t>10000</a:t>
-                </a:r>
-                <a:r>
-                  <a:rPr lang="pt-BR" sz="1200" noProof="0" dirty="0"/>
-                  <a:t>.</a:t>
-                </a:r>
-              </a:p>
-              <a:p>
-                <a:pPr marL="0" marR="0" lvl="0" indent="0" algn="l" defTabSz="914400" rtl="0" eaLnBrk="1" fontAlgn="auto" latinLnBrk="0" hangingPunct="1">
-                  <a:lnSpc>
-                    <a:spcPct val="100000"/>
-                  </a:lnSpc>
-                  <a:spcBef>
-                    <a:spcPts val="0"/>
-                  </a:spcBef>
-                  <a:spcAft>
-                    <a:spcPts val="0"/>
-                  </a:spcAft>
-                  <a:buClrTx/>
-                  <a:buSzTx/>
-                  <a:buFontTx/>
-                  <a:buNone/>
-                  <a:tabLst/>
-                  <a:defRPr/>
-                </a:pPr>
-                <a:endParaRPr lang="pt-BR" sz="1200" noProof="0" dirty="0"/>
-              </a:p>
-              <a:p>
-                <a:pPr marL="0" marR="0" lvl="0" indent="0" algn="l" defTabSz="914400" rtl="0" eaLnBrk="1" fontAlgn="auto" latinLnBrk="0" hangingPunct="1">
-                  <a:lnSpc>
-                    <a:spcPct val="100000"/>
-                  </a:lnSpc>
-                  <a:spcBef>
-                    <a:spcPts val="0"/>
-                  </a:spcBef>
-                  <a:spcAft>
-                    <a:spcPts val="0"/>
-                  </a:spcAft>
-                  <a:buClrTx/>
-                  <a:buSzTx/>
-                  <a:buFontTx/>
-                  <a:buNone/>
-                  <a:tabLst/>
-                  <a:defRPr/>
-                </a:pPr>
-                <a:r>
-                  <a:rPr lang="pt-BR" sz="1200" noProof="0" dirty="0"/>
-                  <a:t>Veja que no caso não-escalonado o algoritmo “converge” com quase 2000 </a:t>
-                </a:r>
-                <a:r>
-                  <a:rPr lang="pt-BR" sz="1200" baseline="0" noProof="0" dirty="0"/>
-                  <a:t>épocas. Nesse caso, a2 é atualizado muito mais rapidamente do que a1, dado que o atributo x2 tem variação maior. A variação do gradiente na direção x2 é maior do que na direção x1, ou seja, a descida na direção de x2 é íngreme enquanto na direção de x1 é praticamente uma reta (inclinação igual a 0), fazendo com que a atualização do peso a1 seja muito pequena.</a:t>
-                </a:r>
-              </a:p>
-              <a:p>
-                <a:pPr marL="0" marR="0" lvl="0" indent="0" algn="l" defTabSz="914400" rtl="0" eaLnBrk="1" fontAlgn="auto" latinLnBrk="0" hangingPunct="1">
-                  <a:lnSpc>
-                    <a:spcPct val="100000"/>
-                  </a:lnSpc>
-                  <a:spcBef>
-                    <a:spcPts val="0"/>
-                  </a:spcBef>
-                  <a:spcAft>
-                    <a:spcPts val="0"/>
-                  </a:spcAft>
-                  <a:buClrTx/>
-                  <a:buSzTx/>
-                  <a:buFontTx/>
-                  <a:buNone/>
-                  <a:tabLst/>
-                  <a:defRPr/>
-                </a:pPr>
-                <a:endParaRPr lang="pt-BR" sz="1200" baseline="0" noProof="0" dirty="0"/>
-              </a:p>
-              <a:p>
-                <a:pPr marL="0" marR="0" lvl="0" indent="0" algn="l" defTabSz="914400" rtl="0" eaLnBrk="1" fontAlgn="auto" latinLnBrk="0" hangingPunct="1">
-                  <a:lnSpc>
-                    <a:spcPct val="100000"/>
-                  </a:lnSpc>
-                  <a:spcBef>
-                    <a:spcPts val="0"/>
-                  </a:spcBef>
-                  <a:spcAft>
-                    <a:spcPts val="0"/>
-                  </a:spcAft>
-                  <a:buClrTx/>
-                  <a:buSzTx/>
-                  <a:buFontTx/>
-                  <a:buNone/>
-                  <a:tabLst/>
-                  <a:defRPr/>
-                </a:pPr>
-                <a:r>
-                  <a:rPr lang="pt-BR" sz="1200" baseline="0" noProof="0" dirty="0"/>
-                  <a:t>O aumento da variação de um dos atributos faz com que o círculos de contorno se tornem elipses que tendem a linhas paralelas quando essa variação é muito grande em relação ao outro atributo. Denotando que um dos atributos tem variação muito maior do que o do outro. Outra forma de ver isso, é notar que como x2 tem variação maior do que x1, o erro ao longo de a2 varia muito mais rapidamente do que ao longo de a1, mostrando que x2 contribui muito mais no valor final do erro e que x1 tem pouca contribuição no valor do erro.</a:t>
-                </a:r>
-              </a:p>
-              <a:p>
-                <a:pPr marL="0" marR="0" lvl="0" indent="0" algn="l" defTabSz="914400" rtl="0" eaLnBrk="1" fontAlgn="auto" latinLnBrk="0" hangingPunct="1">
-                  <a:lnSpc>
-                    <a:spcPct val="100000"/>
-                  </a:lnSpc>
-                  <a:spcBef>
-                    <a:spcPts val="0"/>
-                  </a:spcBef>
-                  <a:spcAft>
-                    <a:spcPts val="0"/>
-                  </a:spcAft>
-                  <a:buClrTx/>
-                  <a:buSzTx/>
-                  <a:buFontTx/>
-                  <a:buNone/>
-                  <a:tabLst/>
-                  <a:defRPr/>
-                </a:pPr>
-                <a:endParaRPr lang="pt-BR" sz="1200" noProof="0" dirty="0"/>
-              </a:p>
-              <a:p>
-                <a:endParaRPr lang="pt-BR" sz="1200" dirty="0"/>
-              </a:p>
-            </p:txBody>
-          </p:sp>
-        </mc:Choice>
-        <mc:Fallback xmlns="">
-          <p:sp>
-            <p:nvSpPr>
-              <p:cNvPr id="3" name="Notes Placeholder 2"/>
-              <p:cNvSpPr>
-                <a:spLocks noGrp="1"/>
-              </p:cNvSpPr>
-              <p:nvPr>
-                <p:ph type="body" idx="1"/>
-              </p:nvPr>
-            </p:nvSpPr>
-            <p:spPr/>
-            <p:txBody>
-              <a:bodyPr/>
-              <a:lstStyle/>
-              <a:p>
-                <a:pPr marL="0" marR="0" lvl="0" indent="0" algn="l" defTabSz="914400" rtl="0" eaLnBrk="1" fontAlgn="auto" latinLnBrk="0" hangingPunct="1">
-                  <a:lnSpc>
-                    <a:spcPct val="100000"/>
-                  </a:lnSpc>
-                  <a:spcBef>
-                    <a:spcPts val="0"/>
-                  </a:spcBef>
-                  <a:spcAft>
-                    <a:spcPts val="0"/>
-                  </a:spcAft>
-                  <a:buClrTx/>
-                  <a:buSzTx/>
-                  <a:buFontTx/>
-                  <a:buNone/>
-                  <a:tabLst/>
-                  <a:defRPr/>
-                </a:pPr>
-                <a:r>
-                  <a:rPr lang="pt-BR" sz="1200" baseline="0" dirty="0" smtClean="0"/>
-                  <a:t>Por exemplo, se no caso do gradiente descendente as features tiverem escalas muito diferentes, os parâmetros de features com escala muito grande vão ser atualizados mais rapidamente do que parâmetros de features com escala pequena.</a:t>
-                </a:r>
-              </a:p>
-              <a:p>
-                <a:pPr marL="0" marR="0" lvl="0" indent="0" algn="l" defTabSz="914400" rtl="0" eaLnBrk="1" fontAlgn="auto" latinLnBrk="0" hangingPunct="1">
-                  <a:lnSpc>
-                    <a:spcPct val="100000"/>
-                  </a:lnSpc>
-                  <a:spcBef>
-                    <a:spcPts val="0"/>
-                  </a:spcBef>
-                  <a:spcAft>
-                    <a:spcPts val="0"/>
-                  </a:spcAft>
-                  <a:buClrTx/>
-                  <a:buSzTx/>
-                  <a:buFontTx/>
-                  <a:buNone/>
-                  <a:tabLst/>
-                  <a:defRPr/>
-                </a:pPr>
-                <a:endParaRPr lang="pt-BR" sz="1200" baseline="0" noProof="0" dirty="0" smtClean="0"/>
-              </a:p>
-              <a:p>
-                <a:pPr marL="0" marR="0" lvl="0" indent="0" algn="l" defTabSz="914400" rtl="0" eaLnBrk="1" fontAlgn="auto" latinLnBrk="0" hangingPunct="1">
-                  <a:lnSpc>
-                    <a:spcPct val="100000"/>
-                  </a:lnSpc>
-                  <a:spcBef>
-                    <a:spcPts val="0"/>
-                  </a:spcBef>
-                  <a:spcAft>
-                    <a:spcPts val="0"/>
-                  </a:spcAft>
-                  <a:buClrTx/>
-                  <a:buSzTx/>
-                  <a:buFontTx/>
-                  <a:buNone/>
-                  <a:tabLst/>
-                  <a:defRPr/>
-                </a:pPr>
-                <a:r>
-                  <a:rPr lang="pt-BR" dirty="0" smtClean="0"/>
-                  <a:t>Nesse caso, o cálculo da distância (erro) entre  </a:t>
-                </a:r>
-                <a:r>
-                  <a:rPr lang="pt-BR" b="0" i="0" smtClean="0">
-                    <a:latin typeface="Cambria Math" panose="02040503050406030204" pitchFamily="18" charset="0"/>
-                    <a:ea typeface="Cambria Math" panose="02040503050406030204" pitchFamily="18" charset="0"/>
-                  </a:rPr>
-                  <a:t>y e </a:t>
-                </a:r>
-                <a:r>
-                  <a:rPr lang="pt-BR" i="0">
-                    <a:latin typeface="Cambria Math" panose="02040503050406030204" pitchFamily="18" charset="0"/>
-                    <a:ea typeface="Cambria Math" panose="02040503050406030204" pitchFamily="18" charset="0"/>
-                  </a:rPr>
-                  <a:t>ℎ</a:t>
-                </a:r>
-                <a:r>
-                  <a:rPr lang="pt-BR" b="1" i="0">
-                    <a:latin typeface="Cambria Math" panose="02040503050406030204" pitchFamily="18" charset="0"/>
-                    <a:ea typeface="Cambria Math" panose="02040503050406030204" pitchFamily="18" charset="0"/>
-                  </a:rPr>
-                  <a:t>(𝒙)</a:t>
-                </a:r>
-                <a:r>
-                  <a:rPr lang="pt-BR" dirty="0" smtClean="0"/>
-                  <a:t> será dominado por </a:t>
-                </a:r>
-                <a:r>
-                  <a:rPr lang="pt-BR" i="0">
-                    <a:latin typeface="Cambria Math" panose="02040503050406030204" pitchFamily="18" charset="0"/>
-                  </a:rPr>
-                  <a:t>𝑥_1</a:t>
-                </a:r>
-                <a:r>
-                  <a:rPr lang="pt-BR" dirty="0" smtClean="0"/>
-                  <a:t>.</a:t>
-                </a:r>
-              </a:p>
-              <a:p>
-                <a:pPr marL="0" marR="0" lvl="0" indent="0" algn="l" defTabSz="914400" rtl="0" eaLnBrk="1" fontAlgn="auto" latinLnBrk="0" hangingPunct="1">
-                  <a:lnSpc>
-                    <a:spcPct val="100000"/>
-                  </a:lnSpc>
-                  <a:spcBef>
-                    <a:spcPts val="0"/>
-                  </a:spcBef>
-                  <a:spcAft>
-                    <a:spcPts val="0"/>
-                  </a:spcAft>
-                  <a:buClrTx/>
-                  <a:buSzTx/>
-                  <a:buFontTx/>
-                  <a:buNone/>
-                  <a:tabLst/>
-                  <a:defRPr/>
-                </a:pPr>
-                <a:endParaRPr lang="pt-BR" sz="1200" noProof="0" dirty="0" smtClean="0"/>
-              </a:p>
-              <a:p>
-                <a:endParaRPr lang="pt-BR" dirty="0"/>
-              </a:p>
-            </p:txBody>
-          </p:sp>
-        </mc:Fallback>
-      </mc:AlternateContent>
       <p:sp>
         <p:nvSpPr>
-          <p:cNvPr id="4" name="Slide Number Placeholder 3"/>
+          <p:cNvPr id="3" name="Espaço Reservado para Anotações 2"/>
           <p:cNvSpPr>
             <a:spLocks noGrp="1"/>
           </p:cNvSpPr>
           <p:nvPr>
-            <p:ph type="sldNum" sz="quarter" idx="10"/>
+            <p:ph type="body" idx="1"/>
           </p:nvPr>
         </p:nvSpPr>
         <p:spPr/>
@@ -1490,6 +1060,57 @@
           <a:bodyPr/>
           <a:lstStyle/>
           <a:p>
+            <a:pPr marL="0" marR="0" lvl="0" indent="0" algn="l" defTabSz="914400" rtl="0" eaLnBrk="1" fontAlgn="auto" latinLnBrk="0" hangingPunct="1">
+              <a:lnSpc>
+                <a:spcPct val="100000"/>
+              </a:lnSpc>
+              <a:spcBef>
+                <a:spcPts val="0"/>
+              </a:spcBef>
+              <a:spcAft>
+                <a:spcPts val="0"/>
+              </a:spcAft>
+              <a:buClrTx/>
+              <a:buSzTx/>
+              <a:buFontTx/>
+              <a:buNone/>
+              <a:tabLst/>
+              <a:defRPr/>
+            </a:pPr>
+            <a:r>
+              <a:rPr lang="pt-BR" b="1" noProof="0" dirty="0"/>
+              <a:t>Exemplo</a:t>
+            </a:r>
+            <a:r>
+              <a:rPr lang="pt-BR" noProof="0" dirty="0"/>
+              <a:t>: </a:t>
+            </a:r>
+            <a:r>
+              <a:rPr lang="pt-BR" dirty="0"/>
+              <a:t>https://colab.research.google.com/github/zz4fap/t319_aprendizado_de_maquina/blob/main/notebooks/regression/</a:t>
+            </a:r>
+            <a:r>
+              <a:rPr lang="pt-BR" u="none" dirty="0"/>
+              <a:t>escalonamento_de_atributos_com_scikit_learn.ipynb</a:t>
+            </a:r>
+          </a:p>
+        </p:txBody>
+      </p:sp>
+      <p:sp>
+        <p:nvSpPr>
+          <p:cNvPr id="4" name="Espaço Reservado para Número de Slide 3"/>
+          <p:cNvSpPr>
+            <a:spLocks noGrp="1"/>
+          </p:cNvSpPr>
+          <p:nvPr>
+            <p:ph type="sldNum" sz="quarter" idx="5"/>
+          </p:nvPr>
+        </p:nvSpPr>
+        <p:spPr/>
+        <p:txBody>
+          <a:bodyPr/>
+          <a:lstStyle/>
+          <a:p>
             <a:fld id="{DA8B99DF-01BC-492A-8CEF-4FD88D18DD9D}" type="slidenum">
               <a:rPr lang="nl-BE" smtClean="0"/>
               <a:t>13</a:t>
@@ -1501,7 +1122,7 @@
     </p:spTree>
     <p:extLst>
       <p:ext uri="{BB962C8B-B14F-4D97-AF65-F5344CB8AC3E}">
-        <p14:creationId xmlns:p14="http://schemas.microsoft.com/office/powerpoint/2010/main" val="2189261923"/>
+        <p14:creationId xmlns:p14="http://schemas.microsoft.com/office/powerpoint/2010/main" val="360316612"/>
       </p:ext>
     </p:extLst>
   </p:cSld>
@@ -1998,6 +1619,503 @@
     </p:spTree>
     <p:extLst>
       <p:ext uri="{BB962C8B-B14F-4D97-AF65-F5344CB8AC3E}">
+        <p14:creationId xmlns:p14="http://schemas.microsoft.com/office/powerpoint/2010/main" val="2189261923"/>
+      </p:ext>
+    </p:extLst>
+  </p:cSld>
+  <p:clrMapOvr>
+    <a:masterClrMapping/>
+  </p:clrMapOvr>
+</p:notes>
+</file>
+
+<file path=ppt/notesSlides/notesSlide13.xml><?xml version="1.0" encoding="utf-8"?>
+<p:notes xmlns:a="http://schemas.openxmlformats.org/drawingml/2006/main" xmlns:r="http://schemas.openxmlformats.org/officeDocument/2006/relationships" xmlns:p="http://schemas.openxmlformats.org/presentationml/2006/main">
+  <p:cSld>
+    <p:spTree>
+      <p:nvGrpSpPr>
+        <p:cNvPr id="1" name=""/>
+        <p:cNvGrpSpPr/>
+        <p:nvPr/>
+      </p:nvGrpSpPr>
+      <p:grpSpPr>
+        <a:xfrm>
+          <a:off x="0" y="0"/>
+          <a:ext cx="0" cy="0"/>
+          <a:chOff x="0" y="0"/>
+          <a:chExt cx="0" cy="0"/>
+        </a:xfrm>
+      </p:grpSpPr>
+      <p:sp>
+        <p:nvSpPr>
+          <p:cNvPr id="2" name="Slide Image Placeholder 1"/>
+          <p:cNvSpPr>
+            <a:spLocks noGrp="1" noRot="1" noChangeAspect="1"/>
+          </p:cNvSpPr>
+          <p:nvPr>
+            <p:ph type="sldImg"/>
+          </p:nvPr>
+        </p:nvSpPr>
+        <p:spPr/>
+      </p:sp>
+      <mc:AlternateContent xmlns:mc="http://schemas.openxmlformats.org/markup-compatibility/2006" xmlns:a14="http://schemas.microsoft.com/office/drawing/2010/main">
+        <mc:Choice Requires="a14">
+          <p:sp>
+            <p:nvSpPr>
+              <p:cNvPr id="3" name="Notes Placeholder 2"/>
+              <p:cNvSpPr>
+                <a:spLocks noGrp="1"/>
+              </p:cNvSpPr>
+              <p:nvPr>
+                <p:ph type="body" idx="1"/>
+              </p:nvPr>
+            </p:nvSpPr>
+            <p:spPr/>
+            <p:txBody>
+              <a:bodyPr/>
+              <a:lstStyle/>
+              <a:p>
+                <a:pPr marL="0" marR="0" lvl="0" indent="0" algn="l" defTabSz="914400" rtl="0" eaLnBrk="1" fontAlgn="auto" latinLnBrk="0" hangingPunct="1">
+                  <a:lnSpc>
+                    <a:spcPct val="100000"/>
+                  </a:lnSpc>
+                  <a:spcBef>
+                    <a:spcPts val="0"/>
+                  </a:spcBef>
+                  <a:spcAft>
+                    <a:spcPts val="0"/>
+                  </a:spcAft>
+                  <a:buClrTx/>
+                  <a:buSzTx/>
+                  <a:buFontTx/>
+                  <a:buNone/>
+                  <a:tabLst/>
+                  <a:defRPr/>
+                </a:pPr>
+                <a:r>
+                  <a:rPr lang="pt-BR" b="1" dirty="0"/>
+                  <a:t>Exemplo</a:t>
+                </a:r>
+                <a:r>
+                  <a:rPr lang="pt-BR" dirty="0"/>
+                  <a:t>: https://mybinder.org/v2/gh/zz4fap/t319_aprendizado_de_maquina/main?filepath=notebooks%2Fregression%2F</a:t>
+                </a:r>
+                <a:r>
+                  <a:rPr lang="pt-BR" sz="1200" baseline="0" dirty="0"/>
+                  <a:t>escalonamento_de_atributos_com_scikit_learn.ipynb</a:t>
+                </a:r>
+                <a:endParaRPr lang="pt-BR" dirty="0"/>
+              </a:p>
+              <a:p>
+                <a:pPr marL="0" marR="0" lvl="0" indent="0" algn="l" defTabSz="914400" rtl="0" eaLnBrk="1" fontAlgn="auto" latinLnBrk="0" hangingPunct="1">
+                  <a:lnSpc>
+                    <a:spcPct val="100000"/>
+                  </a:lnSpc>
+                  <a:spcBef>
+                    <a:spcPts val="0"/>
+                  </a:spcBef>
+                  <a:spcAft>
+                    <a:spcPts val="0"/>
+                  </a:spcAft>
+                  <a:buClrTx/>
+                  <a:buSzTx/>
+                  <a:buFontTx/>
+                  <a:buNone/>
+                  <a:tabLst/>
+                  <a:defRPr/>
+                </a:pPr>
+                <a:endParaRPr lang="pt-BR" sz="1200" baseline="0" dirty="0"/>
+              </a:p>
+              <a:p>
+                <a:pPr marL="0" marR="0" lvl="0" indent="0" algn="l" defTabSz="914400" rtl="0" eaLnBrk="1" fontAlgn="auto" latinLnBrk="0" hangingPunct="1">
+                  <a:lnSpc>
+                    <a:spcPct val="100000"/>
+                  </a:lnSpc>
+                  <a:spcBef>
+                    <a:spcPts val="0"/>
+                  </a:spcBef>
+                  <a:spcAft>
+                    <a:spcPts val="0"/>
+                  </a:spcAft>
+                  <a:buClrTx/>
+                  <a:buSzTx/>
+                  <a:buFontTx/>
+                  <a:buNone/>
+                  <a:tabLst/>
+                  <a:defRPr/>
+                </a:pPr>
+                <a:endParaRPr lang="pt-BR" sz="1200" baseline="0" dirty="0"/>
+              </a:p>
+              <a:p>
+                <a:pPr marL="0" marR="0" lvl="0" indent="0" algn="l" defTabSz="914400" rtl="0" eaLnBrk="1" fontAlgn="auto" latinLnBrk="0" hangingPunct="1">
+                  <a:lnSpc>
+                    <a:spcPct val="100000"/>
+                  </a:lnSpc>
+                  <a:spcBef>
+                    <a:spcPts val="0"/>
+                  </a:spcBef>
+                  <a:spcAft>
+                    <a:spcPts val="0"/>
+                  </a:spcAft>
+                  <a:buClrTx/>
+                  <a:buSzTx/>
+                  <a:buFontTx/>
+                  <a:buNone/>
+                  <a:tabLst/>
+                  <a:defRPr/>
+                </a:pPr>
+                <a:r>
+                  <a:rPr lang="pt-BR" sz="1200" baseline="0" dirty="0"/>
+                  <a:t>Por exemplo, se no caso do gradiente descendente as features tiverem escalas muito diferentes, os pesos de atributos com escala muito grande vão ser atualizados mais rapidamente do que pesos de atributos com escala pequena.</a:t>
+                </a:r>
+              </a:p>
+              <a:p>
+                <a:pPr marL="0" marR="0" lvl="0" indent="0" algn="l" defTabSz="914400" rtl="0" eaLnBrk="1" fontAlgn="auto" latinLnBrk="0" hangingPunct="1">
+                  <a:lnSpc>
+                    <a:spcPct val="100000"/>
+                  </a:lnSpc>
+                  <a:spcBef>
+                    <a:spcPts val="0"/>
+                  </a:spcBef>
+                  <a:spcAft>
+                    <a:spcPts val="0"/>
+                  </a:spcAft>
+                  <a:buClrTx/>
+                  <a:buSzTx/>
+                  <a:buFontTx/>
+                  <a:buNone/>
+                  <a:tabLst/>
+                  <a:defRPr/>
+                </a:pPr>
+                <a:endParaRPr lang="pt-BR" sz="1200" baseline="0" noProof="0" dirty="0"/>
+              </a:p>
+              <a:p>
+                <a:pPr marL="0" marR="0" lvl="0" indent="0" algn="l" defTabSz="914400" rtl="0" eaLnBrk="1" fontAlgn="auto" latinLnBrk="0" hangingPunct="1">
+                  <a:lnSpc>
+                    <a:spcPct val="100000"/>
+                  </a:lnSpc>
+                  <a:spcBef>
+                    <a:spcPts val="0"/>
+                  </a:spcBef>
+                  <a:spcAft>
+                    <a:spcPts val="0"/>
+                  </a:spcAft>
+                  <a:buClrTx/>
+                  <a:buSzTx/>
+                  <a:buFontTx/>
+                  <a:buNone/>
+                  <a:tabLst/>
+                  <a:defRPr/>
+                </a:pPr>
+                <a:r>
+                  <a:rPr lang="pt-BR" sz="1200" noProof="0" dirty="0"/>
+                  <a:t>Critério</a:t>
+                </a:r>
+                <a:r>
+                  <a:rPr lang="pt-BR" sz="1200" baseline="0" noProof="0" dirty="0"/>
+                  <a:t> de parada (ou convergência) desse exemplo foi o erro entre épocas/iterações subsequentes cair abaixo de 1e-3 com um máximo número de iterações igual a </a:t>
+                </a:r>
+                <a:r>
+                  <a:rPr lang="pt-BR" sz="1200" b="0" i="0" u="none" strike="noStrike" kern="1200" baseline="0" dirty="0">
+                    <a:solidFill>
+                      <a:schemeClr val="tx1"/>
+                    </a:solidFill>
+                    <a:latin typeface="+mn-lt"/>
+                    <a:ea typeface="+mn-ea"/>
+                    <a:cs typeface="+mn-cs"/>
+                  </a:rPr>
+                  <a:t>10000</a:t>
+                </a:r>
+                <a:r>
+                  <a:rPr lang="pt-BR" sz="1200" noProof="0" dirty="0"/>
+                  <a:t>.</a:t>
+                </a:r>
+              </a:p>
+              <a:p>
+                <a:pPr marL="0" marR="0" lvl="0" indent="0" algn="l" defTabSz="914400" rtl="0" eaLnBrk="1" fontAlgn="auto" latinLnBrk="0" hangingPunct="1">
+                  <a:lnSpc>
+                    <a:spcPct val="100000"/>
+                  </a:lnSpc>
+                  <a:spcBef>
+                    <a:spcPts val="0"/>
+                  </a:spcBef>
+                  <a:spcAft>
+                    <a:spcPts val="0"/>
+                  </a:spcAft>
+                  <a:buClrTx/>
+                  <a:buSzTx/>
+                  <a:buFontTx/>
+                  <a:buNone/>
+                  <a:tabLst/>
+                  <a:defRPr/>
+                </a:pPr>
+                <a:endParaRPr lang="pt-BR" sz="1200" noProof="0" dirty="0"/>
+              </a:p>
+              <a:p>
+                <a:pPr marL="0" marR="0" lvl="0" indent="0" algn="l" defTabSz="914400" rtl="0" eaLnBrk="1" fontAlgn="auto" latinLnBrk="0" hangingPunct="1">
+                  <a:lnSpc>
+                    <a:spcPct val="100000"/>
+                  </a:lnSpc>
+                  <a:spcBef>
+                    <a:spcPts val="0"/>
+                  </a:spcBef>
+                  <a:spcAft>
+                    <a:spcPts val="0"/>
+                  </a:spcAft>
+                  <a:buClrTx/>
+                  <a:buSzTx/>
+                  <a:buFontTx/>
+                  <a:buNone/>
+                  <a:tabLst/>
+                  <a:defRPr/>
+                </a:pPr>
+                <a:r>
+                  <a:rPr lang="pt-BR" sz="1200" noProof="0" dirty="0"/>
+                  <a:t>Veja que no caso não-escalonado o algoritmo “converge” com quase 2000 </a:t>
+                </a:r>
+                <a:r>
+                  <a:rPr lang="pt-BR" sz="1200" baseline="0" noProof="0" dirty="0"/>
+                  <a:t>épocas. Nesse caso, a2 é atualizado muito mais rapidamente do que a1, dado que o atributo x2 tem variação maior. A variação do gradiente na direção x2 é maior do que na direção x1, ou seja, a descida na direção de x2 é íngreme enquanto na direção de x1 é praticamente uma reta (inclinação igual a 0), fazendo com que a atualização do peso a1 seja muito pequena.</a:t>
+                </a:r>
+              </a:p>
+              <a:p>
+                <a:pPr marL="0" marR="0" lvl="0" indent="0" algn="l" defTabSz="914400" rtl="0" eaLnBrk="1" fontAlgn="auto" latinLnBrk="0" hangingPunct="1">
+                  <a:lnSpc>
+                    <a:spcPct val="100000"/>
+                  </a:lnSpc>
+                  <a:spcBef>
+                    <a:spcPts val="0"/>
+                  </a:spcBef>
+                  <a:spcAft>
+                    <a:spcPts val="0"/>
+                  </a:spcAft>
+                  <a:buClrTx/>
+                  <a:buSzTx/>
+                  <a:buFontTx/>
+                  <a:buNone/>
+                  <a:tabLst/>
+                  <a:defRPr/>
+                </a:pPr>
+                <a:endParaRPr lang="pt-BR" sz="1200" baseline="0" noProof="0" dirty="0"/>
+              </a:p>
+              <a:p>
+                <a:pPr marL="0" marR="0" lvl="0" indent="0" algn="l" defTabSz="914400" rtl="0" eaLnBrk="1" fontAlgn="auto" latinLnBrk="0" hangingPunct="1">
+                  <a:lnSpc>
+                    <a:spcPct val="100000"/>
+                  </a:lnSpc>
+                  <a:spcBef>
+                    <a:spcPts val="0"/>
+                  </a:spcBef>
+                  <a:spcAft>
+                    <a:spcPts val="0"/>
+                  </a:spcAft>
+                  <a:buClrTx/>
+                  <a:buSzTx/>
+                  <a:buFontTx/>
+                  <a:buNone/>
+                  <a:tabLst/>
+                  <a:defRPr/>
+                </a:pPr>
+                <a:r>
+                  <a:rPr lang="pt-BR" sz="1200" baseline="0" noProof="0" dirty="0"/>
+                  <a:t>O aumento da variação de um dos atributos faz com que o círculos de contorno se tornem elipses que tendem a linhas paralelas quando essa variação é muito grande em relação ao outro atributo. Denotando que um dos atributos tem variação muito maior do que o do outro. Outra forma de ver isso, é notar que como x2 tem variação maior do que x1, o erro ao longo de a2 varia muito mais rapidamente do que ao longo de a1, mostrando que x2 contribui muito mais no valor final do erro e que x1 tem pouca contribuição no valor do erro.</a:t>
+                </a:r>
+              </a:p>
+              <a:p>
+                <a:pPr marL="0" marR="0" lvl="0" indent="0" algn="l" defTabSz="914400" rtl="0" eaLnBrk="1" fontAlgn="auto" latinLnBrk="0" hangingPunct="1">
+                  <a:lnSpc>
+                    <a:spcPct val="100000"/>
+                  </a:lnSpc>
+                  <a:spcBef>
+                    <a:spcPts val="0"/>
+                  </a:spcBef>
+                  <a:spcAft>
+                    <a:spcPts val="0"/>
+                  </a:spcAft>
+                  <a:buClrTx/>
+                  <a:buSzTx/>
+                  <a:buFontTx/>
+                  <a:buNone/>
+                  <a:tabLst/>
+                  <a:defRPr/>
+                </a:pPr>
+                <a:endParaRPr lang="pt-BR" sz="1200" noProof="0" dirty="0"/>
+              </a:p>
+              <a:p>
+                <a:endParaRPr lang="pt-BR" sz="1200" dirty="0"/>
+              </a:p>
+            </p:txBody>
+          </p:sp>
+        </mc:Choice>
+        <mc:Fallback xmlns="">
+          <p:sp>
+            <p:nvSpPr>
+              <p:cNvPr id="3" name="Notes Placeholder 2"/>
+              <p:cNvSpPr>
+                <a:spLocks noGrp="1"/>
+              </p:cNvSpPr>
+              <p:nvPr>
+                <p:ph type="body" idx="1"/>
+              </p:nvPr>
+            </p:nvSpPr>
+            <p:spPr/>
+            <p:txBody>
+              <a:bodyPr/>
+              <a:lstStyle/>
+              <a:p>
+                <a:pPr marL="0" marR="0" lvl="0" indent="0" algn="l" defTabSz="914400" rtl="0" eaLnBrk="1" fontAlgn="auto" latinLnBrk="0" hangingPunct="1">
+                  <a:lnSpc>
+                    <a:spcPct val="100000"/>
+                  </a:lnSpc>
+                  <a:spcBef>
+                    <a:spcPts val="0"/>
+                  </a:spcBef>
+                  <a:spcAft>
+                    <a:spcPts val="0"/>
+                  </a:spcAft>
+                  <a:buClrTx/>
+                  <a:buSzTx/>
+                  <a:buFontTx/>
+                  <a:buNone/>
+                  <a:tabLst/>
+                  <a:defRPr/>
+                </a:pPr>
+                <a:r>
+                  <a:rPr lang="pt-BR" sz="1200" baseline="0" dirty="0" smtClean="0"/>
+                  <a:t>Por exemplo, se no caso do gradiente descendente as features tiverem escalas muito diferentes, os parâmetros de features com escala muito grande vão ser atualizados mais rapidamente do que parâmetros de features com escala pequena.</a:t>
+                </a:r>
+              </a:p>
+              <a:p>
+                <a:pPr marL="0" marR="0" lvl="0" indent="0" algn="l" defTabSz="914400" rtl="0" eaLnBrk="1" fontAlgn="auto" latinLnBrk="0" hangingPunct="1">
+                  <a:lnSpc>
+                    <a:spcPct val="100000"/>
+                  </a:lnSpc>
+                  <a:spcBef>
+                    <a:spcPts val="0"/>
+                  </a:spcBef>
+                  <a:spcAft>
+                    <a:spcPts val="0"/>
+                  </a:spcAft>
+                  <a:buClrTx/>
+                  <a:buSzTx/>
+                  <a:buFontTx/>
+                  <a:buNone/>
+                  <a:tabLst/>
+                  <a:defRPr/>
+                </a:pPr>
+                <a:endParaRPr lang="pt-BR" sz="1200" baseline="0" noProof="0" dirty="0" smtClean="0"/>
+              </a:p>
+              <a:p>
+                <a:pPr marL="0" marR="0" lvl="0" indent="0" algn="l" defTabSz="914400" rtl="0" eaLnBrk="1" fontAlgn="auto" latinLnBrk="0" hangingPunct="1">
+                  <a:lnSpc>
+                    <a:spcPct val="100000"/>
+                  </a:lnSpc>
+                  <a:spcBef>
+                    <a:spcPts val="0"/>
+                  </a:spcBef>
+                  <a:spcAft>
+                    <a:spcPts val="0"/>
+                  </a:spcAft>
+                  <a:buClrTx/>
+                  <a:buSzTx/>
+                  <a:buFontTx/>
+                  <a:buNone/>
+                  <a:tabLst/>
+                  <a:defRPr/>
+                </a:pPr>
+                <a:r>
+                  <a:rPr lang="pt-BR" dirty="0" smtClean="0"/>
+                  <a:t>Nesse caso, o cálculo da distância (erro) entre  </a:t>
+                </a:r>
+                <a:r>
+                  <a:rPr lang="pt-BR" b="0" i="0" smtClean="0">
+                    <a:latin typeface="Cambria Math" panose="02040503050406030204" pitchFamily="18" charset="0"/>
+                    <a:ea typeface="Cambria Math" panose="02040503050406030204" pitchFamily="18" charset="0"/>
+                  </a:rPr>
+                  <a:t>y e </a:t>
+                </a:r>
+                <a:r>
+                  <a:rPr lang="pt-BR" i="0">
+                    <a:latin typeface="Cambria Math" panose="02040503050406030204" pitchFamily="18" charset="0"/>
+                    <a:ea typeface="Cambria Math" panose="02040503050406030204" pitchFamily="18" charset="0"/>
+                  </a:rPr>
+                  <a:t>ℎ</a:t>
+                </a:r>
+                <a:r>
+                  <a:rPr lang="pt-BR" b="1" i="0">
+                    <a:latin typeface="Cambria Math" panose="02040503050406030204" pitchFamily="18" charset="0"/>
+                    <a:ea typeface="Cambria Math" panose="02040503050406030204" pitchFamily="18" charset="0"/>
+                  </a:rPr>
+                  <a:t>(𝒙)</a:t>
+                </a:r>
+                <a:r>
+                  <a:rPr lang="pt-BR" dirty="0" smtClean="0"/>
+                  <a:t> será dominado por </a:t>
+                </a:r>
+                <a:r>
+                  <a:rPr lang="pt-BR" i="0">
+                    <a:latin typeface="Cambria Math" panose="02040503050406030204" pitchFamily="18" charset="0"/>
+                  </a:rPr>
+                  <a:t>𝑥_1</a:t>
+                </a:r>
+                <a:r>
+                  <a:rPr lang="pt-BR" dirty="0" smtClean="0"/>
+                  <a:t>.</a:t>
+                </a:r>
+              </a:p>
+              <a:p>
+                <a:pPr marL="0" marR="0" lvl="0" indent="0" algn="l" defTabSz="914400" rtl="0" eaLnBrk="1" fontAlgn="auto" latinLnBrk="0" hangingPunct="1">
+                  <a:lnSpc>
+                    <a:spcPct val="100000"/>
+                  </a:lnSpc>
+                  <a:spcBef>
+                    <a:spcPts val="0"/>
+                  </a:spcBef>
+                  <a:spcAft>
+                    <a:spcPts val="0"/>
+                  </a:spcAft>
+                  <a:buClrTx/>
+                  <a:buSzTx/>
+                  <a:buFontTx/>
+                  <a:buNone/>
+                  <a:tabLst/>
+                  <a:defRPr/>
+                </a:pPr>
+                <a:endParaRPr lang="pt-BR" sz="1200" noProof="0" dirty="0" smtClean="0"/>
+              </a:p>
+              <a:p>
+                <a:endParaRPr lang="pt-BR" dirty="0"/>
+              </a:p>
+            </p:txBody>
+          </p:sp>
+        </mc:Fallback>
+      </mc:AlternateContent>
+      <p:sp>
+        <p:nvSpPr>
+          <p:cNvPr id="4" name="Slide Number Placeholder 3"/>
+          <p:cNvSpPr>
+            <a:spLocks noGrp="1"/>
+          </p:cNvSpPr>
+          <p:nvPr>
+            <p:ph type="sldNum" sz="quarter" idx="10"/>
+          </p:nvPr>
+        </p:nvSpPr>
+        <p:spPr/>
+        <p:txBody>
+          <a:bodyPr/>
+          <a:lstStyle/>
+          <a:p>
+            <a:fld id="{DA8B99DF-01BC-492A-8CEF-4FD88D18DD9D}" type="slidenum">
+              <a:rPr lang="nl-BE" smtClean="0"/>
+              <a:t>15</a:t>
+            </a:fld>
+            <a:endParaRPr lang="nl-BE"/>
+          </a:p>
+        </p:txBody>
+      </p:sp>
+    </p:spTree>
+    <p:extLst>
+      <p:ext uri="{BB962C8B-B14F-4D97-AF65-F5344CB8AC3E}">
         <p14:creationId xmlns:p14="http://schemas.microsoft.com/office/powerpoint/2010/main" val="1179349975"/>
       </p:ext>
     </p:extLst>
@@ -2008,7 +2126,7 @@
 </p:notes>
 </file>
 
-<file path=ppt/notesSlides/notesSlide13.xml><?xml version="1.0" encoding="utf-8"?>
+<file path=ppt/notesSlides/notesSlide14.xml><?xml version="1.0" encoding="utf-8"?>
 <p:notes xmlns:a="http://schemas.openxmlformats.org/drawingml/2006/main" xmlns:r="http://schemas.openxmlformats.org/officeDocument/2006/relationships" xmlns:p="http://schemas.openxmlformats.org/presentationml/2006/main">
   <p:cSld>
     <p:spTree>
@@ -2282,7 +2400,7 @@
           <a:p>
             <a:fld id="{DA8B99DF-01BC-492A-8CEF-4FD88D18DD9D}" type="slidenum">
               <a:rPr lang="nl-BE" smtClean="0"/>
-              <a:t>15</a:t>
+              <a:t>16</a:t>
             </a:fld>
             <a:endParaRPr lang="nl-BE"/>
           </a:p>
@@ -2301,7 +2419,7 @@
 </p:notes>
 </file>
 
-<file path=ppt/notesSlides/notesSlide14.xml><?xml version="1.0" encoding="utf-8"?>
+<file path=ppt/notesSlides/notesSlide15.xml><?xml version="1.0" encoding="utf-8"?>
 <p:notes xmlns:a="http://schemas.openxmlformats.org/drawingml/2006/main" xmlns:r="http://schemas.openxmlformats.org/officeDocument/2006/relationships" xmlns:p="http://schemas.openxmlformats.org/presentationml/2006/main">
   <p:cSld>
     <p:spTree>
@@ -2689,7 +2807,7 @@
           <a:p>
             <a:fld id="{DA8B99DF-01BC-492A-8CEF-4FD88D18DD9D}" type="slidenum">
               <a:rPr lang="nl-BE" smtClean="0"/>
-              <a:t>16</a:t>
+              <a:t>17</a:t>
             </a:fld>
             <a:endParaRPr lang="nl-BE"/>
           </a:p>
@@ -2708,7 +2826,7 @@
 </p:notes>
 </file>
 
-<file path=ppt/notesSlides/notesSlide15.xml><?xml version="1.0" encoding="utf-8"?>
+<file path=ppt/notesSlides/notesSlide16.xml><?xml version="1.0" encoding="utf-8"?>
 <p:notes xmlns:a="http://schemas.openxmlformats.org/drawingml/2006/main" xmlns:r="http://schemas.openxmlformats.org/officeDocument/2006/relationships" xmlns:p="http://schemas.openxmlformats.org/presentationml/2006/main">
   <p:cSld>
     <p:spTree>
@@ -2776,7 +2894,7 @@
           <a:p>
             <a:fld id="{DA8B99DF-01BC-492A-8CEF-4FD88D18DD9D}" type="slidenum">
               <a:rPr lang="nl-BE" smtClean="0"/>
-              <a:t>17</a:t>
+              <a:t>18</a:t>
             </a:fld>
             <a:endParaRPr lang="nl-BE"/>
           </a:p>
@@ -3769,7 +3887,7 @@
       </p:grpSpPr>
       <p:sp>
         <p:nvSpPr>
-          <p:cNvPr id="2" name="Slide Image Placeholder 1"/>
+          <p:cNvPr id="2" name="Espaço Reservado para Imagem de Slide 1"/>
           <p:cNvSpPr>
             <a:spLocks noGrp="1" noRot="1" noChangeAspect="1"/>
           </p:cNvSpPr>
@@ -3781,7 +3899,7 @@
       </p:sp>
       <p:sp>
         <p:nvSpPr>
-          <p:cNvPr id="3" name="Notes Placeholder 2"/>
+          <p:cNvPr id="3" name="Espaço Reservado para Anotações 2"/>
           <p:cNvSpPr>
             <a:spLocks noGrp="1"/>
           </p:cNvSpPr>
@@ -3826,16 +3944,182 @@
           <a:p>
             <a:endParaRPr lang="pt-BR" dirty="0"/>
           </a:p>
+          <a:p>
+            <a:r>
+              <a:rPr lang="pt-BR" dirty="0"/>
+              <a:t>O escalonamento de atributos é uma etapa de pré-processamento comum no treinamento de modelos de </a:t>
+            </a:r>
+            <a:r>
+              <a:rPr lang="pt-BR" dirty="0" err="1"/>
+              <a:t>machine</a:t>
+            </a:r>
+            <a:r>
+              <a:rPr lang="pt-BR" dirty="0"/>
+              <a:t> </a:t>
+            </a:r>
+            <a:r>
+              <a:rPr lang="pt-BR" dirty="0" err="1"/>
+              <a:t>learning</a:t>
+            </a:r>
+            <a:r>
+              <a:rPr lang="pt-BR" dirty="0"/>
+              <a:t>. Suas vantagens incluem:</a:t>
+            </a:r>
+          </a:p>
+          <a:p>
+            <a:endParaRPr lang="pt-BR" dirty="0"/>
+          </a:p>
+          <a:p>
+            <a:r>
+              <a:rPr lang="pt-BR" dirty="0"/>
+              <a:t>1. **Melhor convergência:** O escalonamento de atributos pode ajudar algoritmos de otimização, como o gradiente descendente, a convergir mais rapidamente. Quando os atributos estão em escalas semelhantes, o algoritmo pode encontrar o mínimo global da função de erro de forma mais eficiente.</a:t>
+            </a:r>
+          </a:p>
+          <a:p>
+            <a:endParaRPr lang="pt-BR" dirty="0"/>
+          </a:p>
+          <a:p>
+            <a:r>
+              <a:rPr lang="pt-BR" dirty="0"/>
+              <a:t>2. **Prevenção de domínio:** Evita que atributos com escalas muito diferentes dominem o processo de treinamento. Sem escalonamento, atributos com escalas maiores podem ter um impacto desproporcional no modelo, levando a um viés indesejado.</a:t>
+            </a:r>
+          </a:p>
+          <a:p>
+            <a:endParaRPr lang="pt-BR" dirty="0"/>
+          </a:p>
+          <a:p>
+            <a:r>
+              <a:rPr lang="pt-BR" dirty="0"/>
+              <a:t>3. **Estabilidade numérica:** O escalonamento ajuda a manter a estabilidade numérica durante o treinamento, reduzindo a probabilidade de problemas de precisão numérica que podem ocorrer em algoritmos de aprendizado de máquina.</a:t>
+            </a:r>
+          </a:p>
+          <a:p>
+            <a:endParaRPr lang="pt-BR" dirty="0"/>
+          </a:p>
+          <a:p>
+            <a:r>
+              <a:rPr lang="pt-BR" dirty="0"/>
+              <a:t>4. **Interpretação mais fácil:** A interpretação dos coeficientes em modelos lineares, como regressão linear, é mais direta quando os atributos são escalonados, pois os coeficientes representam o impacto relativo dos atributos nas previsões.</a:t>
+            </a:r>
+          </a:p>
+          <a:p>
+            <a:endParaRPr lang="pt-BR" dirty="0"/>
+          </a:p>
+          <a:p>
+            <a:r>
+              <a:rPr lang="pt-BR" dirty="0"/>
+              <a:t>5. **Compatibilidade com algoritmos sensíveis à escala:** Alguns algoritmos, como o k-</a:t>
+            </a:r>
+            <a:r>
+              <a:rPr lang="pt-BR" dirty="0" err="1"/>
+              <a:t>means</a:t>
+            </a:r>
+            <a:r>
+              <a:rPr lang="pt-BR" dirty="0"/>
+              <a:t>, SVM (</a:t>
+            </a:r>
+            <a:r>
+              <a:rPr lang="pt-BR" dirty="0" err="1"/>
+              <a:t>Support</a:t>
+            </a:r>
+            <a:r>
+              <a:rPr lang="pt-BR" dirty="0"/>
+              <a:t> Vector </a:t>
+            </a:r>
+            <a:r>
+              <a:rPr lang="pt-BR" dirty="0" err="1"/>
+              <a:t>Machine</a:t>
+            </a:r>
+            <a:r>
+              <a:rPr lang="pt-BR" dirty="0"/>
+              <a:t>) e PCA (Principal </a:t>
+            </a:r>
+            <a:r>
+              <a:rPr lang="pt-BR" dirty="0" err="1"/>
+              <a:t>Component</a:t>
+            </a:r>
+            <a:r>
+              <a:rPr lang="pt-BR" dirty="0"/>
+              <a:t> </a:t>
+            </a:r>
+            <a:r>
+              <a:rPr lang="pt-BR" dirty="0" err="1"/>
+              <a:t>Analysis</a:t>
+            </a:r>
+            <a:r>
+              <a:rPr lang="pt-BR" dirty="0"/>
+              <a:t>), são sensíveis à escala dos atributos. O escalonamento torna esses algoritmos mais eficazes.</a:t>
+            </a:r>
+          </a:p>
+          <a:p>
+            <a:endParaRPr lang="pt-BR" dirty="0"/>
+          </a:p>
+          <a:p>
+            <a:r>
+              <a:rPr lang="pt-BR" dirty="0"/>
+              <a:t>6. **Redução do risco de </a:t>
+            </a:r>
+            <a:r>
+              <a:rPr lang="pt-BR" dirty="0" err="1"/>
+              <a:t>overfitting</a:t>
+            </a:r>
+            <a:r>
+              <a:rPr lang="pt-BR" dirty="0"/>
+              <a:t>:** O escalonamento adequado pode reduzir o risco de </a:t>
+            </a:r>
+            <a:r>
+              <a:rPr lang="pt-BR" dirty="0" err="1"/>
+              <a:t>overfitting</a:t>
+            </a:r>
+            <a:r>
+              <a:rPr lang="pt-BR" dirty="0"/>
+              <a:t>, tornando mais difícil para o modelo se ajustar demais aos dados de treinamento.</a:t>
+            </a:r>
+          </a:p>
+          <a:p>
+            <a:endParaRPr lang="pt-BR" dirty="0"/>
+          </a:p>
+          <a:p>
+            <a:r>
+              <a:rPr lang="pt-BR" dirty="0"/>
+              <a:t>7. **Maior generalização:** Um modelo treinado com atributos escalonados adequadamente é mais propenso a generalizar bem para novos dados, pois os efeitos da escala não são específicos dos dados de treinamento.</a:t>
+            </a:r>
+          </a:p>
+          <a:p>
+            <a:endParaRPr lang="pt-BR" dirty="0"/>
+          </a:p>
+          <a:p>
+            <a:r>
+              <a:rPr lang="pt-BR" dirty="0"/>
+              <a:t>Existem diferentes técnicas de escalonamento, como normalização (escala entre 0 e 1) e padronização (com média zero e desvio padrão um), e a escolha depende do problema e do tipo de algoritmo de </a:t>
+            </a:r>
+            <a:r>
+              <a:rPr lang="pt-BR" dirty="0" err="1"/>
+              <a:t>machine</a:t>
+            </a:r>
+            <a:r>
+              <a:rPr lang="pt-BR" dirty="0"/>
+              <a:t> </a:t>
+            </a:r>
+            <a:r>
+              <a:rPr lang="pt-BR" dirty="0" err="1"/>
+              <a:t>learning</a:t>
+            </a:r>
+            <a:r>
+              <a:rPr lang="pt-BR" dirty="0"/>
+              <a:t>. Em muitos casos, a normalização é usada quando se deseja que os dados estejam na mesma faixa, e a padronização é usada quando se deseja que os dados tenham média zero e variância unitária. A escolha da técnica de escalonamento deve ser feita com base nas características do conjunto de dados e no algoritmo que está sendo usado.</a:t>
+            </a:r>
+          </a:p>
         </p:txBody>
       </p:sp>
       <p:sp>
         <p:nvSpPr>
-          <p:cNvPr id="4" name="Slide Number Placeholder 3"/>
+          <p:cNvPr id="4" name="Espaço Reservado para Número de Slide 3"/>
           <p:cNvSpPr>
             <a:spLocks noGrp="1"/>
           </p:cNvSpPr>
           <p:nvPr>
-            <p:ph type="sldNum" sz="quarter" idx="10"/>
+            <p:ph type="sldNum" sz="quarter" idx="5"/>
           </p:nvPr>
         </p:nvSpPr>
         <p:spPr/>
@@ -3854,7 +4138,7 @@
     </p:spTree>
     <p:extLst>
       <p:ext uri="{BB962C8B-B14F-4D97-AF65-F5344CB8AC3E}">
-        <p14:creationId xmlns:p14="http://schemas.microsoft.com/office/powerpoint/2010/main" val="4005121561"/>
+        <p14:creationId xmlns:p14="http://schemas.microsoft.com/office/powerpoint/2010/main" val="799439937"/>
       </p:ext>
     </p:extLst>
   </p:cSld>
@@ -3941,7 +4225,170 @@
             <a:endParaRPr lang="pt-BR" dirty="0"/>
           </a:p>
           <a:p>
+            <a:r>
+              <a:rPr lang="pt-BR" dirty="0"/>
+              <a:t>O escalonamento de atributos é uma etapa de pré-processamento comum no treinamento de modelos de </a:t>
+            </a:r>
+            <a:r>
+              <a:rPr lang="pt-BR" dirty="0" err="1"/>
+              <a:t>machine</a:t>
+            </a:r>
+            <a:r>
+              <a:rPr lang="pt-BR" dirty="0"/>
+              <a:t> </a:t>
+            </a:r>
+            <a:r>
+              <a:rPr lang="pt-BR" dirty="0" err="1"/>
+              <a:t>learning</a:t>
+            </a:r>
+            <a:r>
+              <a:rPr lang="pt-BR" dirty="0"/>
+              <a:t>. Suas vantagens incluem:</a:t>
+            </a:r>
+          </a:p>
+          <a:p>
             <a:endParaRPr lang="pt-BR" dirty="0"/>
+          </a:p>
+          <a:p>
+            <a:r>
+              <a:rPr lang="pt-BR" dirty="0"/>
+              <a:t>1. **Melhor convergência:** O escalonamento de atributos pode ajudar algoritmos de otimização, como o gradiente descendente, a convergir mais rapidamente. Quando os atributos estão em escalas semelhantes, o algoritmo pode encontrar o mínimo global da função de erro de forma mais eficiente.</a:t>
+            </a:r>
+          </a:p>
+          <a:p>
+            <a:endParaRPr lang="pt-BR" dirty="0"/>
+          </a:p>
+          <a:p>
+            <a:r>
+              <a:rPr lang="pt-BR" dirty="0"/>
+              <a:t>2. **Prevenção de domínio:** Evita que atributos com escalas muito diferentes dominem o processo de treinamento. Sem escalonamento, atributos com escalas maiores podem ter um impacto desproporcional no modelo, levando a um viés indesejado.</a:t>
+            </a:r>
+          </a:p>
+          <a:p>
+            <a:endParaRPr lang="pt-BR" dirty="0"/>
+          </a:p>
+          <a:p>
+            <a:r>
+              <a:rPr lang="pt-BR" dirty="0"/>
+              <a:t>3. **Estabilidade numérica:** O escalonamento ajuda a manter a estabilidade numérica durante o treinamento, reduzindo a probabilidade de problemas de precisão numérica que podem ocorrer em algoritmos de aprendizado de máquina.</a:t>
+            </a:r>
+          </a:p>
+          <a:p>
+            <a:endParaRPr lang="pt-BR" dirty="0"/>
+          </a:p>
+          <a:p>
+            <a:r>
+              <a:rPr lang="pt-BR" dirty="0"/>
+              <a:t>4. **Interpretação mais fácil:** A interpretação dos coeficientes em modelos lineares, como regressão linear, é mais direta quando os atributos são escalonados, pois os coeficientes representam o impacto relativo dos atributos nas previsões.</a:t>
+            </a:r>
+          </a:p>
+          <a:p>
+            <a:endParaRPr lang="pt-BR" dirty="0"/>
+          </a:p>
+          <a:p>
+            <a:r>
+              <a:rPr lang="pt-BR" dirty="0"/>
+              <a:t>5. **Compatibilidade com algoritmos sensíveis à escala:** Alguns algoritmos, como o k-</a:t>
+            </a:r>
+            <a:r>
+              <a:rPr lang="pt-BR" dirty="0" err="1"/>
+              <a:t>means</a:t>
+            </a:r>
+            <a:r>
+              <a:rPr lang="pt-BR" dirty="0"/>
+              <a:t>, SVM (</a:t>
+            </a:r>
+            <a:r>
+              <a:rPr lang="pt-BR" dirty="0" err="1"/>
+              <a:t>Support</a:t>
+            </a:r>
+            <a:r>
+              <a:rPr lang="pt-BR" dirty="0"/>
+              <a:t> Vector </a:t>
+            </a:r>
+            <a:r>
+              <a:rPr lang="pt-BR" dirty="0" err="1"/>
+              <a:t>Machine</a:t>
+            </a:r>
+            <a:r>
+              <a:rPr lang="pt-BR" dirty="0"/>
+              <a:t>) e PCA (Principal </a:t>
+            </a:r>
+            <a:r>
+              <a:rPr lang="pt-BR" dirty="0" err="1"/>
+              <a:t>Component</a:t>
+            </a:r>
+            <a:r>
+              <a:rPr lang="pt-BR" dirty="0"/>
+              <a:t> </a:t>
+            </a:r>
+            <a:r>
+              <a:rPr lang="pt-BR" dirty="0" err="1"/>
+              <a:t>Analysis</a:t>
+            </a:r>
+            <a:r>
+              <a:rPr lang="pt-BR" dirty="0"/>
+              <a:t>), são sensíveis à escala dos atributos. O escalonamento torna esses algoritmos mais eficazes.</a:t>
+            </a:r>
+          </a:p>
+          <a:p>
+            <a:endParaRPr lang="pt-BR" dirty="0"/>
+          </a:p>
+          <a:p>
+            <a:r>
+              <a:rPr lang="pt-BR" dirty="0"/>
+              <a:t>6. **Redução do risco de </a:t>
+            </a:r>
+            <a:r>
+              <a:rPr lang="pt-BR" dirty="0" err="1"/>
+              <a:t>overfitting</a:t>
+            </a:r>
+            <a:r>
+              <a:rPr lang="pt-BR" dirty="0"/>
+              <a:t>:** O escalonamento adequado pode reduzir o risco de </a:t>
+            </a:r>
+            <a:r>
+              <a:rPr lang="pt-BR" dirty="0" err="1"/>
+              <a:t>overfitting</a:t>
+            </a:r>
+            <a:r>
+              <a:rPr lang="pt-BR" dirty="0"/>
+              <a:t>, tornando mais difícil para o modelo se ajustar demais aos dados de treinamento.</a:t>
+            </a:r>
+          </a:p>
+          <a:p>
+            <a:endParaRPr lang="pt-BR" dirty="0"/>
+          </a:p>
+          <a:p>
+            <a:r>
+              <a:rPr lang="pt-BR" dirty="0"/>
+              <a:t>7. **Maior generalização:** Um modelo treinado com atributos escalonados adequadamente é mais propenso a generalizar bem para novos dados, pois os efeitos da escala não são específicos dos dados de treinamento.</a:t>
+            </a:r>
+          </a:p>
+          <a:p>
+            <a:endParaRPr lang="pt-BR" dirty="0"/>
+          </a:p>
+          <a:p>
+            <a:r>
+              <a:rPr lang="pt-BR" dirty="0"/>
+              <a:t>Existem diferentes técnicas de escalonamento, como normalização (escala entre 0 e 1) e padronização (com média zero e desvio padrão um), e a escolha depende do problema e do tipo de algoritmo de </a:t>
+            </a:r>
+            <a:r>
+              <a:rPr lang="pt-BR" dirty="0" err="1"/>
+              <a:t>machine</a:t>
+            </a:r>
+            <a:r>
+              <a:rPr lang="pt-BR" dirty="0"/>
+              <a:t> </a:t>
+            </a:r>
+            <a:r>
+              <a:rPr lang="pt-BR" dirty="0" err="1"/>
+              <a:t>learning</a:t>
+            </a:r>
+            <a:r>
+              <a:rPr lang="pt-BR" dirty="0"/>
+              <a:t>. Em muitos casos, a normalização é usada quando se deseja que os dados estejam na mesma faixa, e a padronização é usada quando se deseja que os dados tenham média zero e variância unitária. A escolha da técnica de escalonamento deve ser feita com base nas características do conjunto de dados e no algoritmo que está sendo usado.</a:t>
+            </a:r>
           </a:p>
         </p:txBody>
       </p:sp>
@@ -3971,7 +4418,7 @@
     </p:spTree>
     <p:extLst>
       <p:ext uri="{BB962C8B-B14F-4D97-AF65-F5344CB8AC3E}">
-        <p14:creationId xmlns:p14="http://schemas.microsoft.com/office/powerpoint/2010/main" val="1596929686"/>
+        <p14:creationId xmlns:p14="http://schemas.microsoft.com/office/powerpoint/2010/main" val="3319049385"/>
       </p:ext>
     </p:extLst>
   </p:cSld>
@@ -4112,7 +4559,7 @@
           <a:p>
             <a:fld id="{C80E15A5-E95B-43EB-9AC7-9A96397448C0}" type="datetimeFigureOut">
               <a:rPr lang="nl-BE" smtClean="0"/>
-              <a:t>25/10/2023</a:t>
+              <a:t>26/10/2023</a:t>
             </a:fld>
             <a:endParaRPr lang="nl-BE"/>
           </a:p>
@@ -4282,7 +4729,7 @@
           <a:p>
             <a:fld id="{C80E15A5-E95B-43EB-9AC7-9A96397448C0}" type="datetimeFigureOut">
               <a:rPr lang="nl-BE" smtClean="0"/>
-              <a:t>25/10/2023</a:t>
+              <a:t>26/10/2023</a:t>
             </a:fld>
             <a:endParaRPr lang="nl-BE"/>
           </a:p>
@@ -4462,7 +4909,7 @@
           <a:p>
             <a:fld id="{C80E15A5-E95B-43EB-9AC7-9A96397448C0}" type="datetimeFigureOut">
               <a:rPr lang="nl-BE" smtClean="0"/>
-              <a:t>25/10/2023</a:t>
+              <a:t>26/10/2023</a:t>
             </a:fld>
             <a:endParaRPr lang="nl-BE"/>
           </a:p>
@@ -4632,7 +5079,7 @@
           <a:p>
             <a:fld id="{C80E15A5-E95B-43EB-9AC7-9A96397448C0}" type="datetimeFigureOut">
               <a:rPr lang="nl-BE" smtClean="0"/>
-              <a:t>25/10/2023</a:t>
+              <a:t>26/10/2023</a:t>
             </a:fld>
             <a:endParaRPr lang="nl-BE"/>
           </a:p>
@@ -4878,7 +5325,7 @@
           <a:p>
             <a:fld id="{C80E15A5-E95B-43EB-9AC7-9A96397448C0}" type="datetimeFigureOut">
               <a:rPr lang="nl-BE" smtClean="0"/>
-              <a:t>25/10/2023</a:t>
+              <a:t>26/10/2023</a:t>
             </a:fld>
             <a:endParaRPr lang="nl-BE"/>
           </a:p>
@@ -5110,7 +5557,7 @@
           <a:p>
             <a:fld id="{C80E15A5-E95B-43EB-9AC7-9A96397448C0}" type="datetimeFigureOut">
               <a:rPr lang="nl-BE" smtClean="0"/>
-              <a:t>25/10/2023</a:t>
+              <a:t>26/10/2023</a:t>
             </a:fld>
             <a:endParaRPr lang="nl-BE"/>
           </a:p>
@@ -5477,7 +5924,7 @@
           <a:p>
             <a:fld id="{C80E15A5-E95B-43EB-9AC7-9A96397448C0}" type="datetimeFigureOut">
               <a:rPr lang="nl-BE" smtClean="0"/>
-              <a:t>25/10/2023</a:t>
+              <a:t>26/10/2023</a:t>
             </a:fld>
             <a:endParaRPr lang="nl-BE"/>
           </a:p>
@@ -5595,7 +6042,7 @@
           <a:p>
             <a:fld id="{C80E15A5-E95B-43EB-9AC7-9A96397448C0}" type="datetimeFigureOut">
               <a:rPr lang="nl-BE" smtClean="0"/>
-              <a:t>25/10/2023</a:t>
+              <a:t>26/10/2023</a:t>
             </a:fld>
             <a:endParaRPr lang="nl-BE"/>
           </a:p>
@@ -5690,7 +6137,7 @@
           <a:p>
             <a:fld id="{C80E15A5-E95B-43EB-9AC7-9A96397448C0}" type="datetimeFigureOut">
               <a:rPr lang="nl-BE" smtClean="0"/>
-              <a:t>25/10/2023</a:t>
+              <a:t>26/10/2023</a:t>
             </a:fld>
             <a:endParaRPr lang="nl-BE"/>
           </a:p>
@@ -5967,7 +6414,7 @@
           <a:p>
             <a:fld id="{C80E15A5-E95B-43EB-9AC7-9A96397448C0}" type="datetimeFigureOut">
               <a:rPr lang="nl-BE" smtClean="0"/>
-              <a:t>25/10/2023</a:t>
+              <a:t>26/10/2023</a:t>
             </a:fld>
             <a:endParaRPr lang="nl-BE"/>
           </a:p>
@@ -6220,7 +6667,7 @@
           <a:p>
             <a:fld id="{C80E15A5-E95B-43EB-9AC7-9A96397448C0}" type="datetimeFigureOut">
               <a:rPr lang="nl-BE" smtClean="0"/>
-              <a:t>25/10/2023</a:t>
+              <a:t>26/10/2023</a:t>
             </a:fld>
             <a:endParaRPr lang="nl-BE"/>
           </a:p>
@@ -6433,7 +6880,7 @@
           <a:p>
             <a:fld id="{C80E15A5-E95B-43EB-9AC7-9A96397448C0}" type="datetimeFigureOut">
               <a:rPr lang="nl-BE" smtClean="0"/>
-              <a:t>25/10/2023</a:t>
+              <a:t>26/10/2023</a:t>
             </a:fld>
             <a:endParaRPr lang="nl-BE"/>
           </a:p>
@@ -7043,7 +7490,13 @@
       </p:grpSpPr>
       <p:sp>
         <p:nvSpPr>
-          <p:cNvPr id="2" name="Title 1"/>
+          <p:cNvPr id="2" name="Título 1">
+            <a:extLst>
+              <a:ext uri="{FF2B5EF4-FFF2-40B4-BE49-F238E27FC236}">
+                <a16:creationId xmlns:a16="http://schemas.microsoft.com/office/drawing/2014/main" id="{0424EA61-8827-8572-A25B-F27A0372F1A1}"/>
+              </a:ext>
+            </a:extLst>
+          </p:cNvPr>
           <p:cNvSpPr>
             <a:spLocks noGrp="1"/>
           </p:cNvSpPr>
@@ -7051,26 +7504,27 @@
             <p:ph type="title"/>
           </p:nvPr>
         </p:nvSpPr>
-        <p:spPr>
-          <a:xfrm>
-            <a:off x="838200" y="57348"/>
-            <a:ext cx="10515600" cy="1325563"/>
-          </a:xfrm>
-        </p:spPr>
+        <p:spPr/>
         <p:txBody>
           <a:bodyPr/>
           <a:lstStyle/>
           <a:p>
             <a:r>
               <a:rPr lang="pt-BR" dirty="0"/>
-              <a:t>Escalonamento de atributos</a:t>
+              <a:t>Vantagens do escalonamento de atributos</a:t>
             </a:r>
           </a:p>
         </p:txBody>
       </p:sp>
       <p:sp>
         <p:nvSpPr>
-          <p:cNvPr id="3" name="Content Placeholder 2"/>
+          <p:cNvPr id="3" name="Espaço Reservado para Conteúdo 2">
+            <a:extLst>
+              <a:ext uri="{FF2B5EF4-FFF2-40B4-BE49-F238E27FC236}">
+                <a16:creationId xmlns:a16="http://schemas.microsoft.com/office/drawing/2014/main" id="{845E4B59-80A8-56C0-25C4-BFA92D9C3922}"/>
+              </a:ext>
+            </a:extLst>
+          </p:cNvPr>
           <p:cNvSpPr>
             <a:spLocks noGrp="1"/>
           </p:cNvSpPr>
@@ -7080,8 +7534,8 @@
         </p:nvSpPr>
         <p:spPr>
           <a:xfrm>
-            <a:off x="4222044" y="1546578"/>
-            <a:ext cx="7854341" cy="5311422"/>
+            <a:off x="838199" y="1825624"/>
+            <a:ext cx="11219121" cy="2931859"/>
           </a:xfrm>
         </p:spPr>
         <p:txBody>
@@ -7092,189 +7546,237 @@
           <a:p>
             <a:r>
               <a:rPr lang="pt-BR" dirty="0"/>
-              <a:t>O escalonamento de atributos ajuda a acelerar a convergência do </a:t>
-            </a:r>
-            <a:r>
-              <a:rPr lang="pt-BR" b="1" i="1" dirty="0"/>
-              <a:t>gradiente descendente</a:t>
+              <a:t>Ajuda a </a:t>
+            </a:r>
+            <a:r>
+              <a:rPr lang="pt-BR" b="1" i="1" dirty="0">
+                <a:solidFill>
+                  <a:srgbClr val="00B050"/>
+                </a:solidFill>
+              </a:rPr>
+              <a:t>acelerar a convergência </a:t>
             </a:r>
             <a:r>
               <a:rPr lang="pt-BR" dirty="0"/>
-              <a:t>, pois deixa a superfície de erro mais circular, ou seja, com inclinação similar em todas as direções.</a:t>
-            </a:r>
-          </a:p>
-          <a:p>
-            <a:r>
-              <a:rPr lang="nl-BE" dirty="0"/>
-              <a:t>Ajuda a estabilizar os algoritmos de aprendizado de máquina.</a:t>
-            </a:r>
-            <a:endParaRPr lang="pt-BR" dirty="0"/>
-          </a:p>
-          <a:p>
+              <a:t>do gradiente descendente, pois deixa a superfície de erro mais circular </a:t>
+            </a:r>
+          </a:p>
+          <a:p>
+            <a:pPr lvl="1">
+              <a:buFont typeface="Wingdings" panose="05000000000000000000" pitchFamily="2" charset="2"/>
+              <a:buChar char="§"/>
+            </a:pPr>
             <a:r>
               <a:rPr lang="pt-BR" dirty="0"/>
-              <a:t>Possibilita comparar o peso/influência de cada </a:t>
-            </a:r>
-            <a:r>
-              <a:rPr lang="pt-BR" b="1" i="1" dirty="0"/>
-              <a:t>atributo</a:t>
-            </a:r>
+              <a:t>Pois a inclinação da superfície se torna similar em todas as direções.</a:t>
+            </a:r>
+          </a:p>
+          <a:p>
             <a:r>
               <a:rPr lang="pt-BR" dirty="0"/>
-              <a:t> no modelo.</a:t>
+              <a:t>Reduz a probabilidade de </a:t>
+            </a:r>
+            <a:r>
+              <a:rPr lang="pt-BR" b="1" i="1" dirty="0">
+                <a:solidFill>
+                  <a:srgbClr val="00B050"/>
+                </a:solidFill>
+              </a:rPr>
+              <a:t>problemas de precisão numérica</a:t>
+            </a:r>
+            <a:r>
+              <a:rPr lang="pt-BR" dirty="0"/>
+              <a:t>, mantendo a estabilidade do algoritmo durante o treinamento.</a:t>
+            </a:r>
+          </a:p>
+          <a:p>
+            <a:pPr lvl="1">
+              <a:buFont typeface="Wingdings" panose="05000000000000000000" pitchFamily="2" charset="2"/>
+              <a:buChar char="§"/>
+            </a:pPr>
+            <a:r>
+              <a:rPr lang="pt-BR" dirty="0"/>
+              <a:t>Por exemplo, atributos com valores muito grandes podem gerar erros extremamente grandes que podem não ser representados pelas variáveis.</a:t>
             </a:r>
           </a:p>
         </p:txBody>
       </p:sp>
-      <p:grpSp>
-        <p:nvGrpSpPr>
-          <p:cNvPr id="4" name="Group 3"/>
-          <p:cNvGrpSpPr/>
+      <p:sp>
+        <p:nvSpPr>
+          <p:cNvPr id="4" name="Down Arrow 6">
+            <a:extLst>
+              <a:ext uri="{FF2B5EF4-FFF2-40B4-BE49-F238E27FC236}">
+                <a16:creationId xmlns:a16="http://schemas.microsoft.com/office/drawing/2014/main" id="{9EC0A304-6BF7-0106-1DCD-0BAE870C81A4}"/>
+              </a:ext>
+            </a:extLst>
+          </p:cNvPr>
+          <p:cNvSpPr/>
           <p:nvPr/>
-        </p:nvGrpSpPr>
-        <p:grpSpPr>
+        </p:nvSpPr>
+        <p:spPr>
+          <a:xfrm rot="16200000">
+            <a:off x="5895975" y="5422447"/>
+            <a:ext cx="400050" cy="485775"/>
+          </a:xfrm>
+          <a:prstGeom prst="downArrow">
+            <a:avLst/>
+          </a:prstGeom>
+        </p:spPr>
+        <p:style>
+          <a:lnRef idx="2">
+            <a:schemeClr val="accent1">
+              <a:shade val="50000"/>
+            </a:schemeClr>
+          </a:lnRef>
+          <a:fillRef idx="1">
+            <a:schemeClr val="accent1"/>
+          </a:fillRef>
+          <a:effectRef idx="0">
+            <a:schemeClr val="accent1"/>
+          </a:effectRef>
+          <a:fontRef idx="minor">
+            <a:schemeClr val="lt1"/>
+          </a:fontRef>
+        </p:style>
+        <p:txBody>
+          <a:bodyPr rtlCol="0" anchor="ctr"/>
+          <a:lstStyle/>
+          <a:p>
+            <a:pPr algn="ctr"/>
+            <a:endParaRPr lang="pt-BR"/>
+          </a:p>
+        </p:txBody>
+      </p:sp>
+      <p:sp>
+        <p:nvSpPr>
+          <p:cNvPr id="5" name="TextBox 7">
+            <a:extLst>
+              <a:ext uri="{FF2B5EF4-FFF2-40B4-BE49-F238E27FC236}">
+                <a16:creationId xmlns:a16="http://schemas.microsoft.com/office/drawing/2014/main" id="{4A9A665F-F9C1-E9D6-8F71-7AA8D3C1A3D0}"/>
+              </a:ext>
+            </a:extLst>
+          </p:cNvPr>
+          <p:cNvSpPr txBox="1"/>
+          <p:nvPr/>
+        </p:nvSpPr>
+        <p:spPr>
           <a:xfrm>
-            <a:off x="1228933" y="1123619"/>
-            <a:ext cx="2292375" cy="5677033"/>
-            <a:chOff x="9567748" y="717659"/>
-            <a:chExt cx="2292375" cy="5677033"/>
+            <a:off x="5421394" y="5157533"/>
+            <a:ext cx="1349213" cy="307777"/>
           </a:xfrm>
-        </p:grpSpPr>
-        <p:pic>
-          <p:nvPicPr>
-            <p:cNvPr id="5" name="Picture 4"/>
-            <p:cNvPicPr>
-              <a:picLocks noChangeAspect="1"/>
-            </p:cNvPicPr>
-            <p:nvPr/>
-          </p:nvPicPr>
-          <p:blipFill>
-            <a:blip r:embed="rId3" cstate="print">
-              <a:extLst>
-                <a:ext uri="{28A0092B-C50C-407E-A947-70E740481C1C}">
-                  <a14:useLocalDpi xmlns:a14="http://schemas.microsoft.com/office/drawing/2010/main" val="0"/>
-                </a:ext>
-              </a:extLst>
-            </a:blip>
-            <a:stretch>
-              <a:fillRect/>
-            </a:stretch>
-          </p:blipFill>
-          <p:spPr>
-            <a:xfrm>
-              <a:off x="9567748" y="717659"/>
-              <a:ext cx="2288436" cy="3158908"/>
-            </a:xfrm>
-            <a:prstGeom prst="rect">
-              <a:avLst/>
-            </a:prstGeom>
-          </p:spPr>
-        </p:pic>
-        <p:pic>
-          <p:nvPicPr>
-            <p:cNvPr id="6" name="Picture 5"/>
-            <p:cNvPicPr>
-              <a:picLocks noChangeAspect="1"/>
-            </p:cNvPicPr>
-            <p:nvPr/>
-          </p:nvPicPr>
-          <p:blipFill>
-            <a:blip r:embed="rId4" cstate="print">
-              <a:extLst>
-                <a:ext uri="{28A0092B-C50C-407E-A947-70E740481C1C}">
-                  <a14:useLocalDpi xmlns:a14="http://schemas.microsoft.com/office/drawing/2010/main" val="0"/>
-                </a:ext>
-              </a:extLst>
-            </a:blip>
-            <a:stretch>
-              <a:fillRect/>
-            </a:stretch>
-          </p:blipFill>
-          <p:spPr>
-            <a:xfrm>
-              <a:off x="9567748" y="4354400"/>
-              <a:ext cx="2292375" cy="2040292"/>
-            </a:xfrm>
-            <a:prstGeom prst="rect">
-              <a:avLst/>
-            </a:prstGeom>
-          </p:spPr>
-        </p:pic>
-        <p:sp>
-          <p:nvSpPr>
-            <p:cNvPr id="7" name="Down Arrow 6"/>
-            <p:cNvSpPr/>
-            <p:nvPr/>
-          </p:nvSpPr>
-          <p:spPr>
-            <a:xfrm>
-              <a:off x="10511940" y="4083075"/>
-              <a:ext cx="400050" cy="485775"/>
-            </a:xfrm>
-            <a:prstGeom prst="downArrow">
-              <a:avLst/>
-            </a:prstGeom>
-          </p:spPr>
-          <p:style>
-            <a:lnRef idx="2">
-              <a:schemeClr val="accent1">
-                <a:shade val="50000"/>
-              </a:schemeClr>
-            </a:lnRef>
-            <a:fillRef idx="1">
-              <a:schemeClr val="accent1"/>
-            </a:fillRef>
-            <a:effectRef idx="0">
-              <a:schemeClr val="accent1"/>
-            </a:effectRef>
-            <a:fontRef idx="minor">
-              <a:schemeClr val="lt1"/>
-            </a:fontRef>
-          </p:style>
-          <p:txBody>
-            <a:bodyPr rtlCol="0" anchor="ctr"/>
-            <a:lstStyle/>
-            <a:p>
-              <a:pPr algn="ctr"/>
-              <a:endParaRPr lang="pt-BR"/>
-            </a:p>
-          </p:txBody>
-        </p:sp>
-        <p:sp>
-          <p:nvSpPr>
-            <p:cNvPr id="8" name="TextBox 7"/>
-            <p:cNvSpPr txBox="1"/>
-            <p:nvPr/>
-          </p:nvSpPr>
-          <p:spPr>
-            <a:xfrm>
-              <a:off x="10040453" y="3790147"/>
-              <a:ext cx="1343025" cy="307777"/>
-            </a:xfrm>
-            <a:prstGeom prst="rect">
-              <a:avLst/>
-            </a:prstGeom>
-            <a:noFill/>
-          </p:spPr>
-          <p:txBody>
-            <a:bodyPr wrap="square" rtlCol="0">
-              <a:spAutoFit/>
-            </a:bodyPr>
-            <a:lstStyle/>
-            <a:p>
-              <a:pPr algn="ctr"/>
-              <a:r>
-                <a:rPr lang="pt-BR" sz="1400" dirty="0"/>
-                <a:t>Escalonamento</a:t>
-              </a:r>
-            </a:p>
-          </p:txBody>
-        </p:sp>
-      </p:grpSp>
+          <a:prstGeom prst="rect">
+            <a:avLst/>
+          </a:prstGeom>
+          <a:noFill/>
+        </p:spPr>
+        <p:txBody>
+          <a:bodyPr wrap="square" rtlCol="0">
+            <a:spAutoFit/>
+          </a:bodyPr>
+          <a:lstStyle/>
+          <a:p>
+            <a:pPr algn="ctr"/>
+            <a:r>
+              <a:rPr lang="pt-BR" sz="1400" dirty="0"/>
+              <a:t>Escalonamento</a:t>
+            </a:r>
+          </a:p>
+        </p:txBody>
+      </p:sp>
+      <p:pic>
+        <p:nvPicPr>
+          <p:cNvPr id="6" name="Picture 2">
+            <a:extLst>
+              <a:ext uri="{FF2B5EF4-FFF2-40B4-BE49-F238E27FC236}">
+                <a16:creationId xmlns:a16="http://schemas.microsoft.com/office/drawing/2014/main" id="{05750B62-6E28-097F-4641-70369CB0DA15}"/>
+              </a:ext>
+            </a:extLst>
+          </p:cNvPr>
+          <p:cNvPicPr>
+            <a:picLocks noChangeAspect="1" noChangeArrowheads="1"/>
+          </p:cNvPicPr>
+          <p:nvPr/>
+        </p:nvPicPr>
+        <p:blipFill rotWithShape="1">
+          <a:blip r:embed="rId3">
+            <a:extLst>
+              <a:ext uri="{28A0092B-C50C-407E-A947-70E740481C1C}">
+                <a14:useLocalDpi xmlns:a14="http://schemas.microsoft.com/office/drawing/2010/main" val="0"/>
+              </a:ext>
+            </a:extLst>
+          </a:blip>
+          <a:srcRect l="3452"/>
+          <a:stretch/>
+        </p:blipFill>
+        <p:spPr bwMode="auto">
+          <a:xfrm>
+            <a:off x="420413" y="4672897"/>
+            <a:ext cx="4940773" cy="2180668"/>
+          </a:xfrm>
+          <a:prstGeom prst="rect">
+            <a:avLst/>
+          </a:prstGeom>
+          <a:noFill/>
+          <a:extLst>
+            <a:ext uri="{909E8E84-426E-40DD-AFC4-6F175D3DCCD1}">
+              <a14:hiddenFill xmlns:a14="http://schemas.microsoft.com/office/drawing/2010/main">
+                <a:solidFill>
+                  <a:srgbClr val="FFFFFF"/>
+                </a:solidFill>
+              </a14:hiddenFill>
+            </a:ext>
+          </a:extLst>
+        </p:spPr>
+      </p:pic>
+      <p:pic>
+        <p:nvPicPr>
+          <p:cNvPr id="7" name="Picture 4">
+            <a:extLst>
+              <a:ext uri="{FF2B5EF4-FFF2-40B4-BE49-F238E27FC236}">
+                <a16:creationId xmlns:a16="http://schemas.microsoft.com/office/drawing/2014/main" id="{AF50A6F5-3CB0-7A2B-3781-AABE8B9214A7}"/>
+              </a:ext>
+            </a:extLst>
+          </p:cNvPr>
+          <p:cNvPicPr>
+            <a:picLocks noChangeAspect="1" noChangeArrowheads="1"/>
+          </p:cNvPicPr>
+          <p:nvPr/>
+        </p:nvPicPr>
+        <p:blipFill rotWithShape="1">
+          <a:blip r:embed="rId4">
+            <a:extLst>
+              <a:ext uri="{28A0092B-C50C-407E-A947-70E740481C1C}">
+                <a14:useLocalDpi xmlns:a14="http://schemas.microsoft.com/office/drawing/2010/main" val="0"/>
+              </a:ext>
+            </a:extLst>
+          </a:blip>
+          <a:srcRect l="2445" r="670"/>
+          <a:stretch/>
+        </p:blipFill>
+        <p:spPr bwMode="auto">
+          <a:xfrm>
+            <a:off x="7096671" y="4697942"/>
+            <a:ext cx="4940773" cy="2155623"/>
+          </a:xfrm>
+          <a:prstGeom prst="rect">
+            <a:avLst/>
+          </a:prstGeom>
+          <a:noFill/>
+          <a:extLst>
+            <a:ext uri="{909E8E84-426E-40DD-AFC4-6F175D3DCCD1}">
+              <a14:hiddenFill xmlns:a14="http://schemas.microsoft.com/office/drawing/2010/main">
+                <a:solidFill>
+                  <a:srgbClr val="FFFFFF"/>
+                </a:solidFill>
+              </a14:hiddenFill>
+            </a:ext>
+          </a:extLst>
+        </p:spPr>
+      </p:pic>
     </p:spTree>
     <p:extLst>
       <p:ext uri="{BB962C8B-B14F-4D97-AF65-F5344CB8AC3E}">
-        <p14:creationId xmlns:p14="http://schemas.microsoft.com/office/powerpoint/2010/main" val="516379404"/>
+        <p14:creationId xmlns:p14="http://schemas.microsoft.com/office/powerpoint/2010/main" val="1686981210"/>
       </p:ext>
     </p:extLst>
   </p:cSld>
@@ -7285,6 +7787,358 @@
 </file>
 
 <file path=ppt/slides/slide11.xml><?xml version="1.0" encoding="utf-8"?>
+<p:sld xmlns:a="http://schemas.openxmlformats.org/drawingml/2006/main" xmlns:r="http://schemas.openxmlformats.org/officeDocument/2006/relationships" xmlns:p="http://schemas.openxmlformats.org/presentationml/2006/main">
+  <p:cSld>
+    <p:spTree>
+      <p:nvGrpSpPr>
+        <p:cNvPr id="1" name=""/>
+        <p:cNvGrpSpPr/>
+        <p:nvPr/>
+      </p:nvGrpSpPr>
+      <p:grpSpPr>
+        <a:xfrm>
+          <a:off x="0" y="0"/>
+          <a:ext cx="0" cy="0"/>
+          <a:chOff x="0" y="0"/>
+          <a:chExt cx="0" cy="0"/>
+        </a:xfrm>
+      </p:grpSpPr>
+      <p:sp>
+        <p:nvSpPr>
+          <p:cNvPr id="2" name="Título 1">
+            <a:extLst>
+              <a:ext uri="{FF2B5EF4-FFF2-40B4-BE49-F238E27FC236}">
+                <a16:creationId xmlns:a16="http://schemas.microsoft.com/office/drawing/2014/main" id="{0424EA61-8827-8572-A25B-F27A0372F1A1}"/>
+              </a:ext>
+            </a:extLst>
+          </p:cNvPr>
+          <p:cNvSpPr>
+            <a:spLocks noGrp="1"/>
+          </p:cNvSpPr>
+          <p:nvPr>
+            <p:ph type="title"/>
+          </p:nvPr>
+        </p:nvSpPr>
+        <p:spPr/>
+        <p:txBody>
+          <a:bodyPr/>
+          <a:lstStyle/>
+          <a:p>
+            <a:r>
+              <a:rPr lang="pt-BR" dirty="0"/>
+              <a:t>Vantagens do escalonamento de atributos</a:t>
+            </a:r>
+          </a:p>
+        </p:txBody>
+      </p:sp>
+      <p:sp>
+        <p:nvSpPr>
+          <p:cNvPr id="3" name="Espaço Reservado para Conteúdo 2">
+            <a:extLst>
+              <a:ext uri="{FF2B5EF4-FFF2-40B4-BE49-F238E27FC236}">
+                <a16:creationId xmlns:a16="http://schemas.microsoft.com/office/drawing/2014/main" id="{845E4B59-80A8-56C0-25C4-BFA92D9C3922}"/>
+              </a:ext>
+            </a:extLst>
+          </p:cNvPr>
+          <p:cNvSpPr>
+            <a:spLocks noGrp="1"/>
+          </p:cNvSpPr>
+          <p:nvPr>
+            <p:ph idx="1"/>
+          </p:nvPr>
+        </p:nvSpPr>
+        <p:spPr>
+          <a:xfrm>
+            <a:off x="838199" y="1825624"/>
+            <a:ext cx="11219121" cy="2931859"/>
+          </a:xfrm>
+        </p:spPr>
+        <p:txBody>
+          <a:bodyPr>
+            <a:normAutofit/>
+          </a:bodyPr>
+          <a:lstStyle/>
+          <a:p>
+            <a:r>
+              <a:rPr lang="pt-BR" dirty="0"/>
+              <a:t>Possibilita a </a:t>
+            </a:r>
+            <a:r>
+              <a:rPr lang="pt-BR" b="1" i="1" dirty="0">
+                <a:solidFill>
+                  <a:srgbClr val="00B050"/>
+                </a:solidFill>
+              </a:rPr>
+              <a:t>comparação justa do peso/influência</a:t>
+            </a:r>
+            <a:r>
+              <a:rPr lang="pt-BR" dirty="0"/>
+              <a:t> de cada </a:t>
+            </a:r>
+            <a:r>
+              <a:rPr lang="pt-BR" b="1" i="1" dirty="0"/>
+              <a:t>atributo</a:t>
+            </a:r>
+            <a:r>
+              <a:rPr lang="pt-BR" dirty="0"/>
+              <a:t> no modelo.</a:t>
+            </a:r>
+          </a:p>
+          <a:p>
+            <a:pPr lvl="1">
+              <a:buFont typeface="Wingdings" panose="05000000000000000000" pitchFamily="2" charset="2"/>
+              <a:buChar char="§"/>
+            </a:pPr>
+            <a:r>
+              <a:rPr lang="pt-BR" dirty="0"/>
+              <a:t>P</a:t>
+            </a:r>
+            <a:r>
+              <a:rPr lang="pt-BR" b="0" i="0" dirty="0">
+                <a:effectLst/>
+              </a:rPr>
+              <a:t>ois os pesos representam o impacto relativo dos atributos nas predições.</a:t>
+            </a:r>
+          </a:p>
+          <a:p>
+            <a:r>
+              <a:rPr lang="pt-BR" dirty="0"/>
+              <a:t>Evita que </a:t>
+            </a:r>
+            <a:r>
+              <a:rPr lang="pt-BR" b="1" i="1" dirty="0">
+                <a:solidFill>
+                  <a:srgbClr val="00B050"/>
+                </a:solidFill>
+              </a:rPr>
+              <a:t>atributos com escalas muito diferentes dominem o processo de treinamento</a:t>
+            </a:r>
+            <a:r>
+              <a:rPr lang="pt-BR" dirty="0"/>
+              <a:t>. </a:t>
+            </a:r>
+          </a:p>
+          <a:p>
+            <a:pPr lvl="1">
+              <a:buFont typeface="Wingdings" panose="05000000000000000000" pitchFamily="2" charset="2"/>
+              <a:buChar char="§"/>
+            </a:pPr>
+            <a:r>
+              <a:rPr lang="pt-BR" i="0" dirty="0">
+                <a:effectLst/>
+              </a:rPr>
+              <a:t>Sem escalonamento, o modelo </a:t>
+            </a:r>
+            <a:r>
+              <a:rPr lang="pt-BR" dirty="0"/>
+              <a:t>pode</a:t>
+            </a:r>
+            <a:r>
+              <a:rPr lang="pt-BR" i="0" dirty="0">
+                <a:effectLst/>
+              </a:rPr>
+              <a:t> dar mais importância a </a:t>
+            </a:r>
+            <a:r>
+              <a:rPr lang="pt-BR" dirty="0"/>
+              <a:t>atributos com intervalos maiores </a:t>
+            </a:r>
+            <a:r>
+              <a:rPr lang="pt-BR" i="0" dirty="0">
+                <a:effectLst/>
+              </a:rPr>
+              <a:t>e menos importância aos atributos com intervalos menores.</a:t>
+            </a:r>
+            <a:endParaRPr lang="pt-BR" dirty="0"/>
+          </a:p>
+        </p:txBody>
+      </p:sp>
+      <p:sp>
+        <p:nvSpPr>
+          <p:cNvPr id="4" name="Down Arrow 6">
+            <a:extLst>
+              <a:ext uri="{FF2B5EF4-FFF2-40B4-BE49-F238E27FC236}">
+                <a16:creationId xmlns:a16="http://schemas.microsoft.com/office/drawing/2014/main" id="{9EC0A304-6BF7-0106-1DCD-0BAE870C81A4}"/>
+              </a:ext>
+            </a:extLst>
+          </p:cNvPr>
+          <p:cNvSpPr/>
+          <p:nvPr/>
+        </p:nvSpPr>
+        <p:spPr>
+          <a:xfrm rot="16200000">
+            <a:off x="5895975" y="5422447"/>
+            <a:ext cx="400050" cy="485775"/>
+          </a:xfrm>
+          <a:prstGeom prst="downArrow">
+            <a:avLst/>
+          </a:prstGeom>
+        </p:spPr>
+        <p:style>
+          <a:lnRef idx="2">
+            <a:schemeClr val="accent1">
+              <a:shade val="50000"/>
+            </a:schemeClr>
+          </a:lnRef>
+          <a:fillRef idx="1">
+            <a:schemeClr val="accent1"/>
+          </a:fillRef>
+          <a:effectRef idx="0">
+            <a:schemeClr val="accent1"/>
+          </a:effectRef>
+          <a:fontRef idx="minor">
+            <a:schemeClr val="lt1"/>
+          </a:fontRef>
+        </p:style>
+        <p:txBody>
+          <a:bodyPr rtlCol="0" anchor="ctr"/>
+          <a:lstStyle/>
+          <a:p>
+            <a:pPr algn="ctr"/>
+            <a:endParaRPr lang="pt-BR"/>
+          </a:p>
+        </p:txBody>
+      </p:sp>
+      <p:sp>
+        <p:nvSpPr>
+          <p:cNvPr id="5" name="TextBox 7">
+            <a:extLst>
+              <a:ext uri="{FF2B5EF4-FFF2-40B4-BE49-F238E27FC236}">
+                <a16:creationId xmlns:a16="http://schemas.microsoft.com/office/drawing/2014/main" id="{4A9A665F-F9C1-E9D6-8F71-7AA8D3C1A3D0}"/>
+              </a:ext>
+            </a:extLst>
+          </p:cNvPr>
+          <p:cNvSpPr txBox="1"/>
+          <p:nvPr/>
+        </p:nvSpPr>
+        <p:spPr>
+          <a:xfrm>
+            <a:off x="5421394" y="5157533"/>
+            <a:ext cx="1349213" cy="307777"/>
+          </a:xfrm>
+          <a:prstGeom prst="rect">
+            <a:avLst/>
+          </a:prstGeom>
+          <a:noFill/>
+        </p:spPr>
+        <p:txBody>
+          <a:bodyPr wrap="square" rtlCol="0">
+            <a:spAutoFit/>
+          </a:bodyPr>
+          <a:lstStyle/>
+          <a:p>
+            <a:pPr algn="ctr"/>
+            <a:r>
+              <a:rPr lang="pt-BR" sz="1400" dirty="0"/>
+              <a:t>Escalonamento</a:t>
+            </a:r>
+          </a:p>
+        </p:txBody>
+      </p:sp>
+      <p:pic>
+        <p:nvPicPr>
+          <p:cNvPr id="6" name="Picture 2">
+            <a:extLst>
+              <a:ext uri="{FF2B5EF4-FFF2-40B4-BE49-F238E27FC236}">
+                <a16:creationId xmlns:a16="http://schemas.microsoft.com/office/drawing/2014/main" id="{05750B62-6E28-097F-4641-70369CB0DA15}"/>
+              </a:ext>
+            </a:extLst>
+          </p:cNvPr>
+          <p:cNvPicPr>
+            <a:picLocks noChangeAspect="1" noChangeArrowheads="1"/>
+          </p:cNvPicPr>
+          <p:nvPr/>
+        </p:nvPicPr>
+        <p:blipFill rotWithShape="1">
+          <a:blip r:embed="rId3">
+            <a:extLst>
+              <a:ext uri="{28A0092B-C50C-407E-A947-70E740481C1C}">
+                <a14:useLocalDpi xmlns:a14="http://schemas.microsoft.com/office/drawing/2010/main" val="0"/>
+              </a:ext>
+            </a:extLst>
+          </a:blip>
+          <a:srcRect l="3452"/>
+          <a:stretch/>
+        </p:blipFill>
+        <p:spPr bwMode="auto">
+          <a:xfrm>
+            <a:off x="353579" y="4666591"/>
+            <a:ext cx="4955058" cy="2186973"/>
+          </a:xfrm>
+          <a:prstGeom prst="rect">
+            <a:avLst/>
+          </a:prstGeom>
+          <a:noFill/>
+          <a:extLst>
+            <a:ext uri="{909E8E84-426E-40DD-AFC4-6F175D3DCCD1}">
+              <a14:hiddenFill xmlns:a14="http://schemas.microsoft.com/office/drawing/2010/main">
+                <a:solidFill>
+                  <a:srgbClr val="FFFFFF"/>
+                </a:solidFill>
+              </a14:hiddenFill>
+            </a:ext>
+          </a:extLst>
+        </p:spPr>
+      </p:pic>
+      <p:pic>
+        <p:nvPicPr>
+          <p:cNvPr id="7" name="Picture 4">
+            <a:extLst>
+              <a:ext uri="{FF2B5EF4-FFF2-40B4-BE49-F238E27FC236}">
+                <a16:creationId xmlns:a16="http://schemas.microsoft.com/office/drawing/2014/main" id="{AF50A6F5-3CB0-7A2B-3781-AABE8B9214A7}"/>
+              </a:ext>
+            </a:extLst>
+          </p:cNvPr>
+          <p:cNvPicPr>
+            <a:picLocks noChangeAspect="1" noChangeArrowheads="1"/>
+          </p:cNvPicPr>
+          <p:nvPr/>
+        </p:nvPicPr>
+        <p:blipFill rotWithShape="1">
+          <a:blip r:embed="rId4">
+            <a:extLst>
+              <a:ext uri="{28A0092B-C50C-407E-A947-70E740481C1C}">
+                <a14:useLocalDpi xmlns:a14="http://schemas.microsoft.com/office/drawing/2010/main" val="0"/>
+              </a:ext>
+            </a:extLst>
+          </a:blip>
+          <a:srcRect l="2445" r="670"/>
+          <a:stretch/>
+        </p:blipFill>
+        <p:spPr bwMode="auto">
+          <a:xfrm>
+            <a:off x="7029837" y="4691710"/>
+            <a:ext cx="4955058" cy="2161855"/>
+          </a:xfrm>
+          <a:prstGeom prst="rect">
+            <a:avLst/>
+          </a:prstGeom>
+          <a:noFill/>
+          <a:extLst>
+            <a:ext uri="{909E8E84-426E-40DD-AFC4-6F175D3DCCD1}">
+              <a14:hiddenFill xmlns:a14="http://schemas.microsoft.com/office/drawing/2010/main">
+                <a:solidFill>
+                  <a:srgbClr val="FFFFFF"/>
+                </a:solidFill>
+              </a14:hiddenFill>
+            </a:ext>
+          </a:extLst>
+        </p:spPr>
+      </p:pic>
+    </p:spTree>
+    <p:extLst>
+      <p:ext uri="{BB962C8B-B14F-4D97-AF65-F5344CB8AC3E}">
+        <p14:creationId xmlns:p14="http://schemas.microsoft.com/office/powerpoint/2010/main" val="1314305518"/>
+      </p:ext>
+    </p:extLst>
+  </p:cSld>
+  <p:clrMapOvr>
+    <a:masterClrMapping/>
+  </p:clrMapOvr>
+</p:sld>
+</file>
+
+<file path=ppt/slides/slide12.xml><?xml version="1.0" encoding="utf-8"?>
 <p:sld xmlns:a="http://schemas.openxmlformats.org/drawingml/2006/main" xmlns:r="http://schemas.openxmlformats.org/officeDocument/2006/relationships" xmlns:p="http://schemas.openxmlformats.org/presentationml/2006/main">
   <p:cSld>
     <p:spTree>
@@ -7462,7 +8316,7 @@
 </p:sld>
 </file>
 
-<file path=ppt/slides/slide12.xml><?xml version="1.0" encoding="utf-8"?>
+<file path=ppt/slides/slide13.xml><?xml version="1.0" encoding="utf-8"?>
 <p:sld xmlns:a="http://schemas.openxmlformats.org/drawingml/2006/main" xmlns:r="http://schemas.openxmlformats.org/officeDocument/2006/relationships" xmlns:p="http://schemas.openxmlformats.org/presentationml/2006/main">
   <p:cSld>
     <p:spTree>
@@ -8324,7 +9178,7 @@
 </p:sld>
 </file>
 
-<file path=ppt/slides/slide13.xml><?xml version="1.0" encoding="utf-8"?>
+<file path=ppt/slides/slide14.xml><?xml version="1.0" encoding="utf-8"?>
 <p:sld xmlns:a="http://schemas.openxmlformats.org/drawingml/2006/main" xmlns:r="http://schemas.openxmlformats.org/officeDocument/2006/relationships" xmlns:p="http://schemas.openxmlformats.org/presentationml/2006/main">
   <p:cSld>
     <p:spTree>
@@ -8956,7 +9810,7 @@
 </p:sld>
 </file>
 
-<file path=ppt/slides/slide14.xml><?xml version="1.0" encoding="utf-8"?>
+<file path=ppt/slides/slide15.xml><?xml version="1.0" encoding="utf-8"?>
 <p:sld xmlns:a="http://schemas.openxmlformats.org/drawingml/2006/main" xmlns:r="http://schemas.openxmlformats.org/officeDocument/2006/relationships" xmlns:p="http://schemas.openxmlformats.org/presentationml/2006/main">
   <p:cSld>
     <p:spTree>
@@ -9502,7 +10356,7 @@
 </p:sld>
 </file>
 
-<file path=ppt/slides/slide15.xml><?xml version="1.0" encoding="utf-8"?>
+<file path=ppt/slides/slide16.xml><?xml version="1.0" encoding="utf-8"?>
 <p:sld xmlns:a="http://schemas.openxmlformats.org/drawingml/2006/main" xmlns:r="http://schemas.openxmlformats.org/officeDocument/2006/relationships" xmlns:p="http://schemas.openxmlformats.org/presentationml/2006/main">
   <p:cSld>
     <p:spTree>
@@ -10073,7 +10927,7 @@
 </p:sld>
 </file>
 
-<file path=ppt/slides/slide16.xml><?xml version="1.0" encoding="utf-8"?>
+<file path=ppt/slides/slide17.xml><?xml version="1.0" encoding="utf-8"?>
 <p:sld xmlns:a="http://schemas.openxmlformats.org/drawingml/2006/main" xmlns:r="http://schemas.openxmlformats.org/officeDocument/2006/relationships" xmlns:p="http://schemas.openxmlformats.org/presentationml/2006/main">
   <p:cSld>
     <p:spTree>
@@ -10629,7 +11483,7 @@
 </p:sld>
 </file>
 
-<file path=ppt/slides/slide17.xml><?xml version="1.0" encoding="utf-8"?>
+<file path=ppt/slides/slide18.xml><?xml version="1.0" encoding="utf-8"?>
 <p:sld xmlns:a="http://schemas.openxmlformats.org/drawingml/2006/main" xmlns:r="http://schemas.openxmlformats.org/officeDocument/2006/relationships" xmlns:p="http://schemas.openxmlformats.org/presentationml/2006/main">
   <p:cSld>
     <p:spTree>
@@ -11964,7 +12818,7 @@
 </p:sld>
 </file>
 
-<file path=ppt/slides/slide18.xml><?xml version="1.0" encoding="utf-8"?>
+<file path=ppt/slides/slide19.xml><?xml version="1.0" encoding="utf-8"?>
 <p:sld xmlns:a="http://schemas.openxmlformats.org/drawingml/2006/main" xmlns:r="http://schemas.openxmlformats.org/officeDocument/2006/relationships" xmlns:p="http://schemas.openxmlformats.org/presentationml/2006/main">
   <p:cSld>
     <p:spTree>
@@ -12049,7 +12903,119 @@
 </p:sld>
 </file>
 
-<file path=ppt/slides/slide19.xml><?xml version="1.0" encoding="utf-8"?>
+<file path=ppt/slides/slide2.xml><?xml version="1.0" encoding="utf-8"?>
+<p:sld xmlns:a="http://schemas.openxmlformats.org/drawingml/2006/main" xmlns:r="http://schemas.openxmlformats.org/officeDocument/2006/relationships" xmlns:p="http://schemas.openxmlformats.org/presentationml/2006/main">
+  <p:cSld>
+    <p:spTree>
+      <p:nvGrpSpPr>
+        <p:cNvPr id="1" name=""/>
+        <p:cNvGrpSpPr/>
+        <p:nvPr/>
+      </p:nvGrpSpPr>
+      <p:grpSpPr>
+        <a:xfrm>
+          <a:off x="0" y="0"/>
+          <a:ext cx="0" cy="0"/>
+          <a:chOff x="0" y="0"/>
+          <a:chExt cx="0" cy="0"/>
+        </a:xfrm>
+      </p:grpSpPr>
+      <p:sp>
+        <p:nvSpPr>
+          <p:cNvPr id="2" name="Title 1"/>
+          <p:cNvSpPr>
+            <a:spLocks noGrp="1"/>
+          </p:cNvSpPr>
+          <p:nvPr>
+            <p:ph type="title"/>
+          </p:nvPr>
+        </p:nvSpPr>
+        <p:spPr/>
+        <p:txBody>
+          <a:bodyPr/>
+          <a:lstStyle/>
+          <a:p>
+            <a:r>
+              <a:rPr lang="pt-BR"/>
+              <a:t>Recapitulando</a:t>
+            </a:r>
+            <a:endParaRPr lang="pt-BR" dirty="0"/>
+          </a:p>
+        </p:txBody>
+      </p:sp>
+      <p:sp>
+        <p:nvSpPr>
+          <p:cNvPr id="3" name="Content Placeholder 2"/>
+          <p:cNvSpPr>
+            <a:spLocks noGrp="1"/>
+          </p:cNvSpPr>
+          <p:nvPr>
+            <p:ph idx="1"/>
+          </p:nvPr>
+        </p:nvSpPr>
+        <p:spPr>
+          <a:xfrm>
+            <a:off x="838199" y="1825624"/>
+            <a:ext cx="11187023" cy="5032376"/>
+          </a:xfrm>
+        </p:spPr>
+        <p:txBody>
+          <a:bodyPr>
+            <a:normAutofit/>
+          </a:bodyPr>
+          <a:lstStyle/>
+          <a:p>
+            <a:r>
+              <a:rPr lang="pt-BR" dirty="0"/>
+              <a:t>Neste documento, veremos um tipo de </a:t>
+            </a:r>
+            <a:r>
+              <a:rPr lang="pt-BR" b="1" i="1" dirty="0"/>
+              <a:t>pré-processamento</a:t>
+            </a:r>
+            <a:r>
+              <a:rPr lang="pt-BR" dirty="0"/>
+              <a:t> bastante importante para algoritmos de ML que usam métricas de distância como função de erro.</a:t>
+            </a:r>
+          </a:p>
+          <a:p>
+            <a:pPr lvl="1">
+              <a:buFont typeface="Wingdings" panose="05000000000000000000" pitchFamily="2" charset="2"/>
+              <a:buChar char="§"/>
+            </a:pPr>
+            <a:r>
+              <a:rPr lang="pt-BR" b="1" dirty="0"/>
+              <a:t>Pré-processamento</a:t>
+            </a:r>
+            <a:r>
+              <a:rPr lang="pt-BR" dirty="0"/>
+              <a:t>:</a:t>
+            </a:r>
+            <a:r>
+              <a:rPr lang="pt-BR" b="1" i="1" dirty="0"/>
+              <a:t> </a:t>
+            </a:r>
+            <a:r>
+              <a:rPr lang="pt-BR" dirty="0"/>
+              <a:t>Técnicas aplicadas ao conjunto de dados antes do treinamento.</a:t>
+            </a:r>
+          </a:p>
+        </p:txBody>
+      </p:sp>
+    </p:spTree>
+    <p:extLst>
+      <p:ext uri="{BB962C8B-B14F-4D97-AF65-F5344CB8AC3E}">
+        <p14:creationId xmlns:p14="http://schemas.microsoft.com/office/powerpoint/2010/main" val="3057771208"/>
+      </p:ext>
+    </p:extLst>
+  </p:cSld>
+  <p:clrMapOvr>
+    <a:masterClrMapping/>
+  </p:clrMapOvr>
+</p:sld>
+</file>
+
+<file path=ppt/slides/slide20.xml><?xml version="1.0" encoding="utf-8"?>
 <p:sld xmlns:a="http://schemas.openxmlformats.org/drawingml/2006/main" xmlns:r="http://schemas.openxmlformats.org/officeDocument/2006/relationships" xmlns:p="http://schemas.openxmlformats.org/presentationml/2006/main">
   <p:cSld>
     <p:spTree>
@@ -12315,119 +13281,7 @@
 </p:sld>
 </file>
 
-<file path=ppt/slides/slide2.xml><?xml version="1.0" encoding="utf-8"?>
-<p:sld xmlns:a="http://schemas.openxmlformats.org/drawingml/2006/main" xmlns:r="http://schemas.openxmlformats.org/officeDocument/2006/relationships" xmlns:p="http://schemas.openxmlformats.org/presentationml/2006/main">
-  <p:cSld>
-    <p:spTree>
-      <p:nvGrpSpPr>
-        <p:cNvPr id="1" name=""/>
-        <p:cNvGrpSpPr/>
-        <p:nvPr/>
-      </p:nvGrpSpPr>
-      <p:grpSpPr>
-        <a:xfrm>
-          <a:off x="0" y="0"/>
-          <a:ext cx="0" cy="0"/>
-          <a:chOff x="0" y="0"/>
-          <a:chExt cx="0" cy="0"/>
-        </a:xfrm>
-      </p:grpSpPr>
-      <p:sp>
-        <p:nvSpPr>
-          <p:cNvPr id="2" name="Title 1"/>
-          <p:cNvSpPr>
-            <a:spLocks noGrp="1"/>
-          </p:cNvSpPr>
-          <p:nvPr>
-            <p:ph type="title"/>
-          </p:nvPr>
-        </p:nvSpPr>
-        <p:spPr/>
-        <p:txBody>
-          <a:bodyPr/>
-          <a:lstStyle/>
-          <a:p>
-            <a:r>
-              <a:rPr lang="pt-BR"/>
-              <a:t>Recapitulando</a:t>
-            </a:r>
-            <a:endParaRPr lang="pt-BR" dirty="0"/>
-          </a:p>
-        </p:txBody>
-      </p:sp>
-      <p:sp>
-        <p:nvSpPr>
-          <p:cNvPr id="3" name="Content Placeholder 2"/>
-          <p:cNvSpPr>
-            <a:spLocks noGrp="1"/>
-          </p:cNvSpPr>
-          <p:nvPr>
-            <p:ph idx="1"/>
-          </p:nvPr>
-        </p:nvSpPr>
-        <p:spPr>
-          <a:xfrm>
-            <a:off x="838199" y="1825624"/>
-            <a:ext cx="11187023" cy="5032376"/>
-          </a:xfrm>
-        </p:spPr>
-        <p:txBody>
-          <a:bodyPr>
-            <a:normAutofit/>
-          </a:bodyPr>
-          <a:lstStyle/>
-          <a:p>
-            <a:r>
-              <a:rPr lang="pt-BR" dirty="0"/>
-              <a:t>Neste documento, veremos um tipo de </a:t>
-            </a:r>
-            <a:r>
-              <a:rPr lang="pt-BR" b="1" i="1" dirty="0"/>
-              <a:t>pré-processamento</a:t>
-            </a:r>
-            <a:r>
-              <a:rPr lang="pt-BR" dirty="0"/>
-              <a:t> bastante importante para algoritmos de ML que usam métricas de distância como função de erro.</a:t>
-            </a:r>
-          </a:p>
-          <a:p>
-            <a:pPr lvl="1">
-              <a:buFont typeface="Wingdings" panose="05000000000000000000" pitchFamily="2" charset="2"/>
-              <a:buChar char="§"/>
-            </a:pPr>
-            <a:r>
-              <a:rPr lang="pt-BR" b="1" dirty="0"/>
-              <a:t>Pré-processamento</a:t>
-            </a:r>
-            <a:r>
-              <a:rPr lang="pt-BR" dirty="0"/>
-              <a:t>:</a:t>
-            </a:r>
-            <a:r>
-              <a:rPr lang="pt-BR" b="1" i="1" dirty="0"/>
-              <a:t> </a:t>
-            </a:r>
-            <a:r>
-              <a:rPr lang="pt-BR" dirty="0"/>
-              <a:t>Técnicas aplicadas ao conjunto de dados antes do treinamento.</a:t>
-            </a:r>
-          </a:p>
-        </p:txBody>
-      </p:sp>
-    </p:spTree>
-    <p:extLst>
-      <p:ext uri="{BB962C8B-B14F-4D97-AF65-F5344CB8AC3E}">
-        <p14:creationId xmlns:p14="http://schemas.microsoft.com/office/powerpoint/2010/main" val="3057771208"/>
-      </p:ext>
-    </p:extLst>
-  </p:cSld>
-  <p:clrMapOvr>
-    <a:masterClrMapping/>
-  </p:clrMapOvr>
-</p:sld>
-</file>
-
-<file path=ppt/slides/slide20.xml><?xml version="1.0" encoding="utf-8"?>
+<file path=ppt/slides/slide21.xml><?xml version="1.0" encoding="utf-8"?>
 <p:sld xmlns:a="http://schemas.openxmlformats.org/drawingml/2006/main" xmlns:r="http://schemas.openxmlformats.org/officeDocument/2006/relationships" xmlns:p="http://schemas.openxmlformats.org/presentationml/2006/main">
   <p:cSld>
     <p:spTree>
@@ -12485,7 +13339,7 @@
 </p:sld>
 </file>
 
-<file path=ppt/slides/slide21.xml><?xml version="1.0" encoding="utf-8"?>
+<file path=ppt/slides/slide22.xml><?xml version="1.0" encoding="utf-8"?>
 <p:sld xmlns:a="http://schemas.openxmlformats.org/drawingml/2006/main" xmlns:r="http://schemas.openxmlformats.org/officeDocument/2006/relationships" xmlns:p="http://schemas.openxmlformats.org/presentationml/2006/main">
   <p:cSld>
     <p:spTree>
@@ -15911,7 +16765,7 @@
 </p:sld>
 </file>
 
-<file path=ppt/slides/slide22.xml><?xml version="1.0" encoding="utf-8"?>
+<file path=ppt/slides/slide23.xml><?xml version="1.0" encoding="utf-8"?>
 <p:sld xmlns:a="http://schemas.openxmlformats.org/drawingml/2006/main" xmlns:r="http://schemas.openxmlformats.org/officeDocument/2006/relationships" xmlns:p="http://schemas.openxmlformats.org/presentationml/2006/main">
   <p:cSld>
     <p:spTree>
@@ -16538,8 +17392,8 @@
             </a:fontRef>
           </p:style>
         </p:cxnSp>
-        <mc:AlternateContent xmlns:mc="http://schemas.openxmlformats.org/markup-compatibility/2006">
-          <mc:Choice xmlns:a14="http://schemas.microsoft.com/office/drawing/2010/main" Requires="a14">
+        <mc:AlternateContent xmlns:mc="http://schemas.openxmlformats.org/markup-compatibility/2006" xmlns:a14="http://schemas.microsoft.com/office/drawing/2010/main">
+          <mc:Choice Requires="a14">
             <p:sp>
               <p:nvSpPr>
                 <p:cNvPr id="162" name="TextBox 161"/>
@@ -16602,7 +17456,7 @@
               </p:txBody>
             </p:sp>
           </mc:Choice>
-          <mc:Fallback>
+          <mc:Fallback xmlns="">
             <p:sp>
               <p:nvSpPr>
                 <p:cNvPr id="162" name="TextBox 161"/>
@@ -16641,8 +17495,8 @@
             </p:sp>
           </mc:Fallback>
         </mc:AlternateContent>
-        <mc:AlternateContent xmlns:mc="http://schemas.openxmlformats.org/markup-compatibility/2006">
-          <mc:Choice xmlns:a14="http://schemas.microsoft.com/office/drawing/2010/main" Requires="a14">
+        <mc:AlternateContent xmlns:mc="http://schemas.openxmlformats.org/markup-compatibility/2006" xmlns:a14="http://schemas.microsoft.com/office/drawing/2010/main">
+          <mc:Choice Requires="a14">
             <p:sp>
               <p:nvSpPr>
                 <p:cNvPr id="163" name="TextBox 162"/>
@@ -16705,7 +17559,7 @@
               </p:txBody>
             </p:sp>
           </mc:Choice>
-          <mc:Fallback>
+          <mc:Fallback xmlns="">
             <p:sp>
               <p:nvSpPr>
                 <p:cNvPr id="163" name="TextBox 162"/>
@@ -17227,8 +18081,8 @@
             </a:fontRef>
           </p:style>
         </p:cxnSp>
-        <mc:AlternateContent xmlns:mc="http://schemas.openxmlformats.org/markup-compatibility/2006">
-          <mc:Choice xmlns:a14="http://schemas.microsoft.com/office/drawing/2010/main" Requires="a14">
+        <mc:AlternateContent xmlns:mc="http://schemas.openxmlformats.org/markup-compatibility/2006" xmlns:a14="http://schemas.microsoft.com/office/drawing/2010/main">
+          <mc:Choice Requires="a14">
             <p:sp>
               <p:nvSpPr>
                 <p:cNvPr id="164" name="TextBox 163"/>
@@ -17291,7 +18145,7 @@
               </p:txBody>
             </p:sp>
           </mc:Choice>
-          <mc:Fallback>
+          <mc:Fallback xmlns="">
             <p:sp>
               <p:nvSpPr>
                 <p:cNvPr id="164" name="TextBox 163"/>
@@ -17330,8 +18184,8 @@
             </p:sp>
           </mc:Fallback>
         </mc:AlternateContent>
-        <mc:AlternateContent xmlns:mc="http://schemas.openxmlformats.org/markup-compatibility/2006">
-          <mc:Choice xmlns:a14="http://schemas.microsoft.com/office/drawing/2010/main" Requires="a14">
+        <mc:AlternateContent xmlns:mc="http://schemas.openxmlformats.org/markup-compatibility/2006" xmlns:a14="http://schemas.microsoft.com/office/drawing/2010/main">
+          <mc:Choice Requires="a14">
             <p:sp>
               <p:nvSpPr>
                 <p:cNvPr id="165" name="TextBox 164"/>
@@ -17394,7 +18248,7 @@
               </p:txBody>
             </p:sp>
           </mc:Choice>
-          <mc:Fallback>
+          <mc:Fallback xmlns="">
             <p:sp>
               <p:nvSpPr>
                 <p:cNvPr id="165" name="TextBox 164"/>
@@ -19210,7 +20064,7 @@
 </p:sld>
 </file>
 
-<file path=ppt/slides/slide23.xml><?xml version="1.0" encoding="utf-8"?>
+<file path=ppt/slides/slide24.xml><?xml version="1.0" encoding="utf-8"?>
 <p:sld xmlns:a="http://schemas.openxmlformats.org/drawingml/2006/main" xmlns:r="http://schemas.openxmlformats.org/officeDocument/2006/relationships" xmlns:p="http://schemas.openxmlformats.org/presentationml/2006/main">
   <p:cSld>
     <p:spTree>
@@ -26586,8 +27440,8 @@
           </a:p>
         </p:txBody>
       </p:sp>
-      <mc:AlternateContent xmlns:mc="http://schemas.openxmlformats.org/markup-compatibility/2006">
-        <mc:Choice xmlns:a14="http://schemas.microsoft.com/office/drawing/2010/main" Requires="a14">
+      <mc:AlternateContent xmlns:mc="http://schemas.openxmlformats.org/markup-compatibility/2006" xmlns:a14="http://schemas.microsoft.com/office/drawing/2010/main">
+        <mc:Choice Requires="a14">
           <p:sp>
             <p:nvSpPr>
               <p:cNvPr id="3" name="Content Placeholder 2"/>
@@ -27103,7 +27957,7 @@
             </p:txBody>
           </p:sp>
         </mc:Choice>
-        <mc:Fallback>
+        <mc:Fallback xmlns="">
           <p:sp>
             <p:nvSpPr>
               <p:cNvPr id="3" name="Content Placeholder 2"/>
